--- a/Intro to D3 Presentation.pptx
+++ b/Intro to D3 Presentation.pptx
@@ -5,30 +5,31 @@
     <p:sldMasterId id="2147485111" r:id="rId1"/>
   </p:sldMasterIdLst>
   <p:sldIdLst>
-    <p:sldId id="256" r:id="rId2"/>
-    <p:sldId id="257" r:id="rId3"/>
-    <p:sldId id="258" r:id="rId4"/>
-    <p:sldId id="259" r:id="rId5"/>
-    <p:sldId id="260" r:id="rId6"/>
-    <p:sldId id="268" r:id="rId7"/>
-    <p:sldId id="278" r:id="rId8"/>
-    <p:sldId id="261" r:id="rId9"/>
-    <p:sldId id="262" r:id="rId10"/>
-    <p:sldId id="263" r:id="rId11"/>
-    <p:sldId id="264" r:id="rId12"/>
-    <p:sldId id="265" r:id="rId13"/>
-    <p:sldId id="266" r:id="rId14"/>
-    <p:sldId id="267" r:id="rId15"/>
-    <p:sldId id="269" r:id="rId16"/>
-    <p:sldId id="279" r:id="rId17"/>
-    <p:sldId id="270" r:id="rId18"/>
-    <p:sldId id="271" r:id="rId19"/>
-    <p:sldId id="272" r:id="rId20"/>
-    <p:sldId id="280" r:id="rId21"/>
-    <p:sldId id="274" r:id="rId22"/>
-    <p:sldId id="276" r:id="rId23"/>
-    <p:sldId id="277" r:id="rId24"/>
-    <p:sldId id="273" r:id="rId25"/>
+    <p:sldId id="273" r:id="rId2"/>
+    <p:sldId id="256" r:id="rId3"/>
+    <p:sldId id="257" r:id="rId4"/>
+    <p:sldId id="258" r:id="rId5"/>
+    <p:sldId id="259" r:id="rId6"/>
+    <p:sldId id="260" r:id="rId7"/>
+    <p:sldId id="268" r:id="rId8"/>
+    <p:sldId id="278" r:id="rId9"/>
+    <p:sldId id="261" r:id="rId10"/>
+    <p:sldId id="262" r:id="rId11"/>
+    <p:sldId id="263" r:id="rId12"/>
+    <p:sldId id="264" r:id="rId13"/>
+    <p:sldId id="265" r:id="rId14"/>
+    <p:sldId id="266" r:id="rId15"/>
+    <p:sldId id="267" r:id="rId16"/>
+    <p:sldId id="269" r:id="rId17"/>
+    <p:sldId id="279" r:id="rId18"/>
+    <p:sldId id="270" r:id="rId19"/>
+    <p:sldId id="271" r:id="rId20"/>
+    <p:sldId id="272" r:id="rId21"/>
+    <p:sldId id="280" r:id="rId22"/>
+    <p:sldId id="274" r:id="rId23"/>
+    <p:sldId id="276" r:id="rId24"/>
+    <p:sldId id="277" r:id="rId25"/>
+    <p:sldId id="281" r:id="rId26"/>
   </p:sldIdLst>
   <p:sldSz cx="12192000" cy="6858000"/>
   <p:notesSz cx="6858000" cy="9144000"/>
@@ -127,6 +128,11 @@
       </a:defRPr>
     </a:lvl9pPr>
   </p:defaultTextStyle>
+  <p:extLst>
+    <p:ext uri="{EFAFB233-063F-42B5-8137-9DF3F51BA10A}">
+      <p15:sldGuideLst xmlns:p15="http://schemas.microsoft.com/office/powerpoint/2012/main"/>
+    </p:ext>
+  </p:extLst>
 </p:presentation>
 </file>
 
@@ -405,7 +411,7 @@
             <a:fld id="{B61BEF0D-F0BB-DE4B-95CE-6DB70DBA9567}" type="datetimeFigureOut">
               <a:rPr lang="en-US" smtClean="0"/>
               <a:pPr/>
-              <a:t>10/18/18</a:t>
+              <a:t>10/24/18</a:t>
             </a:fld>
             <a:endParaRPr lang="en-US" dirty="0"/>
           </a:p>
@@ -826,7 +832,7 @@
             <a:fld id="{B61BEF0D-F0BB-DE4B-95CE-6DB70DBA9567}" type="datetimeFigureOut">
               <a:rPr lang="en-US" smtClean="0"/>
               <a:pPr/>
-              <a:t>10/18/18</a:t>
+              <a:t>10/24/18</a:t>
             </a:fld>
             <a:endParaRPr lang="en-US" dirty="0"/>
           </a:p>
@@ -1164,7 +1170,7 @@
             <a:fld id="{B61BEF0D-F0BB-DE4B-95CE-6DB70DBA9567}" type="datetimeFigureOut">
               <a:rPr lang="en-US" smtClean="0"/>
               <a:pPr/>
-              <a:t>10/18/18</a:t>
+              <a:t>10/24/18</a:t>
             </a:fld>
             <a:endParaRPr lang="en-US" dirty="0"/>
           </a:p>
@@ -1571,7 +1577,7 @@
             <a:fld id="{B61BEF0D-F0BB-DE4B-95CE-6DB70DBA9567}" type="datetimeFigureOut">
               <a:rPr lang="en-US" smtClean="0"/>
               <a:pPr/>
-              <a:t>10/18/18</a:t>
+              <a:t>10/24/18</a:t>
             </a:fld>
             <a:endParaRPr lang="en-US" dirty="0"/>
           </a:p>
@@ -2141,7 +2147,7 @@
             <a:fld id="{B61BEF0D-F0BB-DE4B-95CE-6DB70DBA9567}" type="datetimeFigureOut">
               <a:rPr lang="en-US" smtClean="0"/>
               <a:pPr/>
-              <a:t>10/18/18</a:t>
+              <a:t>10/24/18</a:t>
             </a:fld>
             <a:endParaRPr lang="en-US" dirty="0"/>
           </a:p>
@@ -2824,7 +2830,7 @@
             <a:fld id="{B61BEF0D-F0BB-DE4B-95CE-6DB70DBA9567}" type="datetimeFigureOut">
               <a:rPr lang="en-US" smtClean="0"/>
               <a:pPr/>
-              <a:t>10/18/18</a:t>
+              <a:t>10/24/18</a:t>
             </a:fld>
             <a:endParaRPr lang="en-US" dirty="0"/>
           </a:p>
@@ -3739,7 +3745,7 @@
             <a:fld id="{B61BEF0D-F0BB-DE4B-95CE-6DB70DBA9567}" type="datetimeFigureOut">
               <a:rPr lang="en-US" smtClean="0"/>
               <a:pPr/>
-              <a:t>10/18/18</a:t>
+              <a:t>10/24/18</a:t>
             </a:fld>
             <a:endParaRPr lang="en-US" dirty="0"/>
           </a:p>
@@ -4054,7 +4060,7 @@
             <a:fld id="{B61BEF0D-F0BB-DE4B-95CE-6DB70DBA9567}" type="datetimeFigureOut">
               <a:rPr lang="en-US" smtClean="0"/>
               <a:pPr/>
-              <a:t>10/18/18</a:t>
+              <a:t>10/24/18</a:t>
             </a:fld>
             <a:endParaRPr lang="en-US" dirty="0"/>
           </a:p>
@@ -4320,7 +4326,7 @@
             <a:fld id="{B61BEF0D-F0BB-DE4B-95CE-6DB70DBA9567}" type="datetimeFigureOut">
               <a:rPr lang="en-US" smtClean="0"/>
               <a:pPr/>
-              <a:t>10/18/18</a:t>
+              <a:t>10/24/18</a:t>
             </a:fld>
             <a:endParaRPr lang="en-US" dirty="0"/>
           </a:p>
@@ -4650,7 +4656,7 @@
             <a:fld id="{B61BEF0D-F0BB-DE4B-95CE-6DB70DBA9567}" type="datetimeFigureOut">
               <a:rPr lang="en-US" smtClean="0"/>
               <a:pPr/>
-              <a:t>10/18/18</a:t>
+              <a:t>10/24/18</a:t>
             </a:fld>
             <a:endParaRPr lang="en-US" dirty="0"/>
           </a:p>
@@ -5041,7 +5047,7 @@
             <a:fld id="{B61BEF0D-F0BB-DE4B-95CE-6DB70DBA9567}" type="datetimeFigureOut">
               <a:rPr lang="en-US" smtClean="0"/>
               <a:pPr/>
-              <a:t>10/18/18</a:t>
+              <a:t>10/24/18</a:t>
             </a:fld>
             <a:endParaRPr lang="en-US" dirty="0"/>
           </a:p>
@@ -5424,7 +5430,7 @@
             <a:fld id="{B61BEF0D-F0BB-DE4B-95CE-6DB70DBA9567}" type="datetimeFigureOut">
               <a:rPr lang="en-US" smtClean="0"/>
               <a:pPr/>
-              <a:t>10/18/18</a:t>
+              <a:t>10/24/18</a:t>
             </a:fld>
             <a:endParaRPr lang="en-US" dirty="0"/>
           </a:p>
@@ -5937,7 +5943,7 @@
             <a:fld id="{B61BEF0D-F0BB-DE4B-95CE-6DB70DBA9567}" type="datetimeFigureOut">
               <a:rPr lang="en-US" smtClean="0"/>
               <a:pPr/>
-              <a:t>10/18/18</a:t>
+              <a:t>10/24/18</a:t>
             </a:fld>
             <a:endParaRPr lang="en-US" dirty="0"/>
           </a:p>
@@ -6201,7 +6207,7 @@
             <a:fld id="{B61BEF0D-F0BB-DE4B-95CE-6DB70DBA9567}" type="datetimeFigureOut">
               <a:rPr lang="en-US" smtClean="0"/>
               <a:pPr/>
-              <a:t>10/18/18</a:t>
+              <a:t>10/24/18</a:t>
             </a:fld>
             <a:endParaRPr lang="en-US" dirty="0"/>
           </a:p>
@@ -6366,7 +6372,7 @@
             <a:fld id="{B61BEF0D-F0BB-DE4B-95CE-6DB70DBA9567}" type="datetimeFigureOut">
               <a:rPr lang="en-US" smtClean="0"/>
               <a:pPr/>
-              <a:t>10/18/18</a:t>
+              <a:t>10/24/18</a:t>
             </a:fld>
             <a:endParaRPr lang="en-US" dirty="0"/>
           </a:p>
@@ -6763,7 +6769,7 @@
             <a:fld id="{B61BEF0D-F0BB-DE4B-95CE-6DB70DBA9567}" type="datetimeFigureOut">
               <a:rPr lang="en-US" smtClean="0"/>
               <a:pPr/>
-              <a:t>10/18/18</a:t>
+              <a:t>10/24/18</a:t>
             </a:fld>
             <a:endParaRPr lang="en-US" dirty="0"/>
           </a:p>
@@ -7179,7 +7185,7 @@
             <a:fld id="{B61BEF0D-F0BB-DE4B-95CE-6DB70DBA9567}" type="datetimeFigureOut">
               <a:rPr lang="en-US" smtClean="0"/>
               <a:pPr/>
-              <a:t>10/18/18</a:t>
+              <a:t>10/24/18</a:t>
             </a:fld>
             <a:endParaRPr lang="en-US" dirty="0"/>
           </a:p>
@@ -7430,7 +7436,7 @@
             <a:fld id="{B61BEF0D-F0BB-DE4B-95CE-6DB70DBA9567}" type="datetimeFigureOut">
               <a:rPr lang="en-US" smtClean="0"/>
               <a:pPr/>
-              <a:t>10/18/18</a:t>
+              <a:t>10/24/18</a:t>
             </a:fld>
             <a:endParaRPr lang="en-US" dirty="0"/>
           </a:p>
@@ -7854,7 +7860,7 @@
             <a:spLocks noGrp="1"/>
           </p:cNvSpPr>
           <p:nvPr>
-            <p:ph type="ctrTitle"/>
+            <p:ph type="title"/>
           </p:nvPr>
         </p:nvSpPr>
         <p:spPr/>
@@ -7864,39 +7870,82 @@
           <a:p>
             <a:r>
               <a:rPr lang="en-US" dirty="0" smtClean="0"/>
-              <a:t>Introduction to D3.js</a:t>
-            </a:r>
-            <a:endParaRPr lang="en-US" dirty="0"/>
-          </a:p>
-        </p:txBody>
-      </p:sp>
-      <p:sp>
-        <p:nvSpPr>
-          <p:cNvPr id="3" name="Subtitle 2"/>
-          <p:cNvSpPr>
-            <a:spLocks noGrp="1"/>
-          </p:cNvSpPr>
-          <p:nvPr>
-            <p:ph type="subTitle" idx="1"/>
-          </p:nvPr>
-        </p:nvSpPr>
-        <p:spPr/>
-        <p:txBody>
-          <a:bodyPr/>
-          <a:lstStyle/>
-          <a:p>
-            <a:r>
-              <a:rPr lang="en-US" dirty="0" smtClean="0"/>
-              <a:t>By Alex Rogers</a:t>
-            </a:r>
-            <a:endParaRPr lang="en-US" dirty="0"/>
+              <a:t>Follow Along</a:t>
+            </a:r>
+            <a:endParaRPr lang="en-US" dirty="0"/>
+          </a:p>
+        </p:txBody>
+      </p:sp>
+      <p:pic>
+        <p:nvPicPr>
+          <p:cNvPr id="5" name="Picture 4"/>
+          <p:cNvPicPr>
+            <a:picLocks noChangeAspect="1"/>
+          </p:cNvPicPr>
+          <p:nvPr/>
+        </p:nvPicPr>
+        <p:blipFill>
+          <a:blip r:embed="rId2">
+            <a:extLst>
+              <a:ext uri="{28A0092B-C50C-407E-A947-70E740481C1C}">
+                <a14:useLocalDpi xmlns:a14="http://schemas.microsoft.com/office/drawing/2010/main" val="0"/>
+              </a:ext>
+            </a:extLst>
+          </a:blip>
+          <a:stretch>
+            <a:fillRect/>
+          </a:stretch>
+        </p:blipFill>
+        <p:spPr>
+          <a:xfrm>
+            <a:off x="680321" y="4071444"/>
+            <a:ext cx="10842968" cy="311369"/>
+          </a:xfrm>
+          <a:prstGeom prst="rect">
+            <a:avLst/>
+          </a:prstGeom>
+        </p:spPr>
+      </p:pic>
+      <p:sp>
+        <p:nvSpPr>
+          <p:cNvPr id="7" name="TextBox 6"/>
+          <p:cNvSpPr txBox="1"/>
+          <p:nvPr/>
+        </p:nvSpPr>
+        <p:spPr>
+          <a:xfrm>
+            <a:off x="680321" y="5108028"/>
+            <a:ext cx="1132713" cy="276999"/>
+          </a:xfrm>
+          <a:prstGeom prst="rect">
+            <a:avLst/>
+          </a:prstGeom>
+          <a:noFill/>
+        </p:spPr>
+        <p:txBody>
+          <a:bodyPr wrap="square" rtlCol="0">
+            <a:spAutoFit/>
+          </a:bodyPr>
+          <a:lstStyle/>
+          <a:p>
+            <a:r>
+              <a:rPr lang="en-US" sz="1200" b="1" dirty="0" smtClean="0"/>
+              <a:t>*Start </a:t>
+            </a:r>
+            <a:r>
+              <a:rPr lang="en-US" sz="1200" b="1" dirty="0" smtClean="0">
+                <a:hlinkClick r:id="rId3"/>
+              </a:rPr>
+              <a:t>server</a:t>
+            </a:r>
+            <a:endParaRPr lang="en-US" sz="1200" b="1" dirty="0"/>
           </a:p>
         </p:txBody>
       </p:sp>
     </p:spTree>
     <p:extLst>
       <p:ext uri="{BB962C8B-B14F-4D97-AF65-F5344CB8AC3E}">
-        <p14:creationId xmlns:p14="http://schemas.microsoft.com/office/powerpoint/2010/main" val="1549656094"/>
+        <p14:creationId xmlns:p14="http://schemas.microsoft.com/office/powerpoint/2010/main" val="769617165"/>
       </p:ext>
     </p:extLst>
   </p:cSld>
@@ -7947,48 +7996,147 @@
           <a:p>
             <a:r>
               <a:rPr lang="en-US" dirty="0" smtClean="0"/>
-              <a:t>Who should use d3?</a:t>
-            </a:r>
-            <a:endParaRPr lang="en-US" dirty="0"/>
-          </a:p>
-        </p:txBody>
-      </p:sp>
-      <p:sp>
-        <p:nvSpPr>
-          <p:cNvPr id="3" name="Content Placeholder 2"/>
-          <p:cNvSpPr>
-            <a:spLocks noGrp="1"/>
-          </p:cNvSpPr>
-          <p:nvPr>
-            <p:ph idx="1"/>
-          </p:nvPr>
-        </p:nvSpPr>
-        <p:spPr/>
-        <p:txBody>
-          <a:bodyPr/>
-          <a:lstStyle/>
-          <a:p>
-            <a:r>
-              <a:rPr lang="en-US" dirty="0" smtClean="0"/>
-              <a:t>Those who love lots of control over their graphs will like D3</a:t>
-            </a:r>
-          </a:p>
-          <a:p>
-            <a:endParaRPr lang="en-US" dirty="0"/>
-          </a:p>
-          <a:p>
-            <a:r>
-              <a:rPr lang="en-US" dirty="0" smtClean="0"/>
-              <a:t>Those who need a quick graph generated for them may have to get used to D3</a:t>
-            </a:r>
-            <a:endParaRPr lang="en-US" dirty="0"/>
-          </a:p>
-        </p:txBody>
-      </p:sp>
+              <a:t>Who already uses D3?</a:t>
+            </a:r>
+            <a:endParaRPr lang="en-US" dirty="0"/>
+          </a:p>
+        </p:txBody>
+      </p:sp>
+      <p:sp>
+        <p:nvSpPr>
+          <p:cNvPr id="4" name="TextBox 3"/>
+          <p:cNvSpPr txBox="1"/>
+          <p:nvPr/>
+        </p:nvSpPr>
+        <p:spPr>
+          <a:xfrm>
+            <a:off x="457200" y="5943600"/>
+            <a:ext cx="4130565" cy="400110"/>
+          </a:xfrm>
+          <a:prstGeom prst="rect">
+            <a:avLst/>
+          </a:prstGeom>
+          <a:noFill/>
+        </p:spPr>
+        <p:txBody>
+          <a:bodyPr wrap="square" rtlCol="0">
+            <a:spAutoFit/>
+          </a:bodyPr>
+          <a:lstStyle/>
+          <a:p>
+            <a:pPr marL="0" lvl="1"/>
+            <a:r>
+              <a:rPr lang="en-US" sz="1000" b="1" dirty="0"/>
+              <a:t>https://</a:t>
+            </a:r>
+            <a:r>
+              <a:rPr lang="en-US" sz="1000" b="1" dirty="0" err="1"/>
+              <a:t>www.sitepoint.com</a:t>
+            </a:r>
+            <a:r>
+              <a:rPr lang="en-US" sz="1000" b="1" dirty="0"/>
+              <a:t>/15-best-javascript-charting-libraries/</a:t>
+            </a:r>
+          </a:p>
+          <a:p>
+            <a:endParaRPr lang="en-US" sz="1000" b="1" dirty="0"/>
+          </a:p>
+        </p:txBody>
+      </p:sp>
+      <p:pic>
+        <p:nvPicPr>
+          <p:cNvPr id="5" name="Picture 4"/>
+          <p:cNvPicPr>
+            <a:picLocks noChangeAspect="1"/>
+          </p:cNvPicPr>
+          <p:nvPr/>
+        </p:nvPicPr>
+        <p:blipFill>
+          <a:blip r:embed="rId2">
+            <a:extLst>
+              <a:ext uri="{28A0092B-C50C-407E-A947-70E740481C1C}">
+                <a14:useLocalDpi xmlns:a14="http://schemas.microsoft.com/office/drawing/2010/main" val="0"/>
+              </a:ext>
+            </a:extLst>
+          </a:blip>
+          <a:stretch>
+            <a:fillRect/>
+          </a:stretch>
+        </p:blipFill>
+        <p:spPr>
+          <a:xfrm>
+            <a:off x="9428812" y="3074276"/>
+            <a:ext cx="2014888" cy="2014888"/>
+          </a:xfrm>
+          <a:prstGeom prst="rect">
+            <a:avLst/>
+          </a:prstGeom>
+        </p:spPr>
+      </p:pic>
+      <p:pic>
+        <p:nvPicPr>
+          <p:cNvPr id="6" name="Picture 5"/>
+          <p:cNvPicPr>
+            <a:picLocks noChangeAspect="1"/>
+          </p:cNvPicPr>
+          <p:nvPr/>
+        </p:nvPicPr>
+        <p:blipFill>
+          <a:blip r:embed="rId3">
+            <a:extLst>
+              <a:ext uri="{28A0092B-C50C-407E-A947-70E740481C1C}">
+                <a14:useLocalDpi xmlns:a14="http://schemas.microsoft.com/office/drawing/2010/main" val="0"/>
+              </a:ext>
+            </a:extLst>
+          </a:blip>
+          <a:stretch>
+            <a:fillRect/>
+          </a:stretch>
+        </p:blipFill>
+        <p:spPr>
+          <a:xfrm>
+            <a:off x="680321" y="3129087"/>
+            <a:ext cx="2209042" cy="2014888"/>
+          </a:xfrm>
+          <a:prstGeom prst="rect">
+            <a:avLst/>
+          </a:prstGeom>
+        </p:spPr>
+      </p:pic>
+      <p:pic>
+        <p:nvPicPr>
+          <p:cNvPr id="7" name="Picture 6"/>
+          <p:cNvPicPr>
+            <a:picLocks noChangeAspect="1"/>
+          </p:cNvPicPr>
+          <p:nvPr/>
+        </p:nvPicPr>
+        <p:blipFill>
+          <a:blip r:embed="rId4">
+            <a:extLst>
+              <a:ext uri="{28A0092B-C50C-407E-A947-70E740481C1C}">
+                <a14:useLocalDpi xmlns:a14="http://schemas.microsoft.com/office/drawing/2010/main" val="0"/>
+              </a:ext>
+            </a:extLst>
+          </a:blip>
+          <a:stretch>
+            <a:fillRect/>
+          </a:stretch>
+        </p:blipFill>
+        <p:spPr>
+          <a:xfrm>
+            <a:off x="3043260" y="3548956"/>
+            <a:ext cx="6148552" cy="1175150"/>
+          </a:xfrm>
+          <a:prstGeom prst="rect">
+            <a:avLst/>
+          </a:prstGeom>
+        </p:spPr>
+      </p:pic>
     </p:spTree>
     <p:extLst>
       <p:ext uri="{BB962C8B-B14F-4D97-AF65-F5344CB8AC3E}">
-        <p14:creationId xmlns:p14="http://schemas.microsoft.com/office/powerpoint/2010/main" val="1182697477"/>
+        <p14:creationId xmlns:p14="http://schemas.microsoft.com/office/powerpoint/2010/main" val="637917273"/>
       </p:ext>
     </p:extLst>
   </p:cSld>
@@ -8039,75 +8187,48 @@
           <a:p>
             <a:r>
               <a:rPr lang="en-US" dirty="0" smtClean="0"/>
-              <a:t>Examples of D3 (Beginner Level)</a:t>
-            </a:r>
-            <a:endParaRPr lang="en-US" dirty="0"/>
-          </a:p>
-        </p:txBody>
-      </p:sp>
-      <p:pic>
-        <p:nvPicPr>
-          <p:cNvPr id="4" name="Content Placeholder 3"/>
-          <p:cNvPicPr>
-            <a:picLocks noGrp="1" noChangeAspect="1"/>
-          </p:cNvPicPr>
+              <a:t>Who should use d3?</a:t>
+            </a:r>
+            <a:endParaRPr lang="en-US" dirty="0"/>
+          </a:p>
+        </p:txBody>
+      </p:sp>
+      <p:sp>
+        <p:nvSpPr>
+          <p:cNvPr id="3" name="Content Placeholder 2"/>
+          <p:cNvSpPr>
+            <a:spLocks noGrp="1"/>
+          </p:cNvSpPr>
           <p:nvPr>
             <p:ph idx="1"/>
           </p:nvPr>
-        </p:nvPicPr>
-        <p:blipFill>
-          <a:blip r:embed="rId2">
-            <a:extLst>
-              <a:ext uri="{28A0092B-C50C-407E-A947-70E740481C1C}">
-                <a14:useLocalDpi xmlns:a14="http://schemas.microsoft.com/office/drawing/2010/main" val="0"/>
-              </a:ext>
-            </a:extLst>
-          </a:blip>
-          <a:stretch>
-            <a:fillRect/>
-          </a:stretch>
-        </p:blipFill>
-        <p:spPr>
-          <a:xfrm>
-            <a:off x="4756214" y="1917402"/>
-            <a:ext cx="7435786" cy="4940598"/>
-          </a:xfrm>
-        </p:spPr>
-      </p:pic>
-      <p:sp>
-        <p:nvSpPr>
-          <p:cNvPr id="5" name="TextBox 4"/>
-          <p:cNvSpPr txBox="1"/>
-          <p:nvPr/>
-        </p:nvSpPr>
-        <p:spPr>
-          <a:xfrm>
-            <a:off x="457200" y="2357438"/>
-            <a:ext cx="4229100" cy="369332"/>
-          </a:xfrm>
-          <a:prstGeom prst="rect">
-            <a:avLst/>
-          </a:prstGeom>
-          <a:noFill/>
-        </p:spPr>
-        <p:txBody>
-          <a:bodyPr wrap="square" rtlCol="0">
-            <a:spAutoFit/>
-          </a:bodyPr>
-          <a:lstStyle/>
-          <a:p>
-            <a:r>
-              <a:rPr lang="en-US" b="1" dirty="0" smtClean="0"/>
-              <a:t>Simple, static bar graph made in D3</a:t>
-            </a:r>
-            <a:endParaRPr lang="en-US" b="1" dirty="0"/>
+        </p:nvSpPr>
+        <p:spPr/>
+        <p:txBody>
+          <a:bodyPr/>
+          <a:lstStyle/>
+          <a:p>
+            <a:r>
+              <a:rPr lang="en-US" dirty="0" smtClean="0"/>
+              <a:t>Those who love lots of control over their graphs will like D3</a:t>
+            </a:r>
+          </a:p>
+          <a:p>
+            <a:endParaRPr lang="en-US" dirty="0"/>
+          </a:p>
+          <a:p>
+            <a:r>
+              <a:rPr lang="en-US" dirty="0" smtClean="0"/>
+              <a:t>Those who need a quick graph generated for them may have to get used to D3</a:t>
+            </a:r>
+            <a:endParaRPr lang="en-US" dirty="0"/>
           </a:p>
         </p:txBody>
       </p:sp>
     </p:spTree>
     <p:extLst>
       <p:ext uri="{BB962C8B-B14F-4D97-AF65-F5344CB8AC3E}">
-        <p14:creationId xmlns:p14="http://schemas.microsoft.com/office/powerpoint/2010/main" val="938187266"/>
+        <p14:creationId xmlns:p14="http://schemas.microsoft.com/office/powerpoint/2010/main" val="1182697477"/>
       </p:ext>
     </p:extLst>
   </p:cSld>
@@ -8158,99 +8279,24 @@
           <a:p>
             <a:r>
               <a:rPr lang="en-US" dirty="0" smtClean="0"/>
-              <a:t>Examples of D3 (Advanced)</a:t>
-            </a:r>
-            <a:endParaRPr lang="en-US" dirty="0"/>
-          </a:p>
-        </p:txBody>
-      </p:sp>
-      <p:sp>
-        <p:nvSpPr>
-          <p:cNvPr id="3" name="Content Placeholder 2"/>
-          <p:cNvSpPr>
-            <a:spLocks noGrp="1"/>
-          </p:cNvSpPr>
-          <p:nvPr>
-            <p:ph idx="1"/>
-          </p:nvPr>
-        </p:nvSpPr>
-        <p:spPr/>
-        <p:txBody>
-          <a:bodyPr/>
-          <a:lstStyle/>
-          <a:p>
-            <a:pPr marL="228600" lvl="1">
-              <a:spcBef>
-                <a:spcPts val="1000"/>
-              </a:spcBef>
-            </a:pPr>
-            <a:r>
-              <a:rPr lang="en-US" dirty="0"/>
-              <a:t>Advanced Example- </a:t>
-            </a:r>
-            <a:r>
-              <a:rPr lang="en-US" dirty="0">
-                <a:hlinkClick r:id="rId2"/>
-              </a:rPr>
-              <a:t>Map Projection</a:t>
-            </a:r>
-            <a:r>
-              <a:rPr lang="en-US" dirty="0" smtClean="0"/>
-              <a:t>:</a:t>
-            </a:r>
-          </a:p>
-          <a:p>
-            <a:pPr marL="228600" lvl="1">
-              <a:spcBef>
-                <a:spcPts val="1000"/>
-              </a:spcBef>
-            </a:pPr>
-            <a:endParaRPr lang="en-US" dirty="0"/>
-          </a:p>
-        </p:txBody>
-      </p:sp>
-      <p:sp>
-        <p:nvSpPr>
-          <p:cNvPr id="4" name="TextBox 3"/>
-          <p:cNvSpPr txBox="1"/>
-          <p:nvPr/>
-        </p:nvSpPr>
-        <p:spPr>
-          <a:xfrm>
-            <a:off x="425669" y="5933175"/>
-            <a:ext cx="3121573" cy="246221"/>
-          </a:xfrm>
-          <a:prstGeom prst="rect">
-            <a:avLst/>
-          </a:prstGeom>
-          <a:noFill/>
-        </p:spPr>
-        <p:txBody>
-          <a:bodyPr wrap="square" rtlCol="0">
-            <a:spAutoFit/>
-          </a:bodyPr>
-          <a:lstStyle/>
-          <a:p>
-            <a:r>
-              <a:rPr lang="en-US" sz="1000" b="1" dirty="0">
-                <a:hlinkClick r:id="rId2"/>
-              </a:rPr>
-              <a:t>https://www.jasondavies.com/maps/transition/</a:t>
-            </a:r>
-            <a:endParaRPr lang="en-US" sz="1000" b="1" dirty="0"/>
+              <a:t>Examples of D3 (Beginner Level)</a:t>
+            </a:r>
+            <a:endParaRPr lang="en-US" dirty="0"/>
           </a:p>
         </p:txBody>
       </p:sp>
       <p:pic>
         <p:nvPicPr>
-          <p:cNvPr id="5" name="Picture 4"/>
+          <p:cNvPr id="4" name="Content Placeholder 3"/>
           <p:cNvPicPr>
-            <a:picLocks noChangeAspect="1"/>
+            <a:picLocks noGrp="1" noChangeAspect="1"/>
           </p:cNvPicPr>
-          <p:nvPr/>
+          <p:nvPr>
+            <p:ph idx="1"/>
+          </p:nvPr>
         </p:nvPicPr>
         <p:blipFill>
-          <a:blip r:embed="rId3">
+          <a:blip r:embed="rId2">
             <a:extLst>
               <a:ext uri="{28A0092B-C50C-407E-A947-70E740481C1C}">
                 <a14:useLocalDpi xmlns:a14="http://schemas.microsoft.com/office/drawing/2010/main" val="0"/>
@@ -8263,18 +8309,45 @@
         </p:blipFill>
         <p:spPr>
           <a:xfrm>
-            <a:off x="5487251" y="2389300"/>
-            <a:ext cx="6298542" cy="3677410"/>
+            <a:off x="4756214" y="1917402"/>
+            <a:ext cx="7435786" cy="4940598"/>
+          </a:xfrm>
+        </p:spPr>
+      </p:pic>
+      <p:sp>
+        <p:nvSpPr>
+          <p:cNvPr id="5" name="TextBox 4"/>
+          <p:cNvSpPr txBox="1"/>
+          <p:nvPr/>
+        </p:nvSpPr>
+        <p:spPr>
+          <a:xfrm>
+            <a:off x="457200" y="2357438"/>
+            <a:ext cx="4229100" cy="369332"/>
           </a:xfrm>
           <a:prstGeom prst="rect">
             <a:avLst/>
           </a:prstGeom>
-        </p:spPr>
-      </p:pic>
+          <a:noFill/>
+        </p:spPr>
+        <p:txBody>
+          <a:bodyPr wrap="square" rtlCol="0">
+            <a:spAutoFit/>
+          </a:bodyPr>
+          <a:lstStyle/>
+          <a:p>
+            <a:r>
+              <a:rPr lang="en-US" b="1" dirty="0" smtClean="0"/>
+              <a:t>Simple, static bar graph made in D3</a:t>
+            </a:r>
+            <a:endParaRPr lang="en-US" b="1" dirty="0"/>
+          </a:p>
+        </p:txBody>
+      </p:sp>
     </p:spTree>
     <p:extLst>
       <p:ext uri="{BB962C8B-B14F-4D97-AF65-F5344CB8AC3E}">
-        <p14:creationId xmlns:p14="http://schemas.microsoft.com/office/powerpoint/2010/main" val="1951952992"/>
+        <p14:creationId xmlns:p14="http://schemas.microsoft.com/office/powerpoint/2010/main" val="938187266"/>
       </p:ext>
     </p:extLst>
   </p:cSld>
@@ -8325,7 +8398,7 @@
           <a:p>
             <a:r>
               <a:rPr lang="en-US" dirty="0" smtClean="0"/>
-              <a:t>Basics: Bar Graph Overview</a:t>
+              <a:t>Examples of D3 (Advanced)</a:t>
             </a:r>
             <a:endParaRPr lang="en-US" dirty="0"/>
           </a:p>
@@ -8346,44 +8419,102 @@
           <a:bodyPr/>
           <a:lstStyle/>
           <a:p>
+            <a:pPr marL="228600" lvl="1">
+              <a:spcBef>
+                <a:spcPts val="1000"/>
+              </a:spcBef>
+            </a:pPr>
+            <a:r>
+              <a:rPr lang="en-US" dirty="0"/>
+              <a:t>Advanced Example- </a:t>
+            </a:r>
+            <a:r>
+              <a:rPr lang="en-US" dirty="0">
+                <a:hlinkClick r:id="rId2"/>
+              </a:rPr>
+              <a:t>Map Projection</a:t>
+            </a:r>
             <a:r>
               <a:rPr lang="en-US" dirty="0" smtClean="0"/>
-              <a:t>Set up space for data-visualization chart</a:t>
-            </a:r>
-          </a:p>
-          <a:p>
-            <a:r>
-              <a:rPr lang="en-US" dirty="0" smtClean="0"/>
-              <a:t>Layer an X-axis and Y-axis</a:t>
-            </a:r>
-          </a:p>
-          <a:p>
-            <a:r>
-              <a:rPr lang="en-US" dirty="0" smtClean="0"/>
-              <a:t>Bind data to be able to reference in setup</a:t>
-            </a:r>
-          </a:p>
-          <a:p>
-            <a:r>
-              <a:rPr lang="en-US" dirty="0" smtClean="0"/>
-              <a:t>Set </a:t>
-            </a:r>
-            <a:r>
-              <a:rPr lang="en-US" dirty="0" err="1" smtClean="0"/>
-              <a:t>svg</a:t>
-            </a:r>
-            <a:r>
-              <a:rPr lang="en-US" dirty="0" smtClean="0"/>
-              <a:t> attributes to align with shape for graph</a:t>
-            </a:r>
-            <a:endParaRPr lang="en-US" dirty="0"/>
-          </a:p>
-        </p:txBody>
-      </p:sp>
+              <a:t>:</a:t>
+            </a:r>
+          </a:p>
+          <a:p>
+            <a:pPr marL="228600" lvl="1">
+              <a:spcBef>
+                <a:spcPts val="1000"/>
+              </a:spcBef>
+            </a:pPr>
+            <a:endParaRPr lang="en-US" dirty="0"/>
+          </a:p>
+        </p:txBody>
+      </p:sp>
+      <p:sp>
+        <p:nvSpPr>
+          <p:cNvPr id="4" name="TextBox 3"/>
+          <p:cNvSpPr txBox="1"/>
+          <p:nvPr/>
+        </p:nvSpPr>
+        <p:spPr>
+          <a:xfrm>
+            <a:off x="425669" y="5933175"/>
+            <a:ext cx="3121573" cy="246221"/>
+          </a:xfrm>
+          <a:prstGeom prst="rect">
+            <a:avLst/>
+          </a:prstGeom>
+          <a:noFill/>
+        </p:spPr>
+        <p:txBody>
+          <a:bodyPr wrap="square" rtlCol="0">
+            <a:spAutoFit/>
+          </a:bodyPr>
+          <a:lstStyle/>
+          <a:p>
+            <a:r>
+              <a:rPr lang="en-US" sz="1000" b="1" dirty="0">
+                <a:hlinkClick r:id="rId2"/>
+              </a:rPr>
+              <a:t>https://www.jasondavies.com/maps/transition/</a:t>
+            </a:r>
+            <a:endParaRPr lang="en-US" sz="1000" b="1" dirty="0"/>
+          </a:p>
+        </p:txBody>
+      </p:sp>
+      <p:pic>
+        <p:nvPicPr>
+          <p:cNvPr id="5" name="Picture 4"/>
+          <p:cNvPicPr>
+            <a:picLocks noChangeAspect="1"/>
+          </p:cNvPicPr>
+          <p:nvPr/>
+        </p:nvPicPr>
+        <p:blipFill>
+          <a:blip r:embed="rId3">
+            <a:extLst>
+              <a:ext uri="{28A0092B-C50C-407E-A947-70E740481C1C}">
+                <a14:useLocalDpi xmlns:a14="http://schemas.microsoft.com/office/drawing/2010/main" val="0"/>
+              </a:ext>
+            </a:extLst>
+          </a:blip>
+          <a:stretch>
+            <a:fillRect/>
+          </a:stretch>
+        </p:blipFill>
+        <p:spPr>
+          <a:xfrm>
+            <a:off x="5487251" y="2389300"/>
+            <a:ext cx="6298542" cy="3677410"/>
+          </a:xfrm>
+          <a:prstGeom prst="rect">
+            <a:avLst/>
+          </a:prstGeom>
+        </p:spPr>
+      </p:pic>
     </p:spTree>
     <p:extLst>
       <p:ext uri="{BB962C8B-B14F-4D97-AF65-F5344CB8AC3E}">
-        <p14:creationId xmlns:p14="http://schemas.microsoft.com/office/powerpoint/2010/main" val="760808082"/>
+        <p14:creationId xmlns:p14="http://schemas.microsoft.com/office/powerpoint/2010/main" val="1951952992"/>
       </p:ext>
     </p:extLst>
   </p:cSld>
@@ -8434,7 +8565,48 @@
           <a:p>
             <a:r>
               <a:rPr lang="en-US" dirty="0" smtClean="0"/>
-              <a:t>Basics: Creating an </a:t>
+              <a:t>Basics: Bar Graph Overview</a:t>
+            </a:r>
+            <a:endParaRPr lang="en-US" dirty="0"/>
+          </a:p>
+        </p:txBody>
+      </p:sp>
+      <p:sp>
+        <p:nvSpPr>
+          <p:cNvPr id="3" name="Content Placeholder 2"/>
+          <p:cNvSpPr>
+            <a:spLocks noGrp="1"/>
+          </p:cNvSpPr>
+          <p:nvPr>
+            <p:ph idx="1"/>
+          </p:nvPr>
+        </p:nvSpPr>
+        <p:spPr/>
+        <p:txBody>
+          <a:bodyPr/>
+          <a:lstStyle/>
+          <a:p>
+            <a:r>
+              <a:rPr lang="en-US" dirty="0" smtClean="0"/>
+              <a:t>Set up space for data-visualization chart</a:t>
+            </a:r>
+          </a:p>
+          <a:p>
+            <a:r>
+              <a:rPr lang="en-US" dirty="0" smtClean="0"/>
+              <a:t>Layer an X-axis and Y-axis</a:t>
+            </a:r>
+          </a:p>
+          <a:p>
+            <a:r>
+              <a:rPr lang="en-US" dirty="0" smtClean="0"/>
+              <a:t>Bind data to be able to reference in setup</a:t>
+            </a:r>
+          </a:p>
+          <a:p>
+            <a:r>
+              <a:rPr lang="en-US" dirty="0" smtClean="0"/>
+              <a:t>Set </a:t>
             </a:r>
             <a:r>
               <a:rPr lang="en-US" dirty="0" err="1" smtClean="0"/>
@@ -8442,198 +8614,16 @@
             </a:r>
             <a:r>
               <a:rPr lang="en-US" dirty="0" smtClean="0"/>
-              <a:t> canvas</a:t>
-            </a:r>
-            <a:endParaRPr lang="en-US" dirty="0"/>
-          </a:p>
-        </p:txBody>
-      </p:sp>
-      <p:pic>
-        <p:nvPicPr>
-          <p:cNvPr id="4" name="Content Placeholder 3"/>
-          <p:cNvPicPr>
-            <a:picLocks noGrp="1" noChangeAspect="1"/>
-          </p:cNvPicPr>
-          <p:nvPr>
-            <p:ph idx="1"/>
-          </p:nvPr>
-        </p:nvPicPr>
-        <p:blipFill rotWithShape="1">
-          <a:blip r:embed="rId2">
-            <a:extLst>
-              <a:ext uri="{28A0092B-C50C-407E-A947-70E740481C1C}">
-                <a14:useLocalDpi xmlns:a14="http://schemas.microsoft.com/office/drawing/2010/main" val="0"/>
-              </a:ext>
-            </a:extLst>
-          </a:blip>
-          <a:srcRect l="3423" t="3579" r="3354" b="5563"/>
-          <a:stretch/>
-        </p:blipFill>
-        <p:spPr>
-          <a:xfrm>
-            <a:off x="5867589" y="2165775"/>
-            <a:ext cx="6091050" cy="3944424"/>
-          </a:xfrm>
-        </p:spPr>
-      </p:pic>
-      <p:pic>
-        <p:nvPicPr>
-          <p:cNvPr id="5" name="Picture 4"/>
-          <p:cNvPicPr>
-            <a:picLocks noChangeAspect="1"/>
-          </p:cNvPicPr>
-          <p:nvPr/>
-        </p:nvPicPr>
-        <p:blipFill>
-          <a:blip r:embed="rId3">
-            <a:extLst>
-              <a:ext uri="{28A0092B-C50C-407E-A947-70E740481C1C}">
-                <a14:useLocalDpi xmlns:a14="http://schemas.microsoft.com/office/drawing/2010/main" val="0"/>
-              </a:ext>
-            </a:extLst>
-          </a:blip>
-          <a:stretch>
-            <a:fillRect/>
-          </a:stretch>
-        </p:blipFill>
-        <p:spPr>
-          <a:xfrm>
-            <a:off x="331787" y="3893010"/>
-            <a:ext cx="3820620" cy="1039932"/>
-          </a:xfrm>
-          <a:prstGeom prst="rect">
-            <a:avLst/>
-          </a:prstGeom>
-        </p:spPr>
-      </p:pic>
-      <p:sp>
-        <p:nvSpPr>
-          <p:cNvPr id="6" name="TextBox 5"/>
-          <p:cNvSpPr txBox="1"/>
-          <p:nvPr/>
-        </p:nvSpPr>
-        <p:spPr>
-          <a:xfrm>
-            <a:off x="263525" y="5004050"/>
-            <a:ext cx="4629150" cy="1200329"/>
-          </a:xfrm>
-          <a:prstGeom prst="rect">
-            <a:avLst/>
-          </a:prstGeom>
-          <a:noFill/>
-        </p:spPr>
-        <p:txBody>
-          <a:bodyPr wrap="square" rtlCol="0">
-            <a:spAutoFit/>
-          </a:bodyPr>
-          <a:lstStyle/>
-          <a:p>
-            <a:r>
-              <a:rPr lang="en-US" b="1" dirty="0" smtClean="0"/>
-              <a:t>Start by selecting parent element, then adding an </a:t>
-            </a:r>
-            <a:r>
-              <a:rPr lang="en-US" b="1" dirty="0" err="1" smtClean="0"/>
-              <a:t>svg</a:t>
-            </a:r>
-            <a:r>
-              <a:rPr lang="en-US" b="1" dirty="0" smtClean="0"/>
-              <a:t> element with append()</a:t>
-            </a:r>
-          </a:p>
-          <a:p>
-            <a:endParaRPr lang="en-US" b="1" dirty="0"/>
-          </a:p>
-          <a:p>
-            <a:r>
-              <a:rPr lang="en-US" b="1" dirty="0" smtClean="0"/>
-              <a:t>Then, set width and height</a:t>
-            </a:r>
-            <a:endParaRPr lang="en-US" b="1" dirty="0"/>
-          </a:p>
-        </p:txBody>
-      </p:sp>
-      <p:pic>
-        <p:nvPicPr>
-          <p:cNvPr id="7" name="Picture 6"/>
-          <p:cNvPicPr>
-            <a:picLocks noChangeAspect="1"/>
-          </p:cNvPicPr>
-          <p:nvPr/>
-        </p:nvPicPr>
-        <p:blipFill>
-          <a:blip r:embed="rId4">
-            <a:extLst>
-              <a:ext uri="{28A0092B-C50C-407E-A947-70E740481C1C}">
-                <a14:useLocalDpi xmlns:a14="http://schemas.microsoft.com/office/drawing/2010/main" val="0"/>
-              </a:ext>
-            </a:extLst>
-          </a:blip>
-          <a:stretch>
-            <a:fillRect/>
-          </a:stretch>
-        </p:blipFill>
-        <p:spPr>
-          <a:xfrm>
-            <a:off x="331787" y="2165775"/>
-            <a:ext cx="5351731" cy="1395626"/>
-          </a:xfrm>
-          <a:prstGeom prst="rect">
-            <a:avLst/>
-          </a:prstGeom>
-        </p:spPr>
-      </p:pic>
-      <p:sp>
-        <p:nvSpPr>
-          <p:cNvPr id="8" name="Frame 7"/>
-          <p:cNvSpPr/>
-          <p:nvPr/>
-        </p:nvSpPr>
-        <p:spPr>
-          <a:xfrm>
-            <a:off x="630936" y="2863588"/>
-            <a:ext cx="4919692" cy="257984"/>
-          </a:xfrm>
-          <a:prstGeom prst="frame">
-            <a:avLst/>
-          </a:prstGeom>
-          <a:solidFill>
-            <a:schemeClr val="tx1"/>
-          </a:solidFill>
-        </p:spPr>
-        <p:style>
-          <a:lnRef idx="2">
-            <a:schemeClr val="accent1">
-              <a:shade val="50000"/>
-            </a:schemeClr>
-          </a:lnRef>
-          <a:fillRef idx="1">
-            <a:schemeClr val="accent1"/>
-          </a:fillRef>
-          <a:effectRef idx="0">
-            <a:schemeClr val="accent1"/>
-          </a:effectRef>
-          <a:fontRef idx="minor">
-            <a:schemeClr val="lt1"/>
-          </a:fontRef>
-        </p:style>
-        <p:txBody>
-          <a:bodyPr rtlCol="0" anchor="ctr"/>
-          <a:lstStyle/>
-          <a:p>
-            <a:pPr algn="ctr"/>
-            <a:endParaRPr lang="en-US">
-              <a:solidFill>
-                <a:schemeClr val="tx1"/>
-              </a:solidFill>
-            </a:endParaRPr>
+              <a:t> attributes to align with shape for graph</a:t>
+            </a:r>
+            <a:endParaRPr lang="en-US" dirty="0"/>
           </a:p>
         </p:txBody>
       </p:sp>
     </p:spTree>
     <p:extLst>
       <p:ext uri="{BB962C8B-B14F-4D97-AF65-F5344CB8AC3E}">
-        <p14:creationId xmlns:p14="http://schemas.microsoft.com/office/powerpoint/2010/main" val="527472511"/>
+        <p14:creationId xmlns:p14="http://schemas.microsoft.com/office/powerpoint/2010/main" val="760808082"/>
       </p:ext>
     </p:extLst>
   </p:cSld>
@@ -8684,7 +8674,15 @@
           <a:p>
             <a:r>
               <a:rPr lang="en-US" dirty="0" smtClean="0"/>
-              <a:t>Basics: Making an axis</a:t>
+              <a:t>Basics: Creating an </a:t>
+            </a:r>
+            <a:r>
+              <a:rPr lang="en-US" dirty="0" err="1" smtClean="0"/>
+              <a:t>svg</a:t>
+            </a:r>
+            <a:r>
+              <a:rPr lang="en-US" dirty="0" smtClean="0"/>
+              <a:t> canvas</a:t>
             </a:r>
             <a:endParaRPr lang="en-US" dirty="0"/>
           </a:p>
@@ -8692,13 +8690,15 @@
       </p:sp>
       <p:pic>
         <p:nvPicPr>
-          <p:cNvPr id="9" name="Picture 8"/>
+          <p:cNvPr id="4" name="Content Placeholder 3"/>
           <p:cNvPicPr>
-            <a:picLocks noChangeAspect="1"/>
+            <a:picLocks noGrp="1" noChangeAspect="1"/>
           </p:cNvPicPr>
-          <p:nvPr/>
+          <p:nvPr>
+            <p:ph idx="1"/>
+          </p:nvPr>
         </p:nvPicPr>
-        <p:blipFill>
+        <p:blipFill rotWithShape="1">
           <a:blip r:embed="rId2">
             <a:extLst>
               <a:ext uri="{28A0092B-C50C-407E-A947-70E740481C1C}">
@@ -8706,53 +8706,19 @@
               </a:ext>
             </a:extLst>
           </a:blip>
-          <a:stretch>
-            <a:fillRect/>
-          </a:stretch>
+          <a:srcRect l="3423" t="3579" r="3354" b="5563"/>
+          <a:stretch/>
         </p:blipFill>
         <p:spPr>
           <a:xfrm>
-            <a:off x="680321" y="2165796"/>
-            <a:ext cx="6464300" cy="1836449"/>
-          </a:xfrm>
-          <a:prstGeom prst="rect">
-            <a:avLst/>
-          </a:prstGeom>
+            <a:off x="5867589" y="2165775"/>
+            <a:ext cx="6091050" cy="3944424"/>
+          </a:xfrm>
         </p:spPr>
       </p:pic>
-      <p:sp>
-        <p:nvSpPr>
-          <p:cNvPr id="12" name="TextBox 11"/>
-          <p:cNvSpPr txBox="1"/>
-          <p:nvPr/>
-        </p:nvSpPr>
-        <p:spPr>
-          <a:xfrm>
-            <a:off x="680321" y="4503839"/>
-            <a:ext cx="3900487" cy="923330"/>
-          </a:xfrm>
-          <a:prstGeom prst="rect">
-            <a:avLst/>
-          </a:prstGeom>
-          <a:noFill/>
-        </p:spPr>
-        <p:txBody>
-          <a:bodyPr wrap="square" rtlCol="0">
-            <a:spAutoFit/>
-          </a:bodyPr>
-          <a:lstStyle/>
-          <a:p>
-            <a:r>
-              <a:rPr lang="en-US" b="1" dirty="0" smtClean="0"/>
-              <a:t>Create scales that the axis can reference (and the attributes later on)</a:t>
-            </a:r>
-            <a:endParaRPr lang="en-US" b="1" dirty="0"/>
-          </a:p>
-        </p:txBody>
-      </p:sp>
       <p:pic>
         <p:nvPicPr>
-          <p:cNvPr id="8" name="Picture 7"/>
+          <p:cNvPr id="5" name="Picture 4"/>
           <p:cNvPicPr>
             <a:picLocks noChangeAspect="1"/>
           </p:cNvPicPr>
@@ -8772,8 +8738,8 @@
         </p:blipFill>
         <p:spPr>
           <a:xfrm>
-            <a:off x="5174470" y="3502152"/>
-            <a:ext cx="6168334" cy="2974225"/>
+            <a:off x="331787" y="3893010"/>
+            <a:ext cx="3820620" cy="1039932"/>
           </a:xfrm>
           <a:prstGeom prst="rect">
             <a:avLst/>
@@ -8782,14 +8748,91 @@
       </p:pic>
       <p:sp>
         <p:nvSpPr>
-          <p:cNvPr id="13" name="Frame 12"/>
+          <p:cNvPr id="6" name="TextBox 5"/>
+          <p:cNvSpPr txBox="1"/>
+          <p:nvPr/>
+        </p:nvSpPr>
+        <p:spPr>
+          <a:xfrm>
+            <a:off x="263525" y="5004050"/>
+            <a:ext cx="4629150" cy="1200329"/>
+          </a:xfrm>
+          <a:prstGeom prst="rect">
+            <a:avLst/>
+          </a:prstGeom>
+          <a:noFill/>
+        </p:spPr>
+        <p:txBody>
+          <a:bodyPr wrap="square" rtlCol="0">
+            <a:spAutoFit/>
+          </a:bodyPr>
+          <a:lstStyle/>
+          <a:p>
+            <a:r>
+              <a:rPr lang="en-US" b="1" dirty="0" smtClean="0"/>
+              <a:t>Start by selecting parent element, then adding an </a:t>
+            </a:r>
+            <a:r>
+              <a:rPr lang="en-US" b="1" dirty="0" err="1" smtClean="0"/>
+              <a:t>svg</a:t>
+            </a:r>
+            <a:r>
+              <a:rPr lang="en-US" b="1" dirty="0" smtClean="0"/>
+              <a:t> element with append()</a:t>
+            </a:r>
+          </a:p>
+          <a:p>
+            <a:endParaRPr lang="en-US" b="1" dirty="0"/>
+          </a:p>
+          <a:p>
+            <a:r>
+              <a:rPr lang="en-US" b="1" dirty="0" smtClean="0"/>
+              <a:t>Then, set width and height</a:t>
+            </a:r>
+            <a:endParaRPr lang="en-US" b="1" dirty="0"/>
+          </a:p>
+        </p:txBody>
+      </p:sp>
+      <p:pic>
+        <p:nvPicPr>
+          <p:cNvPr id="7" name="Picture 6"/>
+          <p:cNvPicPr>
+            <a:picLocks noChangeAspect="1"/>
+          </p:cNvPicPr>
+          <p:nvPr/>
+        </p:nvPicPr>
+        <p:blipFill>
+          <a:blip r:embed="rId4">
+            <a:extLst>
+              <a:ext uri="{28A0092B-C50C-407E-A947-70E740481C1C}">
+                <a14:useLocalDpi xmlns:a14="http://schemas.microsoft.com/office/drawing/2010/main" val="0"/>
+              </a:ext>
+            </a:extLst>
+          </a:blip>
+          <a:stretch>
+            <a:fillRect/>
+          </a:stretch>
+        </p:blipFill>
+        <p:spPr>
+          <a:xfrm>
+            <a:off x="331787" y="2165775"/>
+            <a:ext cx="5351731" cy="1395626"/>
+          </a:xfrm>
+          <a:prstGeom prst="rect">
+            <a:avLst/>
+          </a:prstGeom>
+        </p:spPr>
+      </p:pic>
+      <p:sp>
+        <p:nvSpPr>
+          <p:cNvPr id="8" name="Frame 7"/>
           <p:cNvSpPr/>
           <p:nvPr/>
         </p:nvSpPr>
         <p:spPr>
           <a:xfrm>
-            <a:off x="6858000" y="4480560"/>
-            <a:ext cx="1528763" cy="253899"/>
+            <a:off x="630936" y="2863588"/>
+            <a:ext cx="4919692" cy="257984"/>
           </a:xfrm>
           <a:prstGeom prst="frame">
             <a:avLst/>
@@ -8827,57 +8870,10 @@
           </a:p>
         </p:txBody>
       </p:sp>
-      <p:sp>
-        <p:nvSpPr>
-          <p:cNvPr id="14" name="Frame 13"/>
-          <p:cNvSpPr/>
-          <p:nvPr/>
-        </p:nvSpPr>
-        <p:spPr>
-          <a:xfrm>
-            <a:off x="6858000" y="5943865"/>
-            <a:ext cx="1528763" cy="253899"/>
-          </a:xfrm>
-          <a:prstGeom prst="frame">
-            <a:avLst/>
-          </a:prstGeom>
-          <a:solidFill>
-            <a:schemeClr val="tx1"/>
-          </a:solidFill>
-        </p:spPr>
-        <p:style>
-          <a:lnRef idx="2">
-            <a:schemeClr val="accent1">
-              <a:shade val="50000"/>
-            </a:schemeClr>
-          </a:lnRef>
-          <a:fillRef idx="1">
-            <a:schemeClr val="accent1"/>
-          </a:fillRef>
-          <a:effectRef idx="0">
-            <a:schemeClr val="accent1"/>
-          </a:effectRef>
-          <a:fontRef idx="minor">
-            <a:schemeClr val="lt1"/>
-          </a:fontRef>
-        </p:style>
-        <p:txBody>
-          <a:bodyPr rtlCol="0" anchor="ctr"/>
-          <a:lstStyle/>
-          <a:p>
-            <a:pPr algn="ctr"/>
-            <a:endParaRPr lang="en-US">
-              <a:solidFill>
-                <a:schemeClr val="tx1"/>
-              </a:solidFill>
-            </a:endParaRPr>
-          </a:p>
-        </p:txBody>
-      </p:sp>
     </p:spTree>
     <p:extLst>
       <p:ext uri="{BB962C8B-B14F-4D97-AF65-F5344CB8AC3E}">
-        <p14:creationId xmlns:p14="http://schemas.microsoft.com/office/powerpoint/2010/main" val="1506672357"/>
+        <p14:creationId xmlns:p14="http://schemas.microsoft.com/office/powerpoint/2010/main" val="527472511"/>
       </p:ext>
     </p:extLst>
   </p:cSld>
@@ -8936,7 +8932,7 @@
       </p:sp>
       <p:pic>
         <p:nvPicPr>
-          <p:cNvPr id="4" name="Content Placeholder 6"/>
+          <p:cNvPr id="9" name="Picture 8"/>
           <p:cNvPicPr>
             <a:picLocks noChangeAspect="1"/>
           </p:cNvPicPr>
@@ -8956,23 +8952,53 @@
         </p:blipFill>
         <p:spPr>
           <a:xfrm>
-            <a:off x="680321" y="2211067"/>
-            <a:ext cx="4699000" cy="2768600"/>
+            <a:off x="680321" y="2165796"/>
+            <a:ext cx="6464300" cy="1836449"/>
           </a:xfrm>
           <a:prstGeom prst="rect">
             <a:avLst/>
           </a:prstGeom>
         </p:spPr>
       </p:pic>
+      <p:sp>
+        <p:nvSpPr>
+          <p:cNvPr id="12" name="TextBox 11"/>
+          <p:cNvSpPr txBox="1"/>
+          <p:nvPr/>
+        </p:nvSpPr>
+        <p:spPr>
+          <a:xfrm>
+            <a:off x="680321" y="4503839"/>
+            <a:ext cx="3900487" cy="923330"/>
+          </a:xfrm>
+          <a:prstGeom prst="rect">
+            <a:avLst/>
+          </a:prstGeom>
+          <a:noFill/>
+        </p:spPr>
+        <p:txBody>
+          <a:bodyPr wrap="square" rtlCol="0">
+            <a:spAutoFit/>
+          </a:bodyPr>
+          <a:lstStyle/>
+          <a:p>
+            <a:r>
+              <a:rPr lang="en-US" b="1" dirty="0" smtClean="0"/>
+              <a:t>Create scales that the axis can reference (and the attributes later on)</a:t>
+            </a:r>
+            <a:endParaRPr lang="en-US" b="1" dirty="0"/>
+          </a:p>
+        </p:txBody>
+      </p:sp>
       <p:pic>
         <p:nvPicPr>
-          <p:cNvPr id="5" name="Picture 4"/>
+          <p:cNvPr id="8" name="Picture 7"/>
           <p:cNvPicPr>
             <a:picLocks noChangeAspect="1"/>
           </p:cNvPicPr>
           <p:nvPr/>
         </p:nvPicPr>
-        <p:blipFill rotWithShape="1">
+        <p:blipFill>
           <a:blip r:embed="rId3">
             <a:extLst>
               <a:ext uri="{28A0092B-C50C-407E-A947-70E740481C1C}">
@@ -8980,13 +9006,14 @@
               </a:ext>
             </a:extLst>
           </a:blip>
-          <a:srcRect l="3365" t="4051" r="3473" b="5715"/>
-          <a:stretch/>
+          <a:stretch>
+            <a:fillRect/>
+          </a:stretch>
         </p:blipFill>
         <p:spPr>
           <a:xfrm>
-            <a:off x="5659821" y="2211067"/>
-            <a:ext cx="6191733" cy="3984781"/>
+            <a:off x="5174470" y="3502152"/>
+            <a:ext cx="6168334" cy="2974225"/>
           </a:xfrm>
           <a:prstGeom prst="rect">
             <a:avLst/>
@@ -8995,38 +9022,102 @@
       </p:pic>
       <p:sp>
         <p:nvSpPr>
-          <p:cNvPr id="6" name="TextBox 5"/>
-          <p:cNvSpPr txBox="1"/>
-          <p:nvPr/>
-        </p:nvSpPr>
-        <p:spPr>
-          <a:xfrm>
-            <a:off x="680321" y="5312979"/>
-            <a:ext cx="4699000" cy="923330"/>
-          </a:xfrm>
-          <a:prstGeom prst="rect">
-            <a:avLst/>
-          </a:prstGeom>
-          <a:noFill/>
-        </p:spPr>
-        <p:txBody>
-          <a:bodyPr wrap="square" rtlCol="0">
-            <a:spAutoFit/>
-          </a:bodyPr>
-          <a:lstStyle/>
-          <a:p>
-            <a:r>
-              <a:rPr lang="en-US" b="1" dirty="0" smtClean="0"/>
-              <a:t>Call the axis’ by adding a general “g” element (most common). Use CSS transform to get the axis in view.</a:t>
-            </a:r>
-            <a:endParaRPr lang="en-US" b="1" dirty="0"/>
+          <p:cNvPr id="13" name="Frame 12"/>
+          <p:cNvSpPr/>
+          <p:nvPr/>
+        </p:nvSpPr>
+        <p:spPr>
+          <a:xfrm>
+            <a:off x="6858000" y="4480560"/>
+            <a:ext cx="1528763" cy="253899"/>
+          </a:xfrm>
+          <a:prstGeom prst="frame">
+            <a:avLst/>
+          </a:prstGeom>
+          <a:solidFill>
+            <a:schemeClr val="tx1"/>
+          </a:solidFill>
+        </p:spPr>
+        <p:style>
+          <a:lnRef idx="2">
+            <a:schemeClr val="accent1">
+              <a:shade val="50000"/>
+            </a:schemeClr>
+          </a:lnRef>
+          <a:fillRef idx="1">
+            <a:schemeClr val="accent1"/>
+          </a:fillRef>
+          <a:effectRef idx="0">
+            <a:schemeClr val="accent1"/>
+          </a:effectRef>
+          <a:fontRef idx="minor">
+            <a:schemeClr val="lt1"/>
+          </a:fontRef>
+        </p:style>
+        <p:txBody>
+          <a:bodyPr rtlCol="0" anchor="ctr"/>
+          <a:lstStyle/>
+          <a:p>
+            <a:pPr algn="ctr"/>
+            <a:endParaRPr lang="en-US">
+              <a:solidFill>
+                <a:schemeClr val="tx1"/>
+              </a:solidFill>
+            </a:endParaRPr>
+          </a:p>
+        </p:txBody>
+      </p:sp>
+      <p:sp>
+        <p:nvSpPr>
+          <p:cNvPr id="14" name="Frame 13"/>
+          <p:cNvSpPr/>
+          <p:nvPr/>
+        </p:nvSpPr>
+        <p:spPr>
+          <a:xfrm>
+            <a:off x="6858000" y="5943865"/>
+            <a:ext cx="1528763" cy="253899"/>
+          </a:xfrm>
+          <a:prstGeom prst="frame">
+            <a:avLst/>
+          </a:prstGeom>
+          <a:solidFill>
+            <a:schemeClr val="tx1"/>
+          </a:solidFill>
+        </p:spPr>
+        <p:style>
+          <a:lnRef idx="2">
+            <a:schemeClr val="accent1">
+              <a:shade val="50000"/>
+            </a:schemeClr>
+          </a:lnRef>
+          <a:fillRef idx="1">
+            <a:schemeClr val="accent1"/>
+          </a:fillRef>
+          <a:effectRef idx="0">
+            <a:schemeClr val="accent1"/>
+          </a:effectRef>
+          <a:fontRef idx="minor">
+            <a:schemeClr val="lt1"/>
+          </a:fontRef>
+        </p:style>
+        <p:txBody>
+          <a:bodyPr rtlCol="0" anchor="ctr"/>
+          <a:lstStyle/>
+          <a:p>
+            <a:pPr algn="ctr"/>
+            <a:endParaRPr lang="en-US">
+              <a:solidFill>
+                <a:schemeClr val="tx1"/>
+              </a:solidFill>
+            </a:endParaRPr>
           </a:p>
         </p:txBody>
       </p:sp>
     </p:spTree>
     <p:extLst>
       <p:ext uri="{BB962C8B-B14F-4D97-AF65-F5344CB8AC3E}">
-        <p14:creationId xmlns:p14="http://schemas.microsoft.com/office/powerpoint/2010/main" val="263757961"/>
+        <p14:creationId xmlns:p14="http://schemas.microsoft.com/office/powerpoint/2010/main" val="1506672357"/>
       </p:ext>
     </p:extLst>
   </p:cSld>
@@ -9077,15 +9168,7 @@
           <a:p>
             <a:r>
               <a:rPr lang="en-US" dirty="0" smtClean="0"/>
-              <a:t>Basics: Binding </a:t>
-            </a:r>
-            <a:r>
-              <a:rPr lang="en-US" dirty="0"/>
-              <a:t>D</a:t>
-            </a:r>
-            <a:r>
-              <a:rPr lang="en-US" dirty="0" smtClean="0"/>
-              <a:t>ata</a:t>
+              <a:t>Basics: Making an axis</a:t>
             </a:r>
             <a:endParaRPr lang="en-US" dirty="0"/>
           </a:p>
@@ -9093,13 +9176,11 @@
       </p:sp>
       <p:pic>
         <p:nvPicPr>
-          <p:cNvPr id="4" name="Content Placeholder 3"/>
+          <p:cNvPr id="4" name="Content Placeholder 6"/>
           <p:cNvPicPr>
-            <a:picLocks noGrp="1" noChangeAspect="1"/>
+            <a:picLocks noChangeAspect="1"/>
           </p:cNvPicPr>
-          <p:nvPr>
-            <p:ph idx="1"/>
-          </p:nvPr>
+          <p:nvPr/>
         </p:nvPicPr>
         <p:blipFill>
           <a:blip r:embed="rId2">
@@ -9115,21 +9196,53 @@
         </p:blipFill>
         <p:spPr>
           <a:xfrm>
-            <a:off x="680321" y="2390856"/>
-            <a:ext cx="7493000" cy="1409700"/>
-          </a:xfrm>
+            <a:off x="680321" y="2211067"/>
+            <a:ext cx="4699000" cy="2768600"/>
+          </a:xfrm>
+          <a:prstGeom prst="rect">
+            <a:avLst/>
+          </a:prstGeom>
         </p:spPr>
       </p:pic>
-      <p:sp>
-        <p:nvSpPr>
-          <p:cNvPr id="5" name="TextBox 4"/>
+      <p:pic>
+        <p:nvPicPr>
+          <p:cNvPr id="5" name="Picture 4"/>
+          <p:cNvPicPr>
+            <a:picLocks noChangeAspect="1"/>
+          </p:cNvPicPr>
+          <p:nvPr/>
+        </p:nvPicPr>
+        <p:blipFill rotWithShape="1">
+          <a:blip r:embed="rId3">
+            <a:extLst>
+              <a:ext uri="{28A0092B-C50C-407E-A947-70E740481C1C}">
+                <a14:useLocalDpi xmlns:a14="http://schemas.microsoft.com/office/drawing/2010/main" val="0"/>
+              </a:ext>
+            </a:extLst>
+          </a:blip>
+          <a:srcRect l="3365" t="4051" r="3473" b="5715"/>
+          <a:stretch/>
+        </p:blipFill>
+        <p:spPr>
+          <a:xfrm>
+            <a:off x="5659821" y="2211067"/>
+            <a:ext cx="6191733" cy="3984781"/>
+          </a:xfrm>
+          <a:prstGeom prst="rect">
+            <a:avLst/>
+          </a:prstGeom>
+        </p:spPr>
+      </p:pic>
+      <p:sp>
+        <p:nvSpPr>
+          <p:cNvPr id="6" name="TextBox 5"/>
           <p:cNvSpPr txBox="1"/>
           <p:nvPr/>
         </p:nvSpPr>
         <p:spPr>
           <a:xfrm>
-            <a:off x="680321" y="4357246"/>
-            <a:ext cx="8103476" cy="1477328"/>
+            <a:off x="680321" y="5312979"/>
+            <a:ext cx="4699000" cy="923330"/>
           </a:xfrm>
           <a:prstGeom prst="rect">
             <a:avLst/>
@@ -9144,20 +9257,7 @@
           <a:p>
             <a:r>
               <a:rPr lang="en-US" b="1" dirty="0" smtClean="0"/>
-              <a:t>Data() will bind an array of data, allowing for shapes to be created using the given array.</a:t>
-            </a:r>
-          </a:p>
-          <a:p>
-            <a:endParaRPr lang="en-US" b="1" dirty="0"/>
-          </a:p>
-          <a:p>
-            <a:r>
-              <a:rPr lang="en-US" b="1" dirty="0" err="1" smtClean="0"/>
-              <a:t>selectAll</a:t>
-            </a:r>
-            <a:r>
-              <a:rPr lang="en-US" b="1" dirty="0" smtClean="0"/>
-              <a:t>() will bind the data to all elements with the class of “bar” (before we have created the class itself)</a:t>
+              <a:t>Call the axis’ by adding a general “g” element (most common). Use CSS transform to get the axis in view.</a:t>
             </a:r>
             <a:endParaRPr lang="en-US" b="1" dirty="0"/>
           </a:p>
@@ -9166,7 +9266,7 @@
     </p:spTree>
     <p:extLst>
       <p:ext uri="{BB962C8B-B14F-4D97-AF65-F5344CB8AC3E}">
-        <p14:creationId xmlns:p14="http://schemas.microsoft.com/office/powerpoint/2010/main" val="844762753"/>
+        <p14:creationId xmlns:p14="http://schemas.microsoft.com/office/powerpoint/2010/main" val="263757961"/>
       </p:ext>
     </p:extLst>
   </p:cSld>
@@ -9212,76 +9312,20 @@
         </p:nvSpPr>
         <p:spPr/>
         <p:txBody>
-          <a:bodyPr>
-            <a:normAutofit/>
-          </a:bodyPr>
+          <a:bodyPr/>
           <a:lstStyle/>
           <a:p>
             <a:r>
               <a:rPr lang="en-US" dirty="0" smtClean="0"/>
-              <a:t>Basics: Using </a:t>
-            </a:r>
-            <a:r>
-              <a:rPr lang="en-US" dirty="0" err="1" smtClean="0"/>
-              <a:t>svg</a:t>
+              <a:t>Basics: Binding </a:t>
+            </a:r>
+            <a:r>
+              <a:rPr lang="en-US" dirty="0"/>
+              <a:t>D</a:t>
             </a:r>
             <a:r>
               <a:rPr lang="en-US" dirty="0" smtClean="0"/>
-              <a:t> Rules to Create </a:t>
-            </a:r>
-            <a:r>
-              <a:rPr lang="en-US" dirty="0"/>
-              <a:t>S</a:t>
-            </a:r>
-            <a:r>
-              <a:rPr lang="en-US" dirty="0" smtClean="0"/>
-              <a:t>hapes I.</a:t>
-            </a:r>
-            <a:endParaRPr lang="en-US" dirty="0"/>
-          </a:p>
-        </p:txBody>
-      </p:sp>
-      <p:sp>
-        <p:nvSpPr>
-          <p:cNvPr id="8" name="Content Placeholder 7"/>
-          <p:cNvSpPr>
-            <a:spLocks noGrp="1"/>
-          </p:cNvSpPr>
-          <p:nvPr>
-            <p:ph sz="half" idx="1"/>
-          </p:nvPr>
-        </p:nvSpPr>
-        <p:spPr/>
-        <p:txBody>
-          <a:bodyPr/>
-          <a:lstStyle/>
-          <a:p>
-            <a:r>
-              <a:rPr lang="en-US" dirty="0" smtClean="0"/>
-              <a:t> Attributes of shape</a:t>
-            </a:r>
-            <a:endParaRPr lang="en-US" dirty="0"/>
-          </a:p>
-        </p:txBody>
-      </p:sp>
-      <p:sp>
-        <p:nvSpPr>
-          <p:cNvPr id="9" name="Content Placeholder 8"/>
-          <p:cNvSpPr>
-            <a:spLocks noGrp="1"/>
-          </p:cNvSpPr>
-          <p:nvPr>
-            <p:ph sz="half" idx="2"/>
-          </p:nvPr>
-        </p:nvSpPr>
-        <p:spPr/>
-        <p:txBody>
-          <a:bodyPr/>
-          <a:lstStyle/>
-          <a:p>
-            <a:r>
-              <a:rPr lang="en-US" dirty="0" smtClean="0"/>
-              <a:t>Resulting shape</a:t>
+              <a:t>ata</a:t>
             </a:r>
             <a:endParaRPr lang="en-US" dirty="0"/>
           </a:p>
@@ -9289,11 +9333,13 @@
       </p:sp>
       <p:pic>
         <p:nvPicPr>
-          <p:cNvPr id="10" name="Picture 9"/>
+          <p:cNvPr id="4" name="Content Placeholder 3"/>
           <p:cNvPicPr>
-            <a:picLocks noChangeAspect="1"/>
+            <a:picLocks noGrp="1" noChangeAspect="1"/>
           </p:cNvPicPr>
-          <p:nvPr/>
+          <p:nvPr>
+            <p:ph idx="1"/>
+          </p:nvPr>
         </p:nvPicPr>
         <p:blipFill>
           <a:blip r:embed="rId2">
@@ -9309,194 +9355,58 @@
         </p:blipFill>
         <p:spPr>
           <a:xfrm>
-            <a:off x="979864" y="2814418"/>
-            <a:ext cx="1911979" cy="1322113"/>
+            <a:off x="680321" y="2390856"/>
+            <a:ext cx="7493000" cy="1409700"/>
+          </a:xfrm>
+        </p:spPr>
+      </p:pic>
+      <p:sp>
+        <p:nvSpPr>
+          <p:cNvPr id="5" name="TextBox 4"/>
+          <p:cNvSpPr txBox="1"/>
+          <p:nvPr/>
+        </p:nvSpPr>
+        <p:spPr>
+          <a:xfrm>
+            <a:off x="680321" y="4357246"/>
+            <a:ext cx="8103476" cy="1477328"/>
           </a:xfrm>
           <a:prstGeom prst="rect">
             <a:avLst/>
           </a:prstGeom>
-        </p:spPr>
-      </p:pic>
-      <p:pic>
-        <p:nvPicPr>
-          <p:cNvPr id="11" name="Picture 10"/>
-          <p:cNvPicPr>
-            <a:picLocks noChangeAspect="1"/>
-          </p:cNvPicPr>
-          <p:nvPr/>
-        </p:nvPicPr>
-        <p:blipFill>
-          <a:blip r:embed="rId3">
-            <a:extLst>
-              <a:ext uri="{28A0092B-C50C-407E-A947-70E740481C1C}">
-                <a14:useLocalDpi xmlns:a14="http://schemas.microsoft.com/office/drawing/2010/main" val="0"/>
-              </a:ext>
-            </a:extLst>
-          </a:blip>
-          <a:stretch>
-            <a:fillRect/>
-          </a:stretch>
-        </p:blipFill>
-        <p:spPr>
-          <a:xfrm>
-            <a:off x="979864" y="4614076"/>
-            <a:ext cx="1917096" cy="1108807"/>
-          </a:xfrm>
-          <a:prstGeom prst="rect">
-            <a:avLst/>
-          </a:prstGeom>
-        </p:spPr>
-      </p:pic>
-      <p:pic>
-        <p:nvPicPr>
-          <p:cNvPr id="12" name="Picture 11"/>
-          <p:cNvPicPr>
-            <a:picLocks noChangeAspect="1"/>
-          </p:cNvPicPr>
-          <p:nvPr/>
-        </p:nvPicPr>
-        <p:blipFill>
-          <a:blip r:embed="rId4">
-            <a:extLst>
-              <a:ext uri="{28A0092B-C50C-407E-A947-70E740481C1C}">
-                <a14:useLocalDpi xmlns:a14="http://schemas.microsoft.com/office/drawing/2010/main" val="0"/>
-              </a:ext>
-            </a:extLst>
-          </a:blip>
-          <a:stretch>
-            <a:fillRect/>
-          </a:stretch>
-        </p:blipFill>
-        <p:spPr>
-          <a:xfrm>
-            <a:off x="5930741" y="2814417"/>
-            <a:ext cx="1385071" cy="1322113"/>
-          </a:xfrm>
-          <a:prstGeom prst="rect">
-            <a:avLst/>
-          </a:prstGeom>
-        </p:spPr>
-      </p:pic>
-      <p:pic>
-        <p:nvPicPr>
-          <p:cNvPr id="13" name="Picture 12"/>
-          <p:cNvPicPr>
-            <a:picLocks noChangeAspect="1"/>
-          </p:cNvPicPr>
-          <p:nvPr/>
-        </p:nvPicPr>
-        <p:blipFill>
-          <a:blip r:embed="rId5">
-            <a:extLst>
-              <a:ext uri="{28A0092B-C50C-407E-A947-70E740481C1C}">
-                <a14:useLocalDpi xmlns:a14="http://schemas.microsoft.com/office/drawing/2010/main" val="0"/>
-              </a:ext>
-            </a:extLst>
-          </a:blip>
-          <a:stretch>
-            <a:fillRect/>
-          </a:stretch>
-        </p:blipFill>
-        <p:spPr>
-          <a:xfrm>
-            <a:off x="5930740" y="4614074"/>
-            <a:ext cx="1118709" cy="1108809"/>
-          </a:xfrm>
-          <a:prstGeom prst="rect">
-            <a:avLst/>
-          </a:prstGeom>
-        </p:spPr>
-      </p:pic>
-      <p:sp>
-        <p:nvSpPr>
-          <p:cNvPr id="16" name="Right Arrow 15"/>
-          <p:cNvSpPr/>
-          <p:nvPr/>
-        </p:nvSpPr>
-        <p:spPr>
-          <a:xfrm>
-            <a:off x="3657600" y="3168869"/>
-            <a:ext cx="1721078" cy="551793"/>
-          </a:xfrm>
-          <a:prstGeom prst="rightArrow">
-            <a:avLst/>
-          </a:prstGeom>
-          <a:solidFill>
-            <a:schemeClr val="tx1"/>
-          </a:solidFill>
-        </p:spPr>
-        <p:style>
-          <a:lnRef idx="2">
-            <a:schemeClr val="accent1">
-              <a:shade val="50000"/>
-            </a:schemeClr>
-          </a:lnRef>
-          <a:fillRef idx="1">
-            <a:schemeClr val="accent1"/>
-          </a:fillRef>
-          <a:effectRef idx="0">
-            <a:schemeClr val="accent1"/>
-          </a:effectRef>
-          <a:fontRef idx="minor">
-            <a:schemeClr val="lt1"/>
-          </a:fontRef>
-        </p:style>
-        <p:txBody>
-          <a:bodyPr rtlCol="0" anchor="ctr"/>
-          <a:lstStyle/>
-          <a:p>
-            <a:pPr algn="ctr"/>
-            <a:endParaRPr lang="en-US"/>
-          </a:p>
-        </p:txBody>
-      </p:sp>
-      <p:sp>
-        <p:nvSpPr>
-          <p:cNvPr id="17" name="Right Arrow 16"/>
-          <p:cNvSpPr/>
-          <p:nvPr/>
-        </p:nvSpPr>
-        <p:spPr>
-          <a:xfrm>
-            <a:off x="3704737" y="4892581"/>
-            <a:ext cx="1721078" cy="551793"/>
-          </a:xfrm>
-          <a:prstGeom prst="rightArrow">
-            <a:avLst/>
-          </a:prstGeom>
-          <a:solidFill>
-            <a:schemeClr val="tx1"/>
-          </a:solidFill>
-        </p:spPr>
-        <p:style>
-          <a:lnRef idx="2">
-            <a:schemeClr val="accent1">
-              <a:shade val="50000"/>
-            </a:schemeClr>
-          </a:lnRef>
-          <a:fillRef idx="1">
-            <a:schemeClr val="accent1"/>
-          </a:fillRef>
-          <a:effectRef idx="0">
-            <a:schemeClr val="accent1"/>
-          </a:effectRef>
-          <a:fontRef idx="minor">
-            <a:schemeClr val="lt1"/>
-          </a:fontRef>
-        </p:style>
-        <p:txBody>
-          <a:bodyPr rtlCol="0" anchor="ctr"/>
-          <a:lstStyle/>
-          <a:p>
-            <a:pPr algn="ctr"/>
-            <a:endParaRPr lang="en-US"/>
+          <a:noFill/>
+        </p:spPr>
+        <p:txBody>
+          <a:bodyPr wrap="square" rtlCol="0">
+            <a:spAutoFit/>
+          </a:bodyPr>
+          <a:lstStyle/>
+          <a:p>
+            <a:r>
+              <a:rPr lang="en-US" b="1" dirty="0" smtClean="0"/>
+              <a:t>Data() will bind an array of data, allowing for shapes to be created using the given array.</a:t>
+            </a:r>
+          </a:p>
+          <a:p>
+            <a:endParaRPr lang="en-US" b="1" dirty="0"/>
+          </a:p>
+          <a:p>
+            <a:r>
+              <a:rPr lang="en-US" b="1" dirty="0" err="1" smtClean="0"/>
+              <a:t>selectAll</a:t>
+            </a:r>
+            <a:r>
+              <a:rPr lang="en-US" b="1" dirty="0" smtClean="0"/>
+              <a:t>() will bind the data to all elements with the class of “bar” (before we have created the class itself)</a:t>
+            </a:r>
+            <a:endParaRPr lang="en-US" b="1" dirty="0"/>
           </a:p>
         </p:txBody>
       </p:sp>
     </p:spTree>
     <p:extLst>
       <p:ext uri="{BB962C8B-B14F-4D97-AF65-F5344CB8AC3E}">
-        <p14:creationId xmlns:p14="http://schemas.microsoft.com/office/powerpoint/2010/main" val="1146929560"/>
+        <p14:creationId xmlns:p14="http://schemas.microsoft.com/office/powerpoint/2010/main" val="844762753"/>
       </p:ext>
     </p:extLst>
   </p:cSld>
@@ -9565,20 +9475,20 @@
             </a:r>
             <a:r>
               <a:rPr lang="en-US" dirty="0" smtClean="0"/>
-              <a:t>hapes II.</a:t>
-            </a:r>
-            <a:endParaRPr lang="en-US" dirty="0"/>
-          </a:p>
-        </p:txBody>
-      </p:sp>
-      <p:sp>
-        <p:nvSpPr>
-          <p:cNvPr id="3" name="Content Placeholder 2"/>
-          <p:cNvSpPr>
-            <a:spLocks noGrp="1"/>
-          </p:cNvSpPr>
-          <p:nvPr>
-            <p:ph idx="1"/>
+              <a:t>hapes I.</a:t>
+            </a:r>
+            <a:endParaRPr lang="en-US" dirty="0"/>
+          </a:p>
+        </p:txBody>
+      </p:sp>
+      <p:sp>
+        <p:nvSpPr>
+          <p:cNvPr id="8" name="Content Placeholder 7"/>
+          <p:cNvSpPr>
+            <a:spLocks noGrp="1"/>
+          </p:cNvSpPr>
+          <p:nvPr>
+            <p:ph sz="half" idx="1"/>
           </p:nvPr>
         </p:nvSpPr>
         <p:spPr/>
@@ -9587,24 +9497,39 @@
           <a:lstStyle/>
           <a:p>
             <a:r>
-              <a:rPr lang="en-US" u="sng" dirty="0" smtClean="0"/>
-              <a:t>SVG elements with </a:t>
-            </a:r>
-            <a:r>
-              <a:rPr lang="en-US" u="sng" dirty="0" err="1" smtClean="0"/>
-              <a:t>binded</a:t>
-            </a:r>
-            <a:r>
-              <a:rPr lang="en-US" u="sng" dirty="0" smtClean="0"/>
-              <a:t> data to iterate shapes</a:t>
-            </a:r>
-            <a:endParaRPr lang="en-US" u="sng" dirty="0"/>
+              <a:rPr lang="en-US" dirty="0" smtClean="0"/>
+              <a:t> Attributes of shape</a:t>
+            </a:r>
+            <a:endParaRPr lang="en-US" dirty="0"/>
+          </a:p>
+        </p:txBody>
+      </p:sp>
+      <p:sp>
+        <p:nvSpPr>
+          <p:cNvPr id="9" name="Content Placeholder 8"/>
+          <p:cNvSpPr>
+            <a:spLocks noGrp="1"/>
+          </p:cNvSpPr>
+          <p:nvPr>
+            <p:ph sz="half" idx="2"/>
+          </p:nvPr>
+        </p:nvSpPr>
+        <p:spPr/>
+        <p:txBody>
+          <a:bodyPr/>
+          <a:lstStyle/>
+          <a:p>
+            <a:r>
+              <a:rPr lang="en-US" dirty="0" smtClean="0"/>
+              <a:t>Resulting shape</a:t>
+            </a:r>
+            <a:endParaRPr lang="en-US" dirty="0"/>
           </a:p>
         </p:txBody>
       </p:sp>
       <p:pic>
         <p:nvPicPr>
-          <p:cNvPr id="4" name="Picture 3"/>
+          <p:cNvPr id="10" name="Picture 9"/>
           <p:cNvPicPr>
             <a:picLocks noChangeAspect="1"/>
           </p:cNvPicPr>
@@ -9624,152 +9549,116 @@
         </p:blipFill>
         <p:spPr>
           <a:xfrm>
-            <a:off x="810610" y="2995793"/>
-            <a:ext cx="6172813" cy="2016036"/>
+            <a:off x="979864" y="2814418"/>
+            <a:ext cx="1911979" cy="1322113"/>
           </a:xfrm>
           <a:prstGeom prst="rect">
             <a:avLst/>
           </a:prstGeom>
         </p:spPr>
       </p:pic>
-      <p:sp>
-        <p:nvSpPr>
-          <p:cNvPr id="5" name="TextBox 4"/>
-          <p:cNvSpPr txBox="1"/>
-          <p:nvPr/>
-        </p:nvSpPr>
-        <p:spPr>
-          <a:xfrm>
-            <a:off x="7113714" y="2904631"/>
-            <a:ext cx="4600065" cy="646331"/>
+      <p:pic>
+        <p:nvPicPr>
+          <p:cNvPr id="11" name="Picture 10"/>
+          <p:cNvPicPr>
+            <a:picLocks noChangeAspect="1"/>
+          </p:cNvPicPr>
+          <p:nvPr/>
+        </p:nvPicPr>
+        <p:blipFill>
+          <a:blip r:embed="rId3">
+            <a:extLst>
+              <a:ext uri="{28A0092B-C50C-407E-A947-70E740481C1C}">
+                <a14:useLocalDpi xmlns:a14="http://schemas.microsoft.com/office/drawing/2010/main" val="0"/>
+              </a:ext>
+            </a:extLst>
+          </a:blip>
+          <a:stretch>
+            <a:fillRect/>
+          </a:stretch>
+        </p:blipFill>
+        <p:spPr>
+          <a:xfrm>
+            <a:off x="979864" y="4614076"/>
+            <a:ext cx="1917096" cy="1108807"/>
           </a:xfrm>
           <a:prstGeom prst="rect">
             <a:avLst/>
           </a:prstGeom>
-          <a:noFill/>
-        </p:spPr>
-        <p:txBody>
-          <a:bodyPr wrap="square" rtlCol="0">
-            <a:spAutoFit/>
-          </a:bodyPr>
-          <a:lstStyle/>
-          <a:p>
-            <a:r>
-              <a:rPr lang="en-US" b="1" dirty="0" smtClean="0"/>
-              <a:t>Here we set the class “bar” to every </a:t>
-            </a:r>
-            <a:r>
-              <a:rPr lang="en-US" b="1" dirty="0" err="1" smtClean="0"/>
-              <a:t>rect</a:t>
-            </a:r>
-            <a:r>
-              <a:rPr lang="en-US" b="1" dirty="0" smtClean="0"/>
-              <a:t> we want to use (from earlier)</a:t>
-            </a:r>
-            <a:endParaRPr lang="en-US" b="1" dirty="0"/>
-          </a:p>
-        </p:txBody>
-      </p:sp>
-      <p:sp>
-        <p:nvSpPr>
-          <p:cNvPr id="6" name="TextBox 5"/>
-          <p:cNvSpPr txBox="1"/>
-          <p:nvPr/>
-        </p:nvSpPr>
-        <p:spPr>
-          <a:xfrm>
-            <a:off x="7113713" y="3657096"/>
-            <a:ext cx="4158631" cy="923330"/>
+        </p:spPr>
+      </p:pic>
+      <p:pic>
+        <p:nvPicPr>
+          <p:cNvPr id="12" name="Picture 11"/>
+          <p:cNvPicPr>
+            <a:picLocks noChangeAspect="1"/>
+          </p:cNvPicPr>
+          <p:nvPr/>
+        </p:nvPicPr>
+        <p:blipFill>
+          <a:blip r:embed="rId4">
+            <a:extLst>
+              <a:ext uri="{28A0092B-C50C-407E-A947-70E740481C1C}">
+                <a14:useLocalDpi xmlns:a14="http://schemas.microsoft.com/office/drawing/2010/main" val="0"/>
+              </a:ext>
+            </a:extLst>
+          </a:blip>
+          <a:stretch>
+            <a:fillRect/>
+          </a:stretch>
+        </p:blipFill>
+        <p:spPr>
+          <a:xfrm>
+            <a:off x="5930741" y="2814417"/>
+            <a:ext cx="1385071" cy="1322113"/>
           </a:xfrm>
           <a:prstGeom prst="rect">
             <a:avLst/>
           </a:prstGeom>
-          <a:noFill/>
-        </p:spPr>
-        <p:txBody>
-          <a:bodyPr wrap="square" rtlCol="0">
-            <a:spAutoFit/>
-          </a:bodyPr>
-          <a:lstStyle/>
-          <a:p>
-            <a:r>
-              <a:rPr lang="en-US" b="1" dirty="0" err="1" smtClean="0"/>
-              <a:t>Binded</a:t>
-            </a:r>
-            <a:r>
-              <a:rPr lang="en-US" b="1" dirty="0" smtClean="0"/>
-              <a:t> data can now be referenced in </a:t>
-            </a:r>
-            <a:r>
-              <a:rPr lang="en-US" b="1" dirty="0" err="1" smtClean="0"/>
-              <a:t>attr</a:t>
-            </a:r>
-            <a:r>
-              <a:rPr lang="en-US" b="1" dirty="0" smtClean="0"/>
-              <a:t> using callback function (variable </a:t>
-            </a:r>
-            <a:r>
-              <a:rPr lang="en-US" b="1" i="1" dirty="0" smtClean="0"/>
-              <a:t>d</a:t>
-            </a:r>
-            <a:r>
-              <a:rPr lang="en-US" b="1" dirty="0" smtClean="0"/>
-              <a:t>), and iterated (variable </a:t>
-            </a:r>
-            <a:r>
-              <a:rPr lang="en-US" b="1" i="1" dirty="0" err="1" smtClean="0"/>
-              <a:t>i</a:t>
-            </a:r>
-            <a:r>
-              <a:rPr lang="en-US" b="1" dirty="0" smtClean="0"/>
-              <a:t>)</a:t>
-            </a:r>
-            <a:endParaRPr lang="en-US" b="1" dirty="0"/>
-          </a:p>
-        </p:txBody>
-      </p:sp>
-      <p:sp>
-        <p:nvSpPr>
-          <p:cNvPr id="7" name="TextBox 6"/>
-          <p:cNvSpPr txBox="1"/>
-          <p:nvPr/>
-        </p:nvSpPr>
-        <p:spPr>
-          <a:xfrm>
-            <a:off x="7144543" y="4686560"/>
-            <a:ext cx="4127801" cy="646331"/>
+        </p:spPr>
+      </p:pic>
+      <p:pic>
+        <p:nvPicPr>
+          <p:cNvPr id="13" name="Picture 12"/>
+          <p:cNvPicPr>
+            <a:picLocks noChangeAspect="1"/>
+          </p:cNvPicPr>
+          <p:nvPr/>
+        </p:nvPicPr>
+        <p:blipFill>
+          <a:blip r:embed="rId5">
+            <a:extLst>
+              <a:ext uri="{28A0092B-C50C-407E-A947-70E740481C1C}">
+                <a14:useLocalDpi xmlns:a14="http://schemas.microsoft.com/office/drawing/2010/main" val="0"/>
+              </a:ext>
+            </a:extLst>
+          </a:blip>
+          <a:stretch>
+            <a:fillRect/>
+          </a:stretch>
+        </p:blipFill>
+        <p:spPr>
+          <a:xfrm>
+            <a:off x="5930740" y="4614074"/>
+            <a:ext cx="1118709" cy="1108809"/>
           </a:xfrm>
           <a:prstGeom prst="rect">
             <a:avLst/>
           </a:prstGeom>
-          <a:noFill/>
-        </p:spPr>
-        <p:txBody>
-          <a:bodyPr wrap="square" rtlCol="0">
-            <a:spAutoFit/>
-          </a:bodyPr>
-          <a:lstStyle/>
-          <a:p>
-            <a:r>
-              <a:rPr lang="en-US" b="1" dirty="0" smtClean="0"/>
-              <a:t>Also using scales to align with axis and stay within the domain</a:t>
-            </a:r>
-            <a:endParaRPr lang="en-US" b="1" dirty="0"/>
-          </a:p>
-        </p:txBody>
-      </p:sp>
-      <p:sp>
-        <p:nvSpPr>
-          <p:cNvPr id="8" name="Frame 7"/>
+        </p:spPr>
+      </p:pic>
+      <p:sp>
+        <p:nvSpPr>
+          <p:cNvPr id="16" name="Right Arrow 15"/>
           <p:cNvSpPr/>
           <p:nvPr/>
         </p:nvSpPr>
         <p:spPr>
           <a:xfrm>
-            <a:off x="1225296" y="3849624"/>
-            <a:ext cx="1891862" cy="236483"/>
-          </a:xfrm>
-          <a:prstGeom prst="frame">
+            <a:off x="3657600" y="3168869"/>
+            <a:ext cx="1721078" cy="551793"/>
+          </a:xfrm>
+          <a:prstGeom prst="rightArrow">
             <a:avLst/>
           </a:prstGeom>
           <a:solidFill>
@@ -9797,18 +9686,57 @@
           <a:lstStyle/>
           <a:p>
             <a:pPr algn="ctr"/>
-            <a:endParaRPr lang="en-US">
-              <a:solidFill>
-                <a:schemeClr val="tx1"/>
-              </a:solidFill>
-            </a:endParaRPr>
+            <a:endParaRPr lang="en-US"/>
+          </a:p>
+        </p:txBody>
+      </p:sp>
+      <p:sp>
+        <p:nvSpPr>
+          <p:cNvPr id="17" name="Right Arrow 16"/>
+          <p:cNvSpPr/>
+          <p:nvPr/>
+        </p:nvSpPr>
+        <p:spPr>
+          <a:xfrm>
+            <a:off x="3704737" y="4892581"/>
+            <a:ext cx="1721078" cy="551793"/>
+          </a:xfrm>
+          <a:prstGeom prst="rightArrow">
+            <a:avLst/>
+          </a:prstGeom>
+          <a:solidFill>
+            <a:schemeClr val="tx1"/>
+          </a:solidFill>
+        </p:spPr>
+        <p:style>
+          <a:lnRef idx="2">
+            <a:schemeClr val="accent1">
+              <a:shade val="50000"/>
+            </a:schemeClr>
+          </a:lnRef>
+          <a:fillRef idx="1">
+            <a:schemeClr val="accent1"/>
+          </a:fillRef>
+          <a:effectRef idx="0">
+            <a:schemeClr val="accent1"/>
+          </a:effectRef>
+          <a:fontRef idx="minor">
+            <a:schemeClr val="lt1"/>
+          </a:fontRef>
+        </p:style>
+        <p:txBody>
+          <a:bodyPr rtlCol="0" anchor="ctr"/>
+          <a:lstStyle/>
+          <a:p>
+            <a:pPr algn="ctr"/>
+            <a:endParaRPr lang="en-US"/>
           </a:p>
         </p:txBody>
       </p:sp>
     </p:spTree>
     <p:extLst>
       <p:ext uri="{BB962C8B-B14F-4D97-AF65-F5344CB8AC3E}">
-        <p14:creationId xmlns:p14="http://schemas.microsoft.com/office/powerpoint/2010/main" val="801688184"/>
+        <p14:creationId xmlns:p14="http://schemas.microsoft.com/office/powerpoint/2010/main" val="1146929560"/>
       </p:ext>
     </p:extLst>
   </p:cSld>
@@ -9849,7 +9777,7 @@
             <a:spLocks noGrp="1"/>
           </p:cNvSpPr>
           <p:nvPr>
-            <p:ph type="title"/>
+            <p:ph type="ctrTitle"/>
           </p:nvPr>
         </p:nvSpPr>
         <p:spPr/>
@@ -9859,211 +9787,39 @@
           <a:p>
             <a:r>
               <a:rPr lang="en-US" dirty="0" smtClean="0"/>
-              <a:t>What is D3.js</a:t>
-            </a:r>
-            <a:endParaRPr lang="en-US" dirty="0"/>
-          </a:p>
-        </p:txBody>
-      </p:sp>
-      <p:sp>
-        <p:nvSpPr>
-          <p:cNvPr id="3" name="Content Placeholder 2"/>
-          <p:cNvSpPr>
-            <a:spLocks noGrp="1"/>
-          </p:cNvSpPr>
-          <p:nvPr>
-            <p:ph idx="1"/>
+              <a:t>Introduction to D3.js</a:t>
+            </a:r>
+            <a:endParaRPr lang="en-US" dirty="0"/>
+          </a:p>
+        </p:txBody>
+      </p:sp>
+      <p:sp>
+        <p:nvSpPr>
+          <p:cNvPr id="3" name="Subtitle 2"/>
+          <p:cNvSpPr>
+            <a:spLocks noGrp="1"/>
+          </p:cNvSpPr>
+          <p:nvPr>
+            <p:ph type="subTitle" idx="1"/>
           </p:nvPr>
         </p:nvSpPr>
         <p:spPr/>
         <p:txBody>
-          <a:bodyPr>
-            <a:normAutofit/>
-          </a:bodyPr>
-          <a:lstStyle/>
-          <a:p>
-            <a:pPr lvl="1"/>
-            <a:r>
-              <a:rPr lang="en-US" b="1" dirty="0" smtClean="0"/>
-              <a:t>Wikipedia Says:  </a:t>
-            </a:r>
-          </a:p>
-          <a:p>
-            <a:pPr lvl="2"/>
+          <a:bodyPr/>
+          <a:lstStyle/>
+          <a:p>
             <a:r>
               <a:rPr lang="en-US" dirty="0" smtClean="0"/>
-              <a:t>“</a:t>
-            </a:r>
-            <a:r>
-              <a:rPr lang="en-US" b="1" i="1" dirty="0" smtClean="0"/>
-              <a:t>D3.js</a:t>
-            </a:r>
-            <a:r>
-              <a:rPr lang="en-US" i="1" dirty="0"/>
-              <a:t> (or just </a:t>
-            </a:r>
-            <a:r>
-              <a:rPr lang="en-US" b="1" i="1" dirty="0"/>
-              <a:t>D3</a:t>
-            </a:r>
-            <a:r>
-              <a:rPr lang="en-US" i="1" dirty="0"/>
-              <a:t> for </a:t>
-            </a:r>
-            <a:r>
-              <a:rPr lang="en-US" b="1" i="1" dirty="0"/>
-              <a:t>Data-Driven Documents</a:t>
-            </a:r>
-            <a:r>
-              <a:rPr lang="en-US" i="1" dirty="0"/>
-              <a:t>) is </a:t>
-            </a:r>
-            <a:r>
-              <a:rPr lang="en-US" i="1" dirty="0" smtClean="0"/>
-              <a:t>a JavaScript</a:t>
-            </a:r>
-            <a:r>
-              <a:rPr lang="en-US" i="1" dirty="0"/>
-              <a:t> </a:t>
-            </a:r>
-            <a:r>
-              <a:rPr lang="en-US" i="1" dirty="0" smtClean="0"/>
-              <a:t>library </a:t>
-            </a:r>
-            <a:r>
-              <a:rPr lang="en-US" i="1" dirty="0"/>
-              <a:t>for producing dynamic, </a:t>
-            </a:r>
-            <a:r>
-              <a:rPr lang="en-US" i="1" dirty="0" smtClean="0"/>
-              <a:t>interactive data visualizations</a:t>
-            </a:r>
-            <a:r>
-              <a:rPr lang="en-US" i="1" dirty="0"/>
-              <a:t> </a:t>
-            </a:r>
-            <a:r>
-              <a:rPr lang="en-US" i="1" dirty="0" smtClean="0"/>
-              <a:t>in web browsers. </a:t>
-            </a:r>
-            <a:r>
-              <a:rPr lang="en-US" i="1" dirty="0"/>
-              <a:t>It makes use of the widely </a:t>
-            </a:r>
-            <a:r>
-              <a:rPr lang="en-US" i="1" dirty="0" smtClean="0"/>
-              <a:t>implemented SVG, HTML5,</a:t>
-            </a:r>
-            <a:r>
-              <a:rPr lang="en-US" i="1" dirty="0"/>
-              <a:t> </a:t>
-            </a:r>
-            <a:r>
-              <a:rPr lang="en-US" i="1" dirty="0" smtClean="0"/>
-              <a:t>and CSS</a:t>
-            </a:r>
-            <a:r>
-              <a:rPr lang="en-US" i="1" dirty="0"/>
-              <a:t> </a:t>
-            </a:r>
-            <a:r>
-              <a:rPr lang="en-US" i="1" dirty="0" smtClean="0"/>
-              <a:t>standards</a:t>
-            </a:r>
-            <a:r>
-              <a:rPr lang="en-US" i="1" dirty="0"/>
-              <a:t>. It is the successor to the earlier </a:t>
-            </a:r>
-            <a:r>
-              <a:rPr lang="en-US" i="1" dirty="0" err="1"/>
-              <a:t>Protovis</a:t>
-            </a:r>
-            <a:r>
-              <a:rPr lang="en-US" i="1" dirty="0"/>
-              <a:t> framework</a:t>
-            </a:r>
-            <a:r>
-              <a:rPr lang="en-US" i="1" dirty="0" smtClean="0"/>
-              <a:t>.</a:t>
-            </a:r>
-            <a:r>
-              <a:rPr lang="en-US" i="1" dirty="0"/>
-              <a:t> In contrast to many other libraries, D3.js allows great control over the final visual result</a:t>
-            </a:r>
-            <a:r>
-              <a:rPr lang="en-US" i="1" dirty="0" smtClean="0"/>
-              <a:t>.</a:t>
-            </a:r>
-            <a:r>
-              <a:rPr lang="en-US" i="1" dirty="0"/>
-              <a:t> Its development was noted in 2011</a:t>
-            </a:r>
-            <a:r>
-              <a:rPr lang="en-US" i="1" dirty="0" smtClean="0"/>
-              <a:t>,</a:t>
-            </a:r>
-            <a:r>
-              <a:rPr lang="en-US" i="1" dirty="0"/>
-              <a:t> as version 2.0.0 was released in August </a:t>
-            </a:r>
-            <a:r>
-              <a:rPr lang="en-US" i="1" dirty="0" smtClean="0"/>
-              <a:t>2011.”</a:t>
-            </a:r>
-          </a:p>
-          <a:p>
-            <a:pPr lvl="1"/>
-            <a:endParaRPr lang="en-US" sz="2400" i="1" dirty="0"/>
-          </a:p>
-          <a:p>
-            <a:pPr lvl="1"/>
-            <a:r>
-              <a:rPr lang="en-US" dirty="0"/>
-              <a:t>Used to manipulate documents based on data, and create visual representations of that data</a:t>
-            </a:r>
-          </a:p>
-          <a:p>
-            <a:endParaRPr lang="en-US" dirty="0"/>
-          </a:p>
-        </p:txBody>
-      </p:sp>
-      <p:sp>
-        <p:nvSpPr>
-          <p:cNvPr id="4" name="TextBox 3"/>
-          <p:cNvSpPr txBox="1"/>
-          <p:nvPr/>
-        </p:nvSpPr>
-        <p:spPr>
-          <a:xfrm>
-            <a:off x="457200" y="5943600"/>
-            <a:ext cx="4972049" cy="246888"/>
-          </a:xfrm>
-          <a:prstGeom prst="rect">
-            <a:avLst/>
-          </a:prstGeom>
-          <a:noFill/>
-        </p:spPr>
-        <p:txBody>
-          <a:bodyPr wrap="square" rtlCol="0">
-            <a:spAutoFit/>
-          </a:bodyPr>
-          <a:lstStyle/>
-          <a:p>
-            <a:pPr lvl="1"/>
-            <a:r>
-              <a:rPr lang="en-US" sz="1000" dirty="0">
-                <a:hlinkClick r:id="rId2"/>
-              </a:rPr>
-              <a:t>https://medium.freecodecamp.org/learn-d3-js-in-5-minutes-c5ec29fb0725</a:t>
-            </a:r>
-            <a:endParaRPr lang="en-US" sz="1000" dirty="0"/>
+              <a:t>By Alex Rogers</a:t>
+            </a:r>
+            <a:endParaRPr lang="en-US" dirty="0"/>
           </a:p>
         </p:txBody>
       </p:sp>
     </p:spTree>
     <p:extLst>
       <p:ext uri="{BB962C8B-B14F-4D97-AF65-F5344CB8AC3E}">
-        <p14:creationId xmlns:p14="http://schemas.microsoft.com/office/powerpoint/2010/main" val="974945664"/>
+        <p14:creationId xmlns:p14="http://schemas.microsoft.com/office/powerpoint/2010/main" val="1549656094"/>
       </p:ext>
     </p:extLst>
   </p:cSld>
@@ -10109,7 +9865,9 @@
         </p:nvSpPr>
         <p:spPr/>
         <p:txBody>
-          <a:bodyPr/>
+          <a:bodyPr>
+            <a:normAutofit/>
+          </a:bodyPr>
           <a:lstStyle/>
           <a:p>
             <a:r>
@@ -10122,15 +9880,54 @@
             </a:r>
             <a:r>
               <a:rPr lang="en-US" dirty="0" smtClean="0"/>
-              <a:t> Rules to Create Shapes II. </a:t>
-            </a:r>
-            <a:endParaRPr lang="en-US" dirty="0"/>
+              <a:t> Rules to Create </a:t>
+            </a:r>
+            <a:r>
+              <a:rPr lang="en-US" dirty="0"/>
+              <a:t>S</a:t>
+            </a:r>
+            <a:r>
+              <a:rPr lang="en-US" dirty="0" smtClean="0"/>
+              <a:t>hapes II.</a:t>
+            </a:r>
+            <a:endParaRPr lang="en-US" dirty="0"/>
+          </a:p>
+        </p:txBody>
+      </p:sp>
+      <p:sp>
+        <p:nvSpPr>
+          <p:cNvPr id="3" name="Content Placeholder 2"/>
+          <p:cNvSpPr>
+            <a:spLocks noGrp="1"/>
+          </p:cNvSpPr>
+          <p:nvPr>
+            <p:ph idx="1"/>
+          </p:nvPr>
+        </p:nvSpPr>
+        <p:spPr/>
+        <p:txBody>
+          <a:bodyPr/>
+          <a:lstStyle/>
+          <a:p>
+            <a:r>
+              <a:rPr lang="en-US" u="sng" dirty="0" smtClean="0"/>
+              <a:t>SVG elements with </a:t>
+            </a:r>
+            <a:r>
+              <a:rPr lang="en-US" u="sng" dirty="0" err="1" smtClean="0"/>
+              <a:t>binded</a:t>
+            </a:r>
+            <a:r>
+              <a:rPr lang="en-US" u="sng" dirty="0" smtClean="0"/>
+              <a:t> data to iterate shapes</a:t>
+            </a:r>
+            <a:endParaRPr lang="en-US" u="sng" dirty="0"/>
           </a:p>
         </p:txBody>
       </p:sp>
       <p:pic>
         <p:nvPicPr>
-          <p:cNvPr id="5" name="Picture 4"/>
+          <p:cNvPr id="4" name="Picture 3"/>
           <p:cNvPicPr>
             <a:picLocks noChangeAspect="1"/>
           </p:cNvPicPr>
@@ -10150,7 +9947,7 @@
         </p:blipFill>
         <p:spPr>
           <a:xfrm>
-            <a:off x="290349" y="2366263"/>
+            <a:off x="810610" y="2995793"/>
             <a:ext cx="6172813" cy="2016036"/>
           </a:xfrm>
           <a:prstGeom prst="rect">
@@ -10158,53 +9955,145 @@
           </a:prstGeom>
         </p:spPr>
       </p:pic>
-      <p:pic>
-        <p:nvPicPr>
-          <p:cNvPr id="4" name="Content Placeholder 3"/>
-          <p:cNvPicPr>
-            <a:picLocks noGrp="1" noChangeAspect="1"/>
-          </p:cNvPicPr>
-          <p:nvPr>
-            <p:ph idx="1"/>
-          </p:nvPr>
-        </p:nvPicPr>
-        <p:blipFill>
-          <a:blip r:embed="rId3">
-            <a:extLst>
-              <a:ext uri="{28A0092B-C50C-407E-A947-70E740481C1C}">
-                <a14:useLocalDpi xmlns:a14="http://schemas.microsoft.com/office/drawing/2010/main" val="0"/>
-              </a:ext>
-            </a:extLst>
-          </a:blip>
-          <a:stretch>
-            <a:fillRect/>
-          </a:stretch>
-        </p:blipFill>
-        <p:spPr>
-          <a:xfrm>
-            <a:off x="5123793" y="2161635"/>
-            <a:ext cx="7068207" cy="4696366"/>
-          </a:xfrm>
-        </p:spPr>
-      </p:pic>
-      <p:sp>
-        <p:nvSpPr>
-          <p:cNvPr id="6" name="Bent Arrow 5"/>
+      <p:sp>
+        <p:nvSpPr>
+          <p:cNvPr id="5" name="TextBox 4"/>
+          <p:cNvSpPr txBox="1"/>
+          <p:nvPr/>
+        </p:nvSpPr>
+        <p:spPr>
+          <a:xfrm>
+            <a:off x="7113714" y="2904631"/>
+            <a:ext cx="4600065" cy="646331"/>
+          </a:xfrm>
+          <a:prstGeom prst="rect">
+            <a:avLst/>
+          </a:prstGeom>
+          <a:noFill/>
+        </p:spPr>
+        <p:txBody>
+          <a:bodyPr wrap="square" rtlCol="0">
+            <a:spAutoFit/>
+          </a:bodyPr>
+          <a:lstStyle/>
+          <a:p>
+            <a:r>
+              <a:rPr lang="en-US" b="1" dirty="0" smtClean="0"/>
+              <a:t>Here we set the class “bar” to every </a:t>
+            </a:r>
+            <a:r>
+              <a:rPr lang="en-US" b="1" dirty="0" err="1" smtClean="0"/>
+              <a:t>rect</a:t>
+            </a:r>
+            <a:r>
+              <a:rPr lang="en-US" b="1" dirty="0" smtClean="0"/>
+              <a:t> we want to use (from earlier)</a:t>
+            </a:r>
+            <a:endParaRPr lang="en-US" b="1" dirty="0"/>
+          </a:p>
+        </p:txBody>
+      </p:sp>
+      <p:sp>
+        <p:nvSpPr>
+          <p:cNvPr id="6" name="TextBox 5"/>
+          <p:cNvSpPr txBox="1"/>
+          <p:nvPr/>
+        </p:nvSpPr>
+        <p:spPr>
+          <a:xfrm>
+            <a:off x="7113713" y="3657096"/>
+            <a:ext cx="4158631" cy="923330"/>
+          </a:xfrm>
+          <a:prstGeom prst="rect">
+            <a:avLst/>
+          </a:prstGeom>
+          <a:noFill/>
+        </p:spPr>
+        <p:txBody>
+          <a:bodyPr wrap="square" rtlCol="0">
+            <a:spAutoFit/>
+          </a:bodyPr>
+          <a:lstStyle/>
+          <a:p>
+            <a:r>
+              <a:rPr lang="en-US" b="1" dirty="0" err="1" smtClean="0"/>
+              <a:t>Binded</a:t>
+            </a:r>
+            <a:r>
+              <a:rPr lang="en-US" b="1" dirty="0" smtClean="0"/>
+              <a:t> data can now be referenced in </a:t>
+            </a:r>
+            <a:r>
+              <a:rPr lang="en-US" b="1" dirty="0" err="1" smtClean="0"/>
+              <a:t>attr</a:t>
+            </a:r>
+            <a:r>
+              <a:rPr lang="en-US" b="1" dirty="0" smtClean="0"/>
+              <a:t> using callback function (variable </a:t>
+            </a:r>
+            <a:r>
+              <a:rPr lang="en-US" b="1" i="1" dirty="0" smtClean="0"/>
+              <a:t>d</a:t>
+            </a:r>
+            <a:r>
+              <a:rPr lang="en-US" b="1" dirty="0" smtClean="0"/>
+              <a:t>), and iterated (variable </a:t>
+            </a:r>
+            <a:r>
+              <a:rPr lang="en-US" b="1" i="1" dirty="0" err="1" smtClean="0"/>
+              <a:t>i</a:t>
+            </a:r>
+            <a:r>
+              <a:rPr lang="en-US" b="1" dirty="0" smtClean="0"/>
+              <a:t>)</a:t>
+            </a:r>
+            <a:endParaRPr lang="en-US" b="1" dirty="0"/>
+          </a:p>
+        </p:txBody>
+      </p:sp>
+      <p:sp>
+        <p:nvSpPr>
+          <p:cNvPr id="7" name="TextBox 6"/>
+          <p:cNvSpPr txBox="1"/>
+          <p:nvPr/>
+        </p:nvSpPr>
+        <p:spPr>
+          <a:xfrm>
+            <a:off x="7144543" y="4686560"/>
+            <a:ext cx="4127801" cy="646331"/>
+          </a:xfrm>
+          <a:prstGeom prst="rect">
+            <a:avLst/>
+          </a:prstGeom>
+          <a:noFill/>
+        </p:spPr>
+        <p:txBody>
+          <a:bodyPr wrap="square" rtlCol="0">
+            <a:spAutoFit/>
+          </a:bodyPr>
+          <a:lstStyle/>
+          <a:p>
+            <a:r>
+              <a:rPr lang="en-US" b="1" dirty="0" smtClean="0"/>
+              <a:t>Also using scales to align with axis and stay within the domain</a:t>
+            </a:r>
+            <a:endParaRPr lang="en-US" b="1" dirty="0"/>
+          </a:p>
+        </p:txBody>
+      </p:sp>
+      <p:sp>
+        <p:nvSpPr>
+          <p:cNvPr id="8" name="Frame 7"/>
           <p:cNvSpPr/>
           <p:nvPr/>
         </p:nvSpPr>
         <p:spPr>
-          <a:xfrm rot="10800000" flipH="1">
-            <a:off x="3846787" y="4586926"/>
-            <a:ext cx="1277006" cy="1167487"/>
-          </a:xfrm>
-          <a:prstGeom prst="bentArrow">
-            <a:avLst>
-              <a:gd name="adj1" fmla="val 16429"/>
-              <a:gd name="adj2" fmla="val 23507"/>
-              <a:gd name="adj3" fmla="val 38433"/>
-              <a:gd name="adj4" fmla="val 43750"/>
-            </a:avLst>
+          <a:xfrm>
+            <a:off x="1225296" y="3849624"/>
+            <a:ext cx="1891862" cy="236483"/>
+          </a:xfrm>
+          <a:prstGeom prst="frame">
+            <a:avLst/>
           </a:prstGeom>
           <a:solidFill>
             <a:schemeClr val="tx1"/>
@@ -10242,7 +10131,7 @@
     </p:spTree>
     <p:extLst>
       <p:ext uri="{BB962C8B-B14F-4D97-AF65-F5344CB8AC3E}">
-        <p14:creationId xmlns:p14="http://schemas.microsoft.com/office/powerpoint/2010/main" val="1179640937"/>
+        <p14:creationId xmlns:p14="http://schemas.microsoft.com/office/powerpoint/2010/main" val="801688184"/>
       </p:ext>
     </p:extLst>
   </p:cSld>
@@ -10288,139 +10177,140 @@
         </p:nvSpPr>
         <p:spPr/>
         <p:txBody>
-          <a:bodyPr>
-            <a:normAutofit/>
-          </a:bodyPr>
+          <a:bodyPr/>
           <a:lstStyle/>
           <a:p>
             <a:r>
               <a:rPr lang="en-US" dirty="0" smtClean="0"/>
-              <a:t>Advantages vs. Disadvantages of d3</a:t>
-            </a:r>
-            <a:endParaRPr lang="en-US" dirty="0"/>
-          </a:p>
-        </p:txBody>
-      </p:sp>
-      <p:sp>
-        <p:nvSpPr>
-          <p:cNvPr id="4" name="Text Placeholder 3"/>
-          <p:cNvSpPr>
-            <a:spLocks noGrp="1"/>
-          </p:cNvSpPr>
-          <p:nvPr>
-            <p:ph type="body" idx="1"/>
-          </p:nvPr>
-        </p:nvSpPr>
-        <p:spPr/>
-        <p:txBody>
-          <a:bodyPr/>
-          <a:lstStyle/>
-          <a:p>
+              <a:t>Basics: Using </a:t>
+            </a:r>
+            <a:r>
+              <a:rPr lang="en-US" dirty="0" err="1" smtClean="0"/>
+              <a:t>svg</a:t>
+            </a:r>
             <a:r>
               <a:rPr lang="en-US" dirty="0" smtClean="0"/>
-              <a:t>Advantages</a:t>
-            </a:r>
-            <a:endParaRPr lang="en-US" dirty="0"/>
-          </a:p>
-        </p:txBody>
-      </p:sp>
-      <p:sp>
-        <p:nvSpPr>
-          <p:cNvPr id="5" name="Content Placeholder 4"/>
-          <p:cNvSpPr>
-            <a:spLocks noGrp="1"/>
-          </p:cNvSpPr>
-          <p:nvPr>
-            <p:ph sz="half" idx="2"/>
-          </p:nvPr>
-        </p:nvSpPr>
-        <p:spPr/>
-        <p:txBody>
-          <a:bodyPr/>
-          <a:lstStyle/>
-          <a:p>
-            <a:endParaRPr lang="en-US" dirty="0" smtClean="0"/>
-          </a:p>
-          <a:p>
-            <a:r>
-              <a:rPr lang="en-US" dirty="0" smtClean="0"/>
-              <a:t>Lots of freedom and control</a:t>
-            </a:r>
-          </a:p>
-          <a:p>
-            <a:r>
-              <a:rPr lang="en-US" dirty="0" smtClean="0"/>
-              <a:t>Seamless integration with other frameworks</a:t>
-            </a:r>
-          </a:p>
-          <a:p>
-            <a:r>
-              <a:rPr lang="en-US" dirty="0" smtClean="0"/>
-              <a:t>Handles data lightly</a:t>
-            </a:r>
-            <a:endParaRPr lang="en-US" dirty="0"/>
-          </a:p>
-        </p:txBody>
-      </p:sp>
-      <p:sp>
-        <p:nvSpPr>
-          <p:cNvPr id="6" name="Text Placeholder 5"/>
-          <p:cNvSpPr>
-            <a:spLocks noGrp="1"/>
-          </p:cNvSpPr>
-          <p:nvPr>
-            <p:ph type="body" sz="quarter" idx="3"/>
-          </p:nvPr>
-        </p:nvSpPr>
-        <p:spPr/>
-        <p:txBody>
-          <a:bodyPr/>
-          <a:lstStyle/>
-          <a:p>
-            <a:r>
-              <a:rPr lang="en-US" dirty="0" smtClean="0"/>
-              <a:t>Disadvantages</a:t>
-            </a:r>
-            <a:endParaRPr lang="en-US" dirty="0"/>
-          </a:p>
-        </p:txBody>
-      </p:sp>
-      <p:sp>
-        <p:nvSpPr>
-          <p:cNvPr id="7" name="Content Placeholder 6"/>
-          <p:cNvSpPr>
-            <a:spLocks noGrp="1"/>
-          </p:cNvSpPr>
-          <p:nvPr>
-            <p:ph sz="quarter" idx="4"/>
-          </p:nvPr>
-        </p:nvSpPr>
-        <p:spPr/>
-        <p:txBody>
-          <a:bodyPr/>
-          <a:lstStyle/>
-          <a:p>
-            <a:endParaRPr lang="en-US" dirty="0" smtClean="0"/>
-          </a:p>
-          <a:p>
-            <a:r>
-              <a:rPr lang="en-US" dirty="0" smtClean="0"/>
-              <a:t>No built-in graphs</a:t>
-            </a:r>
-          </a:p>
-          <a:p>
-            <a:r>
-              <a:rPr lang="en-US" dirty="0" smtClean="0"/>
-              <a:t>ETL is more manual</a:t>
-            </a:r>
-            <a:endParaRPr lang="en-US" dirty="0"/>
+              <a:t> Rules to Create Shapes II. </a:t>
+            </a:r>
+            <a:endParaRPr lang="en-US" dirty="0"/>
+          </a:p>
+        </p:txBody>
+      </p:sp>
+      <p:pic>
+        <p:nvPicPr>
+          <p:cNvPr id="5" name="Picture 4"/>
+          <p:cNvPicPr>
+            <a:picLocks noChangeAspect="1"/>
+          </p:cNvPicPr>
+          <p:nvPr/>
+        </p:nvPicPr>
+        <p:blipFill>
+          <a:blip r:embed="rId2">
+            <a:extLst>
+              <a:ext uri="{28A0092B-C50C-407E-A947-70E740481C1C}">
+                <a14:useLocalDpi xmlns:a14="http://schemas.microsoft.com/office/drawing/2010/main" val="0"/>
+              </a:ext>
+            </a:extLst>
+          </a:blip>
+          <a:stretch>
+            <a:fillRect/>
+          </a:stretch>
+        </p:blipFill>
+        <p:spPr>
+          <a:xfrm>
+            <a:off x="290349" y="2366263"/>
+            <a:ext cx="6172813" cy="2016036"/>
+          </a:xfrm>
+          <a:prstGeom prst="rect">
+            <a:avLst/>
+          </a:prstGeom>
+        </p:spPr>
+      </p:pic>
+      <p:pic>
+        <p:nvPicPr>
+          <p:cNvPr id="4" name="Content Placeholder 3"/>
+          <p:cNvPicPr>
+            <a:picLocks noGrp="1" noChangeAspect="1"/>
+          </p:cNvPicPr>
+          <p:nvPr>
+            <p:ph idx="1"/>
+          </p:nvPr>
+        </p:nvPicPr>
+        <p:blipFill>
+          <a:blip r:embed="rId3">
+            <a:extLst>
+              <a:ext uri="{28A0092B-C50C-407E-A947-70E740481C1C}">
+                <a14:useLocalDpi xmlns:a14="http://schemas.microsoft.com/office/drawing/2010/main" val="0"/>
+              </a:ext>
+            </a:extLst>
+          </a:blip>
+          <a:stretch>
+            <a:fillRect/>
+          </a:stretch>
+        </p:blipFill>
+        <p:spPr>
+          <a:xfrm>
+            <a:off x="5123793" y="2161635"/>
+            <a:ext cx="7068207" cy="4696366"/>
+          </a:xfrm>
+        </p:spPr>
+      </p:pic>
+      <p:sp>
+        <p:nvSpPr>
+          <p:cNvPr id="6" name="Bent Arrow 5"/>
+          <p:cNvSpPr/>
+          <p:nvPr/>
+        </p:nvSpPr>
+        <p:spPr>
+          <a:xfrm rot="10800000" flipH="1">
+            <a:off x="3846787" y="4586926"/>
+            <a:ext cx="1277006" cy="1167487"/>
+          </a:xfrm>
+          <a:prstGeom prst="bentArrow">
+            <a:avLst>
+              <a:gd name="adj1" fmla="val 16429"/>
+              <a:gd name="adj2" fmla="val 23507"/>
+              <a:gd name="adj3" fmla="val 38433"/>
+              <a:gd name="adj4" fmla="val 43750"/>
+            </a:avLst>
+          </a:prstGeom>
+          <a:solidFill>
+            <a:schemeClr val="tx1"/>
+          </a:solidFill>
+        </p:spPr>
+        <p:style>
+          <a:lnRef idx="2">
+            <a:schemeClr val="accent1">
+              <a:shade val="50000"/>
+            </a:schemeClr>
+          </a:lnRef>
+          <a:fillRef idx="1">
+            <a:schemeClr val="accent1"/>
+          </a:fillRef>
+          <a:effectRef idx="0">
+            <a:schemeClr val="accent1"/>
+          </a:effectRef>
+          <a:fontRef idx="minor">
+            <a:schemeClr val="lt1"/>
+          </a:fontRef>
+        </p:style>
+        <p:txBody>
+          <a:bodyPr rtlCol="0" anchor="ctr"/>
+          <a:lstStyle/>
+          <a:p>
+            <a:pPr algn="ctr"/>
+            <a:endParaRPr lang="en-US">
+              <a:solidFill>
+                <a:schemeClr val="tx1"/>
+              </a:solidFill>
+            </a:endParaRPr>
           </a:p>
         </p:txBody>
       </p:sp>
     </p:spTree>
     <p:extLst>
       <p:ext uri="{BB962C8B-B14F-4D97-AF65-F5344CB8AC3E}">
-        <p14:creationId xmlns:p14="http://schemas.microsoft.com/office/powerpoint/2010/main" val="919394411"/>
+        <p14:creationId xmlns:p14="http://schemas.microsoft.com/office/powerpoint/2010/main" val="1179640937"/>
       </p:ext>
     </p:extLst>
   </p:cSld>
@@ -10466,29 +10356,50 @@
         </p:nvSpPr>
         <p:spPr/>
         <p:txBody>
+          <a:bodyPr>
+            <a:normAutofit/>
+          </a:bodyPr>
+          <a:lstStyle/>
+          <a:p>
+            <a:r>
+              <a:rPr lang="en-US" dirty="0" smtClean="0"/>
+              <a:t>Advantages vs. Disadvantages of d3</a:t>
+            </a:r>
+            <a:endParaRPr lang="en-US" dirty="0"/>
+          </a:p>
+        </p:txBody>
+      </p:sp>
+      <p:sp>
+        <p:nvSpPr>
+          <p:cNvPr id="4" name="Text Placeholder 3"/>
+          <p:cNvSpPr>
+            <a:spLocks noGrp="1"/>
+          </p:cNvSpPr>
+          <p:nvPr>
+            <p:ph type="body" idx="1"/>
+          </p:nvPr>
+        </p:nvSpPr>
+        <p:spPr/>
+        <p:txBody>
           <a:bodyPr/>
           <a:lstStyle/>
           <a:p>
             <a:r>
-              <a:rPr lang="en-US" dirty="0"/>
-              <a:t>R</a:t>
-            </a:r>
-            <a:r>
               <a:rPr lang="en-US" dirty="0" smtClean="0"/>
-              <a:t>esources</a:t>
-            </a:r>
-            <a:endParaRPr lang="en-US" dirty="0"/>
-          </a:p>
-        </p:txBody>
-      </p:sp>
-      <p:sp>
-        <p:nvSpPr>
-          <p:cNvPr id="3" name="Content Placeholder 2"/>
-          <p:cNvSpPr>
-            <a:spLocks noGrp="1"/>
-          </p:cNvSpPr>
-          <p:nvPr>
-            <p:ph idx="1"/>
+              <a:t>Advantages</a:t>
+            </a:r>
+            <a:endParaRPr lang="en-US" dirty="0"/>
+          </a:p>
+        </p:txBody>
+      </p:sp>
+      <p:sp>
+        <p:nvSpPr>
+          <p:cNvPr id="5" name="Content Placeholder 4"/>
+          <p:cNvSpPr>
+            <a:spLocks noGrp="1"/>
+          </p:cNvSpPr>
+          <p:nvPr>
+            <p:ph sz="half" idx="2"/>
           </p:nvPr>
         </p:nvSpPr>
         <p:spPr/>
@@ -10496,84 +10407,79 @@
           <a:bodyPr/>
           <a:lstStyle/>
           <a:p>
-            <a:r>
-              <a:rPr lang="en-US" dirty="0">
-                <a:hlinkClick r:id="rId2"/>
-              </a:rPr>
-              <a:t>https://d3js.org</a:t>
-            </a:r>
-            <a:r>
-              <a:rPr lang="en-US" dirty="0" smtClean="0">
-                <a:hlinkClick r:id="rId2"/>
-              </a:rPr>
-              <a:t>/</a:t>
-            </a:r>
+            <a:endParaRPr lang="en-US" dirty="0" smtClean="0"/>
+          </a:p>
+          <a:p>
             <a:r>
               <a:rPr lang="en-US" dirty="0" smtClean="0"/>
-              <a:t> </a:t>
-            </a:r>
-          </a:p>
-          <a:p>
-            <a:endParaRPr lang="en-US" dirty="0"/>
-          </a:p>
-          <a:p>
-            <a:r>
-              <a:rPr lang="en-US" dirty="0">
-                <a:hlinkClick r:id="rId3"/>
-              </a:rPr>
-              <a:t>https://square.github.io/intro-to-d3</a:t>
-            </a:r>
-            <a:r>
-              <a:rPr lang="en-US" dirty="0" smtClean="0">
-                <a:hlinkClick r:id="rId3"/>
-              </a:rPr>
-              <a:t>/</a:t>
-            </a:r>
+              <a:t>Lots of freedom and control</a:t>
+            </a:r>
+          </a:p>
+          <a:p>
             <a:r>
               <a:rPr lang="en-US" dirty="0" smtClean="0"/>
-              <a:t> </a:t>
-            </a:r>
-          </a:p>
-          <a:p>
-            <a:endParaRPr lang="en-US" dirty="0"/>
-          </a:p>
-          <a:p>
-            <a:r>
-              <a:rPr lang="en-US" dirty="0">
-                <a:hlinkClick r:id="rId4"/>
-              </a:rPr>
-              <a:t>https://</a:t>
-            </a:r>
-            <a:r>
-              <a:rPr lang="en-US" dirty="0" smtClean="0">
-                <a:hlinkClick r:id="rId4"/>
-              </a:rPr>
-              <a:t>davidwalsh.name/learning-d3</a:t>
-            </a:r>
+              <a:t>Seamless integration with other frameworks</a:t>
+            </a:r>
+          </a:p>
+          <a:p>
             <a:r>
               <a:rPr lang="en-US" dirty="0" smtClean="0"/>
-              <a:t> </a:t>
-            </a:r>
-          </a:p>
-          <a:p>
-            <a:endParaRPr lang="en-US" dirty="0"/>
-          </a:p>
-          <a:p>
-            <a:r>
-              <a:rPr lang="en-US" dirty="0">
-                <a:hlinkClick r:id="rId5"/>
-              </a:rPr>
-              <a:t>https://d3indepth.com</a:t>
-            </a:r>
-            <a:r>
-              <a:rPr lang="en-US" dirty="0" smtClean="0">
-                <a:hlinkClick r:id="rId5"/>
-              </a:rPr>
-              <a:t>/</a:t>
-            </a:r>
+              <a:t>Handles data lightly</a:t>
+            </a:r>
+            <a:endParaRPr lang="en-US" dirty="0"/>
+          </a:p>
+        </p:txBody>
+      </p:sp>
+      <p:sp>
+        <p:nvSpPr>
+          <p:cNvPr id="6" name="Text Placeholder 5"/>
+          <p:cNvSpPr>
+            <a:spLocks noGrp="1"/>
+          </p:cNvSpPr>
+          <p:nvPr>
+            <p:ph type="body" sz="quarter" idx="3"/>
+          </p:nvPr>
+        </p:nvSpPr>
+        <p:spPr/>
+        <p:txBody>
+          <a:bodyPr/>
+          <a:lstStyle/>
+          <a:p>
             <a:r>
               <a:rPr lang="en-US" dirty="0" smtClean="0"/>
-              <a:t> </a:t>
+              <a:t>Disadvantages</a:t>
+            </a:r>
+            <a:endParaRPr lang="en-US" dirty="0"/>
+          </a:p>
+        </p:txBody>
+      </p:sp>
+      <p:sp>
+        <p:nvSpPr>
+          <p:cNvPr id="7" name="Content Placeholder 6"/>
+          <p:cNvSpPr>
+            <a:spLocks noGrp="1"/>
+          </p:cNvSpPr>
+          <p:nvPr>
+            <p:ph sz="quarter" idx="4"/>
+          </p:nvPr>
+        </p:nvSpPr>
+        <p:spPr/>
+        <p:txBody>
+          <a:bodyPr/>
+          <a:lstStyle/>
+          <a:p>
+            <a:endParaRPr lang="en-US" dirty="0" smtClean="0"/>
+          </a:p>
+          <a:p>
+            <a:r>
+              <a:rPr lang="en-US" dirty="0" smtClean="0"/>
+              <a:t>No built-in graphs</a:t>
+            </a:r>
+          </a:p>
+          <a:p>
+            <a:r>
+              <a:rPr lang="en-US" dirty="0" smtClean="0"/>
+              <a:t>ETL is more manual</a:t>
             </a:r>
             <a:endParaRPr lang="en-US" dirty="0"/>
           </a:p>
@@ -10582,7 +10488,7 @@
     </p:spTree>
     <p:extLst>
       <p:ext uri="{BB962C8B-B14F-4D97-AF65-F5344CB8AC3E}">
-        <p14:creationId xmlns:p14="http://schemas.microsoft.com/office/powerpoint/2010/main" val="1199839728"/>
+        <p14:creationId xmlns:p14="http://schemas.microsoft.com/office/powerpoint/2010/main" val="919394411"/>
       </p:ext>
     </p:extLst>
   </p:cSld>
@@ -10632,8 +10538,12 @@
           <a:lstStyle/>
           <a:p>
             <a:r>
+              <a:rPr lang="en-US" dirty="0"/>
+              <a:t>R</a:t>
+            </a:r>
+            <a:r>
               <a:rPr lang="en-US" dirty="0" smtClean="0"/>
-              <a:t>Follow Me</a:t>
+              <a:t>esources</a:t>
             </a:r>
             <a:endParaRPr lang="en-US" dirty="0"/>
           </a:p>
@@ -10654,23 +10564,80 @@
           <a:bodyPr/>
           <a:lstStyle/>
           <a:p>
+            <a:r>
+              <a:rPr lang="en-US" dirty="0">
+                <a:hlinkClick r:id="rId2"/>
+              </a:rPr>
+              <a:t>https://d3js.org</a:t>
+            </a:r>
             <a:r>
               <a:rPr lang="en-US" dirty="0" smtClean="0">
                 <a:hlinkClick r:id="rId2"/>
               </a:rPr>
-              <a:t>https://www.linkedin.com/in/alexrogers823</a:t>
-            </a:r>
-            <a:endParaRPr lang="en-US" dirty="0" smtClean="0"/>
-          </a:p>
-          <a:p>
-            <a:endParaRPr lang="en-US" dirty="0" smtClean="0"/>
-          </a:p>
-          <a:p>
+              <a:t>/</a:t>
+            </a:r>
+            <a:r>
+              <a:rPr lang="en-US" dirty="0" smtClean="0"/>
+              <a:t> </a:t>
+            </a:r>
+          </a:p>
+          <a:p>
+            <a:endParaRPr lang="en-US" dirty="0"/>
+          </a:p>
+          <a:p>
+            <a:r>
+              <a:rPr lang="en-US" dirty="0">
+                <a:hlinkClick r:id="rId3"/>
+              </a:rPr>
+              <a:t>https://square.github.io/intro-to-d3</a:t>
+            </a:r>
             <a:r>
               <a:rPr lang="en-US" dirty="0" smtClean="0">
                 <a:hlinkClick r:id="rId3"/>
               </a:rPr>
-              <a:t>https://github.com/alexrogers823</a:t>
+              <a:t>/</a:t>
+            </a:r>
+            <a:r>
+              <a:rPr lang="en-US" dirty="0" smtClean="0"/>
+              <a:t> </a:t>
+            </a:r>
+          </a:p>
+          <a:p>
+            <a:endParaRPr lang="en-US" dirty="0"/>
+          </a:p>
+          <a:p>
+            <a:r>
+              <a:rPr lang="en-US" dirty="0">
+                <a:hlinkClick r:id="rId4"/>
+              </a:rPr>
+              <a:t>https://</a:t>
+            </a:r>
+            <a:r>
+              <a:rPr lang="en-US" dirty="0" smtClean="0">
+                <a:hlinkClick r:id="rId4"/>
+              </a:rPr>
+              <a:t>davidwalsh.name/learning-d3</a:t>
+            </a:r>
+            <a:r>
+              <a:rPr lang="en-US" dirty="0" smtClean="0"/>
+              <a:t> </a:t>
+            </a:r>
+          </a:p>
+          <a:p>
+            <a:endParaRPr lang="en-US" dirty="0"/>
+          </a:p>
+          <a:p>
+            <a:r>
+              <a:rPr lang="en-US" dirty="0">
+                <a:hlinkClick r:id="rId5"/>
+              </a:rPr>
+              <a:t>https://d3indepth.com</a:t>
+            </a:r>
+            <a:r>
+              <a:rPr lang="en-US" dirty="0" smtClean="0">
+                <a:hlinkClick r:id="rId5"/>
+              </a:rPr>
+              <a:t>/</a:t>
             </a:r>
             <a:r>
               <a:rPr lang="en-US" dirty="0" smtClean="0"/>
@@ -10683,7 +10650,7 @@
     </p:spTree>
     <p:extLst>
       <p:ext uri="{BB962C8B-B14F-4D97-AF65-F5344CB8AC3E}">
-        <p14:creationId xmlns:p14="http://schemas.microsoft.com/office/powerpoint/2010/main" val="178631652"/>
+        <p14:creationId xmlns:p14="http://schemas.microsoft.com/office/powerpoint/2010/main" val="1199839728"/>
       </p:ext>
     </p:extLst>
   </p:cSld>
@@ -10734,46 +10701,72 @@
           <a:p>
             <a:r>
               <a:rPr lang="en-US" dirty="0" smtClean="0"/>
-              <a:t>Let’s make a cool bar graph</a:t>
-            </a:r>
-            <a:endParaRPr lang="en-US" dirty="0"/>
-          </a:p>
-        </p:txBody>
-      </p:sp>
-      <p:pic>
-        <p:nvPicPr>
-          <p:cNvPr id="5" name="Picture 4"/>
-          <p:cNvPicPr>
-            <a:picLocks noChangeAspect="1"/>
-          </p:cNvPicPr>
-          <p:nvPr/>
-        </p:nvPicPr>
-        <p:blipFill>
-          <a:blip r:embed="rId2">
-            <a:extLst>
-              <a:ext uri="{28A0092B-C50C-407E-A947-70E740481C1C}">
-                <a14:useLocalDpi xmlns:a14="http://schemas.microsoft.com/office/drawing/2010/main" val="0"/>
-              </a:ext>
-            </a:extLst>
-          </a:blip>
-          <a:stretch>
-            <a:fillRect/>
-          </a:stretch>
-        </p:blipFill>
-        <p:spPr>
-          <a:xfrm>
-            <a:off x="680321" y="4071444"/>
-            <a:ext cx="10842968" cy="311369"/>
-          </a:xfrm>
-          <a:prstGeom prst="rect">
-            <a:avLst/>
-          </a:prstGeom>
-        </p:spPr>
-      </p:pic>
+              <a:t>Follow Me</a:t>
+            </a:r>
+            <a:endParaRPr lang="en-US" dirty="0"/>
+          </a:p>
+        </p:txBody>
+      </p:sp>
+      <p:sp>
+        <p:nvSpPr>
+          <p:cNvPr id="3" name="Content Placeholder 2"/>
+          <p:cNvSpPr>
+            <a:spLocks noGrp="1"/>
+          </p:cNvSpPr>
+          <p:nvPr>
+            <p:ph idx="1"/>
+          </p:nvPr>
+        </p:nvSpPr>
+        <p:spPr/>
+        <p:txBody>
+          <a:bodyPr/>
+          <a:lstStyle/>
+          <a:p>
+            <a:r>
+              <a:rPr lang="en-US" dirty="0" smtClean="0">
+                <a:hlinkClick r:id="rId2"/>
+              </a:rPr>
+              <a:t>https://www.linkedin.com/in/alexrogers823</a:t>
+            </a:r>
+            <a:endParaRPr lang="en-US" dirty="0" smtClean="0"/>
+          </a:p>
+          <a:p>
+            <a:endParaRPr lang="en-US" dirty="0" smtClean="0"/>
+          </a:p>
+          <a:p>
+            <a:r>
+              <a:rPr lang="en-US" dirty="0" smtClean="0">
+                <a:hlinkClick r:id="rId3"/>
+              </a:rPr>
+              <a:t>https://github.com/alexrogers823</a:t>
+            </a:r>
+            <a:r>
+              <a:rPr lang="en-US" dirty="0" smtClean="0"/>
+              <a:t> </a:t>
+            </a:r>
+          </a:p>
+          <a:p>
+            <a:endParaRPr lang="en-US" dirty="0"/>
+          </a:p>
+          <a:p>
+            <a:r>
+              <a:rPr lang="en-US" dirty="0" smtClean="0">
+                <a:hlinkClick r:id="rId4"/>
+              </a:rPr>
+              <a:t>Alex.rogers823@gmail.com</a:t>
+            </a:r>
+            <a:r>
+              <a:rPr lang="en-US" dirty="0" smtClean="0"/>
+              <a:t> </a:t>
+            </a:r>
+            <a:endParaRPr lang="en-US" dirty="0"/>
+          </a:p>
+        </p:txBody>
+      </p:sp>
     </p:spTree>
     <p:extLst>
       <p:ext uri="{BB962C8B-B14F-4D97-AF65-F5344CB8AC3E}">
-        <p14:creationId xmlns:p14="http://schemas.microsoft.com/office/powerpoint/2010/main" val="769617165"/>
+        <p14:creationId xmlns:p14="http://schemas.microsoft.com/office/powerpoint/2010/main" val="178631652"/>
       </p:ext>
     </p:extLst>
   </p:cSld>
@@ -10787,6 +10780,120 @@
       </p:par>
     </p:tnLst>
   </p:timing>
+</p:sld>
+</file>
+
+<file path=ppt/slides/slide25.xml><?xml version="1.0" encoding="utf-8"?>
+<p:sld xmlns:a="http://schemas.openxmlformats.org/drawingml/2006/main" xmlns:r="http://schemas.openxmlformats.org/officeDocument/2006/relationships" xmlns:p="http://schemas.openxmlformats.org/presentationml/2006/main">
+  <p:cSld>
+    <p:spTree>
+      <p:nvGrpSpPr>
+        <p:cNvPr id="1" name=""/>
+        <p:cNvGrpSpPr/>
+        <p:nvPr/>
+      </p:nvGrpSpPr>
+      <p:grpSpPr>
+        <a:xfrm>
+          <a:off x="0" y="0"/>
+          <a:ext cx="0" cy="0"/>
+          <a:chOff x="0" y="0"/>
+          <a:chExt cx="0" cy="0"/>
+        </a:xfrm>
+      </p:grpSpPr>
+      <p:sp>
+        <p:nvSpPr>
+          <p:cNvPr id="2" name="Title 1"/>
+          <p:cNvSpPr>
+            <a:spLocks noGrp="1"/>
+          </p:cNvSpPr>
+          <p:nvPr>
+            <p:ph type="title"/>
+          </p:nvPr>
+        </p:nvSpPr>
+        <p:spPr/>
+        <p:txBody>
+          <a:bodyPr/>
+          <a:lstStyle/>
+          <a:p>
+            <a:r>
+              <a:rPr lang="en-US" dirty="0" smtClean="0"/>
+              <a:t>Lets Make a Cooler Bar Graph</a:t>
+            </a:r>
+            <a:endParaRPr lang="en-US" dirty="0"/>
+          </a:p>
+        </p:txBody>
+      </p:sp>
+      <p:sp>
+        <p:nvSpPr>
+          <p:cNvPr id="3" name="Content Placeholder 2"/>
+          <p:cNvSpPr>
+            <a:spLocks noGrp="1"/>
+          </p:cNvSpPr>
+          <p:nvPr>
+            <p:ph idx="1"/>
+          </p:nvPr>
+        </p:nvSpPr>
+        <p:spPr/>
+        <p:txBody>
+          <a:bodyPr/>
+          <a:lstStyle/>
+          <a:p>
+            <a:r>
+              <a:rPr lang="en-US" dirty="0" smtClean="0"/>
+              <a:t>Open </a:t>
+            </a:r>
+            <a:r>
+              <a:rPr lang="en-US" dirty="0" err="1" smtClean="0"/>
+              <a:t>index.html</a:t>
+            </a:r>
+            <a:r>
+              <a:rPr lang="en-US" dirty="0" smtClean="0"/>
+              <a:t> in cloned repository</a:t>
+            </a:r>
+          </a:p>
+          <a:p>
+            <a:endParaRPr lang="en-US" dirty="0"/>
+          </a:p>
+          <a:p>
+            <a:r>
+              <a:rPr lang="en-US" dirty="0" smtClean="0"/>
+              <a:t>Work in the </a:t>
+            </a:r>
+            <a:r>
+              <a:rPr lang="en-US" dirty="0" err="1" smtClean="0"/>
+              <a:t>barGraph-START.js</a:t>
+            </a:r>
+            <a:r>
+              <a:rPr lang="en-US" dirty="0" smtClean="0"/>
+              <a:t> file</a:t>
+            </a:r>
+          </a:p>
+          <a:p>
+            <a:endParaRPr lang="en-US" dirty="0"/>
+          </a:p>
+          <a:p>
+            <a:r>
+              <a:rPr lang="en-US" dirty="0" smtClean="0"/>
+              <a:t>Reference these slides to get graph up </a:t>
+            </a:r>
+            <a:r>
+              <a:rPr lang="en-US" smtClean="0"/>
+              <a:t>and running</a:t>
+            </a:r>
+            <a:endParaRPr lang="en-US"/>
+          </a:p>
+        </p:txBody>
+      </p:sp>
+    </p:spTree>
+    <p:extLst>
+      <p:ext uri="{BB962C8B-B14F-4D97-AF65-F5344CB8AC3E}">
+        <p14:creationId xmlns:p14="http://schemas.microsoft.com/office/powerpoint/2010/main" val="1412302212"/>
+      </p:ext>
+    </p:extLst>
+  </p:cSld>
+  <p:clrMapOvr>
+    <a:masterClrMapping/>
+  </p:clrMapOvr>
 </p:sld>
 </file>
 
@@ -10824,7 +10931,7 @@
           <a:p>
             <a:r>
               <a:rPr lang="en-US" dirty="0" smtClean="0"/>
-              <a:t>D3.js Features</a:t>
+              <a:t>What is D3.js</a:t>
             </a:r>
             <a:endParaRPr lang="en-US" dirty="0"/>
           </a:p>
@@ -10842,47 +10949,152 @@
         </p:nvSpPr>
         <p:spPr/>
         <p:txBody>
-          <a:bodyPr/>
-          <a:lstStyle/>
-          <a:p>
+          <a:bodyPr>
+            <a:normAutofit/>
+          </a:bodyPr>
+          <a:lstStyle/>
+          <a:p>
+            <a:pPr lvl="1"/>
+            <a:r>
+              <a:rPr lang="en-US" b="1" dirty="0" smtClean="0"/>
+              <a:t>Wikipedia Says:  </a:t>
+            </a:r>
+          </a:p>
+          <a:p>
+            <a:pPr lvl="2"/>
             <a:r>
               <a:rPr lang="en-US" dirty="0" smtClean="0"/>
-              <a:t>Flexibility </a:t>
+              <a:t>“</a:t>
+            </a:r>
+            <a:r>
+              <a:rPr lang="en-US" b="1" i="1" dirty="0" smtClean="0"/>
+              <a:t>D3.js</a:t>
+            </a:r>
+            <a:r>
+              <a:rPr lang="en-US" i="1" dirty="0"/>
+              <a:t> (or just </a:t>
+            </a:r>
+            <a:r>
+              <a:rPr lang="en-US" b="1" i="1" dirty="0"/>
+              <a:t>D3</a:t>
+            </a:r>
+            <a:r>
+              <a:rPr lang="en-US" i="1" dirty="0"/>
+              <a:t> for </a:t>
+            </a:r>
+            <a:r>
+              <a:rPr lang="en-US" b="1" i="1" dirty="0"/>
+              <a:t>Data-Driven Documents</a:t>
+            </a:r>
+            <a:r>
+              <a:rPr lang="en-US" i="1" dirty="0"/>
+              <a:t>) is </a:t>
+            </a:r>
+            <a:r>
+              <a:rPr lang="en-US" i="1" dirty="0" smtClean="0"/>
+              <a:t>a JavaScript</a:t>
+            </a:r>
+            <a:r>
+              <a:rPr lang="en-US" i="1" dirty="0"/>
+              <a:t> </a:t>
+            </a:r>
+            <a:r>
+              <a:rPr lang="en-US" i="1" dirty="0" smtClean="0"/>
+              <a:t>library </a:t>
+            </a:r>
+            <a:r>
+              <a:rPr lang="en-US" i="1" dirty="0"/>
+              <a:t>for producing dynamic, </a:t>
+            </a:r>
+            <a:r>
+              <a:rPr lang="en-US" i="1" dirty="0" smtClean="0"/>
+              <a:t>interactive data visualizations</a:t>
+            </a:r>
+            <a:r>
+              <a:rPr lang="en-US" i="1" dirty="0"/>
+              <a:t> </a:t>
+            </a:r>
+            <a:r>
+              <a:rPr lang="en-US" i="1" dirty="0" smtClean="0"/>
+              <a:t>in web browsers. </a:t>
+            </a:r>
+            <a:r>
+              <a:rPr lang="en-US" i="1" dirty="0"/>
+              <a:t>It makes use of the widely </a:t>
+            </a:r>
+            <a:r>
+              <a:rPr lang="en-US" i="1" dirty="0" smtClean="0"/>
+              <a:t>implemented SVG, HTML5,</a:t>
+            </a:r>
+            <a:r>
+              <a:rPr lang="en-US" i="1" dirty="0"/>
+              <a:t> </a:t>
+            </a:r>
+            <a:r>
+              <a:rPr lang="en-US" i="1" dirty="0" smtClean="0"/>
+              <a:t>and CSS</a:t>
+            </a:r>
+            <a:r>
+              <a:rPr lang="en-US" i="1" dirty="0"/>
+              <a:t> </a:t>
+            </a:r>
+            <a:r>
+              <a:rPr lang="en-US" i="1" dirty="0" smtClean="0"/>
+              <a:t>standards</a:t>
+            </a:r>
+            <a:r>
+              <a:rPr lang="en-US" i="1" dirty="0"/>
+              <a:t>. It is the successor to the earlier </a:t>
+            </a:r>
+            <a:r>
+              <a:rPr lang="en-US" i="1" dirty="0" err="1"/>
+              <a:t>Protovis</a:t>
+            </a:r>
+            <a:r>
+              <a:rPr lang="en-US" i="1" dirty="0"/>
+              <a:t> framework</a:t>
+            </a:r>
+            <a:r>
+              <a:rPr lang="en-US" i="1" dirty="0" smtClean="0"/>
+              <a:t>.</a:t>
+            </a:r>
+            <a:r>
+              <a:rPr lang="en-US" i="1" dirty="0"/>
+              <a:t> In contrast to many other libraries, D3.js allows great control over the final visual result</a:t>
+            </a:r>
+            <a:r>
+              <a:rPr lang="en-US" i="1" dirty="0" smtClean="0"/>
+              <a:t>.</a:t>
+            </a:r>
+            <a:r>
+              <a:rPr lang="en-US" i="1" dirty="0"/>
+              <a:t> Its development was noted in 2011</a:t>
+            </a:r>
+            <a:r>
+              <a:rPr lang="en-US" i="1" dirty="0" smtClean="0"/>
+              <a:t>,</a:t>
+            </a:r>
+            <a:r>
+              <a:rPr lang="en-US" i="1" dirty="0"/>
+              <a:t> as version 2.0.0 was released in August </a:t>
+            </a:r>
+            <a:r>
+              <a:rPr lang="en-US" i="1" dirty="0" smtClean="0"/>
+              <a:t>2011.”</a:t>
             </a:r>
           </a:p>
           <a:p>
             <a:pPr lvl="1"/>
-            <a:r>
-              <a:rPr lang="en-US" dirty="0" smtClean="0"/>
-              <a:t>Since D3 relies on DOM manipulation instead of pre-built graphs, it allows for a lot of freedom and creation</a:t>
-            </a:r>
-          </a:p>
-          <a:p>
-            <a:r>
-              <a:rPr lang="en-US" dirty="0" smtClean="0"/>
-              <a:t>Compatibility</a:t>
-            </a:r>
+            <a:endParaRPr lang="en-US" sz="2400" i="1" dirty="0"/>
           </a:p>
           <a:p>
             <a:pPr lvl="1"/>
             <a:r>
-              <a:rPr lang="en-US" dirty="0" smtClean="0"/>
-              <a:t>It can be added to other JS Frameworks without disrupting them. It is also lightweight and runs smoothly, even with big data.</a:t>
-            </a:r>
-          </a:p>
-          <a:p>
-            <a:r>
-              <a:rPr lang="en-US" dirty="0" err="1" smtClean="0"/>
-              <a:t>Serverless</a:t>
-            </a:r>
-            <a:endParaRPr lang="en-US" dirty="0" smtClean="0"/>
-          </a:p>
-          <a:p>
-            <a:pPr lvl="1"/>
-            <a:r>
-              <a:rPr lang="en-US" dirty="0" smtClean="0"/>
-              <a:t>D3 does not depend on a front-end or back-end server</a:t>
-            </a:r>
+              <a:rPr lang="en-US" dirty="0"/>
+              <a:t>Used to manipulate documents based on data, and create visual representations of that data</a:t>
+            </a:r>
+          </a:p>
+          <a:p>
             <a:endParaRPr lang="en-US" dirty="0"/>
           </a:p>
         </p:txBody>
@@ -10896,7 +11108,7 @@
         <p:spPr>
           <a:xfrm>
             <a:off x="457200" y="5943600"/>
-            <a:ext cx="4619295" cy="246221"/>
+            <a:ext cx="4972049" cy="246888"/>
           </a:xfrm>
           <a:prstGeom prst="rect">
             <a:avLst/>
@@ -10909,62 +11121,21 @@
           </a:bodyPr>
           <a:lstStyle/>
           <a:p>
-            <a:r>
-              <a:rPr lang="en-US" sz="1000" b="1" dirty="0"/>
-              <a:t>https://</a:t>
-            </a:r>
-            <a:r>
-              <a:rPr lang="en-US" sz="1000" b="1" dirty="0" err="1"/>
-              <a:t>www.quora.com</a:t>
-            </a:r>
-            <a:r>
-              <a:rPr lang="en-US" sz="1000" b="1" dirty="0"/>
-              <a:t>/What-are-some-of-the-best-features-of-D3-js#</a:t>
-            </a:r>
-          </a:p>
-        </p:txBody>
-      </p:sp>
-      <p:sp>
-        <p:nvSpPr>
-          <p:cNvPr id="5" name="TextBox 4"/>
-          <p:cNvSpPr txBox="1"/>
-          <p:nvPr/>
-        </p:nvSpPr>
-        <p:spPr>
-          <a:xfrm>
-            <a:off x="457200" y="6172200"/>
-            <a:ext cx="5486400" cy="246221"/>
-          </a:xfrm>
-          <a:prstGeom prst="rect">
-            <a:avLst/>
-          </a:prstGeom>
-          <a:noFill/>
-        </p:spPr>
-        <p:txBody>
-          <a:bodyPr wrap="square" rtlCol="0">
-            <a:spAutoFit/>
-          </a:bodyPr>
-          <a:lstStyle/>
-          <a:p>
-            <a:r>
-              <a:rPr lang="en-US" sz="1000" b="1" dirty="0"/>
-              <a:t>https://</a:t>
-            </a:r>
-            <a:r>
-              <a:rPr lang="en-US" sz="1000" b="1" dirty="0" err="1"/>
-              <a:t>towardsdatascience.com</a:t>
-            </a:r>
-            <a:r>
-              <a:rPr lang="en-US" sz="1000" b="1" dirty="0"/>
-              <a:t>/interactive-data-visualization-with-d3-js-43fc3428a27e</a:t>
-            </a:r>
+            <a:pPr lvl="1"/>
+            <a:r>
+              <a:rPr lang="en-US" sz="1000" dirty="0">
+                <a:hlinkClick r:id="rId2"/>
+              </a:rPr>
+              <a:t>https://medium.freecodecamp.org/learn-d3-js-in-5-minutes-c5ec29fb0725</a:t>
+            </a:r>
+            <a:endParaRPr lang="en-US" sz="1000" dirty="0"/>
           </a:p>
         </p:txBody>
       </p:sp>
     </p:spTree>
     <p:extLst>
       <p:ext uri="{BB962C8B-B14F-4D97-AF65-F5344CB8AC3E}">
-        <p14:creationId xmlns:p14="http://schemas.microsoft.com/office/powerpoint/2010/main" val="539518015"/>
+        <p14:creationId xmlns:p14="http://schemas.microsoft.com/office/powerpoint/2010/main" val="974945664"/>
       </p:ext>
     </p:extLst>
   </p:cSld>
@@ -11015,7 +11186,7 @@
           <a:p>
             <a:r>
               <a:rPr lang="en-US" dirty="0" smtClean="0"/>
-              <a:t>FAQ</a:t>
+              <a:t>D3.js Features</a:t>
             </a:r>
             <a:endParaRPr lang="en-US" dirty="0"/>
           </a:p>
@@ -11033,25 +11204,38 @@
         </p:nvSpPr>
         <p:spPr/>
         <p:txBody>
-          <a:bodyPr>
-            <a:normAutofit fontScale="92500" lnSpcReduction="10000"/>
-          </a:bodyPr>
+          <a:bodyPr/>
           <a:lstStyle/>
           <a:p>
             <a:r>
               <a:rPr lang="en-US" dirty="0" smtClean="0"/>
-              <a:t>Can you drill down in D3.js?</a:t>
+              <a:t>Flexibility </a:t>
             </a:r>
           </a:p>
           <a:p>
             <a:pPr lvl="1"/>
             <a:r>
               <a:rPr lang="en-US" dirty="0" smtClean="0"/>
-              <a:t>Yes, but</a:t>
-            </a:r>
-            <a:r>
-              <a:rPr lang="mr-IN" dirty="0" smtClean="0"/>
-              <a:t>…</a:t>
+              <a:t>Since D3 relies on DOM manipulation instead of pre-built graphs, it allows for a lot of freedom and creation</a:t>
+            </a:r>
+          </a:p>
+          <a:p>
+            <a:r>
+              <a:rPr lang="en-US" dirty="0" smtClean="0"/>
+              <a:t>Compatibility</a:t>
+            </a:r>
+          </a:p>
+          <a:p>
+            <a:pPr lvl="1"/>
+            <a:r>
+              <a:rPr lang="en-US" dirty="0" smtClean="0"/>
+              <a:t>It can be added to other JS Frameworks without disrupting them. It is also lightweight and runs smoothly, even with big data.</a:t>
+            </a:r>
+          </a:p>
+          <a:p>
+            <a:r>
+              <a:rPr lang="en-US" dirty="0" err="1" smtClean="0"/>
+              <a:t>Serverless</a:t>
             </a:r>
             <a:endParaRPr lang="en-US" dirty="0" smtClean="0"/>
           </a:p>
@@ -11059,93 +11243,7 @@
             <a:pPr lvl="1"/>
             <a:r>
               <a:rPr lang="en-US" dirty="0" smtClean="0"/>
-              <a:t>Excellent example: Drill-Down </a:t>
-            </a:r>
-            <a:r>
-              <a:rPr lang="en-US" dirty="0" smtClean="0">
-                <a:hlinkClick r:id="rId2"/>
-              </a:rPr>
-              <a:t>Pie Chart </a:t>
-            </a:r>
-            <a:r>
-              <a:rPr lang="en-US" dirty="0" smtClean="0"/>
-              <a:t>using D3</a:t>
-            </a:r>
-          </a:p>
-          <a:p>
-            <a:pPr lvl="1"/>
-            <a:r>
-              <a:rPr lang="en-US" dirty="0" smtClean="0"/>
-              <a:t>D3-based libraries such as </a:t>
-            </a:r>
-            <a:r>
-              <a:rPr lang="en-US" dirty="0" err="1" smtClean="0"/>
-              <a:t>DC.js</a:t>
-            </a:r>
-            <a:r>
-              <a:rPr lang="en-US" dirty="0" smtClean="0"/>
-              <a:t> provide less work upfront with drill-down</a:t>
-            </a:r>
-          </a:p>
-          <a:p>
-            <a:pPr lvl="1"/>
-            <a:endParaRPr lang="en-US" dirty="0"/>
-          </a:p>
-          <a:p>
-            <a:r>
-              <a:rPr lang="en-US" dirty="0" smtClean="0"/>
-              <a:t>Does it integrate with other libraries and frameworks?</a:t>
-            </a:r>
-          </a:p>
-          <a:p>
-            <a:pPr lvl="1"/>
-            <a:r>
-              <a:rPr lang="en-US" dirty="0" smtClean="0"/>
-              <a:t>Of course!</a:t>
-            </a:r>
-          </a:p>
-          <a:p>
-            <a:pPr lvl="1"/>
-            <a:r>
-              <a:rPr lang="en-US" dirty="0" smtClean="0"/>
-              <a:t>React, Angular, </a:t>
-            </a:r>
-            <a:r>
-              <a:rPr lang="en-US" dirty="0" err="1" smtClean="0"/>
-              <a:t>TypeScript</a:t>
-            </a:r>
-            <a:r>
-              <a:rPr lang="mr-IN" dirty="0" smtClean="0"/>
-              <a:t>…</a:t>
-            </a:r>
-            <a:r>
-              <a:rPr lang="en-US" dirty="0" smtClean="0"/>
-              <a:t>anything JS-based</a:t>
-            </a:r>
-          </a:p>
-          <a:p>
-            <a:pPr lvl="1"/>
-            <a:endParaRPr lang="en-US" dirty="0" smtClean="0"/>
-          </a:p>
-          <a:p>
-            <a:r>
-              <a:rPr lang="en-US" dirty="0" smtClean="0"/>
-              <a:t>What type of data do you need for D3?</a:t>
-            </a:r>
-          </a:p>
-          <a:p>
-            <a:pPr lvl="1"/>
-            <a:r>
-              <a:rPr lang="en-US" dirty="0" smtClean="0"/>
-              <a:t>Works for several types. Static, JSON, CSV, XML, </a:t>
-            </a:r>
-            <a:r>
-              <a:rPr lang="en-US" dirty="0" err="1" smtClean="0"/>
-              <a:t>etc</a:t>
-            </a:r>
-            <a:r>
-              <a:rPr lang="mr-IN" dirty="0" smtClean="0"/>
-              <a:t>…</a:t>
+              <a:t>D3 does not depend on a front-end or back-end server</a:t>
             </a:r>
             <a:endParaRPr lang="en-US" dirty="0"/>
           </a:p>
@@ -11160,7 +11258,7 @@
         <p:spPr>
           <a:xfrm>
             <a:off x="457200" y="5943600"/>
-            <a:ext cx="2601311" cy="246221"/>
+            <a:ext cx="4619295" cy="246221"/>
           </a:xfrm>
           <a:prstGeom prst="rect">
             <a:avLst/>
@@ -11179,25 +11277,12 @@
             </a:r>
             <a:r>
               <a:rPr lang="en-US" sz="1000" b="1" dirty="0" err="1"/>
-              <a:t>codepen.io</a:t>
+              <a:t>www.quora.com</a:t>
             </a:r>
             <a:r>
               <a:rPr lang="en-US" sz="1000" b="1" dirty="0"/>
-              <a:t>/</a:t>
-            </a:r>
-            <a:r>
-              <a:rPr lang="en-US" sz="1000" b="1" dirty="0" err="1"/>
-              <a:t>ademps</a:t>
-            </a:r>
-            <a:r>
-              <a:rPr lang="en-US" sz="1000" b="1" dirty="0"/>
-              <a:t>/pen/</a:t>
-            </a:r>
-            <a:r>
-              <a:rPr lang="en-US" sz="1000" b="1" dirty="0" err="1"/>
-              <a:t>mlHyC</a:t>
-            </a:r>
-            <a:endParaRPr lang="en-US" sz="1000" b="1" dirty="0"/>
+              <a:t>/What-are-some-of-the-best-features-of-D3-js#</a:t>
+            </a:r>
           </a:p>
         </p:txBody>
       </p:sp>
@@ -11210,7 +11295,7 @@
         <p:spPr>
           <a:xfrm>
             <a:off x="457200" y="6172200"/>
-            <a:ext cx="1939159" cy="249075"/>
+            <a:ext cx="5486400" cy="246221"/>
           </a:xfrm>
           <a:prstGeom prst="rect">
             <a:avLst/>
@@ -11225,51 +11310,6 @@
           <a:p>
             <a:r>
               <a:rPr lang="en-US" sz="1000" b="1" dirty="0"/>
-              <a:t>https://dc-</a:t>
-            </a:r>
-            <a:r>
-              <a:rPr lang="en-US" sz="1000" b="1" dirty="0" err="1"/>
-              <a:t>js.github.io</a:t>
-            </a:r>
-            <a:r>
-              <a:rPr lang="en-US" sz="1000" b="1" dirty="0"/>
-              <a:t>/</a:t>
-            </a:r>
-            <a:r>
-              <a:rPr lang="en-US" sz="1000" b="1" dirty="0" err="1"/>
-              <a:t>dc.js</a:t>
-            </a:r>
-            <a:r>
-              <a:rPr lang="en-US" sz="1000" b="1" dirty="0"/>
-              <a:t>/</a:t>
-            </a:r>
-          </a:p>
-        </p:txBody>
-      </p:sp>
-      <p:sp>
-        <p:nvSpPr>
-          <p:cNvPr id="6" name="TextBox 5"/>
-          <p:cNvSpPr txBox="1"/>
-          <p:nvPr/>
-        </p:nvSpPr>
-        <p:spPr>
-          <a:xfrm>
-            <a:off x="457200" y="6400800"/>
-            <a:ext cx="5675587" cy="246221"/>
-          </a:xfrm>
-          <a:prstGeom prst="rect">
-            <a:avLst/>
-          </a:prstGeom>
-          <a:noFill/>
-        </p:spPr>
-        <p:txBody>
-          <a:bodyPr wrap="square" rtlCol="0">
-            <a:spAutoFit/>
-          </a:bodyPr>
-          <a:lstStyle/>
-          <a:p>
-            <a:r>
-              <a:rPr lang="en-US" sz="1000" b="1" dirty="0"/>
               <a:t>https://</a:t>
             </a:r>
             <a:r>
@@ -11286,7 +11326,7 @@
     </p:spTree>
     <p:extLst>
       <p:ext uri="{BB962C8B-B14F-4D97-AF65-F5344CB8AC3E}">
-        <p14:creationId xmlns:p14="http://schemas.microsoft.com/office/powerpoint/2010/main" val="1028498366"/>
+        <p14:creationId xmlns:p14="http://schemas.microsoft.com/office/powerpoint/2010/main" val="539518015"/>
       </p:ext>
     </p:extLst>
   </p:cSld>
@@ -11337,108 +11377,152 @@
           <a:p>
             <a:r>
               <a:rPr lang="en-US" dirty="0" smtClean="0"/>
-              <a:t>More than a chart library</a:t>
-            </a:r>
-            <a:endParaRPr lang="en-US" dirty="0"/>
-          </a:p>
-        </p:txBody>
-      </p:sp>
-      <p:sp>
-        <p:nvSpPr>
-          <p:cNvPr id="4" name="Content Placeholder 3"/>
-          <p:cNvSpPr>
-            <a:spLocks noGrp="1"/>
-          </p:cNvSpPr>
-          <p:nvPr>
-            <p:ph sz="half" idx="1"/>
+              <a:t>FAQ</a:t>
+            </a:r>
+            <a:endParaRPr lang="en-US" dirty="0"/>
+          </a:p>
+        </p:txBody>
+      </p:sp>
+      <p:sp>
+        <p:nvSpPr>
+          <p:cNvPr id="3" name="Content Placeholder 2"/>
+          <p:cNvSpPr>
+            <a:spLocks noGrp="1"/>
+          </p:cNvSpPr>
+          <p:nvPr>
+            <p:ph idx="1"/>
           </p:nvPr>
         </p:nvSpPr>
         <p:spPr/>
         <p:txBody>
-          <a:bodyPr/>
+          <a:bodyPr>
+            <a:normAutofit fontScale="92500" lnSpcReduction="10000"/>
+          </a:bodyPr>
           <a:lstStyle/>
           <a:p>
             <a:r>
               <a:rPr lang="en-US" dirty="0" smtClean="0"/>
-              <a:t>DOM Manipulation</a:t>
+              <a:t>Can you drill down in D3.js?</a:t>
             </a:r>
           </a:p>
           <a:p>
             <a:pPr lvl="1"/>
             <a:r>
-              <a:rPr lang="en-US" dirty="0"/>
-              <a:t>Using data binding and text() to manipulate </a:t>
-            </a:r>
-            <a:r>
               <a:rPr lang="en-US" dirty="0" smtClean="0"/>
-              <a:t>DOM</a:t>
-            </a:r>
+              <a:t>Yes, but</a:t>
+            </a:r>
+            <a:r>
+              <a:rPr lang="mr-IN" dirty="0" smtClean="0"/>
+              <a:t>…</a:t>
+            </a:r>
+            <a:endParaRPr lang="en-US" dirty="0" smtClean="0"/>
           </a:p>
           <a:p>
             <a:pPr lvl="1"/>
-            <a:endParaRPr lang="en-US" dirty="0"/>
+            <a:r>
+              <a:rPr lang="en-US" dirty="0" smtClean="0"/>
+              <a:t>Excellent example: Drill-Down </a:t>
+            </a:r>
+            <a:r>
+              <a:rPr lang="en-US" dirty="0" smtClean="0">
+                <a:hlinkClick r:id="rId2"/>
+              </a:rPr>
+              <a:t>Pie Chart </a:t>
+            </a:r>
+            <a:r>
+              <a:rPr lang="en-US" dirty="0" smtClean="0"/>
+              <a:t>using D3</a:t>
+            </a:r>
           </a:p>
           <a:p>
             <a:pPr lvl="1"/>
             <a:r>
-              <a:rPr lang="en-US" b="1" dirty="0"/>
-              <a:t>In d3, you select the element </a:t>
-            </a:r>
-            <a:r>
-              <a:rPr lang="en-US" b="1" i="1" dirty="0"/>
-              <a:t>before</a:t>
-            </a:r>
-            <a:r>
-              <a:rPr lang="en-US" b="1" dirty="0"/>
-              <a:t> it’s created</a:t>
-            </a:r>
-            <a:endParaRPr lang="en-US" dirty="0"/>
-          </a:p>
-          <a:p>
-            <a:endParaRPr lang="en-US" dirty="0"/>
-          </a:p>
-        </p:txBody>
-      </p:sp>
-      <p:sp>
-        <p:nvSpPr>
-          <p:cNvPr id="5" name="Content Placeholder 4"/>
-          <p:cNvSpPr>
-            <a:spLocks noGrp="1"/>
-          </p:cNvSpPr>
-          <p:nvPr>
-            <p:ph sz="half" idx="2"/>
-          </p:nvPr>
-        </p:nvSpPr>
-        <p:spPr/>
-        <p:txBody>
-          <a:bodyPr/>
-          <a:lstStyle/>
-          <a:p>
-            <a:r>
               <a:rPr lang="en-US" dirty="0" smtClean="0"/>
-              <a:t>SVG-based data visualization</a:t>
+              <a:t>D3-based libraries such as </a:t>
+            </a:r>
+            <a:r>
+              <a:rPr lang="en-US" dirty="0" err="1" smtClean="0"/>
+              <a:t>DC.js</a:t>
+            </a:r>
+            <a:r>
+              <a:rPr lang="en-US" dirty="0" smtClean="0"/>
+              <a:t> provide less work upfront with drill-down</a:t>
             </a:r>
           </a:p>
           <a:p>
             <a:pPr lvl="1"/>
+            <a:endParaRPr lang="en-US" dirty="0"/>
+          </a:p>
+          <a:p>
             <a:r>
               <a:rPr lang="en-US" dirty="0" smtClean="0"/>
-              <a:t>Using data binding, arrays, and enter() to make charts</a:t>
-            </a:r>
-            <a:endParaRPr lang="en-US" dirty="0"/>
-          </a:p>
-        </p:txBody>
-      </p:sp>
-      <p:sp>
-        <p:nvSpPr>
-          <p:cNvPr id="6" name="TextBox 5"/>
+              <a:t>Does it integrate with other libraries and frameworks?</a:t>
+            </a:r>
+          </a:p>
+          <a:p>
+            <a:pPr lvl="1"/>
+            <a:r>
+              <a:rPr lang="en-US" dirty="0" smtClean="0"/>
+              <a:t>Of course!</a:t>
+            </a:r>
+          </a:p>
+          <a:p>
+            <a:pPr lvl="1"/>
+            <a:r>
+              <a:rPr lang="en-US" dirty="0" smtClean="0"/>
+              <a:t>React, Angular, </a:t>
+            </a:r>
+            <a:r>
+              <a:rPr lang="en-US" dirty="0" err="1" smtClean="0"/>
+              <a:t>TypeScript</a:t>
+            </a:r>
+            <a:r>
+              <a:rPr lang="mr-IN" dirty="0" smtClean="0"/>
+              <a:t>…</a:t>
+            </a:r>
+            <a:r>
+              <a:rPr lang="en-US" dirty="0" smtClean="0"/>
+              <a:t>anything JS-based</a:t>
+            </a:r>
+          </a:p>
+          <a:p>
+            <a:pPr lvl="1"/>
+            <a:endParaRPr lang="en-US" dirty="0" smtClean="0"/>
+          </a:p>
+          <a:p>
+            <a:r>
+              <a:rPr lang="en-US" dirty="0" smtClean="0"/>
+              <a:t>What type of data do you need for D3?</a:t>
+            </a:r>
+          </a:p>
+          <a:p>
+            <a:pPr lvl="1"/>
+            <a:r>
+              <a:rPr lang="en-US" dirty="0" smtClean="0"/>
+              <a:t>Works for several types. Static, JSON, CSV, XML, </a:t>
+            </a:r>
+            <a:r>
+              <a:rPr lang="en-US" dirty="0" err="1" smtClean="0"/>
+              <a:t>etc</a:t>
+            </a:r>
+            <a:r>
+              <a:rPr lang="mr-IN" dirty="0" smtClean="0"/>
+              <a:t>…</a:t>
+            </a:r>
+            <a:endParaRPr lang="en-US" dirty="0"/>
+          </a:p>
+        </p:txBody>
+      </p:sp>
+      <p:sp>
+        <p:nvSpPr>
+          <p:cNvPr id="4" name="TextBox 3"/>
           <p:cNvSpPr txBox="1"/>
           <p:nvPr/>
         </p:nvSpPr>
         <p:spPr>
           <a:xfrm>
             <a:off x="457200" y="5943600"/>
-            <a:ext cx="4666593" cy="400110"/>
+            <a:ext cx="2601311" cy="246221"/>
           </a:xfrm>
           <a:prstGeom prst="rect">
             <a:avLst/>
@@ -11451,29 +11535,120 @@
           </a:bodyPr>
           <a:lstStyle/>
           <a:p>
-            <a:pPr marL="0" lvl="1"/>
-            <a:r>
-              <a:rPr lang="en-US" sz="1000" dirty="0"/>
+            <a:r>
+              <a:rPr lang="en-US" sz="1000" b="1" dirty="0"/>
               <a:t>https://</a:t>
             </a:r>
             <a:r>
               <a:rPr lang="en-US" sz="1000" b="1" dirty="0" err="1"/>
-              <a:t>medium.freecodecamp.org</a:t>
+              <a:t>codepen.io</a:t>
             </a:r>
             <a:r>
               <a:rPr lang="en-US" sz="1000" b="1" dirty="0"/>
-              <a:t>/learn-d3-js-in-5-minutes-c5ec29fb0725</a:t>
-            </a:r>
-          </a:p>
-          <a:p>
-            <a:endParaRPr lang="en-US" sz="1000" dirty="0"/>
+              <a:t>/</a:t>
+            </a:r>
+            <a:r>
+              <a:rPr lang="en-US" sz="1000" b="1" dirty="0" err="1"/>
+              <a:t>ademps</a:t>
+            </a:r>
+            <a:r>
+              <a:rPr lang="en-US" sz="1000" b="1" dirty="0"/>
+              <a:t>/pen/</a:t>
+            </a:r>
+            <a:r>
+              <a:rPr lang="en-US" sz="1000" b="1" dirty="0" err="1"/>
+              <a:t>mlHyC</a:t>
+            </a:r>
+            <a:endParaRPr lang="en-US" sz="1000" b="1" dirty="0"/>
+          </a:p>
+        </p:txBody>
+      </p:sp>
+      <p:sp>
+        <p:nvSpPr>
+          <p:cNvPr id="5" name="TextBox 4"/>
+          <p:cNvSpPr txBox="1"/>
+          <p:nvPr/>
+        </p:nvSpPr>
+        <p:spPr>
+          <a:xfrm>
+            <a:off x="457200" y="6172200"/>
+            <a:ext cx="1939159" cy="249075"/>
+          </a:xfrm>
+          <a:prstGeom prst="rect">
+            <a:avLst/>
+          </a:prstGeom>
+          <a:noFill/>
+        </p:spPr>
+        <p:txBody>
+          <a:bodyPr wrap="square" rtlCol="0">
+            <a:spAutoFit/>
+          </a:bodyPr>
+          <a:lstStyle/>
+          <a:p>
+            <a:r>
+              <a:rPr lang="en-US" sz="1000" b="1" dirty="0"/>
+              <a:t>https://dc-</a:t>
+            </a:r>
+            <a:r>
+              <a:rPr lang="en-US" sz="1000" b="1" dirty="0" err="1"/>
+              <a:t>js.github.io</a:t>
+            </a:r>
+            <a:r>
+              <a:rPr lang="en-US" sz="1000" b="1" dirty="0"/>
+              <a:t>/</a:t>
+            </a:r>
+            <a:r>
+              <a:rPr lang="en-US" sz="1000" b="1" dirty="0" err="1"/>
+              <a:t>dc.js</a:t>
+            </a:r>
+            <a:r>
+              <a:rPr lang="en-US" sz="1000" b="1" dirty="0"/>
+              <a:t>/</a:t>
+            </a:r>
+          </a:p>
+        </p:txBody>
+      </p:sp>
+      <p:sp>
+        <p:nvSpPr>
+          <p:cNvPr id="6" name="TextBox 5"/>
+          <p:cNvSpPr txBox="1"/>
+          <p:nvPr/>
+        </p:nvSpPr>
+        <p:spPr>
+          <a:xfrm>
+            <a:off x="457200" y="6400800"/>
+            <a:ext cx="5675587" cy="246221"/>
+          </a:xfrm>
+          <a:prstGeom prst="rect">
+            <a:avLst/>
+          </a:prstGeom>
+          <a:noFill/>
+        </p:spPr>
+        <p:txBody>
+          <a:bodyPr wrap="square" rtlCol="0">
+            <a:spAutoFit/>
+          </a:bodyPr>
+          <a:lstStyle/>
+          <a:p>
+            <a:r>
+              <a:rPr lang="en-US" sz="1000" b="1" dirty="0"/>
+              <a:t>https://</a:t>
+            </a:r>
+            <a:r>
+              <a:rPr lang="en-US" sz="1000" b="1" dirty="0" err="1"/>
+              <a:t>towardsdatascience.com</a:t>
+            </a:r>
+            <a:r>
+              <a:rPr lang="en-US" sz="1000" b="1" dirty="0"/>
+              <a:t>/interactive-data-visualization-with-d3-js-43fc3428a27e</a:t>
+            </a:r>
           </a:p>
         </p:txBody>
       </p:sp>
     </p:spTree>
     <p:extLst>
       <p:ext uri="{BB962C8B-B14F-4D97-AF65-F5344CB8AC3E}">
-        <p14:creationId xmlns:p14="http://schemas.microsoft.com/office/powerpoint/2010/main" val="198734369"/>
+        <p14:creationId xmlns:p14="http://schemas.microsoft.com/office/powerpoint/2010/main" val="1028498366"/>
       </p:ext>
     </p:extLst>
   </p:cSld>
@@ -11524,82 +11699,108 @@
           <a:p>
             <a:r>
               <a:rPr lang="en-US" dirty="0" smtClean="0"/>
-              <a:t>DOM Manipulation example</a:t>
-            </a:r>
-            <a:endParaRPr lang="en-US" dirty="0"/>
-          </a:p>
-        </p:txBody>
-      </p:sp>
-      <p:pic>
-        <p:nvPicPr>
-          <p:cNvPr id="9" name="Picture 8"/>
-          <p:cNvPicPr>
-            <a:picLocks noChangeAspect="1"/>
-          </p:cNvPicPr>
-          <p:nvPr/>
-        </p:nvPicPr>
-        <p:blipFill>
-          <a:blip r:embed="rId2">
-            <a:extLst>
-              <a:ext uri="{28A0092B-C50C-407E-A947-70E740481C1C}">
-                <a14:useLocalDpi xmlns:a14="http://schemas.microsoft.com/office/drawing/2010/main" val="0"/>
-              </a:ext>
-            </a:extLst>
-          </a:blip>
-          <a:stretch>
-            <a:fillRect/>
-          </a:stretch>
-        </p:blipFill>
-        <p:spPr>
-          <a:xfrm>
-            <a:off x="5969492" y="2881312"/>
-            <a:ext cx="5947870" cy="2889250"/>
-          </a:xfrm>
-          <a:prstGeom prst="rect">
-            <a:avLst/>
-          </a:prstGeom>
-        </p:spPr>
-      </p:pic>
-      <p:pic>
-        <p:nvPicPr>
-          <p:cNvPr id="10" name="Picture 9"/>
-          <p:cNvPicPr>
-            <a:picLocks noChangeAspect="1"/>
-          </p:cNvPicPr>
-          <p:nvPr/>
-        </p:nvPicPr>
-        <p:blipFill>
-          <a:blip r:embed="rId3">
-            <a:extLst>
-              <a:ext uri="{28A0092B-C50C-407E-A947-70E740481C1C}">
-                <a14:useLocalDpi xmlns:a14="http://schemas.microsoft.com/office/drawing/2010/main" val="0"/>
-              </a:ext>
-            </a:extLst>
-          </a:blip>
-          <a:stretch>
-            <a:fillRect/>
-          </a:stretch>
-        </p:blipFill>
-        <p:spPr>
-          <a:xfrm>
-            <a:off x="342899" y="2881312"/>
-            <a:ext cx="5470525" cy="874817"/>
-          </a:xfrm>
-          <a:prstGeom prst="rect">
-            <a:avLst/>
-          </a:prstGeom>
-        </p:spPr>
-      </p:pic>
-      <p:sp>
-        <p:nvSpPr>
-          <p:cNvPr id="12" name="TextBox 11"/>
+              <a:t>More than a chart library</a:t>
+            </a:r>
+            <a:endParaRPr lang="en-US" dirty="0"/>
+          </a:p>
+        </p:txBody>
+      </p:sp>
+      <p:sp>
+        <p:nvSpPr>
+          <p:cNvPr id="4" name="Content Placeholder 3"/>
+          <p:cNvSpPr>
+            <a:spLocks noGrp="1"/>
+          </p:cNvSpPr>
+          <p:nvPr>
+            <p:ph sz="half" idx="1"/>
+          </p:nvPr>
+        </p:nvSpPr>
+        <p:spPr/>
+        <p:txBody>
+          <a:bodyPr/>
+          <a:lstStyle/>
+          <a:p>
+            <a:r>
+              <a:rPr lang="en-US" dirty="0" smtClean="0"/>
+              <a:t>DOM Manipulation</a:t>
+            </a:r>
+          </a:p>
+          <a:p>
+            <a:pPr lvl="1"/>
+            <a:r>
+              <a:rPr lang="en-US" dirty="0"/>
+              <a:t>Using data binding and text() to manipulate </a:t>
+            </a:r>
+            <a:r>
+              <a:rPr lang="en-US" dirty="0" smtClean="0"/>
+              <a:t>DOM</a:t>
+            </a:r>
+          </a:p>
+          <a:p>
+            <a:pPr lvl="1"/>
+            <a:endParaRPr lang="en-US" dirty="0"/>
+          </a:p>
+          <a:p>
+            <a:pPr lvl="1"/>
+            <a:r>
+              <a:rPr lang="en-US" b="1" dirty="0"/>
+              <a:t>In d3, you select the element </a:t>
+            </a:r>
+            <a:r>
+              <a:rPr lang="en-US" b="1" i="1" dirty="0"/>
+              <a:t>before</a:t>
+            </a:r>
+            <a:r>
+              <a:rPr lang="en-US" b="1" dirty="0"/>
+              <a:t> it’s created</a:t>
+            </a:r>
+            <a:endParaRPr lang="en-US" dirty="0"/>
+          </a:p>
+          <a:p>
+            <a:endParaRPr lang="en-US" dirty="0"/>
+          </a:p>
+        </p:txBody>
+      </p:sp>
+      <p:sp>
+        <p:nvSpPr>
+          <p:cNvPr id="5" name="Content Placeholder 4"/>
+          <p:cNvSpPr>
+            <a:spLocks noGrp="1"/>
+          </p:cNvSpPr>
+          <p:nvPr>
+            <p:ph sz="half" idx="2"/>
+          </p:nvPr>
+        </p:nvSpPr>
+        <p:spPr/>
+        <p:txBody>
+          <a:bodyPr/>
+          <a:lstStyle/>
+          <a:p>
+            <a:r>
+              <a:rPr lang="en-US" dirty="0" smtClean="0"/>
+              <a:t>SVG-based data visualization</a:t>
+            </a:r>
+          </a:p>
+          <a:p>
+            <a:pPr lvl="1"/>
+            <a:r>
+              <a:rPr lang="en-US" dirty="0" smtClean="0"/>
+              <a:t>Using data binding, arrays, and enter() to make charts</a:t>
+            </a:r>
+            <a:endParaRPr lang="en-US" dirty="0"/>
+          </a:p>
+        </p:txBody>
+      </p:sp>
+      <p:sp>
+        <p:nvSpPr>
+          <p:cNvPr id="6" name="TextBox 5"/>
           <p:cNvSpPr txBox="1"/>
           <p:nvPr/>
         </p:nvSpPr>
         <p:spPr>
           <a:xfrm>
-            <a:off x="342899" y="4141271"/>
-            <a:ext cx="4814887" cy="369332"/>
+            <a:off x="457200" y="5943600"/>
+            <a:ext cx="4666593" cy="400110"/>
           </a:xfrm>
           <a:prstGeom prst="rect">
             <a:avLst/>
@@ -11612,18 +11813,29 @@
           </a:bodyPr>
           <a:lstStyle/>
           <a:p>
-            <a:r>
-              <a:rPr lang="en-US" b="1" dirty="0" smtClean="0"/>
-              <a:t>Starting out with an empty ordered list</a:t>
-            </a:r>
-            <a:endParaRPr lang="en-US" b="1" dirty="0"/>
+            <a:pPr marL="0" lvl="1"/>
+            <a:r>
+              <a:rPr lang="en-US" sz="1000" dirty="0"/>
+              <a:t>https://</a:t>
+            </a:r>
+            <a:r>
+              <a:rPr lang="en-US" sz="1000" b="1" dirty="0" err="1"/>
+              <a:t>medium.freecodecamp.org</a:t>
+            </a:r>
+            <a:r>
+              <a:rPr lang="en-US" sz="1000" b="1" dirty="0"/>
+              <a:t>/learn-d3-js-in-5-minutes-c5ec29fb0725</a:t>
+            </a:r>
+          </a:p>
+          <a:p>
+            <a:endParaRPr lang="en-US" sz="1000" dirty="0"/>
           </a:p>
         </p:txBody>
       </p:sp>
     </p:spTree>
     <p:extLst>
       <p:ext uri="{BB962C8B-B14F-4D97-AF65-F5344CB8AC3E}">
-        <p14:creationId xmlns:p14="http://schemas.microsoft.com/office/powerpoint/2010/main" val="1012930293"/>
+        <p14:creationId xmlns:p14="http://schemas.microsoft.com/office/powerpoint/2010/main" val="198734369"/>
       </p:ext>
     </p:extLst>
   </p:cSld>
@@ -11674,7 +11886,7 @@
           <a:p>
             <a:r>
               <a:rPr lang="en-US" dirty="0" smtClean="0"/>
-              <a:t>DOM Manipulation Example</a:t>
+              <a:t>DOM Manipulation example</a:t>
             </a:r>
             <a:endParaRPr lang="en-US" dirty="0"/>
           </a:p>
@@ -11682,7 +11894,7 @@
       </p:sp>
       <p:pic>
         <p:nvPicPr>
-          <p:cNvPr id="4" name="Picture 3"/>
+          <p:cNvPr id="9" name="Picture 8"/>
           <p:cNvPicPr>
             <a:picLocks noChangeAspect="1"/>
           </p:cNvPicPr>
@@ -11702,8 +11914,8 @@
         </p:blipFill>
         <p:spPr>
           <a:xfrm>
-            <a:off x="574675" y="4537075"/>
-            <a:ext cx="3808412" cy="1825443"/>
+            <a:off x="5969492" y="2881312"/>
+            <a:ext cx="5947870" cy="2889250"/>
           </a:xfrm>
           <a:prstGeom prst="rect">
             <a:avLst/>
@@ -11712,7 +11924,7 @@
       </p:pic>
       <p:pic>
         <p:nvPicPr>
-          <p:cNvPr id="5" name="Picture 4"/>
+          <p:cNvPr id="10" name="Picture 9"/>
           <p:cNvPicPr>
             <a:picLocks noChangeAspect="1"/>
           </p:cNvPicPr>
@@ -11732,54 +11944,24 @@
         </p:blipFill>
         <p:spPr>
           <a:xfrm>
-            <a:off x="574675" y="2345459"/>
-            <a:ext cx="5578475" cy="1827597"/>
+            <a:off x="342899" y="2881312"/>
+            <a:ext cx="5470525" cy="874817"/>
           </a:xfrm>
           <a:prstGeom prst="rect">
             <a:avLst/>
           </a:prstGeom>
         </p:spPr>
       </p:pic>
-      <p:pic>
-        <p:nvPicPr>
-          <p:cNvPr id="6" name="Picture 5"/>
-          <p:cNvPicPr>
-            <a:picLocks noChangeAspect="1"/>
-          </p:cNvPicPr>
-          <p:nvPr/>
-        </p:nvPicPr>
-        <p:blipFill>
-          <a:blip r:embed="rId4">
-            <a:extLst>
-              <a:ext uri="{28A0092B-C50C-407E-A947-70E740481C1C}">
-                <a14:useLocalDpi xmlns:a14="http://schemas.microsoft.com/office/drawing/2010/main" val="0"/>
-              </a:ext>
-            </a:extLst>
-          </a:blip>
-          <a:stretch>
-            <a:fillRect/>
-          </a:stretch>
-        </p:blipFill>
-        <p:spPr>
-          <a:xfrm>
-            <a:off x="6549333" y="2345459"/>
-            <a:ext cx="5156807" cy="2305603"/>
-          </a:xfrm>
-          <a:prstGeom prst="rect">
-            <a:avLst/>
-          </a:prstGeom>
-        </p:spPr>
-      </p:pic>
-      <p:sp>
-        <p:nvSpPr>
-          <p:cNvPr id="7" name="TextBox 6"/>
+      <p:sp>
+        <p:nvSpPr>
+          <p:cNvPr id="12" name="TextBox 11"/>
           <p:cNvSpPr txBox="1"/>
           <p:nvPr/>
         </p:nvSpPr>
         <p:spPr>
           <a:xfrm>
-            <a:off x="6549333" y="5265130"/>
-            <a:ext cx="4200525" cy="369332"/>
+            <a:off x="342899" y="4141271"/>
+            <a:ext cx="4814887" cy="369332"/>
           </a:xfrm>
           <a:prstGeom prst="rect">
             <a:avLst/>
@@ -11794,7 +11976,7 @@
           <a:p>
             <a:r>
               <a:rPr lang="en-US" b="1" dirty="0" smtClean="0"/>
-              <a:t>Populating list with &lt;li&gt; tags using D3</a:t>
+              <a:t>Starting out with an empty ordered list</a:t>
             </a:r>
             <a:endParaRPr lang="en-US" b="1" dirty="0"/>
           </a:p>
@@ -11803,7 +11985,7 @@
     </p:spTree>
     <p:extLst>
       <p:ext uri="{BB962C8B-B14F-4D97-AF65-F5344CB8AC3E}">
-        <p14:creationId xmlns:p14="http://schemas.microsoft.com/office/powerpoint/2010/main" val="913896429"/>
+        <p14:creationId xmlns:p14="http://schemas.microsoft.com/office/powerpoint/2010/main" val="1012930293"/>
       </p:ext>
     </p:extLst>
   </p:cSld>
@@ -11854,317 +12036,22 @@
           <a:p>
             <a:r>
               <a:rPr lang="en-US" dirty="0" smtClean="0"/>
-              <a:t>Competitors of D3</a:t>
-            </a:r>
-            <a:endParaRPr lang="en-US" dirty="0"/>
-          </a:p>
-        </p:txBody>
-      </p:sp>
-      <p:sp>
-        <p:nvSpPr>
-          <p:cNvPr id="5" name="Content Placeholder 4"/>
-          <p:cNvSpPr>
-            <a:spLocks noGrp="1"/>
-          </p:cNvSpPr>
-          <p:nvPr>
-            <p:ph idx="1"/>
-          </p:nvPr>
-        </p:nvSpPr>
-        <p:spPr/>
-        <p:txBody>
-          <a:bodyPr/>
-          <a:lstStyle/>
-          <a:p>
-            <a:pPr lvl="1"/>
-            <a:endParaRPr lang="en-US" dirty="0"/>
-          </a:p>
-          <a:p>
-            <a:pPr lvl="1"/>
-            <a:endParaRPr lang="en-US" b="1" u="sng" dirty="0" smtClean="0"/>
-          </a:p>
-          <a:p>
-            <a:pPr lvl="1"/>
-            <a:endParaRPr lang="en-US" b="1" u="sng" dirty="0"/>
-          </a:p>
-          <a:p>
-            <a:pPr lvl="1"/>
-            <a:endParaRPr lang="en-US" b="1" u="sng" dirty="0" smtClean="0"/>
-          </a:p>
-          <a:p>
-            <a:pPr lvl="1"/>
-            <a:endParaRPr lang="en-US" b="1" u="sng" dirty="0"/>
-          </a:p>
-          <a:p>
-            <a:pPr marL="457200" lvl="1" indent="0">
-              <a:buNone/>
-            </a:pPr>
-            <a:endParaRPr lang="en-US" b="1" u="sng" dirty="0" smtClean="0">
-              <a:solidFill>
-                <a:schemeClr val="bg1"/>
-              </a:solidFill>
-            </a:endParaRPr>
-          </a:p>
-          <a:p>
-            <a:pPr marL="457200" lvl="1" indent="0" algn="ctr">
-              <a:buNone/>
-            </a:pPr>
-            <a:r>
-              <a:rPr lang="en-US" b="1" u="sng" dirty="0" smtClean="0">
-                <a:solidFill>
-                  <a:schemeClr val="bg1"/>
-                </a:solidFill>
-              </a:rPr>
-              <a:t>Chart </a:t>
-            </a:r>
-            <a:r>
-              <a:rPr lang="en-US" b="1" u="sng" dirty="0">
-                <a:solidFill>
-                  <a:schemeClr val="bg1"/>
-                </a:solidFill>
-              </a:rPr>
-              <a:t>libraries built from </a:t>
-            </a:r>
-            <a:r>
-              <a:rPr lang="en-US" b="1" u="sng" dirty="0" smtClean="0">
-                <a:solidFill>
-                  <a:schemeClr val="bg1"/>
-                </a:solidFill>
-              </a:rPr>
-              <a:t>D3</a:t>
-            </a:r>
-            <a:endParaRPr lang="en-US" b="1" u="sng" dirty="0">
-              <a:solidFill>
-                <a:schemeClr val="bg1"/>
-              </a:solidFill>
-            </a:endParaRPr>
-          </a:p>
-        </p:txBody>
-      </p:sp>
-      <p:sp>
-        <p:nvSpPr>
-          <p:cNvPr id="6" name="TextBox 5"/>
-          <p:cNvSpPr txBox="1"/>
-          <p:nvPr/>
-        </p:nvSpPr>
-        <p:spPr>
-          <a:xfrm>
-            <a:off x="457200" y="5943600"/>
-            <a:ext cx="4429125" cy="246221"/>
-          </a:xfrm>
-          <a:prstGeom prst="rect">
-            <a:avLst/>
-          </a:prstGeom>
-          <a:noFill/>
-        </p:spPr>
-        <p:txBody>
-          <a:bodyPr wrap="square" rtlCol="0">
-            <a:spAutoFit/>
-          </a:bodyPr>
-          <a:lstStyle/>
-          <a:p>
-            <a:r>
-              <a:rPr lang="en-US" sz="1000" b="1" dirty="0"/>
-              <a:t>https://</a:t>
-            </a:r>
-            <a:r>
-              <a:rPr lang="en-US" sz="1000" b="1" dirty="0" err="1"/>
-              <a:t>www.slant.co</a:t>
-            </a:r>
-            <a:r>
-              <a:rPr lang="en-US" sz="1000" b="1" dirty="0"/>
-              <a:t>/options/10577/alternatives/~d3-js-alternatives</a:t>
-            </a:r>
-          </a:p>
-        </p:txBody>
-      </p:sp>
-      <p:sp>
-        <p:nvSpPr>
-          <p:cNvPr id="7" name="TextBox 6"/>
-          <p:cNvSpPr txBox="1"/>
-          <p:nvPr/>
-        </p:nvSpPr>
-        <p:spPr>
-          <a:xfrm>
-            <a:off x="457200" y="6172200"/>
-            <a:ext cx="5943600" cy="246221"/>
-          </a:xfrm>
-          <a:prstGeom prst="rect">
-            <a:avLst/>
-          </a:prstGeom>
-          <a:noFill/>
-        </p:spPr>
-        <p:txBody>
-          <a:bodyPr wrap="square" rtlCol="0">
-            <a:spAutoFit/>
-          </a:bodyPr>
-          <a:lstStyle/>
-          <a:p>
-            <a:r>
-              <a:rPr lang="en-US" sz="1000" b="1" dirty="0"/>
-              <a:t>https://</a:t>
-            </a:r>
-            <a:r>
-              <a:rPr lang="en-US" sz="1000" b="1" dirty="0" err="1"/>
-              <a:t>www.fastcompany.com</a:t>
-            </a:r>
-            <a:r>
-              <a:rPr lang="en-US" sz="1000" b="1" dirty="0"/>
-              <a:t>/3029760/the-five-best-libraries-for-building-data-</a:t>
-            </a:r>
-            <a:r>
-              <a:rPr lang="en-US" sz="1000" b="1" dirty="0" err="1"/>
-              <a:t>vizualizations</a:t>
-            </a:r>
-            <a:endParaRPr lang="en-US" sz="1000" b="1" dirty="0"/>
-          </a:p>
-        </p:txBody>
-      </p:sp>
-      <p:sp>
-        <p:nvSpPr>
-          <p:cNvPr id="8" name="TextBox 7"/>
-          <p:cNvSpPr txBox="1"/>
-          <p:nvPr/>
-        </p:nvSpPr>
-        <p:spPr>
-          <a:xfrm>
-            <a:off x="457200" y="6400800"/>
-            <a:ext cx="4698124" cy="400110"/>
-          </a:xfrm>
-          <a:prstGeom prst="rect">
-            <a:avLst/>
-          </a:prstGeom>
-          <a:noFill/>
-        </p:spPr>
-        <p:txBody>
-          <a:bodyPr wrap="square" rtlCol="0">
-            <a:spAutoFit/>
-          </a:bodyPr>
-          <a:lstStyle/>
-          <a:p>
-            <a:pPr marL="0" lvl="1"/>
-            <a:r>
-              <a:rPr lang="en-US" sz="1000" b="1" dirty="0"/>
-              <a:t>https://</a:t>
-            </a:r>
-            <a:r>
-              <a:rPr lang="en-US" sz="1000" b="1" dirty="0" err="1"/>
-              <a:t>thenextweb.com</a:t>
-            </a:r>
-            <a:r>
-              <a:rPr lang="en-US" sz="1000" b="1" dirty="0"/>
-              <a:t>/</a:t>
-            </a:r>
-            <a:r>
-              <a:rPr lang="en-US" sz="1000" b="1" dirty="0" err="1"/>
-              <a:t>dd</a:t>
-            </a:r>
-            <a:r>
-              <a:rPr lang="en-US" sz="1000" b="1" dirty="0"/>
-              <a:t>/2015/06/12/20-best-javascript-chart-libraries/</a:t>
-            </a:r>
-          </a:p>
-          <a:p>
-            <a:endParaRPr lang="en-US" sz="1000" b="1" dirty="0"/>
+              <a:t>DOM Manipulation Example</a:t>
+            </a:r>
+            <a:endParaRPr lang="en-US" dirty="0"/>
           </a:p>
         </p:txBody>
       </p:sp>
       <p:pic>
         <p:nvPicPr>
-          <p:cNvPr id="9" name="Picture 8"/>
+          <p:cNvPr id="4" name="Picture 3"/>
           <p:cNvPicPr>
             <a:picLocks noChangeAspect="1"/>
           </p:cNvPicPr>
           <p:nvPr/>
         </p:nvPicPr>
-        <p:blipFill rotWithShape="1">
+        <p:blipFill>
           <a:blip r:embed="rId2">
-            <a:extLst>
-              <a:ext uri="{28A0092B-C50C-407E-A947-70E740481C1C}">
-                <a14:useLocalDpi xmlns:a14="http://schemas.microsoft.com/office/drawing/2010/main" val="0"/>
-              </a:ext>
-            </a:extLst>
-          </a:blip>
-          <a:srcRect t="21127" b="17293"/>
-          <a:stretch/>
-        </p:blipFill>
-        <p:spPr>
-          <a:xfrm>
-            <a:off x="680321" y="2258222"/>
-            <a:ext cx="1479555" cy="630951"/>
-          </a:xfrm>
-          <a:prstGeom prst="rect">
-            <a:avLst/>
-          </a:prstGeom>
-        </p:spPr>
-      </p:pic>
-      <p:pic>
-        <p:nvPicPr>
-          <p:cNvPr id="10" name="Picture 9"/>
-          <p:cNvPicPr>
-            <a:picLocks noChangeAspect="1"/>
-          </p:cNvPicPr>
-          <p:nvPr/>
-        </p:nvPicPr>
-        <p:blipFill rotWithShape="1">
-          <a:blip r:embed="rId3">
-            <a:extLst>
-              <a:ext uri="{28A0092B-C50C-407E-A947-70E740481C1C}">
-                <a14:useLocalDpi xmlns:a14="http://schemas.microsoft.com/office/drawing/2010/main" val="0"/>
-              </a:ext>
-            </a:extLst>
-          </a:blip>
-          <a:srcRect t="28368" b="25570"/>
-          <a:stretch/>
-        </p:blipFill>
-        <p:spPr>
-          <a:xfrm>
-            <a:off x="2396358" y="2258222"/>
-            <a:ext cx="2065283" cy="630327"/>
-          </a:xfrm>
-          <a:prstGeom prst="rect">
-            <a:avLst/>
-          </a:prstGeom>
-        </p:spPr>
-      </p:pic>
-      <p:pic>
-        <p:nvPicPr>
-          <p:cNvPr id="11" name="Picture 10"/>
-          <p:cNvPicPr>
-            <a:picLocks noChangeAspect="1"/>
-          </p:cNvPicPr>
-          <p:nvPr/>
-        </p:nvPicPr>
-        <p:blipFill rotWithShape="1">
-          <a:blip r:embed="rId4">
-            <a:extLst>
-              <a:ext uri="{28A0092B-C50C-407E-A947-70E740481C1C}">
-                <a14:useLocalDpi xmlns:a14="http://schemas.microsoft.com/office/drawing/2010/main" val="0"/>
-              </a:ext>
-            </a:extLst>
-          </a:blip>
-          <a:srcRect l="17712" t="37574" r="17241" b="31060"/>
-          <a:stretch/>
-        </p:blipFill>
-        <p:spPr>
-          <a:xfrm>
-            <a:off x="4698123" y="2271513"/>
-            <a:ext cx="2158692" cy="585519"/>
-          </a:xfrm>
-          <a:prstGeom prst="rect">
-            <a:avLst/>
-          </a:prstGeom>
-        </p:spPr>
-      </p:pic>
-      <p:pic>
-        <p:nvPicPr>
-          <p:cNvPr id="12" name="Picture 11"/>
-          <p:cNvPicPr>
-            <a:picLocks noChangeAspect="1"/>
-          </p:cNvPicPr>
-          <p:nvPr/>
-        </p:nvPicPr>
-        <p:blipFill>
-          <a:blip r:embed="rId5">
             <a:extLst>
               <a:ext uri="{28A0092B-C50C-407E-A947-70E740481C1C}">
                 <a14:useLocalDpi xmlns:a14="http://schemas.microsoft.com/office/drawing/2010/main" val="0"/>
@@ -12177,8 +12064,8 @@
         </p:blipFill>
         <p:spPr>
           <a:xfrm>
-            <a:off x="7866193" y="3207264"/>
-            <a:ext cx="2805467" cy="695372"/>
+            <a:off x="574675" y="4537075"/>
+            <a:ext cx="3808412" cy="1825443"/>
           </a:xfrm>
           <a:prstGeom prst="rect">
             <a:avLst/>
@@ -12187,43 +12074,14 @@
       </p:pic>
       <p:pic>
         <p:nvPicPr>
-          <p:cNvPr id="13" name="Picture 12"/>
+          <p:cNvPr id="5" name="Picture 4"/>
           <p:cNvPicPr>
             <a:picLocks noChangeAspect="1"/>
           </p:cNvPicPr>
           <p:nvPr/>
         </p:nvPicPr>
-        <p:blipFill rotWithShape="1">
-          <a:blip r:embed="rId6">
-            <a:extLst>
-              <a:ext uri="{28A0092B-C50C-407E-A947-70E740481C1C}">
-                <a14:useLocalDpi xmlns:a14="http://schemas.microsoft.com/office/drawing/2010/main" val="0"/>
-              </a:ext>
-            </a:extLst>
-          </a:blip>
-          <a:srcRect l="27429" t="18948" r="29467" b="30618"/>
-          <a:stretch/>
-        </p:blipFill>
-        <p:spPr>
-          <a:xfrm>
-            <a:off x="6204532" y="3118461"/>
-            <a:ext cx="1032847" cy="679787"/>
-          </a:xfrm>
-          <a:prstGeom prst="rect">
-            <a:avLst/>
-          </a:prstGeom>
-        </p:spPr>
-      </p:pic>
-      <p:pic>
-        <p:nvPicPr>
-          <p:cNvPr id="14" name="Picture 13"/>
-          <p:cNvPicPr>
-            <a:picLocks noChangeAspect="1"/>
-          </p:cNvPicPr>
-          <p:nvPr/>
-        </p:nvPicPr>
         <p:blipFill>
-          <a:blip r:embed="rId7">
+          <a:blip r:embed="rId3">
             <a:extLst>
               <a:ext uri="{28A0092B-C50C-407E-A947-70E740481C1C}">
                 <a14:useLocalDpi xmlns:a14="http://schemas.microsoft.com/office/drawing/2010/main" val="0"/>
@@ -12236,8 +12094,8 @@
         </p:blipFill>
         <p:spPr>
           <a:xfrm>
-            <a:off x="3047738" y="3267797"/>
-            <a:ext cx="2563023" cy="469887"/>
+            <a:off x="574675" y="2345459"/>
+            <a:ext cx="5578475" cy="1827597"/>
           </a:xfrm>
           <a:prstGeom prst="rect">
             <a:avLst/>
@@ -12246,14 +12104,14 @@
       </p:pic>
       <p:pic>
         <p:nvPicPr>
-          <p:cNvPr id="15" name="Picture 14"/>
+          <p:cNvPr id="6" name="Picture 5"/>
           <p:cNvPicPr>
             <a:picLocks noChangeAspect="1"/>
           </p:cNvPicPr>
           <p:nvPr/>
         </p:nvPicPr>
         <p:blipFill>
-          <a:blip r:embed="rId8">
+          <a:blip r:embed="rId4">
             <a:extLst>
               <a:ext uri="{28A0092B-C50C-407E-A947-70E740481C1C}">
                 <a14:useLocalDpi xmlns:a14="http://schemas.microsoft.com/office/drawing/2010/main" val="0"/>
@@ -12266,224 +12124,48 @@
         </p:blipFill>
         <p:spPr>
           <a:xfrm>
-            <a:off x="966917" y="3156930"/>
-            <a:ext cx="1783936" cy="691619"/>
+            <a:off x="6549333" y="2345459"/>
+            <a:ext cx="5156807" cy="2305603"/>
           </a:xfrm>
           <a:prstGeom prst="rect">
             <a:avLst/>
           </a:prstGeom>
         </p:spPr>
       </p:pic>
-      <p:pic>
-        <p:nvPicPr>
-          <p:cNvPr id="16" name="Picture 15"/>
-          <p:cNvPicPr>
-            <a:picLocks noChangeAspect="1"/>
-          </p:cNvPicPr>
-          <p:nvPr/>
-        </p:nvPicPr>
-        <p:blipFill>
-          <a:blip r:embed="rId9">
-            <a:extLst>
-              <a:ext uri="{28A0092B-C50C-407E-A947-70E740481C1C}">
-                <a14:useLocalDpi xmlns:a14="http://schemas.microsoft.com/office/drawing/2010/main" val="0"/>
-              </a:ext>
-            </a:extLst>
-          </a:blip>
-          <a:stretch>
-            <a:fillRect/>
-          </a:stretch>
-        </p:blipFill>
-        <p:spPr>
-          <a:xfrm>
-            <a:off x="10671660" y="2258222"/>
-            <a:ext cx="860239" cy="860239"/>
+      <p:sp>
+        <p:nvSpPr>
+          <p:cNvPr id="7" name="TextBox 6"/>
+          <p:cNvSpPr txBox="1"/>
+          <p:nvPr/>
+        </p:nvSpPr>
+        <p:spPr>
+          <a:xfrm>
+            <a:off x="6549333" y="5265130"/>
+            <a:ext cx="4200525" cy="369332"/>
           </a:xfrm>
           <a:prstGeom prst="rect">
             <a:avLst/>
           </a:prstGeom>
-        </p:spPr>
-      </p:pic>
-      <p:pic>
-        <p:nvPicPr>
-          <p:cNvPr id="17" name="Picture 16"/>
-          <p:cNvPicPr>
-            <a:picLocks noChangeAspect="1"/>
-          </p:cNvPicPr>
-          <p:nvPr/>
-        </p:nvPicPr>
-        <p:blipFill rotWithShape="1">
-          <a:blip r:embed="rId10">
-            <a:extLst>
-              <a:ext uri="{28A0092B-C50C-407E-A947-70E740481C1C}">
-                <a14:useLocalDpi xmlns:a14="http://schemas.microsoft.com/office/drawing/2010/main" val="0"/>
-              </a:ext>
-            </a:extLst>
-          </a:blip>
-          <a:srcRect l="5363" t="8759" r="10981" b="13548"/>
-          <a:stretch/>
-        </p:blipFill>
-        <p:spPr>
-          <a:xfrm>
-            <a:off x="7108649" y="2271513"/>
-            <a:ext cx="1515089" cy="602341"/>
-          </a:xfrm>
-          <a:prstGeom prst="rect">
-            <a:avLst/>
-          </a:prstGeom>
-        </p:spPr>
-      </p:pic>
-      <p:pic>
-        <p:nvPicPr>
-          <p:cNvPr id="18" name="Picture 17"/>
-          <p:cNvPicPr>
-            <a:picLocks noChangeAspect="1"/>
-          </p:cNvPicPr>
-          <p:nvPr/>
-        </p:nvPicPr>
-        <p:blipFill rotWithShape="1">
-          <a:blip r:embed="rId11">
-            <a:extLst>
-              <a:ext uri="{28A0092B-C50C-407E-A947-70E740481C1C}">
-                <a14:useLocalDpi xmlns:a14="http://schemas.microsoft.com/office/drawing/2010/main" val="0"/>
-              </a:ext>
-            </a:extLst>
-          </a:blip>
-          <a:srcRect t="18938" b="23583"/>
-          <a:stretch/>
-        </p:blipFill>
-        <p:spPr>
-          <a:xfrm>
-            <a:off x="8904737" y="2244931"/>
-            <a:ext cx="1507686" cy="664395"/>
-          </a:xfrm>
-          <a:prstGeom prst="rect">
-            <a:avLst/>
-          </a:prstGeom>
-        </p:spPr>
-      </p:pic>
-      <p:pic>
-        <p:nvPicPr>
-          <p:cNvPr id="19" name="Picture 18"/>
-          <p:cNvPicPr>
-            <a:picLocks noChangeAspect="1"/>
-          </p:cNvPicPr>
-          <p:nvPr/>
-        </p:nvPicPr>
-        <p:blipFill rotWithShape="1">
-          <a:blip r:embed="rId12">
-            <a:extLst>
-              <a:ext uri="{28A0092B-C50C-407E-A947-70E740481C1C}">
-                <a14:useLocalDpi xmlns:a14="http://schemas.microsoft.com/office/drawing/2010/main" val="0"/>
-              </a:ext>
-            </a:extLst>
-          </a:blip>
-          <a:srcRect t="31235" b="34461"/>
-          <a:stretch/>
-        </p:blipFill>
-        <p:spPr>
-          <a:xfrm>
-            <a:off x="1130240" y="4999781"/>
-            <a:ext cx="2136274" cy="732840"/>
-          </a:xfrm>
-          <a:prstGeom prst="rect">
-            <a:avLst/>
-          </a:prstGeom>
-        </p:spPr>
-      </p:pic>
-      <p:pic>
-        <p:nvPicPr>
-          <p:cNvPr id="20" name="Picture 19"/>
-          <p:cNvPicPr>
-            <a:picLocks noChangeAspect="1"/>
-          </p:cNvPicPr>
-          <p:nvPr/>
-        </p:nvPicPr>
-        <p:blipFill rotWithShape="1">
-          <a:blip r:embed="rId13">
-            <a:extLst>
-              <a:ext uri="{28A0092B-C50C-407E-A947-70E740481C1C}">
-                <a14:useLocalDpi xmlns:a14="http://schemas.microsoft.com/office/drawing/2010/main" val="0"/>
-              </a:ext>
-            </a:extLst>
-          </a:blip>
-          <a:srcRect l="35677" r="38634" b="62226"/>
-          <a:stretch/>
-        </p:blipFill>
-        <p:spPr>
-          <a:xfrm>
-            <a:off x="3871147" y="4999781"/>
-            <a:ext cx="1906322" cy="732840"/>
-          </a:xfrm>
-          <a:prstGeom prst="rect">
-            <a:avLst/>
-          </a:prstGeom>
-        </p:spPr>
-      </p:pic>
-      <p:pic>
-        <p:nvPicPr>
-          <p:cNvPr id="21" name="Picture 20"/>
-          <p:cNvPicPr>
-            <a:picLocks noChangeAspect="1"/>
-          </p:cNvPicPr>
-          <p:nvPr/>
-        </p:nvPicPr>
-        <p:blipFill>
-          <a:blip r:embed="rId14">
-            <a:extLst>
-              <a:ext uri="{28A0092B-C50C-407E-A947-70E740481C1C}">
-                <a14:useLocalDpi xmlns:a14="http://schemas.microsoft.com/office/drawing/2010/main" val="0"/>
-              </a:ext>
-            </a:extLst>
-          </a:blip>
-          <a:stretch>
-            <a:fillRect/>
-          </a:stretch>
-        </p:blipFill>
-        <p:spPr>
-          <a:xfrm>
-            <a:off x="7789871" y="4846995"/>
-            <a:ext cx="2954230" cy="1038412"/>
-          </a:xfrm>
-          <a:prstGeom prst="rect">
-            <a:avLst/>
-          </a:prstGeom>
-        </p:spPr>
-      </p:pic>
-      <p:pic>
-        <p:nvPicPr>
-          <p:cNvPr id="22" name="Picture 21"/>
-          <p:cNvPicPr>
-            <a:picLocks noChangeAspect="1"/>
-          </p:cNvPicPr>
-          <p:nvPr/>
-        </p:nvPicPr>
-        <p:blipFill>
-          <a:blip r:embed="rId15">
-            <a:extLst>
-              <a:ext uri="{28A0092B-C50C-407E-A947-70E740481C1C}">
-                <a14:useLocalDpi xmlns:a14="http://schemas.microsoft.com/office/drawing/2010/main" val="0"/>
-              </a:ext>
-            </a:extLst>
-          </a:blip>
-          <a:stretch>
-            <a:fillRect/>
-          </a:stretch>
-        </p:blipFill>
-        <p:spPr>
-          <a:xfrm>
-            <a:off x="6525790" y="4996280"/>
-            <a:ext cx="736341" cy="736341"/>
-          </a:xfrm>
-          <a:prstGeom prst="rect">
-            <a:avLst/>
-          </a:prstGeom>
-        </p:spPr>
-      </p:pic>
+          <a:noFill/>
+        </p:spPr>
+        <p:txBody>
+          <a:bodyPr wrap="square" rtlCol="0">
+            <a:spAutoFit/>
+          </a:bodyPr>
+          <a:lstStyle/>
+          <a:p>
+            <a:r>
+              <a:rPr lang="en-US" b="1" dirty="0" smtClean="0"/>
+              <a:t>Populating list with &lt;li&gt; tags using D3</a:t>
+            </a:r>
+            <a:endParaRPr lang="en-US" b="1" dirty="0"/>
+          </a:p>
+        </p:txBody>
+      </p:sp>
     </p:spTree>
     <p:extLst>
       <p:ext uri="{BB962C8B-B14F-4D97-AF65-F5344CB8AC3E}">
-        <p14:creationId xmlns:p14="http://schemas.microsoft.com/office/powerpoint/2010/main" val="1265180324"/>
+        <p14:creationId xmlns:p14="http://schemas.microsoft.com/office/powerpoint/2010/main" val="913896429"/>
       </p:ext>
     </p:extLst>
   </p:cSld>
@@ -12534,22 +12216,102 @@
           <a:p>
             <a:r>
               <a:rPr lang="en-US" dirty="0" smtClean="0"/>
-              <a:t>Who already uses D3?</a:t>
-            </a:r>
-            <a:endParaRPr lang="en-US" dirty="0"/>
-          </a:p>
-        </p:txBody>
-      </p:sp>
-      <p:sp>
-        <p:nvSpPr>
-          <p:cNvPr id="4" name="TextBox 3"/>
+              <a:t>Competitors of D3</a:t>
+            </a:r>
+            <a:endParaRPr lang="en-US" dirty="0"/>
+          </a:p>
+        </p:txBody>
+      </p:sp>
+      <p:sp>
+        <p:nvSpPr>
+          <p:cNvPr id="5" name="Content Placeholder 4"/>
+          <p:cNvSpPr>
+            <a:spLocks noGrp="1"/>
+          </p:cNvSpPr>
+          <p:nvPr>
+            <p:ph idx="1"/>
+          </p:nvPr>
+        </p:nvSpPr>
+        <p:spPr/>
+        <p:txBody>
+          <a:bodyPr/>
+          <a:lstStyle/>
+          <a:p>
+            <a:pPr lvl="1"/>
+            <a:endParaRPr lang="en-US" dirty="0"/>
+          </a:p>
+          <a:p>
+            <a:pPr lvl="1"/>
+            <a:endParaRPr lang="en-US" b="1" u="sng" dirty="0" smtClean="0"/>
+          </a:p>
+          <a:p>
+            <a:pPr lvl="1"/>
+            <a:endParaRPr lang="en-US" b="1" u="sng" dirty="0"/>
+          </a:p>
+          <a:p>
+            <a:pPr lvl="1"/>
+            <a:endParaRPr lang="en-US" b="1" u="sng" dirty="0" smtClean="0"/>
+          </a:p>
+          <a:p>
+            <a:pPr lvl="1"/>
+            <a:endParaRPr lang="en-US" b="1" u="sng" dirty="0"/>
+          </a:p>
+          <a:p>
+            <a:pPr marL="457200" lvl="1" indent="0">
+              <a:buNone/>
+            </a:pPr>
+            <a:endParaRPr lang="en-US" b="1" u="sng" dirty="0" smtClean="0">
+              <a:solidFill>
+                <a:schemeClr val="bg1"/>
+              </a:solidFill>
+            </a:endParaRPr>
+          </a:p>
+          <a:p>
+            <a:pPr marL="457200" lvl="1" indent="0" algn="ctr">
+              <a:buNone/>
+            </a:pPr>
+            <a:r>
+              <a:rPr lang="en-US" b="1" u="sng" dirty="0" smtClean="0">
+                <a:solidFill>
+                  <a:schemeClr val="bg1"/>
+                </a:solidFill>
+              </a:rPr>
+              <a:t>Chart </a:t>
+            </a:r>
+            <a:r>
+              <a:rPr lang="en-US" b="1" u="sng" dirty="0">
+                <a:solidFill>
+                  <a:schemeClr val="bg1"/>
+                </a:solidFill>
+              </a:rPr>
+              <a:t>libraries built from </a:t>
+            </a:r>
+            <a:r>
+              <a:rPr lang="en-US" b="1" u="sng" dirty="0" smtClean="0">
+                <a:solidFill>
+                  <a:schemeClr val="bg1"/>
+                </a:solidFill>
+              </a:rPr>
+              <a:t>D3</a:t>
+            </a:r>
+            <a:endParaRPr lang="en-US" b="1" u="sng" dirty="0">
+              <a:solidFill>
+                <a:schemeClr val="bg1"/>
+              </a:solidFill>
+            </a:endParaRPr>
+          </a:p>
+        </p:txBody>
+      </p:sp>
+      <p:sp>
+        <p:nvSpPr>
+          <p:cNvPr id="6" name="TextBox 5"/>
           <p:cNvSpPr txBox="1"/>
           <p:nvPr/>
         </p:nvSpPr>
         <p:spPr>
           <a:xfrm>
             <a:off x="457200" y="5943600"/>
-            <a:ext cx="4130565" cy="400110"/>
+            <a:ext cx="4429125" cy="246221"/>
           </a:xfrm>
           <a:prstGeom prst="rect">
             <a:avLst/>
@@ -12562,18 +12324,105 @@
           </a:bodyPr>
           <a:lstStyle/>
           <a:p>
-            <a:pPr marL="0" lvl="1"/>
             <a:r>
               <a:rPr lang="en-US" sz="1000" b="1" dirty="0"/>
               <a:t>https://</a:t>
             </a:r>
             <a:r>
               <a:rPr lang="en-US" sz="1000" b="1" dirty="0" err="1"/>
-              <a:t>www.sitepoint.com</a:t>
+              <a:t>www.slant.co</a:t>
             </a:r>
             <a:r>
               <a:rPr lang="en-US" sz="1000" b="1" dirty="0"/>
-              <a:t>/15-best-javascript-charting-libraries/</a:t>
+              <a:t>/options/10577/alternatives/~d3-js-alternatives</a:t>
+            </a:r>
+          </a:p>
+        </p:txBody>
+      </p:sp>
+      <p:sp>
+        <p:nvSpPr>
+          <p:cNvPr id="7" name="TextBox 6"/>
+          <p:cNvSpPr txBox="1"/>
+          <p:nvPr/>
+        </p:nvSpPr>
+        <p:spPr>
+          <a:xfrm>
+            <a:off x="457200" y="6172200"/>
+            <a:ext cx="5943600" cy="246221"/>
+          </a:xfrm>
+          <a:prstGeom prst="rect">
+            <a:avLst/>
+          </a:prstGeom>
+          <a:noFill/>
+        </p:spPr>
+        <p:txBody>
+          <a:bodyPr wrap="square" rtlCol="0">
+            <a:spAutoFit/>
+          </a:bodyPr>
+          <a:lstStyle/>
+          <a:p>
+            <a:r>
+              <a:rPr lang="en-US" sz="1000" b="1" dirty="0"/>
+              <a:t>https://</a:t>
+            </a:r>
+            <a:r>
+              <a:rPr lang="en-US" sz="1000" b="1" dirty="0" err="1"/>
+              <a:t>www.fastcompany.com</a:t>
+            </a:r>
+            <a:r>
+              <a:rPr lang="en-US" sz="1000" b="1" dirty="0"/>
+              <a:t>/3029760/the-five-best-libraries-for-building-data-</a:t>
+            </a:r>
+            <a:r>
+              <a:rPr lang="en-US" sz="1000" b="1" dirty="0" err="1"/>
+              <a:t>vizualizations</a:t>
+            </a:r>
+            <a:endParaRPr lang="en-US" sz="1000" b="1" dirty="0"/>
+          </a:p>
+        </p:txBody>
+      </p:sp>
+      <p:sp>
+        <p:nvSpPr>
+          <p:cNvPr id="8" name="TextBox 7"/>
+          <p:cNvSpPr txBox="1"/>
+          <p:nvPr/>
+        </p:nvSpPr>
+        <p:spPr>
+          <a:xfrm>
+            <a:off x="457200" y="6400800"/>
+            <a:ext cx="4698124" cy="400110"/>
+          </a:xfrm>
+          <a:prstGeom prst="rect">
+            <a:avLst/>
+          </a:prstGeom>
+          <a:noFill/>
+        </p:spPr>
+        <p:txBody>
+          <a:bodyPr wrap="square" rtlCol="0">
+            <a:spAutoFit/>
+          </a:bodyPr>
+          <a:lstStyle/>
+          <a:p>
+            <a:pPr marL="0" lvl="1"/>
+            <a:r>
+              <a:rPr lang="en-US" sz="1000" b="1" dirty="0"/>
+              <a:t>https://</a:t>
+            </a:r>
+            <a:r>
+              <a:rPr lang="en-US" sz="1000" b="1" dirty="0" err="1"/>
+              <a:t>thenextweb.com</a:t>
+            </a:r>
+            <a:r>
+              <a:rPr lang="en-US" sz="1000" b="1" dirty="0"/>
+              <a:t>/</a:t>
+            </a:r>
+            <a:r>
+              <a:rPr lang="en-US" sz="1000" b="1" dirty="0" err="1"/>
+              <a:t>dd</a:t>
+            </a:r>
+            <a:r>
+              <a:rPr lang="en-US" sz="1000" b="1" dirty="0"/>
+              <a:t>/2015/06/12/20-best-javascript-chart-libraries/</a:t>
             </a:r>
           </a:p>
           <a:p>
@@ -12583,14 +12432,101 @@
       </p:sp>
       <p:pic>
         <p:nvPicPr>
-          <p:cNvPr id="5" name="Picture 4"/>
+          <p:cNvPr id="9" name="Picture 8"/>
           <p:cNvPicPr>
             <a:picLocks noChangeAspect="1"/>
           </p:cNvPicPr>
           <p:nvPr/>
         </p:nvPicPr>
+        <p:blipFill rotWithShape="1">
+          <a:blip r:embed="rId2">
+            <a:extLst>
+              <a:ext uri="{28A0092B-C50C-407E-A947-70E740481C1C}">
+                <a14:useLocalDpi xmlns:a14="http://schemas.microsoft.com/office/drawing/2010/main" val="0"/>
+              </a:ext>
+            </a:extLst>
+          </a:blip>
+          <a:srcRect t="21127" b="17293"/>
+          <a:stretch/>
+        </p:blipFill>
+        <p:spPr>
+          <a:xfrm>
+            <a:off x="680321" y="2258222"/>
+            <a:ext cx="1479555" cy="630951"/>
+          </a:xfrm>
+          <a:prstGeom prst="rect">
+            <a:avLst/>
+          </a:prstGeom>
+        </p:spPr>
+      </p:pic>
+      <p:pic>
+        <p:nvPicPr>
+          <p:cNvPr id="10" name="Picture 9"/>
+          <p:cNvPicPr>
+            <a:picLocks noChangeAspect="1"/>
+          </p:cNvPicPr>
+          <p:nvPr/>
+        </p:nvPicPr>
+        <p:blipFill rotWithShape="1">
+          <a:blip r:embed="rId3">
+            <a:extLst>
+              <a:ext uri="{28A0092B-C50C-407E-A947-70E740481C1C}">
+                <a14:useLocalDpi xmlns:a14="http://schemas.microsoft.com/office/drawing/2010/main" val="0"/>
+              </a:ext>
+            </a:extLst>
+          </a:blip>
+          <a:srcRect t="28368" b="25570"/>
+          <a:stretch/>
+        </p:blipFill>
+        <p:spPr>
+          <a:xfrm>
+            <a:off x="2396358" y="2258222"/>
+            <a:ext cx="2065283" cy="630327"/>
+          </a:xfrm>
+          <a:prstGeom prst="rect">
+            <a:avLst/>
+          </a:prstGeom>
+        </p:spPr>
+      </p:pic>
+      <p:pic>
+        <p:nvPicPr>
+          <p:cNvPr id="11" name="Picture 10"/>
+          <p:cNvPicPr>
+            <a:picLocks noChangeAspect="1"/>
+          </p:cNvPicPr>
+          <p:nvPr/>
+        </p:nvPicPr>
+        <p:blipFill rotWithShape="1">
+          <a:blip r:embed="rId4">
+            <a:extLst>
+              <a:ext uri="{28A0092B-C50C-407E-A947-70E740481C1C}">
+                <a14:useLocalDpi xmlns:a14="http://schemas.microsoft.com/office/drawing/2010/main" val="0"/>
+              </a:ext>
+            </a:extLst>
+          </a:blip>
+          <a:srcRect l="17712" t="37574" r="17241" b="31060"/>
+          <a:stretch/>
+        </p:blipFill>
+        <p:spPr>
+          <a:xfrm>
+            <a:off x="4698123" y="2271513"/>
+            <a:ext cx="2158692" cy="585519"/>
+          </a:xfrm>
+          <a:prstGeom prst="rect">
+            <a:avLst/>
+          </a:prstGeom>
+        </p:spPr>
+      </p:pic>
+      <p:pic>
+        <p:nvPicPr>
+          <p:cNvPr id="12" name="Picture 11"/>
+          <p:cNvPicPr>
+            <a:picLocks noChangeAspect="1"/>
+          </p:cNvPicPr>
+          <p:nvPr/>
+        </p:nvPicPr>
         <p:blipFill>
-          <a:blip r:embed="rId2">
+          <a:blip r:embed="rId5">
             <a:extLst>
               <a:ext uri="{28A0092B-C50C-407E-A947-70E740481C1C}">
                 <a14:useLocalDpi xmlns:a14="http://schemas.microsoft.com/office/drawing/2010/main" val="0"/>
@@ -12603,8 +12539,8 @@
         </p:blipFill>
         <p:spPr>
           <a:xfrm>
-            <a:off x="9428812" y="3074276"/>
-            <a:ext cx="2014888" cy="2014888"/>
+            <a:off x="7866193" y="3207264"/>
+            <a:ext cx="2805467" cy="695372"/>
           </a:xfrm>
           <a:prstGeom prst="rect">
             <a:avLst/>
@@ -12613,14 +12549,43 @@
       </p:pic>
       <p:pic>
         <p:nvPicPr>
-          <p:cNvPr id="6" name="Picture 5"/>
+          <p:cNvPr id="13" name="Picture 12"/>
           <p:cNvPicPr>
             <a:picLocks noChangeAspect="1"/>
           </p:cNvPicPr>
           <p:nvPr/>
         </p:nvPicPr>
+        <p:blipFill rotWithShape="1">
+          <a:blip r:embed="rId6">
+            <a:extLst>
+              <a:ext uri="{28A0092B-C50C-407E-A947-70E740481C1C}">
+                <a14:useLocalDpi xmlns:a14="http://schemas.microsoft.com/office/drawing/2010/main" val="0"/>
+              </a:ext>
+            </a:extLst>
+          </a:blip>
+          <a:srcRect l="27429" t="18948" r="29467" b="30618"/>
+          <a:stretch/>
+        </p:blipFill>
+        <p:spPr>
+          <a:xfrm>
+            <a:off x="6204532" y="3118461"/>
+            <a:ext cx="1032847" cy="679787"/>
+          </a:xfrm>
+          <a:prstGeom prst="rect">
+            <a:avLst/>
+          </a:prstGeom>
+        </p:spPr>
+      </p:pic>
+      <p:pic>
+        <p:nvPicPr>
+          <p:cNvPr id="14" name="Picture 13"/>
+          <p:cNvPicPr>
+            <a:picLocks noChangeAspect="1"/>
+          </p:cNvPicPr>
+          <p:nvPr/>
+        </p:nvPicPr>
         <p:blipFill>
-          <a:blip r:embed="rId3">
+          <a:blip r:embed="rId7">
             <a:extLst>
               <a:ext uri="{28A0092B-C50C-407E-A947-70E740481C1C}">
                 <a14:useLocalDpi xmlns:a14="http://schemas.microsoft.com/office/drawing/2010/main" val="0"/>
@@ -12633,8 +12598,8 @@
         </p:blipFill>
         <p:spPr>
           <a:xfrm>
-            <a:off x="680321" y="3129087"/>
-            <a:ext cx="2209042" cy="2014888"/>
+            <a:off x="3047738" y="3267797"/>
+            <a:ext cx="2563023" cy="469887"/>
           </a:xfrm>
           <a:prstGeom prst="rect">
             <a:avLst/>
@@ -12643,14 +12608,14 @@
       </p:pic>
       <p:pic>
         <p:nvPicPr>
-          <p:cNvPr id="7" name="Picture 6"/>
+          <p:cNvPr id="16" name="Picture 15"/>
           <p:cNvPicPr>
             <a:picLocks noChangeAspect="1"/>
           </p:cNvPicPr>
           <p:nvPr/>
         </p:nvPicPr>
         <p:blipFill>
-          <a:blip r:embed="rId4">
+          <a:blip r:embed="rId8">
             <a:extLst>
               <a:ext uri="{28A0092B-C50C-407E-A947-70E740481C1C}">
                 <a14:useLocalDpi xmlns:a14="http://schemas.microsoft.com/office/drawing/2010/main" val="0"/>
@@ -12663,8 +12628,184 @@
         </p:blipFill>
         <p:spPr>
           <a:xfrm>
-            <a:off x="3043260" y="3548956"/>
-            <a:ext cx="6148552" cy="1175150"/>
+            <a:off x="10671660" y="2258222"/>
+            <a:ext cx="860239" cy="860239"/>
+          </a:xfrm>
+          <a:prstGeom prst="rect">
+            <a:avLst/>
+          </a:prstGeom>
+        </p:spPr>
+      </p:pic>
+      <p:pic>
+        <p:nvPicPr>
+          <p:cNvPr id="17" name="Picture 16"/>
+          <p:cNvPicPr>
+            <a:picLocks noChangeAspect="1"/>
+          </p:cNvPicPr>
+          <p:nvPr/>
+        </p:nvPicPr>
+        <p:blipFill rotWithShape="1">
+          <a:blip r:embed="rId9">
+            <a:extLst>
+              <a:ext uri="{28A0092B-C50C-407E-A947-70E740481C1C}">
+                <a14:useLocalDpi xmlns:a14="http://schemas.microsoft.com/office/drawing/2010/main" val="0"/>
+              </a:ext>
+            </a:extLst>
+          </a:blip>
+          <a:srcRect l="5363" t="8759" r="10981" b="13548"/>
+          <a:stretch/>
+        </p:blipFill>
+        <p:spPr>
+          <a:xfrm>
+            <a:off x="7108649" y="2271513"/>
+            <a:ext cx="1515089" cy="602341"/>
+          </a:xfrm>
+          <a:prstGeom prst="rect">
+            <a:avLst/>
+          </a:prstGeom>
+        </p:spPr>
+      </p:pic>
+      <p:pic>
+        <p:nvPicPr>
+          <p:cNvPr id="18" name="Picture 17"/>
+          <p:cNvPicPr>
+            <a:picLocks noChangeAspect="1"/>
+          </p:cNvPicPr>
+          <p:nvPr/>
+        </p:nvPicPr>
+        <p:blipFill rotWithShape="1">
+          <a:blip r:embed="rId10">
+            <a:extLst>
+              <a:ext uri="{28A0092B-C50C-407E-A947-70E740481C1C}">
+                <a14:useLocalDpi xmlns:a14="http://schemas.microsoft.com/office/drawing/2010/main" val="0"/>
+              </a:ext>
+            </a:extLst>
+          </a:blip>
+          <a:srcRect t="18938" b="23583"/>
+          <a:stretch/>
+        </p:blipFill>
+        <p:spPr>
+          <a:xfrm>
+            <a:off x="8904737" y="2244931"/>
+            <a:ext cx="1507686" cy="664395"/>
+          </a:xfrm>
+          <a:prstGeom prst="rect">
+            <a:avLst/>
+          </a:prstGeom>
+        </p:spPr>
+      </p:pic>
+      <p:pic>
+        <p:nvPicPr>
+          <p:cNvPr id="19" name="Picture 18"/>
+          <p:cNvPicPr>
+            <a:picLocks noChangeAspect="1"/>
+          </p:cNvPicPr>
+          <p:nvPr/>
+        </p:nvPicPr>
+        <p:blipFill rotWithShape="1">
+          <a:blip r:embed="rId11">
+            <a:extLst>
+              <a:ext uri="{28A0092B-C50C-407E-A947-70E740481C1C}">
+                <a14:useLocalDpi xmlns:a14="http://schemas.microsoft.com/office/drawing/2010/main" val="0"/>
+              </a:ext>
+            </a:extLst>
+          </a:blip>
+          <a:srcRect t="31235" b="34461"/>
+          <a:stretch/>
+        </p:blipFill>
+        <p:spPr>
+          <a:xfrm>
+            <a:off x="1130240" y="4999781"/>
+            <a:ext cx="2136274" cy="732840"/>
+          </a:xfrm>
+          <a:prstGeom prst="rect">
+            <a:avLst/>
+          </a:prstGeom>
+        </p:spPr>
+      </p:pic>
+      <p:pic>
+        <p:nvPicPr>
+          <p:cNvPr id="20" name="Picture 19"/>
+          <p:cNvPicPr>
+            <a:picLocks noChangeAspect="1"/>
+          </p:cNvPicPr>
+          <p:nvPr/>
+        </p:nvPicPr>
+        <p:blipFill rotWithShape="1">
+          <a:blip r:embed="rId12">
+            <a:extLst>
+              <a:ext uri="{28A0092B-C50C-407E-A947-70E740481C1C}">
+                <a14:useLocalDpi xmlns:a14="http://schemas.microsoft.com/office/drawing/2010/main" val="0"/>
+              </a:ext>
+            </a:extLst>
+          </a:blip>
+          <a:srcRect l="35677" r="38634" b="62226"/>
+          <a:stretch/>
+        </p:blipFill>
+        <p:spPr>
+          <a:xfrm>
+            <a:off x="3871147" y="4999781"/>
+            <a:ext cx="1906322" cy="732840"/>
+          </a:xfrm>
+          <a:prstGeom prst="rect">
+            <a:avLst/>
+          </a:prstGeom>
+        </p:spPr>
+      </p:pic>
+      <p:pic>
+        <p:nvPicPr>
+          <p:cNvPr id="21" name="Picture 20"/>
+          <p:cNvPicPr>
+            <a:picLocks noChangeAspect="1"/>
+          </p:cNvPicPr>
+          <p:nvPr/>
+        </p:nvPicPr>
+        <p:blipFill>
+          <a:blip r:embed="rId13">
+            <a:extLst>
+              <a:ext uri="{28A0092B-C50C-407E-A947-70E740481C1C}">
+                <a14:useLocalDpi xmlns:a14="http://schemas.microsoft.com/office/drawing/2010/main" val="0"/>
+              </a:ext>
+            </a:extLst>
+          </a:blip>
+          <a:stretch>
+            <a:fillRect/>
+          </a:stretch>
+        </p:blipFill>
+        <p:spPr>
+          <a:xfrm>
+            <a:off x="7789871" y="4846995"/>
+            <a:ext cx="2954230" cy="1038412"/>
+          </a:xfrm>
+          <a:prstGeom prst="rect">
+            <a:avLst/>
+          </a:prstGeom>
+        </p:spPr>
+      </p:pic>
+      <p:pic>
+        <p:nvPicPr>
+          <p:cNvPr id="22" name="Picture 21"/>
+          <p:cNvPicPr>
+            <a:picLocks noChangeAspect="1"/>
+          </p:cNvPicPr>
+          <p:nvPr/>
+        </p:nvPicPr>
+        <p:blipFill>
+          <a:blip r:embed="rId14">
+            <a:extLst>
+              <a:ext uri="{28A0092B-C50C-407E-A947-70E740481C1C}">
+                <a14:useLocalDpi xmlns:a14="http://schemas.microsoft.com/office/drawing/2010/main" val="0"/>
+              </a:ext>
+            </a:extLst>
+          </a:blip>
+          <a:stretch>
+            <a:fillRect/>
+          </a:stretch>
+        </p:blipFill>
+        <p:spPr>
+          <a:xfrm>
+            <a:off x="6525790" y="4996280"/>
+            <a:ext cx="736341" cy="736341"/>
           </a:xfrm>
           <a:prstGeom prst="rect">
             <a:avLst/>
@@ -12674,7 +12815,7 @@
     </p:spTree>
     <p:extLst>
       <p:ext uri="{BB962C8B-B14F-4D97-AF65-F5344CB8AC3E}">
-        <p14:creationId xmlns:p14="http://schemas.microsoft.com/office/powerpoint/2010/main" val="637917273"/>
+        <p14:creationId xmlns:p14="http://schemas.microsoft.com/office/powerpoint/2010/main" val="1265180324"/>
       </p:ext>
     </p:extLst>
   </p:cSld>

--- a/Intro to D3 Presentation.pptx
+++ b/Intro to D3 Presentation.pptx
@@ -5,30 +5,31 @@
     <p:sldMasterId id="2147485111" r:id="rId1"/>
   </p:sldMasterIdLst>
   <p:sldIdLst>
-    <p:sldId id="256" r:id="rId2"/>
-    <p:sldId id="257" r:id="rId3"/>
-    <p:sldId id="258" r:id="rId4"/>
-    <p:sldId id="259" r:id="rId5"/>
-    <p:sldId id="260" r:id="rId6"/>
-    <p:sldId id="268" r:id="rId7"/>
-    <p:sldId id="278" r:id="rId8"/>
-    <p:sldId id="261" r:id="rId9"/>
-    <p:sldId id="262" r:id="rId10"/>
-    <p:sldId id="263" r:id="rId11"/>
-    <p:sldId id="264" r:id="rId12"/>
-    <p:sldId id="265" r:id="rId13"/>
-    <p:sldId id="266" r:id="rId14"/>
-    <p:sldId id="267" r:id="rId15"/>
-    <p:sldId id="269" r:id="rId16"/>
-    <p:sldId id="279" r:id="rId17"/>
-    <p:sldId id="270" r:id="rId18"/>
-    <p:sldId id="271" r:id="rId19"/>
-    <p:sldId id="272" r:id="rId20"/>
-    <p:sldId id="280" r:id="rId21"/>
-    <p:sldId id="274" r:id="rId22"/>
-    <p:sldId id="276" r:id="rId23"/>
-    <p:sldId id="277" r:id="rId24"/>
-    <p:sldId id="273" r:id="rId25"/>
+    <p:sldId id="273" r:id="rId2"/>
+    <p:sldId id="256" r:id="rId3"/>
+    <p:sldId id="257" r:id="rId4"/>
+    <p:sldId id="258" r:id="rId5"/>
+    <p:sldId id="259" r:id="rId6"/>
+    <p:sldId id="260" r:id="rId7"/>
+    <p:sldId id="268" r:id="rId8"/>
+    <p:sldId id="278" r:id="rId9"/>
+    <p:sldId id="261" r:id="rId10"/>
+    <p:sldId id="262" r:id="rId11"/>
+    <p:sldId id="263" r:id="rId12"/>
+    <p:sldId id="264" r:id="rId13"/>
+    <p:sldId id="265" r:id="rId14"/>
+    <p:sldId id="266" r:id="rId15"/>
+    <p:sldId id="267" r:id="rId16"/>
+    <p:sldId id="269" r:id="rId17"/>
+    <p:sldId id="279" r:id="rId18"/>
+    <p:sldId id="270" r:id="rId19"/>
+    <p:sldId id="271" r:id="rId20"/>
+    <p:sldId id="272" r:id="rId21"/>
+    <p:sldId id="280" r:id="rId22"/>
+    <p:sldId id="274" r:id="rId23"/>
+    <p:sldId id="276" r:id="rId24"/>
+    <p:sldId id="277" r:id="rId25"/>
+    <p:sldId id="281" r:id="rId26"/>
   </p:sldIdLst>
   <p:sldSz cx="12192000" cy="6858000"/>
   <p:notesSz cx="6858000" cy="9144000"/>
@@ -127,6 +128,11 @@
       </a:defRPr>
     </a:lvl9pPr>
   </p:defaultTextStyle>
+  <p:extLst>
+    <p:ext uri="{EFAFB233-063F-42B5-8137-9DF3F51BA10A}">
+      <p15:sldGuideLst xmlns:p15="http://schemas.microsoft.com/office/powerpoint/2012/main"/>
+    </p:ext>
+  </p:extLst>
 </p:presentation>
 </file>
 
@@ -405,7 +411,7 @@
             <a:fld id="{B61BEF0D-F0BB-DE4B-95CE-6DB70DBA9567}" type="datetimeFigureOut">
               <a:rPr lang="en-US" smtClean="0"/>
               <a:pPr/>
-              <a:t>10/18/18</a:t>
+              <a:t>10/24/18</a:t>
             </a:fld>
             <a:endParaRPr lang="en-US" dirty="0"/>
           </a:p>
@@ -826,7 +832,7 @@
             <a:fld id="{B61BEF0D-F0BB-DE4B-95CE-6DB70DBA9567}" type="datetimeFigureOut">
               <a:rPr lang="en-US" smtClean="0"/>
               <a:pPr/>
-              <a:t>10/18/18</a:t>
+              <a:t>10/24/18</a:t>
             </a:fld>
             <a:endParaRPr lang="en-US" dirty="0"/>
           </a:p>
@@ -1164,7 +1170,7 @@
             <a:fld id="{B61BEF0D-F0BB-DE4B-95CE-6DB70DBA9567}" type="datetimeFigureOut">
               <a:rPr lang="en-US" smtClean="0"/>
               <a:pPr/>
-              <a:t>10/18/18</a:t>
+              <a:t>10/24/18</a:t>
             </a:fld>
             <a:endParaRPr lang="en-US" dirty="0"/>
           </a:p>
@@ -1571,7 +1577,7 @@
             <a:fld id="{B61BEF0D-F0BB-DE4B-95CE-6DB70DBA9567}" type="datetimeFigureOut">
               <a:rPr lang="en-US" smtClean="0"/>
               <a:pPr/>
-              <a:t>10/18/18</a:t>
+              <a:t>10/24/18</a:t>
             </a:fld>
             <a:endParaRPr lang="en-US" dirty="0"/>
           </a:p>
@@ -2141,7 +2147,7 @@
             <a:fld id="{B61BEF0D-F0BB-DE4B-95CE-6DB70DBA9567}" type="datetimeFigureOut">
               <a:rPr lang="en-US" smtClean="0"/>
               <a:pPr/>
-              <a:t>10/18/18</a:t>
+              <a:t>10/24/18</a:t>
             </a:fld>
             <a:endParaRPr lang="en-US" dirty="0"/>
           </a:p>
@@ -2824,7 +2830,7 @@
             <a:fld id="{B61BEF0D-F0BB-DE4B-95CE-6DB70DBA9567}" type="datetimeFigureOut">
               <a:rPr lang="en-US" smtClean="0"/>
               <a:pPr/>
-              <a:t>10/18/18</a:t>
+              <a:t>10/24/18</a:t>
             </a:fld>
             <a:endParaRPr lang="en-US" dirty="0"/>
           </a:p>
@@ -3739,7 +3745,7 @@
             <a:fld id="{B61BEF0D-F0BB-DE4B-95CE-6DB70DBA9567}" type="datetimeFigureOut">
               <a:rPr lang="en-US" smtClean="0"/>
               <a:pPr/>
-              <a:t>10/18/18</a:t>
+              <a:t>10/24/18</a:t>
             </a:fld>
             <a:endParaRPr lang="en-US" dirty="0"/>
           </a:p>
@@ -4054,7 +4060,7 @@
             <a:fld id="{B61BEF0D-F0BB-DE4B-95CE-6DB70DBA9567}" type="datetimeFigureOut">
               <a:rPr lang="en-US" smtClean="0"/>
               <a:pPr/>
-              <a:t>10/18/18</a:t>
+              <a:t>10/24/18</a:t>
             </a:fld>
             <a:endParaRPr lang="en-US" dirty="0"/>
           </a:p>
@@ -4320,7 +4326,7 @@
             <a:fld id="{B61BEF0D-F0BB-DE4B-95CE-6DB70DBA9567}" type="datetimeFigureOut">
               <a:rPr lang="en-US" smtClean="0"/>
               <a:pPr/>
-              <a:t>10/18/18</a:t>
+              <a:t>10/24/18</a:t>
             </a:fld>
             <a:endParaRPr lang="en-US" dirty="0"/>
           </a:p>
@@ -4650,7 +4656,7 @@
             <a:fld id="{B61BEF0D-F0BB-DE4B-95CE-6DB70DBA9567}" type="datetimeFigureOut">
               <a:rPr lang="en-US" smtClean="0"/>
               <a:pPr/>
-              <a:t>10/18/18</a:t>
+              <a:t>10/24/18</a:t>
             </a:fld>
             <a:endParaRPr lang="en-US" dirty="0"/>
           </a:p>
@@ -5041,7 +5047,7 @@
             <a:fld id="{B61BEF0D-F0BB-DE4B-95CE-6DB70DBA9567}" type="datetimeFigureOut">
               <a:rPr lang="en-US" smtClean="0"/>
               <a:pPr/>
-              <a:t>10/18/18</a:t>
+              <a:t>10/24/18</a:t>
             </a:fld>
             <a:endParaRPr lang="en-US" dirty="0"/>
           </a:p>
@@ -5424,7 +5430,7 @@
             <a:fld id="{B61BEF0D-F0BB-DE4B-95CE-6DB70DBA9567}" type="datetimeFigureOut">
               <a:rPr lang="en-US" smtClean="0"/>
               <a:pPr/>
-              <a:t>10/18/18</a:t>
+              <a:t>10/24/18</a:t>
             </a:fld>
             <a:endParaRPr lang="en-US" dirty="0"/>
           </a:p>
@@ -5937,7 +5943,7 @@
             <a:fld id="{B61BEF0D-F0BB-DE4B-95CE-6DB70DBA9567}" type="datetimeFigureOut">
               <a:rPr lang="en-US" smtClean="0"/>
               <a:pPr/>
-              <a:t>10/18/18</a:t>
+              <a:t>10/24/18</a:t>
             </a:fld>
             <a:endParaRPr lang="en-US" dirty="0"/>
           </a:p>
@@ -6201,7 +6207,7 @@
             <a:fld id="{B61BEF0D-F0BB-DE4B-95CE-6DB70DBA9567}" type="datetimeFigureOut">
               <a:rPr lang="en-US" smtClean="0"/>
               <a:pPr/>
-              <a:t>10/18/18</a:t>
+              <a:t>10/24/18</a:t>
             </a:fld>
             <a:endParaRPr lang="en-US" dirty="0"/>
           </a:p>
@@ -6366,7 +6372,7 @@
             <a:fld id="{B61BEF0D-F0BB-DE4B-95CE-6DB70DBA9567}" type="datetimeFigureOut">
               <a:rPr lang="en-US" smtClean="0"/>
               <a:pPr/>
-              <a:t>10/18/18</a:t>
+              <a:t>10/24/18</a:t>
             </a:fld>
             <a:endParaRPr lang="en-US" dirty="0"/>
           </a:p>
@@ -6763,7 +6769,7 @@
             <a:fld id="{B61BEF0D-F0BB-DE4B-95CE-6DB70DBA9567}" type="datetimeFigureOut">
               <a:rPr lang="en-US" smtClean="0"/>
               <a:pPr/>
-              <a:t>10/18/18</a:t>
+              <a:t>10/24/18</a:t>
             </a:fld>
             <a:endParaRPr lang="en-US" dirty="0"/>
           </a:p>
@@ -7179,7 +7185,7 @@
             <a:fld id="{B61BEF0D-F0BB-DE4B-95CE-6DB70DBA9567}" type="datetimeFigureOut">
               <a:rPr lang="en-US" smtClean="0"/>
               <a:pPr/>
-              <a:t>10/18/18</a:t>
+              <a:t>10/24/18</a:t>
             </a:fld>
             <a:endParaRPr lang="en-US" dirty="0"/>
           </a:p>
@@ -7430,7 +7436,7 @@
             <a:fld id="{B61BEF0D-F0BB-DE4B-95CE-6DB70DBA9567}" type="datetimeFigureOut">
               <a:rPr lang="en-US" smtClean="0"/>
               <a:pPr/>
-              <a:t>10/18/18</a:t>
+              <a:t>10/24/18</a:t>
             </a:fld>
             <a:endParaRPr lang="en-US" dirty="0"/>
           </a:p>
@@ -7854,7 +7860,7 @@
             <a:spLocks noGrp="1"/>
           </p:cNvSpPr>
           <p:nvPr>
-            <p:ph type="ctrTitle"/>
+            <p:ph type="title"/>
           </p:nvPr>
         </p:nvSpPr>
         <p:spPr/>
@@ -7864,39 +7870,82 @@
           <a:p>
             <a:r>
               <a:rPr lang="en-US" dirty="0" smtClean="0"/>
-              <a:t>Introduction to D3.js</a:t>
-            </a:r>
-            <a:endParaRPr lang="en-US" dirty="0"/>
-          </a:p>
-        </p:txBody>
-      </p:sp>
-      <p:sp>
-        <p:nvSpPr>
-          <p:cNvPr id="3" name="Subtitle 2"/>
-          <p:cNvSpPr>
-            <a:spLocks noGrp="1"/>
-          </p:cNvSpPr>
-          <p:nvPr>
-            <p:ph type="subTitle" idx="1"/>
-          </p:nvPr>
-        </p:nvSpPr>
-        <p:spPr/>
-        <p:txBody>
-          <a:bodyPr/>
-          <a:lstStyle/>
-          <a:p>
-            <a:r>
-              <a:rPr lang="en-US" dirty="0" smtClean="0"/>
-              <a:t>By Alex Rogers</a:t>
-            </a:r>
-            <a:endParaRPr lang="en-US" dirty="0"/>
+              <a:t>Follow Along</a:t>
+            </a:r>
+            <a:endParaRPr lang="en-US" dirty="0"/>
+          </a:p>
+        </p:txBody>
+      </p:sp>
+      <p:pic>
+        <p:nvPicPr>
+          <p:cNvPr id="5" name="Picture 4"/>
+          <p:cNvPicPr>
+            <a:picLocks noChangeAspect="1"/>
+          </p:cNvPicPr>
+          <p:nvPr/>
+        </p:nvPicPr>
+        <p:blipFill>
+          <a:blip r:embed="rId2">
+            <a:extLst>
+              <a:ext uri="{28A0092B-C50C-407E-A947-70E740481C1C}">
+                <a14:useLocalDpi xmlns:a14="http://schemas.microsoft.com/office/drawing/2010/main" val="0"/>
+              </a:ext>
+            </a:extLst>
+          </a:blip>
+          <a:stretch>
+            <a:fillRect/>
+          </a:stretch>
+        </p:blipFill>
+        <p:spPr>
+          <a:xfrm>
+            <a:off x="680321" y="4071444"/>
+            <a:ext cx="10842968" cy="311369"/>
+          </a:xfrm>
+          <a:prstGeom prst="rect">
+            <a:avLst/>
+          </a:prstGeom>
+        </p:spPr>
+      </p:pic>
+      <p:sp>
+        <p:nvSpPr>
+          <p:cNvPr id="7" name="TextBox 6"/>
+          <p:cNvSpPr txBox="1"/>
+          <p:nvPr/>
+        </p:nvSpPr>
+        <p:spPr>
+          <a:xfrm>
+            <a:off x="680321" y="5108028"/>
+            <a:ext cx="1132713" cy="276999"/>
+          </a:xfrm>
+          <a:prstGeom prst="rect">
+            <a:avLst/>
+          </a:prstGeom>
+          <a:noFill/>
+        </p:spPr>
+        <p:txBody>
+          <a:bodyPr wrap="square" rtlCol="0">
+            <a:spAutoFit/>
+          </a:bodyPr>
+          <a:lstStyle/>
+          <a:p>
+            <a:r>
+              <a:rPr lang="en-US" sz="1200" b="1" dirty="0" smtClean="0"/>
+              <a:t>*Start </a:t>
+            </a:r>
+            <a:r>
+              <a:rPr lang="en-US" sz="1200" b="1" dirty="0" smtClean="0">
+                <a:hlinkClick r:id="rId3"/>
+              </a:rPr>
+              <a:t>server</a:t>
+            </a:r>
+            <a:endParaRPr lang="en-US" sz="1200" b="1" dirty="0"/>
           </a:p>
         </p:txBody>
       </p:sp>
     </p:spTree>
     <p:extLst>
       <p:ext uri="{BB962C8B-B14F-4D97-AF65-F5344CB8AC3E}">
-        <p14:creationId xmlns:p14="http://schemas.microsoft.com/office/powerpoint/2010/main" val="1549656094"/>
+        <p14:creationId xmlns:p14="http://schemas.microsoft.com/office/powerpoint/2010/main" val="769617165"/>
       </p:ext>
     </p:extLst>
   </p:cSld>
@@ -7947,48 +7996,147 @@
           <a:p>
             <a:r>
               <a:rPr lang="en-US" dirty="0" smtClean="0"/>
-              <a:t>Who should use d3?</a:t>
-            </a:r>
-            <a:endParaRPr lang="en-US" dirty="0"/>
-          </a:p>
-        </p:txBody>
-      </p:sp>
-      <p:sp>
-        <p:nvSpPr>
-          <p:cNvPr id="3" name="Content Placeholder 2"/>
-          <p:cNvSpPr>
-            <a:spLocks noGrp="1"/>
-          </p:cNvSpPr>
-          <p:nvPr>
-            <p:ph idx="1"/>
-          </p:nvPr>
-        </p:nvSpPr>
-        <p:spPr/>
-        <p:txBody>
-          <a:bodyPr/>
-          <a:lstStyle/>
-          <a:p>
-            <a:r>
-              <a:rPr lang="en-US" dirty="0" smtClean="0"/>
-              <a:t>Those who love lots of control over their graphs will like D3</a:t>
-            </a:r>
-          </a:p>
-          <a:p>
-            <a:endParaRPr lang="en-US" dirty="0"/>
-          </a:p>
-          <a:p>
-            <a:r>
-              <a:rPr lang="en-US" dirty="0" smtClean="0"/>
-              <a:t>Those who need a quick graph generated for them may have to get used to D3</a:t>
-            </a:r>
-            <a:endParaRPr lang="en-US" dirty="0"/>
-          </a:p>
-        </p:txBody>
-      </p:sp>
+              <a:t>Who already uses D3?</a:t>
+            </a:r>
+            <a:endParaRPr lang="en-US" dirty="0"/>
+          </a:p>
+        </p:txBody>
+      </p:sp>
+      <p:sp>
+        <p:nvSpPr>
+          <p:cNvPr id="4" name="TextBox 3"/>
+          <p:cNvSpPr txBox="1"/>
+          <p:nvPr/>
+        </p:nvSpPr>
+        <p:spPr>
+          <a:xfrm>
+            <a:off x="457200" y="5943600"/>
+            <a:ext cx="4130565" cy="400110"/>
+          </a:xfrm>
+          <a:prstGeom prst="rect">
+            <a:avLst/>
+          </a:prstGeom>
+          <a:noFill/>
+        </p:spPr>
+        <p:txBody>
+          <a:bodyPr wrap="square" rtlCol="0">
+            <a:spAutoFit/>
+          </a:bodyPr>
+          <a:lstStyle/>
+          <a:p>
+            <a:pPr marL="0" lvl="1"/>
+            <a:r>
+              <a:rPr lang="en-US" sz="1000" b="1" dirty="0"/>
+              <a:t>https://</a:t>
+            </a:r>
+            <a:r>
+              <a:rPr lang="en-US" sz="1000" b="1" dirty="0" err="1"/>
+              <a:t>www.sitepoint.com</a:t>
+            </a:r>
+            <a:r>
+              <a:rPr lang="en-US" sz="1000" b="1" dirty="0"/>
+              <a:t>/15-best-javascript-charting-libraries/</a:t>
+            </a:r>
+          </a:p>
+          <a:p>
+            <a:endParaRPr lang="en-US" sz="1000" b="1" dirty="0"/>
+          </a:p>
+        </p:txBody>
+      </p:sp>
+      <p:pic>
+        <p:nvPicPr>
+          <p:cNvPr id="5" name="Picture 4"/>
+          <p:cNvPicPr>
+            <a:picLocks noChangeAspect="1"/>
+          </p:cNvPicPr>
+          <p:nvPr/>
+        </p:nvPicPr>
+        <p:blipFill>
+          <a:blip r:embed="rId2">
+            <a:extLst>
+              <a:ext uri="{28A0092B-C50C-407E-A947-70E740481C1C}">
+                <a14:useLocalDpi xmlns:a14="http://schemas.microsoft.com/office/drawing/2010/main" val="0"/>
+              </a:ext>
+            </a:extLst>
+          </a:blip>
+          <a:stretch>
+            <a:fillRect/>
+          </a:stretch>
+        </p:blipFill>
+        <p:spPr>
+          <a:xfrm>
+            <a:off x="9428812" y="3074276"/>
+            <a:ext cx="2014888" cy="2014888"/>
+          </a:xfrm>
+          <a:prstGeom prst="rect">
+            <a:avLst/>
+          </a:prstGeom>
+        </p:spPr>
+      </p:pic>
+      <p:pic>
+        <p:nvPicPr>
+          <p:cNvPr id="6" name="Picture 5"/>
+          <p:cNvPicPr>
+            <a:picLocks noChangeAspect="1"/>
+          </p:cNvPicPr>
+          <p:nvPr/>
+        </p:nvPicPr>
+        <p:blipFill>
+          <a:blip r:embed="rId3">
+            <a:extLst>
+              <a:ext uri="{28A0092B-C50C-407E-A947-70E740481C1C}">
+                <a14:useLocalDpi xmlns:a14="http://schemas.microsoft.com/office/drawing/2010/main" val="0"/>
+              </a:ext>
+            </a:extLst>
+          </a:blip>
+          <a:stretch>
+            <a:fillRect/>
+          </a:stretch>
+        </p:blipFill>
+        <p:spPr>
+          <a:xfrm>
+            <a:off x="680321" y="3129087"/>
+            <a:ext cx="2209042" cy="2014888"/>
+          </a:xfrm>
+          <a:prstGeom prst="rect">
+            <a:avLst/>
+          </a:prstGeom>
+        </p:spPr>
+      </p:pic>
+      <p:pic>
+        <p:nvPicPr>
+          <p:cNvPr id="7" name="Picture 6"/>
+          <p:cNvPicPr>
+            <a:picLocks noChangeAspect="1"/>
+          </p:cNvPicPr>
+          <p:nvPr/>
+        </p:nvPicPr>
+        <p:blipFill>
+          <a:blip r:embed="rId4">
+            <a:extLst>
+              <a:ext uri="{28A0092B-C50C-407E-A947-70E740481C1C}">
+                <a14:useLocalDpi xmlns:a14="http://schemas.microsoft.com/office/drawing/2010/main" val="0"/>
+              </a:ext>
+            </a:extLst>
+          </a:blip>
+          <a:stretch>
+            <a:fillRect/>
+          </a:stretch>
+        </p:blipFill>
+        <p:spPr>
+          <a:xfrm>
+            <a:off x="3043260" y="3548956"/>
+            <a:ext cx="6148552" cy="1175150"/>
+          </a:xfrm>
+          <a:prstGeom prst="rect">
+            <a:avLst/>
+          </a:prstGeom>
+        </p:spPr>
+      </p:pic>
     </p:spTree>
     <p:extLst>
       <p:ext uri="{BB962C8B-B14F-4D97-AF65-F5344CB8AC3E}">
-        <p14:creationId xmlns:p14="http://schemas.microsoft.com/office/powerpoint/2010/main" val="1182697477"/>
+        <p14:creationId xmlns:p14="http://schemas.microsoft.com/office/powerpoint/2010/main" val="637917273"/>
       </p:ext>
     </p:extLst>
   </p:cSld>
@@ -8039,75 +8187,48 @@
           <a:p>
             <a:r>
               <a:rPr lang="en-US" dirty="0" smtClean="0"/>
-              <a:t>Examples of D3 (Beginner Level)</a:t>
-            </a:r>
-            <a:endParaRPr lang="en-US" dirty="0"/>
-          </a:p>
-        </p:txBody>
-      </p:sp>
-      <p:pic>
-        <p:nvPicPr>
-          <p:cNvPr id="4" name="Content Placeholder 3"/>
-          <p:cNvPicPr>
-            <a:picLocks noGrp="1" noChangeAspect="1"/>
-          </p:cNvPicPr>
+              <a:t>Who should use d3?</a:t>
+            </a:r>
+            <a:endParaRPr lang="en-US" dirty="0"/>
+          </a:p>
+        </p:txBody>
+      </p:sp>
+      <p:sp>
+        <p:nvSpPr>
+          <p:cNvPr id="3" name="Content Placeholder 2"/>
+          <p:cNvSpPr>
+            <a:spLocks noGrp="1"/>
+          </p:cNvSpPr>
           <p:nvPr>
             <p:ph idx="1"/>
           </p:nvPr>
-        </p:nvPicPr>
-        <p:blipFill>
-          <a:blip r:embed="rId2">
-            <a:extLst>
-              <a:ext uri="{28A0092B-C50C-407E-A947-70E740481C1C}">
-                <a14:useLocalDpi xmlns:a14="http://schemas.microsoft.com/office/drawing/2010/main" val="0"/>
-              </a:ext>
-            </a:extLst>
-          </a:blip>
-          <a:stretch>
-            <a:fillRect/>
-          </a:stretch>
-        </p:blipFill>
-        <p:spPr>
-          <a:xfrm>
-            <a:off x="4756214" y="1917402"/>
-            <a:ext cx="7435786" cy="4940598"/>
-          </a:xfrm>
-        </p:spPr>
-      </p:pic>
-      <p:sp>
-        <p:nvSpPr>
-          <p:cNvPr id="5" name="TextBox 4"/>
-          <p:cNvSpPr txBox="1"/>
-          <p:nvPr/>
-        </p:nvSpPr>
-        <p:spPr>
-          <a:xfrm>
-            <a:off x="457200" y="2357438"/>
-            <a:ext cx="4229100" cy="369332"/>
-          </a:xfrm>
-          <a:prstGeom prst="rect">
-            <a:avLst/>
-          </a:prstGeom>
-          <a:noFill/>
-        </p:spPr>
-        <p:txBody>
-          <a:bodyPr wrap="square" rtlCol="0">
-            <a:spAutoFit/>
-          </a:bodyPr>
-          <a:lstStyle/>
-          <a:p>
-            <a:r>
-              <a:rPr lang="en-US" b="1" dirty="0" smtClean="0"/>
-              <a:t>Simple, static bar graph made in D3</a:t>
-            </a:r>
-            <a:endParaRPr lang="en-US" b="1" dirty="0"/>
+        </p:nvSpPr>
+        <p:spPr/>
+        <p:txBody>
+          <a:bodyPr/>
+          <a:lstStyle/>
+          <a:p>
+            <a:r>
+              <a:rPr lang="en-US" dirty="0" smtClean="0"/>
+              <a:t>Those who love lots of control over their graphs will like D3</a:t>
+            </a:r>
+          </a:p>
+          <a:p>
+            <a:endParaRPr lang="en-US" dirty="0"/>
+          </a:p>
+          <a:p>
+            <a:r>
+              <a:rPr lang="en-US" dirty="0" smtClean="0"/>
+              <a:t>Those who need a quick graph generated for them may have to get used to D3</a:t>
+            </a:r>
+            <a:endParaRPr lang="en-US" dirty="0"/>
           </a:p>
         </p:txBody>
       </p:sp>
     </p:spTree>
     <p:extLst>
       <p:ext uri="{BB962C8B-B14F-4D97-AF65-F5344CB8AC3E}">
-        <p14:creationId xmlns:p14="http://schemas.microsoft.com/office/powerpoint/2010/main" val="938187266"/>
+        <p14:creationId xmlns:p14="http://schemas.microsoft.com/office/powerpoint/2010/main" val="1182697477"/>
       </p:ext>
     </p:extLst>
   </p:cSld>
@@ -8158,99 +8279,24 @@
           <a:p>
             <a:r>
               <a:rPr lang="en-US" dirty="0" smtClean="0"/>
-              <a:t>Examples of D3 (Advanced)</a:t>
-            </a:r>
-            <a:endParaRPr lang="en-US" dirty="0"/>
-          </a:p>
-        </p:txBody>
-      </p:sp>
-      <p:sp>
-        <p:nvSpPr>
-          <p:cNvPr id="3" name="Content Placeholder 2"/>
-          <p:cNvSpPr>
-            <a:spLocks noGrp="1"/>
-          </p:cNvSpPr>
-          <p:nvPr>
-            <p:ph idx="1"/>
-          </p:nvPr>
-        </p:nvSpPr>
-        <p:spPr/>
-        <p:txBody>
-          <a:bodyPr/>
-          <a:lstStyle/>
-          <a:p>
-            <a:pPr marL="228600" lvl="1">
-              <a:spcBef>
-                <a:spcPts val="1000"/>
-              </a:spcBef>
-            </a:pPr>
-            <a:r>
-              <a:rPr lang="en-US" dirty="0"/>
-              <a:t>Advanced Example- </a:t>
-            </a:r>
-            <a:r>
-              <a:rPr lang="en-US" dirty="0">
-                <a:hlinkClick r:id="rId2"/>
-              </a:rPr>
-              <a:t>Map Projection</a:t>
-            </a:r>
-            <a:r>
-              <a:rPr lang="en-US" dirty="0" smtClean="0"/>
-              <a:t>:</a:t>
-            </a:r>
-          </a:p>
-          <a:p>
-            <a:pPr marL="228600" lvl="1">
-              <a:spcBef>
-                <a:spcPts val="1000"/>
-              </a:spcBef>
-            </a:pPr>
-            <a:endParaRPr lang="en-US" dirty="0"/>
-          </a:p>
-        </p:txBody>
-      </p:sp>
-      <p:sp>
-        <p:nvSpPr>
-          <p:cNvPr id="4" name="TextBox 3"/>
-          <p:cNvSpPr txBox="1"/>
-          <p:nvPr/>
-        </p:nvSpPr>
-        <p:spPr>
-          <a:xfrm>
-            <a:off x="425669" y="5933175"/>
-            <a:ext cx="3121573" cy="246221"/>
-          </a:xfrm>
-          <a:prstGeom prst="rect">
-            <a:avLst/>
-          </a:prstGeom>
-          <a:noFill/>
-        </p:spPr>
-        <p:txBody>
-          <a:bodyPr wrap="square" rtlCol="0">
-            <a:spAutoFit/>
-          </a:bodyPr>
-          <a:lstStyle/>
-          <a:p>
-            <a:r>
-              <a:rPr lang="en-US" sz="1000" b="1" dirty="0">
-                <a:hlinkClick r:id="rId2"/>
-              </a:rPr>
-              <a:t>https://www.jasondavies.com/maps/transition/</a:t>
-            </a:r>
-            <a:endParaRPr lang="en-US" sz="1000" b="1" dirty="0"/>
+              <a:t>Examples of D3 (Beginner Level)</a:t>
+            </a:r>
+            <a:endParaRPr lang="en-US" dirty="0"/>
           </a:p>
         </p:txBody>
       </p:sp>
       <p:pic>
         <p:nvPicPr>
-          <p:cNvPr id="5" name="Picture 4"/>
+          <p:cNvPr id="4" name="Content Placeholder 3"/>
           <p:cNvPicPr>
-            <a:picLocks noChangeAspect="1"/>
+            <a:picLocks noGrp="1" noChangeAspect="1"/>
           </p:cNvPicPr>
-          <p:nvPr/>
+          <p:nvPr>
+            <p:ph idx="1"/>
+          </p:nvPr>
         </p:nvPicPr>
         <p:blipFill>
-          <a:blip r:embed="rId3">
+          <a:blip r:embed="rId2">
             <a:extLst>
               <a:ext uri="{28A0092B-C50C-407E-A947-70E740481C1C}">
                 <a14:useLocalDpi xmlns:a14="http://schemas.microsoft.com/office/drawing/2010/main" val="0"/>
@@ -8263,18 +8309,45 @@
         </p:blipFill>
         <p:spPr>
           <a:xfrm>
-            <a:off x="5487251" y="2389300"/>
-            <a:ext cx="6298542" cy="3677410"/>
+            <a:off x="4756214" y="1917402"/>
+            <a:ext cx="7435786" cy="4940598"/>
+          </a:xfrm>
+        </p:spPr>
+      </p:pic>
+      <p:sp>
+        <p:nvSpPr>
+          <p:cNvPr id="5" name="TextBox 4"/>
+          <p:cNvSpPr txBox="1"/>
+          <p:nvPr/>
+        </p:nvSpPr>
+        <p:spPr>
+          <a:xfrm>
+            <a:off x="457200" y="2357438"/>
+            <a:ext cx="4229100" cy="369332"/>
           </a:xfrm>
           <a:prstGeom prst="rect">
             <a:avLst/>
           </a:prstGeom>
-        </p:spPr>
-      </p:pic>
+          <a:noFill/>
+        </p:spPr>
+        <p:txBody>
+          <a:bodyPr wrap="square" rtlCol="0">
+            <a:spAutoFit/>
+          </a:bodyPr>
+          <a:lstStyle/>
+          <a:p>
+            <a:r>
+              <a:rPr lang="en-US" b="1" dirty="0" smtClean="0"/>
+              <a:t>Simple, static bar graph made in D3</a:t>
+            </a:r>
+            <a:endParaRPr lang="en-US" b="1" dirty="0"/>
+          </a:p>
+        </p:txBody>
+      </p:sp>
     </p:spTree>
     <p:extLst>
       <p:ext uri="{BB962C8B-B14F-4D97-AF65-F5344CB8AC3E}">
-        <p14:creationId xmlns:p14="http://schemas.microsoft.com/office/powerpoint/2010/main" val="1951952992"/>
+        <p14:creationId xmlns:p14="http://schemas.microsoft.com/office/powerpoint/2010/main" val="938187266"/>
       </p:ext>
     </p:extLst>
   </p:cSld>
@@ -8325,7 +8398,7 @@
           <a:p>
             <a:r>
               <a:rPr lang="en-US" dirty="0" smtClean="0"/>
-              <a:t>Basics: Bar Graph Overview</a:t>
+              <a:t>Examples of D3 (Advanced)</a:t>
             </a:r>
             <a:endParaRPr lang="en-US" dirty="0"/>
           </a:p>
@@ -8346,44 +8419,102 @@
           <a:bodyPr/>
           <a:lstStyle/>
           <a:p>
+            <a:pPr marL="228600" lvl="1">
+              <a:spcBef>
+                <a:spcPts val="1000"/>
+              </a:spcBef>
+            </a:pPr>
+            <a:r>
+              <a:rPr lang="en-US" dirty="0"/>
+              <a:t>Advanced Example- </a:t>
+            </a:r>
+            <a:r>
+              <a:rPr lang="en-US" dirty="0">
+                <a:hlinkClick r:id="rId2"/>
+              </a:rPr>
+              <a:t>Map Projection</a:t>
+            </a:r>
             <a:r>
               <a:rPr lang="en-US" dirty="0" smtClean="0"/>
-              <a:t>Set up space for data-visualization chart</a:t>
-            </a:r>
-          </a:p>
-          <a:p>
-            <a:r>
-              <a:rPr lang="en-US" dirty="0" smtClean="0"/>
-              <a:t>Layer an X-axis and Y-axis</a:t>
-            </a:r>
-          </a:p>
-          <a:p>
-            <a:r>
-              <a:rPr lang="en-US" dirty="0" smtClean="0"/>
-              <a:t>Bind data to be able to reference in setup</a:t>
-            </a:r>
-          </a:p>
-          <a:p>
-            <a:r>
-              <a:rPr lang="en-US" dirty="0" smtClean="0"/>
-              <a:t>Set </a:t>
-            </a:r>
-            <a:r>
-              <a:rPr lang="en-US" dirty="0" err="1" smtClean="0"/>
-              <a:t>svg</a:t>
-            </a:r>
-            <a:r>
-              <a:rPr lang="en-US" dirty="0" smtClean="0"/>
-              <a:t> attributes to align with shape for graph</a:t>
-            </a:r>
-            <a:endParaRPr lang="en-US" dirty="0"/>
-          </a:p>
-        </p:txBody>
-      </p:sp>
+              <a:t>:</a:t>
+            </a:r>
+          </a:p>
+          <a:p>
+            <a:pPr marL="228600" lvl="1">
+              <a:spcBef>
+                <a:spcPts val="1000"/>
+              </a:spcBef>
+            </a:pPr>
+            <a:endParaRPr lang="en-US" dirty="0"/>
+          </a:p>
+        </p:txBody>
+      </p:sp>
+      <p:sp>
+        <p:nvSpPr>
+          <p:cNvPr id="4" name="TextBox 3"/>
+          <p:cNvSpPr txBox="1"/>
+          <p:nvPr/>
+        </p:nvSpPr>
+        <p:spPr>
+          <a:xfrm>
+            <a:off x="425669" y="5933175"/>
+            <a:ext cx="3121573" cy="246221"/>
+          </a:xfrm>
+          <a:prstGeom prst="rect">
+            <a:avLst/>
+          </a:prstGeom>
+          <a:noFill/>
+        </p:spPr>
+        <p:txBody>
+          <a:bodyPr wrap="square" rtlCol="0">
+            <a:spAutoFit/>
+          </a:bodyPr>
+          <a:lstStyle/>
+          <a:p>
+            <a:r>
+              <a:rPr lang="en-US" sz="1000" b="1" dirty="0">
+                <a:hlinkClick r:id="rId2"/>
+              </a:rPr>
+              <a:t>https://www.jasondavies.com/maps/transition/</a:t>
+            </a:r>
+            <a:endParaRPr lang="en-US" sz="1000" b="1" dirty="0"/>
+          </a:p>
+        </p:txBody>
+      </p:sp>
+      <p:pic>
+        <p:nvPicPr>
+          <p:cNvPr id="5" name="Picture 4"/>
+          <p:cNvPicPr>
+            <a:picLocks noChangeAspect="1"/>
+          </p:cNvPicPr>
+          <p:nvPr/>
+        </p:nvPicPr>
+        <p:blipFill>
+          <a:blip r:embed="rId3">
+            <a:extLst>
+              <a:ext uri="{28A0092B-C50C-407E-A947-70E740481C1C}">
+                <a14:useLocalDpi xmlns:a14="http://schemas.microsoft.com/office/drawing/2010/main" val="0"/>
+              </a:ext>
+            </a:extLst>
+          </a:blip>
+          <a:stretch>
+            <a:fillRect/>
+          </a:stretch>
+        </p:blipFill>
+        <p:spPr>
+          <a:xfrm>
+            <a:off x="5487251" y="2389300"/>
+            <a:ext cx="6298542" cy="3677410"/>
+          </a:xfrm>
+          <a:prstGeom prst="rect">
+            <a:avLst/>
+          </a:prstGeom>
+        </p:spPr>
+      </p:pic>
     </p:spTree>
     <p:extLst>
       <p:ext uri="{BB962C8B-B14F-4D97-AF65-F5344CB8AC3E}">
-        <p14:creationId xmlns:p14="http://schemas.microsoft.com/office/powerpoint/2010/main" val="760808082"/>
+        <p14:creationId xmlns:p14="http://schemas.microsoft.com/office/powerpoint/2010/main" val="1951952992"/>
       </p:ext>
     </p:extLst>
   </p:cSld>
@@ -8434,7 +8565,48 @@
           <a:p>
             <a:r>
               <a:rPr lang="en-US" dirty="0" smtClean="0"/>
-              <a:t>Basics: Creating an </a:t>
+              <a:t>Basics: Bar Graph Overview</a:t>
+            </a:r>
+            <a:endParaRPr lang="en-US" dirty="0"/>
+          </a:p>
+        </p:txBody>
+      </p:sp>
+      <p:sp>
+        <p:nvSpPr>
+          <p:cNvPr id="3" name="Content Placeholder 2"/>
+          <p:cNvSpPr>
+            <a:spLocks noGrp="1"/>
+          </p:cNvSpPr>
+          <p:nvPr>
+            <p:ph idx="1"/>
+          </p:nvPr>
+        </p:nvSpPr>
+        <p:spPr/>
+        <p:txBody>
+          <a:bodyPr/>
+          <a:lstStyle/>
+          <a:p>
+            <a:r>
+              <a:rPr lang="en-US" dirty="0" smtClean="0"/>
+              <a:t>Set up space for data-visualization chart</a:t>
+            </a:r>
+          </a:p>
+          <a:p>
+            <a:r>
+              <a:rPr lang="en-US" dirty="0" smtClean="0"/>
+              <a:t>Layer an X-axis and Y-axis</a:t>
+            </a:r>
+          </a:p>
+          <a:p>
+            <a:r>
+              <a:rPr lang="en-US" dirty="0" smtClean="0"/>
+              <a:t>Bind data to be able to reference in setup</a:t>
+            </a:r>
+          </a:p>
+          <a:p>
+            <a:r>
+              <a:rPr lang="en-US" dirty="0" smtClean="0"/>
+              <a:t>Set </a:t>
             </a:r>
             <a:r>
               <a:rPr lang="en-US" dirty="0" err="1" smtClean="0"/>
@@ -8442,198 +8614,16 @@
             </a:r>
             <a:r>
               <a:rPr lang="en-US" dirty="0" smtClean="0"/>
-              <a:t> canvas</a:t>
-            </a:r>
-            <a:endParaRPr lang="en-US" dirty="0"/>
-          </a:p>
-        </p:txBody>
-      </p:sp>
-      <p:pic>
-        <p:nvPicPr>
-          <p:cNvPr id="4" name="Content Placeholder 3"/>
-          <p:cNvPicPr>
-            <a:picLocks noGrp="1" noChangeAspect="1"/>
-          </p:cNvPicPr>
-          <p:nvPr>
-            <p:ph idx="1"/>
-          </p:nvPr>
-        </p:nvPicPr>
-        <p:blipFill rotWithShape="1">
-          <a:blip r:embed="rId2">
-            <a:extLst>
-              <a:ext uri="{28A0092B-C50C-407E-A947-70E740481C1C}">
-                <a14:useLocalDpi xmlns:a14="http://schemas.microsoft.com/office/drawing/2010/main" val="0"/>
-              </a:ext>
-            </a:extLst>
-          </a:blip>
-          <a:srcRect l="3423" t="3579" r="3354" b="5563"/>
-          <a:stretch/>
-        </p:blipFill>
-        <p:spPr>
-          <a:xfrm>
-            <a:off x="5867589" y="2165775"/>
-            <a:ext cx="6091050" cy="3944424"/>
-          </a:xfrm>
-        </p:spPr>
-      </p:pic>
-      <p:pic>
-        <p:nvPicPr>
-          <p:cNvPr id="5" name="Picture 4"/>
-          <p:cNvPicPr>
-            <a:picLocks noChangeAspect="1"/>
-          </p:cNvPicPr>
-          <p:nvPr/>
-        </p:nvPicPr>
-        <p:blipFill>
-          <a:blip r:embed="rId3">
-            <a:extLst>
-              <a:ext uri="{28A0092B-C50C-407E-A947-70E740481C1C}">
-                <a14:useLocalDpi xmlns:a14="http://schemas.microsoft.com/office/drawing/2010/main" val="0"/>
-              </a:ext>
-            </a:extLst>
-          </a:blip>
-          <a:stretch>
-            <a:fillRect/>
-          </a:stretch>
-        </p:blipFill>
-        <p:spPr>
-          <a:xfrm>
-            <a:off x="331787" y="3893010"/>
-            <a:ext cx="3820620" cy="1039932"/>
-          </a:xfrm>
-          <a:prstGeom prst="rect">
-            <a:avLst/>
-          </a:prstGeom>
-        </p:spPr>
-      </p:pic>
-      <p:sp>
-        <p:nvSpPr>
-          <p:cNvPr id="6" name="TextBox 5"/>
-          <p:cNvSpPr txBox="1"/>
-          <p:nvPr/>
-        </p:nvSpPr>
-        <p:spPr>
-          <a:xfrm>
-            <a:off x="263525" y="5004050"/>
-            <a:ext cx="4629150" cy="1200329"/>
-          </a:xfrm>
-          <a:prstGeom prst="rect">
-            <a:avLst/>
-          </a:prstGeom>
-          <a:noFill/>
-        </p:spPr>
-        <p:txBody>
-          <a:bodyPr wrap="square" rtlCol="0">
-            <a:spAutoFit/>
-          </a:bodyPr>
-          <a:lstStyle/>
-          <a:p>
-            <a:r>
-              <a:rPr lang="en-US" b="1" dirty="0" smtClean="0"/>
-              <a:t>Start by selecting parent element, then adding an </a:t>
-            </a:r>
-            <a:r>
-              <a:rPr lang="en-US" b="1" dirty="0" err="1" smtClean="0"/>
-              <a:t>svg</a:t>
-            </a:r>
-            <a:r>
-              <a:rPr lang="en-US" b="1" dirty="0" smtClean="0"/>
-              <a:t> element with append()</a:t>
-            </a:r>
-          </a:p>
-          <a:p>
-            <a:endParaRPr lang="en-US" b="1" dirty="0"/>
-          </a:p>
-          <a:p>
-            <a:r>
-              <a:rPr lang="en-US" b="1" dirty="0" smtClean="0"/>
-              <a:t>Then, set width and height</a:t>
-            </a:r>
-            <a:endParaRPr lang="en-US" b="1" dirty="0"/>
-          </a:p>
-        </p:txBody>
-      </p:sp>
-      <p:pic>
-        <p:nvPicPr>
-          <p:cNvPr id="7" name="Picture 6"/>
-          <p:cNvPicPr>
-            <a:picLocks noChangeAspect="1"/>
-          </p:cNvPicPr>
-          <p:nvPr/>
-        </p:nvPicPr>
-        <p:blipFill>
-          <a:blip r:embed="rId4">
-            <a:extLst>
-              <a:ext uri="{28A0092B-C50C-407E-A947-70E740481C1C}">
-                <a14:useLocalDpi xmlns:a14="http://schemas.microsoft.com/office/drawing/2010/main" val="0"/>
-              </a:ext>
-            </a:extLst>
-          </a:blip>
-          <a:stretch>
-            <a:fillRect/>
-          </a:stretch>
-        </p:blipFill>
-        <p:spPr>
-          <a:xfrm>
-            <a:off x="331787" y="2165775"/>
-            <a:ext cx="5351731" cy="1395626"/>
-          </a:xfrm>
-          <a:prstGeom prst="rect">
-            <a:avLst/>
-          </a:prstGeom>
-        </p:spPr>
-      </p:pic>
-      <p:sp>
-        <p:nvSpPr>
-          <p:cNvPr id="8" name="Frame 7"/>
-          <p:cNvSpPr/>
-          <p:nvPr/>
-        </p:nvSpPr>
-        <p:spPr>
-          <a:xfrm>
-            <a:off x="630936" y="2863588"/>
-            <a:ext cx="4919692" cy="257984"/>
-          </a:xfrm>
-          <a:prstGeom prst="frame">
-            <a:avLst/>
-          </a:prstGeom>
-          <a:solidFill>
-            <a:schemeClr val="tx1"/>
-          </a:solidFill>
-        </p:spPr>
-        <p:style>
-          <a:lnRef idx="2">
-            <a:schemeClr val="accent1">
-              <a:shade val="50000"/>
-            </a:schemeClr>
-          </a:lnRef>
-          <a:fillRef idx="1">
-            <a:schemeClr val="accent1"/>
-          </a:fillRef>
-          <a:effectRef idx="0">
-            <a:schemeClr val="accent1"/>
-          </a:effectRef>
-          <a:fontRef idx="minor">
-            <a:schemeClr val="lt1"/>
-          </a:fontRef>
-        </p:style>
-        <p:txBody>
-          <a:bodyPr rtlCol="0" anchor="ctr"/>
-          <a:lstStyle/>
-          <a:p>
-            <a:pPr algn="ctr"/>
-            <a:endParaRPr lang="en-US">
-              <a:solidFill>
-                <a:schemeClr val="tx1"/>
-              </a:solidFill>
-            </a:endParaRPr>
+              <a:t> attributes to align with shape for graph</a:t>
+            </a:r>
+            <a:endParaRPr lang="en-US" dirty="0"/>
           </a:p>
         </p:txBody>
       </p:sp>
     </p:spTree>
     <p:extLst>
       <p:ext uri="{BB962C8B-B14F-4D97-AF65-F5344CB8AC3E}">
-        <p14:creationId xmlns:p14="http://schemas.microsoft.com/office/powerpoint/2010/main" val="527472511"/>
+        <p14:creationId xmlns:p14="http://schemas.microsoft.com/office/powerpoint/2010/main" val="760808082"/>
       </p:ext>
     </p:extLst>
   </p:cSld>
@@ -8684,7 +8674,15 @@
           <a:p>
             <a:r>
               <a:rPr lang="en-US" dirty="0" smtClean="0"/>
-              <a:t>Basics: Making an axis</a:t>
+              <a:t>Basics: Creating an </a:t>
+            </a:r>
+            <a:r>
+              <a:rPr lang="en-US" dirty="0" err="1" smtClean="0"/>
+              <a:t>svg</a:t>
+            </a:r>
+            <a:r>
+              <a:rPr lang="en-US" dirty="0" smtClean="0"/>
+              <a:t> canvas</a:t>
             </a:r>
             <a:endParaRPr lang="en-US" dirty="0"/>
           </a:p>
@@ -8692,13 +8690,15 @@
       </p:sp>
       <p:pic>
         <p:nvPicPr>
-          <p:cNvPr id="9" name="Picture 8"/>
+          <p:cNvPr id="4" name="Content Placeholder 3"/>
           <p:cNvPicPr>
-            <a:picLocks noChangeAspect="1"/>
+            <a:picLocks noGrp="1" noChangeAspect="1"/>
           </p:cNvPicPr>
-          <p:nvPr/>
+          <p:nvPr>
+            <p:ph idx="1"/>
+          </p:nvPr>
         </p:nvPicPr>
-        <p:blipFill>
+        <p:blipFill rotWithShape="1">
           <a:blip r:embed="rId2">
             <a:extLst>
               <a:ext uri="{28A0092B-C50C-407E-A947-70E740481C1C}">
@@ -8706,53 +8706,19 @@
               </a:ext>
             </a:extLst>
           </a:blip>
-          <a:stretch>
-            <a:fillRect/>
-          </a:stretch>
+          <a:srcRect l="3423" t="3579" r="3354" b="5563"/>
+          <a:stretch/>
         </p:blipFill>
         <p:spPr>
           <a:xfrm>
-            <a:off x="680321" y="2165796"/>
-            <a:ext cx="6464300" cy="1836449"/>
-          </a:xfrm>
-          <a:prstGeom prst="rect">
-            <a:avLst/>
-          </a:prstGeom>
+            <a:off x="5867589" y="2165775"/>
+            <a:ext cx="6091050" cy="3944424"/>
+          </a:xfrm>
         </p:spPr>
       </p:pic>
-      <p:sp>
-        <p:nvSpPr>
-          <p:cNvPr id="12" name="TextBox 11"/>
-          <p:cNvSpPr txBox="1"/>
-          <p:nvPr/>
-        </p:nvSpPr>
-        <p:spPr>
-          <a:xfrm>
-            <a:off x="680321" y="4503839"/>
-            <a:ext cx="3900487" cy="923330"/>
-          </a:xfrm>
-          <a:prstGeom prst="rect">
-            <a:avLst/>
-          </a:prstGeom>
-          <a:noFill/>
-        </p:spPr>
-        <p:txBody>
-          <a:bodyPr wrap="square" rtlCol="0">
-            <a:spAutoFit/>
-          </a:bodyPr>
-          <a:lstStyle/>
-          <a:p>
-            <a:r>
-              <a:rPr lang="en-US" b="1" dirty="0" smtClean="0"/>
-              <a:t>Create scales that the axis can reference (and the attributes later on)</a:t>
-            </a:r>
-            <a:endParaRPr lang="en-US" b="1" dirty="0"/>
-          </a:p>
-        </p:txBody>
-      </p:sp>
       <p:pic>
         <p:nvPicPr>
-          <p:cNvPr id="8" name="Picture 7"/>
+          <p:cNvPr id="5" name="Picture 4"/>
           <p:cNvPicPr>
             <a:picLocks noChangeAspect="1"/>
           </p:cNvPicPr>
@@ -8772,8 +8738,8 @@
         </p:blipFill>
         <p:spPr>
           <a:xfrm>
-            <a:off x="5174470" y="3502152"/>
-            <a:ext cx="6168334" cy="2974225"/>
+            <a:off x="331787" y="3893010"/>
+            <a:ext cx="3820620" cy="1039932"/>
           </a:xfrm>
           <a:prstGeom prst="rect">
             <a:avLst/>
@@ -8782,14 +8748,91 @@
       </p:pic>
       <p:sp>
         <p:nvSpPr>
-          <p:cNvPr id="13" name="Frame 12"/>
+          <p:cNvPr id="6" name="TextBox 5"/>
+          <p:cNvSpPr txBox="1"/>
+          <p:nvPr/>
+        </p:nvSpPr>
+        <p:spPr>
+          <a:xfrm>
+            <a:off x="263525" y="5004050"/>
+            <a:ext cx="4629150" cy="1200329"/>
+          </a:xfrm>
+          <a:prstGeom prst="rect">
+            <a:avLst/>
+          </a:prstGeom>
+          <a:noFill/>
+        </p:spPr>
+        <p:txBody>
+          <a:bodyPr wrap="square" rtlCol="0">
+            <a:spAutoFit/>
+          </a:bodyPr>
+          <a:lstStyle/>
+          <a:p>
+            <a:r>
+              <a:rPr lang="en-US" b="1" dirty="0" smtClean="0"/>
+              <a:t>Start by selecting parent element, then adding an </a:t>
+            </a:r>
+            <a:r>
+              <a:rPr lang="en-US" b="1" dirty="0" err="1" smtClean="0"/>
+              <a:t>svg</a:t>
+            </a:r>
+            <a:r>
+              <a:rPr lang="en-US" b="1" dirty="0" smtClean="0"/>
+              <a:t> element with append()</a:t>
+            </a:r>
+          </a:p>
+          <a:p>
+            <a:endParaRPr lang="en-US" b="1" dirty="0"/>
+          </a:p>
+          <a:p>
+            <a:r>
+              <a:rPr lang="en-US" b="1" dirty="0" smtClean="0"/>
+              <a:t>Then, set width and height</a:t>
+            </a:r>
+            <a:endParaRPr lang="en-US" b="1" dirty="0"/>
+          </a:p>
+        </p:txBody>
+      </p:sp>
+      <p:pic>
+        <p:nvPicPr>
+          <p:cNvPr id="7" name="Picture 6"/>
+          <p:cNvPicPr>
+            <a:picLocks noChangeAspect="1"/>
+          </p:cNvPicPr>
+          <p:nvPr/>
+        </p:nvPicPr>
+        <p:blipFill>
+          <a:blip r:embed="rId4">
+            <a:extLst>
+              <a:ext uri="{28A0092B-C50C-407E-A947-70E740481C1C}">
+                <a14:useLocalDpi xmlns:a14="http://schemas.microsoft.com/office/drawing/2010/main" val="0"/>
+              </a:ext>
+            </a:extLst>
+          </a:blip>
+          <a:stretch>
+            <a:fillRect/>
+          </a:stretch>
+        </p:blipFill>
+        <p:spPr>
+          <a:xfrm>
+            <a:off x="331787" y="2165775"/>
+            <a:ext cx="5351731" cy="1395626"/>
+          </a:xfrm>
+          <a:prstGeom prst="rect">
+            <a:avLst/>
+          </a:prstGeom>
+        </p:spPr>
+      </p:pic>
+      <p:sp>
+        <p:nvSpPr>
+          <p:cNvPr id="8" name="Frame 7"/>
           <p:cNvSpPr/>
           <p:nvPr/>
         </p:nvSpPr>
         <p:spPr>
           <a:xfrm>
-            <a:off x="6858000" y="4480560"/>
-            <a:ext cx="1528763" cy="253899"/>
+            <a:off x="630936" y="2863588"/>
+            <a:ext cx="4919692" cy="257984"/>
           </a:xfrm>
           <a:prstGeom prst="frame">
             <a:avLst/>
@@ -8827,57 +8870,10 @@
           </a:p>
         </p:txBody>
       </p:sp>
-      <p:sp>
-        <p:nvSpPr>
-          <p:cNvPr id="14" name="Frame 13"/>
-          <p:cNvSpPr/>
-          <p:nvPr/>
-        </p:nvSpPr>
-        <p:spPr>
-          <a:xfrm>
-            <a:off x="6858000" y="5943865"/>
-            <a:ext cx="1528763" cy="253899"/>
-          </a:xfrm>
-          <a:prstGeom prst="frame">
-            <a:avLst/>
-          </a:prstGeom>
-          <a:solidFill>
-            <a:schemeClr val="tx1"/>
-          </a:solidFill>
-        </p:spPr>
-        <p:style>
-          <a:lnRef idx="2">
-            <a:schemeClr val="accent1">
-              <a:shade val="50000"/>
-            </a:schemeClr>
-          </a:lnRef>
-          <a:fillRef idx="1">
-            <a:schemeClr val="accent1"/>
-          </a:fillRef>
-          <a:effectRef idx="0">
-            <a:schemeClr val="accent1"/>
-          </a:effectRef>
-          <a:fontRef idx="minor">
-            <a:schemeClr val="lt1"/>
-          </a:fontRef>
-        </p:style>
-        <p:txBody>
-          <a:bodyPr rtlCol="0" anchor="ctr"/>
-          <a:lstStyle/>
-          <a:p>
-            <a:pPr algn="ctr"/>
-            <a:endParaRPr lang="en-US">
-              <a:solidFill>
-                <a:schemeClr val="tx1"/>
-              </a:solidFill>
-            </a:endParaRPr>
-          </a:p>
-        </p:txBody>
-      </p:sp>
     </p:spTree>
     <p:extLst>
       <p:ext uri="{BB962C8B-B14F-4D97-AF65-F5344CB8AC3E}">
-        <p14:creationId xmlns:p14="http://schemas.microsoft.com/office/powerpoint/2010/main" val="1506672357"/>
+        <p14:creationId xmlns:p14="http://schemas.microsoft.com/office/powerpoint/2010/main" val="527472511"/>
       </p:ext>
     </p:extLst>
   </p:cSld>
@@ -8936,7 +8932,7 @@
       </p:sp>
       <p:pic>
         <p:nvPicPr>
-          <p:cNvPr id="4" name="Content Placeholder 6"/>
+          <p:cNvPr id="9" name="Picture 8"/>
           <p:cNvPicPr>
             <a:picLocks noChangeAspect="1"/>
           </p:cNvPicPr>
@@ -8956,23 +8952,53 @@
         </p:blipFill>
         <p:spPr>
           <a:xfrm>
-            <a:off x="680321" y="2211067"/>
-            <a:ext cx="4699000" cy="2768600"/>
+            <a:off x="680321" y="2165796"/>
+            <a:ext cx="6464300" cy="1836449"/>
           </a:xfrm>
           <a:prstGeom prst="rect">
             <a:avLst/>
           </a:prstGeom>
         </p:spPr>
       </p:pic>
+      <p:sp>
+        <p:nvSpPr>
+          <p:cNvPr id="12" name="TextBox 11"/>
+          <p:cNvSpPr txBox="1"/>
+          <p:nvPr/>
+        </p:nvSpPr>
+        <p:spPr>
+          <a:xfrm>
+            <a:off x="680321" y="4503839"/>
+            <a:ext cx="3900487" cy="923330"/>
+          </a:xfrm>
+          <a:prstGeom prst="rect">
+            <a:avLst/>
+          </a:prstGeom>
+          <a:noFill/>
+        </p:spPr>
+        <p:txBody>
+          <a:bodyPr wrap="square" rtlCol="0">
+            <a:spAutoFit/>
+          </a:bodyPr>
+          <a:lstStyle/>
+          <a:p>
+            <a:r>
+              <a:rPr lang="en-US" b="1" dirty="0" smtClean="0"/>
+              <a:t>Create scales that the axis can reference (and the attributes later on)</a:t>
+            </a:r>
+            <a:endParaRPr lang="en-US" b="1" dirty="0"/>
+          </a:p>
+        </p:txBody>
+      </p:sp>
       <p:pic>
         <p:nvPicPr>
-          <p:cNvPr id="5" name="Picture 4"/>
+          <p:cNvPr id="8" name="Picture 7"/>
           <p:cNvPicPr>
             <a:picLocks noChangeAspect="1"/>
           </p:cNvPicPr>
           <p:nvPr/>
         </p:nvPicPr>
-        <p:blipFill rotWithShape="1">
+        <p:blipFill>
           <a:blip r:embed="rId3">
             <a:extLst>
               <a:ext uri="{28A0092B-C50C-407E-A947-70E740481C1C}">
@@ -8980,13 +9006,14 @@
               </a:ext>
             </a:extLst>
           </a:blip>
-          <a:srcRect l="3365" t="4051" r="3473" b="5715"/>
-          <a:stretch/>
+          <a:stretch>
+            <a:fillRect/>
+          </a:stretch>
         </p:blipFill>
         <p:spPr>
           <a:xfrm>
-            <a:off x="5659821" y="2211067"/>
-            <a:ext cx="6191733" cy="3984781"/>
+            <a:off x="5174470" y="3502152"/>
+            <a:ext cx="6168334" cy="2974225"/>
           </a:xfrm>
           <a:prstGeom prst="rect">
             <a:avLst/>
@@ -8995,38 +9022,102 @@
       </p:pic>
       <p:sp>
         <p:nvSpPr>
-          <p:cNvPr id="6" name="TextBox 5"/>
-          <p:cNvSpPr txBox="1"/>
-          <p:nvPr/>
-        </p:nvSpPr>
-        <p:spPr>
-          <a:xfrm>
-            <a:off x="680321" y="5312979"/>
-            <a:ext cx="4699000" cy="923330"/>
-          </a:xfrm>
-          <a:prstGeom prst="rect">
-            <a:avLst/>
-          </a:prstGeom>
-          <a:noFill/>
-        </p:spPr>
-        <p:txBody>
-          <a:bodyPr wrap="square" rtlCol="0">
-            <a:spAutoFit/>
-          </a:bodyPr>
-          <a:lstStyle/>
-          <a:p>
-            <a:r>
-              <a:rPr lang="en-US" b="1" dirty="0" smtClean="0"/>
-              <a:t>Call the axis’ by adding a general “g” element (most common). Use CSS transform to get the axis in view.</a:t>
-            </a:r>
-            <a:endParaRPr lang="en-US" b="1" dirty="0"/>
+          <p:cNvPr id="13" name="Frame 12"/>
+          <p:cNvSpPr/>
+          <p:nvPr/>
+        </p:nvSpPr>
+        <p:spPr>
+          <a:xfrm>
+            <a:off x="6858000" y="4480560"/>
+            <a:ext cx="1528763" cy="253899"/>
+          </a:xfrm>
+          <a:prstGeom prst="frame">
+            <a:avLst/>
+          </a:prstGeom>
+          <a:solidFill>
+            <a:schemeClr val="tx1"/>
+          </a:solidFill>
+        </p:spPr>
+        <p:style>
+          <a:lnRef idx="2">
+            <a:schemeClr val="accent1">
+              <a:shade val="50000"/>
+            </a:schemeClr>
+          </a:lnRef>
+          <a:fillRef idx="1">
+            <a:schemeClr val="accent1"/>
+          </a:fillRef>
+          <a:effectRef idx="0">
+            <a:schemeClr val="accent1"/>
+          </a:effectRef>
+          <a:fontRef idx="minor">
+            <a:schemeClr val="lt1"/>
+          </a:fontRef>
+        </p:style>
+        <p:txBody>
+          <a:bodyPr rtlCol="0" anchor="ctr"/>
+          <a:lstStyle/>
+          <a:p>
+            <a:pPr algn="ctr"/>
+            <a:endParaRPr lang="en-US">
+              <a:solidFill>
+                <a:schemeClr val="tx1"/>
+              </a:solidFill>
+            </a:endParaRPr>
+          </a:p>
+        </p:txBody>
+      </p:sp>
+      <p:sp>
+        <p:nvSpPr>
+          <p:cNvPr id="14" name="Frame 13"/>
+          <p:cNvSpPr/>
+          <p:nvPr/>
+        </p:nvSpPr>
+        <p:spPr>
+          <a:xfrm>
+            <a:off x="6858000" y="5943865"/>
+            <a:ext cx="1528763" cy="253899"/>
+          </a:xfrm>
+          <a:prstGeom prst="frame">
+            <a:avLst/>
+          </a:prstGeom>
+          <a:solidFill>
+            <a:schemeClr val="tx1"/>
+          </a:solidFill>
+        </p:spPr>
+        <p:style>
+          <a:lnRef idx="2">
+            <a:schemeClr val="accent1">
+              <a:shade val="50000"/>
+            </a:schemeClr>
+          </a:lnRef>
+          <a:fillRef idx="1">
+            <a:schemeClr val="accent1"/>
+          </a:fillRef>
+          <a:effectRef idx="0">
+            <a:schemeClr val="accent1"/>
+          </a:effectRef>
+          <a:fontRef idx="minor">
+            <a:schemeClr val="lt1"/>
+          </a:fontRef>
+        </p:style>
+        <p:txBody>
+          <a:bodyPr rtlCol="0" anchor="ctr"/>
+          <a:lstStyle/>
+          <a:p>
+            <a:pPr algn="ctr"/>
+            <a:endParaRPr lang="en-US">
+              <a:solidFill>
+                <a:schemeClr val="tx1"/>
+              </a:solidFill>
+            </a:endParaRPr>
           </a:p>
         </p:txBody>
       </p:sp>
     </p:spTree>
     <p:extLst>
       <p:ext uri="{BB962C8B-B14F-4D97-AF65-F5344CB8AC3E}">
-        <p14:creationId xmlns:p14="http://schemas.microsoft.com/office/powerpoint/2010/main" val="263757961"/>
+        <p14:creationId xmlns:p14="http://schemas.microsoft.com/office/powerpoint/2010/main" val="1506672357"/>
       </p:ext>
     </p:extLst>
   </p:cSld>
@@ -9077,15 +9168,7 @@
           <a:p>
             <a:r>
               <a:rPr lang="en-US" dirty="0" smtClean="0"/>
-              <a:t>Basics: Binding </a:t>
-            </a:r>
-            <a:r>
-              <a:rPr lang="en-US" dirty="0"/>
-              <a:t>D</a:t>
-            </a:r>
-            <a:r>
-              <a:rPr lang="en-US" dirty="0" smtClean="0"/>
-              <a:t>ata</a:t>
+              <a:t>Basics: Making an axis</a:t>
             </a:r>
             <a:endParaRPr lang="en-US" dirty="0"/>
           </a:p>
@@ -9093,13 +9176,11 @@
       </p:sp>
       <p:pic>
         <p:nvPicPr>
-          <p:cNvPr id="4" name="Content Placeholder 3"/>
+          <p:cNvPr id="4" name="Content Placeholder 6"/>
           <p:cNvPicPr>
-            <a:picLocks noGrp="1" noChangeAspect="1"/>
+            <a:picLocks noChangeAspect="1"/>
           </p:cNvPicPr>
-          <p:nvPr>
-            <p:ph idx="1"/>
-          </p:nvPr>
+          <p:nvPr/>
         </p:nvPicPr>
         <p:blipFill>
           <a:blip r:embed="rId2">
@@ -9115,21 +9196,53 @@
         </p:blipFill>
         <p:spPr>
           <a:xfrm>
-            <a:off x="680321" y="2390856"/>
-            <a:ext cx="7493000" cy="1409700"/>
-          </a:xfrm>
+            <a:off x="680321" y="2211067"/>
+            <a:ext cx="4699000" cy="2768600"/>
+          </a:xfrm>
+          <a:prstGeom prst="rect">
+            <a:avLst/>
+          </a:prstGeom>
         </p:spPr>
       </p:pic>
-      <p:sp>
-        <p:nvSpPr>
-          <p:cNvPr id="5" name="TextBox 4"/>
+      <p:pic>
+        <p:nvPicPr>
+          <p:cNvPr id="5" name="Picture 4"/>
+          <p:cNvPicPr>
+            <a:picLocks noChangeAspect="1"/>
+          </p:cNvPicPr>
+          <p:nvPr/>
+        </p:nvPicPr>
+        <p:blipFill rotWithShape="1">
+          <a:blip r:embed="rId3">
+            <a:extLst>
+              <a:ext uri="{28A0092B-C50C-407E-A947-70E740481C1C}">
+                <a14:useLocalDpi xmlns:a14="http://schemas.microsoft.com/office/drawing/2010/main" val="0"/>
+              </a:ext>
+            </a:extLst>
+          </a:blip>
+          <a:srcRect l="3365" t="4051" r="3473" b="5715"/>
+          <a:stretch/>
+        </p:blipFill>
+        <p:spPr>
+          <a:xfrm>
+            <a:off x="5659821" y="2211067"/>
+            <a:ext cx="6191733" cy="3984781"/>
+          </a:xfrm>
+          <a:prstGeom prst="rect">
+            <a:avLst/>
+          </a:prstGeom>
+        </p:spPr>
+      </p:pic>
+      <p:sp>
+        <p:nvSpPr>
+          <p:cNvPr id="6" name="TextBox 5"/>
           <p:cNvSpPr txBox="1"/>
           <p:nvPr/>
         </p:nvSpPr>
         <p:spPr>
           <a:xfrm>
-            <a:off x="680321" y="4357246"/>
-            <a:ext cx="8103476" cy="1477328"/>
+            <a:off x="680321" y="5312979"/>
+            <a:ext cx="4699000" cy="923330"/>
           </a:xfrm>
           <a:prstGeom prst="rect">
             <a:avLst/>
@@ -9144,20 +9257,7 @@
           <a:p>
             <a:r>
               <a:rPr lang="en-US" b="1" dirty="0" smtClean="0"/>
-              <a:t>Data() will bind an array of data, allowing for shapes to be created using the given array.</a:t>
-            </a:r>
-          </a:p>
-          <a:p>
-            <a:endParaRPr lang="en-US" b="1" dirty="0"/>
-          </a:p>
-          <a:p>
-            <a:r>
-              <a:rPr lang="en-US" b="1" dirty="0" err="1" smtClean="0"/>
-              <a:t>selectAll</a:t>
-            </a:r>
-            <a:r>
-              <a:rPr lang="en-US" b="1" dirty="0" smtClean="0"/>
-              <a:t>() will bind the data to all elements with the class of “bar” (before we have created the class itself)</a:t>
+              <a:t>Call the axis’ by adding a general “g” element (most common). Use CSS transform to get the axis in view.</a:t>
             </a:r>
             <a:endParaRPr lang="en-US" b="1" dirty="0"/>
           </a:p>
@@ -9166,7 +9266,7 @@
     </p:spTree>
     <p:extLst>
       <p:ext uri="{BB962C8B-B14F-4D97-AF65-F5344CB8AC3E}">
-        <p14:creationId xmlns:p14="http://schemas.microsoft.com/office/powerpoint/2010/main" val="844762753"/>
+        <p14:creationId xmlns:p14="http://schemas.microsoft.com/office/powerpoint/2010/main" val="263757961"/>
       </p:ext>
     </p:extLst>
   </p:cSld>
@@ -9212,76 +9312,20 @@
         </p:nvSpPr>
         <p:spPr/>
         <p:txBody>
-          <a:bodyPr>
-            <a:normAutofit/>
-          </a:bodyPr>
+          <a:bodyPr/>
           <a:lstStyle/>
           <a:p>
             <a:r>
               <a:rPr lang="en-US" dirty="0" smtClean="0"/>
-              <a:t>Basics: Using </a:t>
-            </a:r>
-            <a:r>
-              <a:rPr lang="en-US" dirty="0" err="1" smtClean="0"/>
-              <a:t>svg</a:t>
+              <a:t>Basics: Binding </a:t>
+            </a:r>
+            <a:r>
+              <a:rPr lang="en-US" dirty="0"/>
+              <a:t>D</a:t>
             </a:r>
             <a:r>
               <a:rPr lang="en-US" dirty="0" smtClean="0"/>
-              <a:t> Rules to Create </a:t>
-            </a:r>
-            <a:r>
-              <a:rPr lang="en-US" dirty="0"/>
-              <a:t>S</a:t>
-            </a:r>
-            <a:r>
-              <a:rPr lang="en-US" dirty="0" smtClean="0"/>
-              <a:t>hapes I.</a:t>
-            </a:r>
-            <a:endParaRPr lang="en-US" dirty="0"/>
-          </a:p>
-        </p:txBody>
-      </p:sp>
-      <p:sp>
-        <p:nvSpPr>
-          <p:cNvPr id="8" name="Content Placeholder 7"/>
-          <p:cNvSpPr>
-            <a:spLocks noGrp="1"/>
-          </p:cNvSpPr>
-          <p:nvPr>
-            <p:ph sz="half" idx="1"/>
-          </p:nvPr>
-        </p:nvSpPr>
-        <p:spPr/>
-        <p:txBody>
-          <a:bodyPr/>
-          <a:lstStyle/>
-          <a:p>
-            <a:r>
-              <a:rPr lang="en-US" dirty="0" smtClean="0"/>
-              <a:t> Attributes of shape</a:t>
-            </a:r>
-            <a:endParaRPr lang="en-US" dirty="0"/>
-          </a:p>
-        </p:txBody>
-      </p:sp>
-      <p:sp>
-        <p:nvSpPr>
-          <p:cNvPr id="9" name="Content Placeholder 8"/>
-          <p:cNvSpPr>
-            <a:spLocks noGrp="1"/>
-          </p:cNvSpPr>
-          <p:nvPr>
-            <p:ph sz="half" idx="2"/>
-          </p:nvPr>
-        </p:nvSpPr>
-        <p:spPr/>
-        <p:txBody>
-          <a:bodyPr/>
-          <a:lstStyle/>
-          <a:p>
-            <a:r>
-              <a:rPr lang="en-US" dirty="0" smtClean="0"/>
-              <a:t>Resulting shape</a:t>
+              <a:t>ata</a:t>
             </a:r>
             <a:endParaRPr lang="en-US" dirty="0"/>
           </a:p>
@@ -9289,11 +9333,13 @@
       </p:sp>
       <p:pic>
         <p:nvPicPr>
-          <p:cNvPr id="10" name="Picture 9"/>
+          <p:cNvPr id="4" name="Content Placeholder 3"/>
           <p:cNvPicPr>
-            <a:picLocks noChangeAspect="1"/>
+            <a:picLocks noGrp="1" noChangeAspect="1"/>
           </p:cNvPicPr>
-          <p:nvPr/>
+          <p:nvPr>
+            <p:ph idx="1"/>
+          </p:nvPr>
         </p:nvPicPr>
         <p:blipFill>
           <a:blip r:embed="rId2">
@@ -9309,194 +9355,58 @@
         </p:blipFill>
         <p:spPr>
           <a:xfrm>
-            <a:off x="979864" y="2814418"/>
-            <a:ext cx="1911979" cy="1322113"/>
+            <a:off x="680321" y="2390856"/>
+            <a:ext cx="7493000" cy="1409700"/>
+          </a:xfrm>
+        </p:spPr>
+      </p:pic>
+      <p:sp>
+        <p:nvSpPr>
+          <p:cNvPr id="5" name="TextBox 4"/>
+          <p:cNvSpPr txBox="1"/>
+          <p:nvPr/>
+        </p:nvSpPr>
+        <p:spPr>
+          <a:xfrm>
+            <a:off x="680321" y="4357246"/>
+            <a:ext cx="8103476" cy="1477328"/>
           </a:xfrm>
           <a:prstGeom prst="rect">
             <a:avLst/>
           </a:prstGeom>
-        </p:spPr>
-      </p:pic>
-      <p:pic>
-        <p:nvPicPr>
-          <p:cNvPr id="11" name="Picture 10"/>
-          <p:cNvPicPr>
-            <a:picLocks noChangeAspect="1"/>
-          </p:cNvPicPr>
-          <p:nvPr/>
-        </p:nvPicPr>
-        <p:blipFill>
-          <a:blip r:embed="rId3">
-            <a:extLst>
-              <a:ext uri="{28A0092B-C50C-407E-A947-70E740481C1C}">
-                <a14:useLocalDpi xmlns:a14="http://schemas.microsoft.com/office/drawing/2010/main" val="0"/>
-              </a:ext>
-            </a:extLst>
-          </a:blip>
-          <a:stretch>
-            <a:fillRect/>
-          </a:stretch>
-        </p:blipFill>
-        <p:spPr>
-          <a:xfrm>
-            <a:off x="979864" y="4614076"/>
-            <a:ext cx="1917096" cy="1108807"/>
-          </a:xfrm>
-          <a:prstGeom prst="rect">
-            <a:avLst/>
-          </a:prstGeom>
-        </p:spPr>
-      </p:pic>
-      <p:pic>
-        <p:nvPicPr>
-          <p:cNvPr id="12" name="Picture 11"/>
-          <p:cNvPicPr>
-            <a:picLocks noChangeAspect="1"/>
-          </p:cNvPicPr>
-          <p:nvPr/>
-        </p:nvPicPr>
-        <p:blipFill>
-          <a:blip r:embed="rId4">
-            <a:extLst>
-              <a:ext uri="{28A0092B-C50C-407E-A947-70E740481C1C}">
-                <a14:useLocalDpi xmlns:a14="http://schemas.microsoft.com/office/drawing/2010/main" val="0"/>
-              </a:ext>
-            </a:extLst>
-          </a:blip>
-          <a:stretch>
-            <a:fillRect/>
-          </a:stretch>
-        </p:blipFill>
-        <p:spPr>
-          <a:xfrm>
-            <a:off x="5930741" y="2814417"/>
-            <a:ext cx="1385071" cy="1322113"/>
-          </a:xfrm>
-          <a:prstGeom prst="rect">
-            <a:avLst/>
-          </a:prstGeom>
-        </p:spPr>
-      </p:pic>
-      <p:pic>
-        <p:nvPicPr>
-          <p:cNvPr id="13" name="Picture 12"/>
-          <p:cNvPicPr>
-            <a:picLocks noChangeAspect="1"/>
-          </p:cNvPicPr>
-          <p:nvPr/>
-        </p:nvPicPr>
-        <p:blipFill>
-          <a:blip r:embed="rId5">
-            <a:extLst>
-              <a:ext uri="{28A0092B-C50C-407E-A947-70E740481C1C}">
-                <a14:useLocalDpi xmlns:a14="http://schemas.microsoft.com/office/drawing/2010/main" val="0"/>
-              </a:ext>
-            </a:extLst>
-          </a:blip>
-          <a:stretch>
-            <a:fillRect/>
-          </a:stretch>
-        </p:blipFill>
-        <p:spPr>
-          <a:xfrm>
-            <a:off x="5930740" y="4614074"/>
-            <a:ext cx="1118709" cy="1108809"/>
-          </a:xfrm>
-          <a:prstGeom prst="rect">
-            <a:avLst/>
-          </a:prstGeom>
-        </p:spPr>
-      </p:pic>
-      <p:sp>
-        <p:nvSpPr>
-          <p:cNvPr id="16" name="Right Arrow 15"/>
-          <p:cNvSpPr/>
-          <p:nvPr/>
-        </p:nvSpPr>
-        <p:spPr>
-          <a:xfrm>
-            <a:off x="3657600" y="3168869"/>
-            <a:ext cx="1721078" cy="551793"/>
-          </a:xfrm>
-          <a:prstGeom prst="rightArrow">
-            <a:avLst/>
-          </a:prstGeom>
-          <a:solidFill>
-            <a:schemeClr val="tx1"/>
-          </a:solidFill>
-        </p:spPr>
-        <p:style>
-          <a:lnRef idx="2">
-            <a:schemeClr val="accent1">
-              <a:shade val="50000"/>
-            </a:schemeClr>
-          </a:lnRef>
-          <a:fillRef idx="1">
-            <a:schemeClr val="accent1"/>
-          </a:fillRef>
-          <a:effectRef idx="0">
-            <a:schemeClr val="accent1"/>
-          </a:effectRef>
-          <a:fontRef idx="minor">
-            <a:schemeClr val="lt1"/>
-          </a:fontRef>
-        </p:style>
-        <p:txBody>
-          <a:bodyPr rtlCol="0" anchor="ctr"/>
-          <a:lstStyle/>
-          <a:p>
-            <a:pPr algn="ctr"/>
-            <a:endParaRPr lang="en-US"/>
-          </a:p>
-        </p:txBody>
-      </p:sp>
-      <p:sp>
-        <p:nvSpPr>
-          <p:cNvPr id="17" name="Right Arrow 16"/>
-          <p:cNvSpPr/>
-          <p:nvPr/>
-        </p:nvSpPr>
-        <p:spPr>
-          <a:xfrm>
-            <a:off x="3704737" y="4892581"/>
-            <a:ext cx="1721078" cy="551793"/>
-          </a:xfrm>
-          <a:prstGeom prst="rightArrow">
-            <a:avLst/>
-          </a:prstGeom>
-          <a:solidFill>
-            <a:schemeClr val="tx1"/>
-          </a:solidFill>
-        </p:spPr>
-        <p:style>
-          <a:lnRef idx="2">
-            <a:schemeClr val="accent1">
-              <a:shade val="50000"/>
-            </a:schemeClr>
-          </a:lnRef>
-          <a:fillRef idx="1">
-            <a:schemeClr val="accent1"/>
-          </a:fillRef>
-          <a:effectRef idx="0">
-            <a:schemeClr val="accent1"/>
-          </a:effectRef>
-          <a:fontRef idx="minor">
-            <a:schemeClr val="lt1"/>
-          </a:fontRef>
-        </p:style>
-        <p:txBody>
-          <a:bodyPr rtlCol="0" anchor="ctr"/>
-          <a:lstStyle/>
-          <a:p>
-            <a:pPr algn="ctr"/>
-            <a:endParaRPr lang="en-US"/>
+          <a:noFill/>
+        </p:spPr>
+        <p:txBody>
+          <a:bodyPr wrap="square" rtlCol="0">
+            <a:spAutoFit/>
+          </a:bodyPr>
+          <a:lstStyle/>
+          <a:p>
+            <a:r>
+              <a:rPr lang="en-US" b="1" dirty="0" smtClean="0"/>
+              <a:t>Data() will bind an array of data, allowing for shapes to be created using the given array.</a:t>
+            </a:r>
+          </a:p>
+          <a:p>
+            <a:endParaRPr lang="en-US" b="1" dirty="0"/>
+          </a:p>
+          <a:p>
+            <a:r>
+              <a:rPr lang="en-US" b="1" dirty="0" err="1" smtClean="0"/>
+              <a:t>selectAll</a:t>
+            </a:r>
+            <a:r>
+              <a:rPr lang="en-US" b="1" dirty="0" smtClean="0"/>
+              <a:t>() will bind the data to all elements with the class of “bar” (before we have created the class itself)</a:t>
+            </a:r>
+            <a:endParaRPr lang="en-US" b="1" dirty="0"/>
           </a:p>
         </p:txBody>
       </p:sp>
     </p:spTree>
     <p:extLst>
       <p:ext uri="{BB962C8B-B14F-4D97-AF65-F5344CB8AC3E}">
-        <p14:creationId xmlns:p14="http://schemas.microsoft.com/office/powerpoint/2010/main" val="1146929560"/>
+        <p14:creationId xmlns:p14="http://schemas.microsoft.com/office/powerpoint/2010/main" val="844762753"/>
       </p:ext>
     </p:extLst>
   </p:cSld>
@@ -9565,20 +9475,20 @@
             </a:r>
             <a:r>
               <a:rPr lang="en-US" dirty="0" smtClean="0"/>
-              <a:t>hapes II.</a:t>
-            </a:r>
-            <a:endParaRPr lang="en-US" dirty="0"/>
-          </a:p>
-        </p:txBody>
-      </p:sp>
-      <p:sp>
-        <p:nvSpPr>
-          <p:cNvPr id="3" name="Content Placeholder 2"/>
-          <p:cNvSpPr>
-            <a:spLocks noGrp="1"/>
-          </p:cNvSpPr>
-          <p:nvPr>
-            <p:ph idx="1"/>
+              <a:t>hapes I.</a:t>
+            </a:r>
+            <a:endParaRPr lang="en-US" dirty="0"/>
+          </a:p>
+        </p:txBody>
+      </p:sp>
+      <p:sp>
+        <p:nvSpPr>
+          <p:cNvPr id="8" name="Content Placeholder 7"/>
+          <p:cNvSpPr>
+            <a:spLocks noGrp="1"/>
+          </p:cNvSpPr>
+          <p:nvPr>
+            <p:ph sz="half" idx="1"/>
           </p:nvPr>
         </p:nvSpPr>
         <p:spPr/>
@@ -9587,24 +9497,39 @@
           <a:lstStyle/>
           <a:p>
             <a:r>
-              <a:rPr lang="en-US" u="sng" dirty="0" smtClean="0"/>
-              <a:t>SVG elements with </a:t>
-            </a:r>
-            <a:r>
-              <a:rPr lang="en-US" u="sng" dirty="0" err="1" smtClean="0"/>
-              <a:t>binded</a:t>
-            </a:r>
-            <a:r>
-              <a:rPr lang="en-US" u="sng" dirty="0" smtClean="0"/>
-              <a:t> data to iterate shapes</a:t>
-            </a:r>
-            <a:endParaRPr lang="en-US" u="sng" dirty="0"/>
+              <a:rPr lang="en-US" dirty="0" smtClean="0"/>
+              <a:t> Attributes of shape</a:t>
+            </a:r>
+            <a:endParaRPr lang="en-US" dirty="0"/>
+          </a:p>
+        </p:txBody>
+      </p:sp>
+      <p:sp>
+        <p:nvSpPr>
+          <p:cNvPr id="9" name="Content Placeholder 8"/>
+          <p:cNvSpPr>
+            <a:spLocks noGrp="1"/>
+          </p:cNvSpPr>
+          <p:nvPr>
+            <p:ph sz="half" idx="2"/>
+          </p:nvPr>
+        </p:nvSpPr>
+        <p:spPr/>
+        <p:txBody>
+          <a:bodyPr/>
+          <a:lstStyle/>
+          <a:p>
+            <a:r>
+              <a:rPr lang="en-US" dirty="0" smtClean="0"/>
+              <a:t>Resulting shape</a:t>
+            </a:r>
+            <a:endParaRPr lang="en-US" dirty="0"/>
           </a:p>
         </p:txBody>
       </p:sp>
       <p:pic>
         <p:nvPicPr>
-          <p:cNvPr id="4" name="Picture 3"/>
+          <p:cNvPr id="10" name="Picture 9"/>
           <p:cNvPicPr>
             <a:picLocks noChangeAspect="1"/>
           </p:cNvPicPr>
@@ -9624,152 +9549,116 @@
         </p:blipFill>
         <p:spPr>
           <a:xfrm>
-            <a:off x="810610" y="2995793"/>
-            <a:ext cx="6172813" cy="2016036"/>
+            <a:off x="979864" y="2814418"/>
+            <a:ext cx="1911979" cy="1322113"/>
           </a:xfrm>
           <a:prstGeom prst="rect">
             <a:avLst/>
           </a:prstGeom>
         </p:spPr>
       </p:pic>
-      <p:sp>
-        <p:nvSpPr>
-          <p:cNvPr id="5" name="TextBox 4"/>
-          <p:cNvSpPr txBox="1"/>
-          <p:nvPr/>
-        </p:nvSpPr>
-        <p:spPr>
-          <a:xfrm>
-            <a:off x="7113714" y="2904631"/>
-            <a:ext cx="4600065" cy="646331"/>
+      <p:pic>
+        <p:nvPicPr>
+          <p:cNvPr id="11" name="Picture 10"/>
+          <p:cNvPicPr>
+            <a:picLocks noChangeAspect="1"/>
+          </p:cNvPicPr>
+          <p:nvPr/>
+        </p:nvPicPr>
+        <p:blipFill>
+          <a:blip r:embed="rId3">
+            <a:extLst>
+              <a:ext uri="{28A0092B-C50C-407E-A947-70E740481C1C}">
+                <a14:useLocalDpi xmlns:a14="http://schemas.microsoft.com/office/drawing/2010/main" val="0"/>
+              </a:ext>
+            </a:extLst>
+          </a:blip>
+          <a:stretch>
+            <a:fillRect/>
+          </a:stretch>
+        </p:blipFill>
+        <p:spPr>
+          <a:xfrm>
+            <a:off x="979864" y="4614076"/>
+            <a:ext cx="1917096" cy="1108807"/>
           </a:xfrm>
           <a:prstGeom prst="rect">
             <a:avLst/>
           </a:prstGeom>
-          <a:noFill/>
-        </p:spPr>
-        <p:txBody>
-          <a:bodyPr wrap="square" rtlCol="0">
-            <a:spAutoFit/>
-          </a:bodyPr>
-          <a:lstStyle/>
-          <a:p>
-            <a:r>
-              <a:rPr lang="en-US" b="1" dirty="0" smtClean="0"/>
-              <a:t>Here we set the class “bar” to every </a:t>
-            </a:r>
-            <a:r>
-              <a:rPr lang="en-US" b="1" dirty="0" err="1" smtClean="0"/>
-              <a:t>rect</a:t>
-            </a:r>
-            <a:r>
-              <a:rPr lang="en-US" b="1" dirty="0" smtClean="0"/>
-              <a:t> we want to use (from earlier)</a:t>
-            </a:r>
-            <a:endParaRPr lang="en-US" b="1" dirty="0"/>
-          </a:p>
-        </p:txBody>
-      </p:sp>
-      <p:sp>
-        <p:nvSpPr>
-          <p:cNvPr id="6" name="TextBox 5"/>
-          <p:cNvSpPr txBox="1"/>
-          <p:nvPr/>
-        </p:nvSpPr>
-        <p:spPr>
-          <a:xfrm>
-            <a:off x="7113713" y="3657096"/>
-            <a:ext cx="4158631" cy="923330"/>
+        </p:spPr>
+      </p:pic>
+      <p:pic>
+        <p:nvPicPr>
+          <p:cNvPr id="12" name="Picture 11"/>
+          <p:cNvPicPr>
+            <a:picLocks noChangeAspect="1"/>
+          </p:cNvPicPr>
+          <p:nvPr/>
+        </p:nvPicPr>
+        <p:blipFill>
+          <a:blip r:embed="rId4">
+            <a:extLst>
+              <a:ext uri="{28A0092B-C50C-407E-A947-70E740481C1C}">
+                <a14:useLocalDpi xmlns:a14="http://schemas.microsoft.com/office/drawing/2010/main" val="0"/>
+              </a:ext>
+            </a:extLst>
+          </a:blip>
+          <a:stretch>
+            <a:fillRect/>
+          </a:stretch>
+        </p:blipFill>
+        <p:spPr>
+          <a:xfrm>
+            <a:off x="5930741" y="2814417"/>
+            <a:ext cx="1385071" cy="1322113"/>
           </a:xfrm>
           <a:prstGeom prst="rect">
             <a:avLst/>
           </a:prstGeom>
-          <a:noFill/>
-        </p:spPr>
-        <p:txBody>
-          <a:bodyPr wrap="square" rtlCol="0">
-            <a:spAutoFit/>
-          </a:bodyPr>
-          <a:lstStyle/>
-          <a:p>
-            <a:r>
-              <a:rPr lang="en-US" b="1" dirty="0" err="1" smtClean="0"/>
-              <a:t>Binded</a:t>
-            </a:r>
-            <a:r>
-              <a:rPr lang="en-US" b="1" dirty="0" smtClean="0"/>
-              <a:t> data can now be referenced in </a:t>
-            </a:r>
-            <a:r>
-              <a:rPr lang="en-US" b="1" dirty="0" err="1" smtClean="0"/>
-              <a:t>attr</a:t>
-            </a:r>
-            <a:r>
-              <a:rPr lang="en-US" b="1" dirty="0" smtClean="0"/>
-              <a:t> using callback function (variable </a:t>
-            </a:r>
-            <a:r>
-              <a:rPr lang="en-US" b="1" i="1" dirty="0" smtClean="0"/>
-              <a:t>d</a:t>
-            </a:r>
-            <a:r>
-              <a:rPr lang="en-US" b="1" dirty="0" smtClean="0"/>
-              <a:t>), and iterated (variable </a:t>
-            </a:r>
-            <a:r>
-              <a:rPr lang="en-US" b="1" i="1" dirty="0" err="1" smtClean="0"/>
-              <a:t>i</a:t>
-            </a:r>
-            <a:r>
-              <a:rPr lang="en-US" b="1" dirty="0" smtClean="0"/>
-              <a:t>)</a:t>
-            </a:r>
-            <a:endParaRPr lang="en-US" b="1" dirty="0"/>
-          </a:p>
-        </p:txBody>
-      </p:sp>
-      <p:sp>
-        <p:nvSpPr>
-          <p:cNvPr id="7" name="TextBox 6"/>
-          <p:cNvSpPr txBox="1"/>
-          <p:nvPr/>
-        </p:nvSpPr>
-        <p:spPr>
-          <a:xfrm>
-            <a:off x="7144543" y="4686560"/>
-            <a:ext cx="4127801" cy="646331"/>
+        </p:spPr>
+      </p:pic>
+      <p:pic>
+        <p:nvPicPr>
+          <p:cNvPr id="13" name="Picture 12"/>
+          <p:cNvPicPr>
+            <a:picLocks noChangeAspect="1"/>
+          </p:cNvPicPr>
+          <p:nvPr/>
+        </p:nvPicPr>
+        <p:blipFill>
+          <a:blip r:embed="rId5">
+            <a:extLst>
+              <a:ext uri="{28A0092B-C50C-407E-A947-70E740481C1C}">
+                <a14:useLocalDpi xmlns:a14="http://schemas.microsoft.com/office/drawing/2010/main" val="0"/>
+              </a:ext>
+            </a:extLst>
+          </a:blip>
+          <a:stretch>
+            <a:fillRect/>
+          </a:stretch>
+        </p:blipFill>
+        <p:spPr>
+          <a:xfrm>
+            <a:off x="5930740" y="4614074"/>
+            <a:ext cx="1118709" cy="1108809"/>
           </a:xfrm>
           <a:prstGeom prst="rect">
             <a:avLst/>
           </a:prstGeom>
-          <a:noFill/>
-        </p:spPr>
-        <p:txBody>
-          <a:bodyPr wrap="square" rtlCol="0">
-            <a:spAutoFit/>
-          </a:bodyPr>
-          <a:lstStyle/>
-          <a:p>
-            <a:r>
-              <a:rPr lang="en-US" b="1" dirty="0" smtClean="0"/>
-              <a:t>Also using scales to align with axis and stay within the domain</a:t>
-            </a:r>
-            <a:endParaRPr lang="en-US" b="1" dirty="0"/>
-          </a:p>
-        </p:txBody>
-      </p:sp>
-      <p:sp>
-        <p:nvSpPr>
-          <p:cNvPr id="8" name="Frame 7"/>
+        </p:spPr>
+      </p:pic>
+      <p:sp>
+        <p:nvSpPr>
+          <p:cNvPr id="16" name="Right Arrow 15"/>
           <p:cNvSpPr/>
           <p:nvPr/>
         </p:nvSpPr>
         <p:spPr>
           <a:xfrm>
-            <a:off x="1225296" y="3849624"/>
-            <a:ext cx="1891862" cy="236483"/>
-          </a:xfrm>
-          <a:prstGeom prst="frame">
+            <a:off x="3657600" y="3168869"/>
+            <a:ext cx="1721078" cy="551793"/>
+          </a:xfrm>
+          <a:prstGeom prst="rightArrow">
             <a:avLst/>
           </a:prstGeom>
           <a:solidFill>
@@ -9797,18 +9686,57 @@
           <a:lstStyle/>
           <a:p>
             <a:pPr algn="ctr"/>
-            <a:endParaRPr lang="en-US">
-              <a:solidFill>
-                <a:schemeClr val="tx1"/>
-              </a:solidFill>
-            </a:endParaRPr>
+            <a:endParaRPr lang="en-US"/>
+          </a:p>
+        </p:txBody>
+      </p:sp>
+      <p:sp>
+        <p:nvSpPr>
+          <p:cNvPr id="17" name="Right Arrow 16"/>
+          <p:cNvSpPr/>
+          <p:nvPr/>
+        </p:nvSpPr>
+        <p:spPr>
+          <a:xfrm>
+            <a:off x="3704737" y="4892581"/>
+            <a:ext cx="1721078" cy="551793"/>
+          </a:xfrm>
+          <a:prstGeom prst="rightArrow">
+            <a:avLst/>
+          </a:prstGeom>
+          <a:solidFill>
+            <a:schemeClr val="tx1"/>
+          </a:solidFill>
+        </p:spPr>
+        <p:style>
+          <a:lnRef idx="2">
+            <a:schemeClr val="accent1">
+              <a:shade val="50000"/>
+            </a:schemeClr>
+          </a:lnRef>
+          <a:fillRef idx="1">
+            <a:schemeClr val="accent1"/>
+          </a:fillRef>
+          <a:effectRef idx="0">
+            <a:schemeClr val="accent1"/>
+          </a:effectRef>
+          <a:fontRef idx="minor">
+            <a:schemeClr val="lt1"/>
+          </a:fontRef>
+        </p:style>
+        <p:txBody>
+          <a:bodyPr rtlCol="0" anchor="ctr"/>
+          <a:lstStyle/>
+          <a:p>
+            <a:pPr algn="ctr"/>
+            <a:endParaRPr lang="en-US"/>
           </a:p>
         </p:txBody>
       </p:sp>
     </p:spTree>
     <p:extLst>
       <p:ext uri="{BB962C8B-B14F-4D97-AF65-F5344CB8AC3E}">
-        <p14:creationId xmlns:p14="http://schemas.microsoft.com/office/powerpoint/2010/main" val="801688184"/>
+        <p14:creationId xmlns:p14="http://schemas.microsoft.com/office/powerpoint/2010/main" val="1146929560"/>
       </p:ext>
     </p:extLst>
   </p:cSld>
@@ -9849,7 +9777,7 @@
             <a:spLocks noGrp="1"/>
           </p:cNvSpPr>
           <p:nvPr>
-            <p:ph type="title"/>
+            <p:ph type="ctrTitle"/>
           </p:nvPr>
         </p:nvSpPr>
         <p:spPr/>
@@ -9859,211 +9787,39 @@
           <a:p>
             <a:r>
               <a:rPr lang="en-US" dirty="0" smtClean="0"/>
-              <a:t>What is D3.js</a:t>
-            </a:r>
-            <a:endParaRPr lang="en-US" dirty="0"/>
-          </a:p>
-        </p:txBody>
-      </p:sp>
-      <p:sp>
-        <p:nvSpPr>
-          <p:cNvPr id="3" name="Content Placeholder 2"/>
-          <p:cNvSpPr>
-            <a:spLocks noGrp="1"/>
-          </p:cNvSpPr>
-          <p:nvPr>
-            <p:ph idx="1"/>
+              <a:t>Introduction to D3.js</a:t>
+            </a:r>
+            <a:endParaRPr lang="en-US" dirty="0"/>
+          </a:p>
+        </p:txBody>
+      </p:sp>
+      <p:sp>
+        <p:nvSpPr>
+          <p:cNvPr id="3" name="Subtitle 2"/>
+          <p:cNvSpPr>
+            <a:spLocks noGrp="1"/>
+          </p:cNvSpPr>
+          <p:nvPr>
+            <p:ph type="subTitle" idx="1"/>
           </p:nvPr>
         </p:nvSpPr>
         <p:spPr/>
         <p:txBody>
-          <a:bodyPr>
-            <a:normAutofit/>
-          </a:bodyPr>
-          <a:lstStyle/>
-          <a:p>
-            <a:pPr lvl="1"/>
-            <a:r>
-              <a:rPr lang="en-US" b="1" dirty="0" smtClean="0"/>
-              <a:t>Wikipedia Says:  </a:t>
-            </a:r>
-          </a:p>
-          <a:p>
-            <a:pPr lvl="2"/>
+          <a:bodyPr/>
+          <a:lstStyle/>
+          <a:p>
             <a:r>
               <a:rPr lang="en-US" dirty="0" smtClean="0"/>
-              <a:t>“</a:t>
-            </a:r>
-            <a:r>
-              <a:rPr lang="en-US" b="1" i="1" dirty="0" smtClean="0"/>
-              <a:t>D3.js</a:t>
-            </a:r>
-            <a:r>
-              <a:rPr lang="en-US" i="1" dirty="0"/>
-              <a:t> (or just </a:t>
-            </a:r>
-            <a:r>
-              <a:rPr lang="en-US" b="1" i="1" dirty="0"/>
-              <a:t>D3</a:t>
-            </a:r>
-            <a:r>
-              <a:rPr lang="en-US" i="1" dirty="0"/>
-              <a:t> for </a:t>
-            </a:r>
-            <a:r>
-              <a:rPr lang="en-US" b="1" i="1" dirty="0"/>
-              <a:t>Data-Driven Documents</a:t>
-            </a:r>
-            <a:r>
-              <a:rPr lang="en-US" i="1" dirty="0"/>
-              <a:t>) is </a:t>
-            </a:r>
-            <a:r>
-              <a:rPr lang="en-US" i="1" dirty="0" smtClean="0"/>
-              <a:t>a JavaScript</a:t>
-            </a:r>
-            <a:r>
-              <a:rPr lang="en-US" i="1" dirty="0"/>
-              <a:t> </a:t>
-            </a:r>
-            <a:r>
-              <a:rPr lang="en-US" i="1" dirty="0" smtClean="0"/>
-              <a:t>library </a:t>
-            </a:r>
-            <a:r>
-              <a:rPr lang="en-US" i="1" dirty="0"/>
-              <a:t>for producing dynamic, </a:t>
-            </a:r>
-            <a:r>
-              <a:rPr lang="en-US" i="1" dirty="0" smtClean="0"/>
-              <a:t>interactive data visualizations</a:t>
-            </a:r>
-            <a:r>
-              <a:rPr lang="en-US" i="1" dirty="0"/>
-              <a:t> </a:t>
-            </a:r>
-            <a:r>
-              <a:rPr lang="en-US" i="1" dirty="0" smtClean="0"/>
-              <a:t>in web browsers. </a:t>
-            </a:r>
-            <a:r>
-              <a:rPr lang="en-US" i="1" dirty="0"/>
-              <a:t>It makes use of the widely </a:t>
-            </a:r>
-            <a:r>
-              <a:rPr lang="en-US" i="1" dirty="0" smtClean="0"/>
-              <a:t>implemented SVG, HTML5,</a:t>
-            </a:r>
-            <a:r>
-              <a:rPr lang="en-US" i="1" dirty="0"/>
-              <a:t> </a:t>
-            </a:r>
-            <a:r>
-              <a:rPr lang="en-US" i="1" dirty="0" smtClean="0"/>
-              <a:t>and CSS</a:t>
-            </a:r>
-            <a:r>
-              <a:rPr lang="en-US" i="1" dirty="0"/>
-              <a:t> </a:t>
-            </a:r>
-            <a:r>
-              <a:rPr lang="en-US" i="1" dirty="0" smtClean="0"/>
-              <a:t>standards</a:t>
-            </a:r>
-            <a:r>
-              <a:rPr lang="en-US" i="1" dirty="0"/>
-              <a:t>. It is the successor to the earlier </a:t>
-            </a:r>
-            <a:r>
-              <a:rPr lang="en-US" i="1" dirty="0" err="1"/>
-              <a:t>Protovis</a:t>
-            </a:r>
-            <a:r>
-              <a:rPr lang="en-US" i="1" dirty="0"/>
-              <a:t> framework</a:t>
-            </a:r>
-            <a:r>
-              <a:rPr lang="en-US" i="1" dirty="0" smtClean="0"/>
-              <a:t>.</a:t>
-            </a:r>
-            <a:r>
-              <a:rPr lang="en-US" i="1" dirty="0"/>
-              <a:t> In contrast to many other libraries, D3.js allows great control over the final visual result</a:t>
-            </a:r>
-            <a:r>
-              <a:rPr lang="en-US" i="1" dirty="0" smtClean="0"/>
-              <a:t>.</a:t>
-            </a:r>
-            <a:r>
-              <a:rPr lang="en-US" i="1" dirty="0"/>
-              <a:t> Its development was noted in 2011</a:t>
-            </a:r>
-            <a:r>
-              <a:rPr lang="en-US" i="1" dirty="0" smtClean="0"/>
-              <a:t>,</a:t>
-            </a:r>
-            <a:r>
-              <a:rPr lang="en-US" i="1" dirty="0"/>
-              <a:t> as version 2.0.0 was released in August </a:t>
-            </a:r>
-            <a:r>
-              <a:rPr lang="en-US" i="1" dirty="0" smtClean="0"/>
-              <a:t>2011.”</a:t>
-            </a:r>
-          </a:p>
-          <a:p>
-            <a:pPr lvl="1"/>
-            <a:endParaRPr lang="en-US" sz="2400" i="1" dirty="0"/>
-          </a:p>
-          <a:p>
-            <a:pPr lvl="1"/>
-            <a:r>
-              <a:rPr lang="en-US" dirty="0"/>
-              <a:t>Used to manipulate documents based on data, and create visual representations of that data</a:t>
-            </a:r>
-          </a:p>
-          <a:p>
-            <a:endParaRPr lang="en-US" dirty="0"/>
-          </a:p>
-        </p:txBody>
-      </p:sp>
-      <p:sp>
-        <p:nvSpPr>
-          <p:cNvPr id="4" name="TextBox 3"/>
-          <p:cNvSpPr txBox="1"/>
-          <p:nvPr/>
-        </p:nvSpPr>
-        <p:spPr>
-          <a:xfrm>
-            <a:off x="457200" y="5943600"/>
-            <a:ext cx="4972049" cy="246888"/>
-          </a:xfrm>
-          <a:prstGeom prst="rect">
-            <a:avLst/>
-          </a:prstGeom>
-          <a:noFill/>
-        </p:spPr>
-        <p:txBody>
-          <a:bodyPr wrap="square" rtlCol="0">
-            <a:spAutoFit/>
-          </a:bodyPr>
-          <a:lstStyle/>
-          <a:p>
-            <a:pPr lvl="1"/>
-            <a:r>
-              <a:rPr lang="en-US" sz="1000" dirty="0">
-                <a:hlinkClick r:id="rId2"/>
-              </a:rPr>
-              <a:t>https://medium.freecodecamp.org/learn-d3-js-in-5-minutes-c5ec29fb0725</a:t>
-            </a:r>
-            <a:endParaRPr lang="en-US" sz="1000" dirty="0"/>
+              <a:t>By Alex Rogers</a:t>
+            </a:r>
+            <a:endParaRPr lang="en-US" dirty="0"/>
           </a:p>
         </p:txBody>
       </p:sp>
     </p:spTree>
     <p:extLst>
       <p:ext uri="{BB962C8B-B14F-4D97-AF65-F5344CB8AC3E}">
-        <p14:creationId xmlns:p14="http://schemas.microsoft.com/office/powerpoint/2010/main" val="974945664"/>
+        <p14:creationId xmlns:p14="http://schemas.microsoft.com/office/powerpoint/2010/main" val="1549656094"/>
       </p:ext>
     </p:extLst>
   </p:cSld>
@@ -10109,7 +9865,9 @@
         </p:nvSpPr>
         <p:spPr/>
         <p:txBody>
-          <a:bodyPr/>
+          <a:bodyPr>
+            <a:normAutofit/>
+          </a:bodyPr>
           <a:lstStyle/>
           <a:p>
             <a:r>
@@ -10122,15 +9880,54 @@
             </a:r>
             <a:r>
               <a:rPr lang="en-US" dirty="0" smtClean="0"/>
-              <a:t> Rules to Create Shapes II. </a:t>
-            </a:r>
-            <a:endParaRPr lang="en-US" dirty="0"/>
+              <a:t> Rules to Create </a:t>
+            </a:r>
+            <a:r>
+              <a:rPr lang="en-US" dirty="0"/>
+              <a:t>S</a:t>
+            </a:r>
+            <a:r>
+              <a:rPr lang="en-US" dirty="0" smtClean="0"/>
+              <a:t>hapes II.</a:t>
+            </a:r>
+            <a:endParaRPr lang="en-US" dirty="0"/>
+          </a:p>
+        </p:txBody>
+      </p:sp>
+      <p:sp>
+        <p:nvSpPr>
+          <p:cNvPr id="3" name="Content Placeholder 2"/>
+          <p:cNvSpPr>
+            <a:spLocks noGrp="1"/>
+          </p:cNvSpPr>
+          <p:nvPr>
+            <p:ph idx="1"/>
+          </p:nvPr>
+        </p:nvSpPr>
+        <p:spPr/>
+        <p:txBody>
+          <a:bodyPr/>
+          <a:lstStyle/>
+          <a:p>
+            <a:r>
+              <a:rPr lang="en-US" u="sng" dirty="0" smtClean="0"/>
+              <a:t>SVG elements with </a:t>
+            </a:r>
+            <a:r>
+              <a:rPr lang="en-US" u="sng" dirty="0" err="1" smtClean="0"/>
+              <a:t>binded</a:t>
+            </a:r>
+            <a:r>
+              <a:rPr lang="en-US" u="sng" dirty="0" smtClean="0"/>
+              <a:t> data to iterate shapes</a:t>
+            </a:r>
+            <a:endParaRPr lang="en-US" u="sng" dirty="0"/>
           </a:p>
         </p:txBody>
       </p:sp>
       <p:pic>
         <p:nvPicPr>
-          <p:cNvPr id="5" name="Picture 4"/>
+          <p:cNvPr id="4" name="Picture 3"/>
           <p:cNvPicPr>
             <a:picLocks noChangeAspect="1"/>
           </p:cNvPicPr>
@@ -10150,7 +9947,7 @@
         </p:blipFill>
         <p:spPr>
           <a:xfrm>
-            <a:off x="290349" y="2366263"/>
+            <a:off x="810610" y="2995793"/>
             <a:ext cx="6172813" cy="2016036"/>
           </a:xfrm>
           <a:prstGeom prst="rect">
@@ -10158,53 +9955,145 @@
           </a:prstGeom>
         </p:spPr>
       </p:pic>
-      <p:pic>
-        <p:nvPicPr>
-          <p:cNvPr id="4" name="Content Placeholder 3"/>
-          <p:cNvPicPr>
-            <a:picLocks noGrp="1" noChangeAspect="1"/>
-          </p:cNvPicPr>
-          <p:nvPr>
-            <p:ph idx="1"/>
-          </p:nvPr>
-        </p:nvPicPr>
-        <p:blipFill>
-          <a:blip r:embed="rId3">
-            <a:extLst>
-              <a:ext uri="{28A0092B-C50C-407E-A947-70E740481C1C}">
-                <a14:useLocalDpi xmlns:a14="http://schemas.microsoft.com/office/drawing/2010/main" val="0"/>
-              </a:ext>
-            </a:extLst>
-          </a:blip>
-          <a:stretch>
-            <a:fillRect/>
-          </a:stretch>
-        </p:blipFill>
-        <p:spPr>
-          <a:xfrm>
-            <a:off x="5123793" y="2161635"/>
-            <a:ext cx="7068207" cy="4696366"/>
-          </a:xfrm>
-        </p:spPr>
-      </p:pic>
-      <p:sp>
-        <p:nvSpPr>
-          <p:cNvPr id="6" name="Bent Arrow 5"/>
+      <p:sp>
+        <p:nvSpPr>
+          <p:cNvPr id="5" name="TextBox 4"/>
+          <p:cNvSpPr txBox="1"/>
+          <p:nvPr/>
+        </p:nvSpPr>
+        <p:spPr>
+          <a:xfrm>
+            <a:off x="7113714" y="2904631"/>
+            <a:ext cx="4600065" cy="646331"/>
+          </a:xfrm>
+          <a:prstGeom prst="rect">
+            <a:avLst/>
+          </a:prstGeom>
+          <a:noFill/>
+        </p:spPr>
+        <p:txBody>
+          <a:bodyPr wrap="square" rtlCol="0">
+            <a:spAutoFit/>
+          </a:bodyPr>
+          <a:lstStyle/>
+          <a:p>
+            <a:r>
+              <a:rPr lang="en-US" b="1" dirty="0" smtClean="0"/>
+              <a:t>Here we set the class “bar” to every </a:t>
+            </a:r>
+            <a:r>
+              <a:rPr lang="en-US" b="1" dirty="0" err="1" smtClean="0"/>
+              <a:t>rect</a:t>
+            </a:r>
+            <a:r>
+              <a:rPr lang="en-US" b="1" dirty="0" smtClean="0"/>
+              <a:t> we want to use (from earlier)</a:t>
+            </a:r>
+            <a:endParaRPr lang="en-US" b="1" dirty="0"/>
+          </a:p>
+        </p:txBody>
+      </p:sp>
+      <p:sp>
+        <p:nvSpPr>
+          <p:cNvPr id="6" name="TextBox 5"/>
+          <p:cNvSpPr txBox="1"/>
+          <p:nvPr/>
+        </p:nvSpPr>
+        <p:spPr>
+          <a:xfrm>
+            <a:off x="7113713" y="3657096"/>
+            <a:ext cx="4158631" cy="923330"/>
+          </a:xfrm>
+          <a:prstGeom prst="rect">
+            <a:avLst/>
+          </a:prstGeom>
+          <a:noFill/>
+        </p:spPr>
+        <p:txBody>
+          <a:bodyPr wrap="square" rtlCol="0">
+            <a:spAutoFit/>
+          </a:bodyPr>
+          <a:lstStyle/>
+          <a:p>
+            <a:r>
+              <a:rPr lang="en-US" b="1" dirty="0" err="1" smtClean="0"/>
+              <a:t>Binded</a:t>
+            </a:r>
+            <a:r>
+              <a:rPr lang="en-US" b="1" dirty="0" smtClean="0"/>
+              <a:t> data can now be referenced in </a:t>
+            </a:r>
+            <a:r>
+              <a:rPr lang="en-US" b="1" dirty="0" err="1" smtClean="0"/>
+              <a:t>attr</a:t>
+            </a:r>
+            <a:r>
+              <a:rPr lang="en-US" b="1" dirty="0" smtClean="0"/>
+              <a:t> using callback function (variable </a:t>
+            </a:r>
+            <a:r>
+              <a:rPr lang="en-US" b="1" i="1" dirty="0" smtClean="0"/>
+              <a:t>d</a:t>
+            </a:r>
+            <a:r>
+              <a:rPr lang="en-US" b="1" dirty="0" smtClean="0"/>
+              <a:t>), and iterated (variable </a:t>
+            </a:r>
+            <a:r>
+              <a:rPr lang="en-US" b="1" i="1" dirty="0" err="1" smtClean="0"/>
+              <a:t>i</a:t>
+            </a:r>
+            <a:r>
+              <a:rPr lang="en-US" b="1" dirty="0" smtClean="0"/>
+              <a:t>)</a:t>
+            </a:r>
+            <a:endParaRPr lang="en-US" b="1" dirty="0"/>
+          </a:p>
+        </p:txBody>
+      </p:sp>
+      <p:sp>
+        <p:nvSpPr>
+          <p:cNvPr id="7" name="TextBox 6"/>
+          <p:cNvSpPr txBox="1"/>
+          <p:nvPr/>
+        </p:nvSpPr>
+        <p:spPr>
+          <a:xfrm>
+            <a:off x="7144543" y="4686560"/>
+            <a:ext cx="4127801" cy="646331"/>
+          </a:xfrm>
+          <a:prstGeom prst="rect">
+            <a:avLst/>
+          </a:prstGeom>
+          <a:noFill/>
+        </p:spPr>
+        <p:txBody>
+          <a:bodyPr wrap="square" rtlCol="0">
+            <a:spAutoFit/>
+          </a:bodyPr>
+          <a:lstStyle/>
+          <a:p>
+            <a:r>
+              <a:rPr lang="en-US" b="1" dirty="0" smtClean="0"/>
+              <a:t>Also using scales to align with axis and stay within the domain</a:t>
+            </a:r>
+            <a:endParaRPr lang="en-US" b="1" dirty="0"/>
+          </a:p>
+        </p:txBody>
+      </p:sp>
+      <p:sp>
+        <p:nvSpPr>
+          <p:cNvPr id="8" name="Frame 7"/>
           <p:cNvSpPr/>
           <p:nvPr/>
         </p:nvSpPr>
         <p:spPr>
-          <a:xfrm rot="10800000" flipH="1">
-            <a:off x="3846787" y="4586926"/>
-            <a:ext cx="1277006" cy="1167487"/>
-          </a:xfrm>
-          <a:prstGeom prst="bentArrow">
-            <a:avLst>
-              <a:gd name="adj1" fmla="val 16429"/>
-              <a:gd name="adj2" fmla="val 23507"/>
-              <a:gd name="adj3" fmla="val 38433"/>
-              <a:gd name="adj4" fmla="val 43750"/>
-            </a:avLst>
+          <a:xfrm>
+            <a:off x="1225296" y="3849624"/>
+            <a:ext cx="1891862" cy="236483"/>
+          </a:xfrm>
+          <a:prstGeom prst="frame">
+            <a:avLst/>
           </a:prstGeom>
           <a:solidFill>
             <a:schemeClr val="tx1"/>
@@ -10242,7 +10131,7 @@
     </p:spTree>
     <p:extLst>
       <p:ext uri="{BB962C8B-B14F-4D97-AF65-F5344CB8AC3E}">
-        <p14:creationId xmlns:p14="http://schemas.microsoft.com/office/powerpoint/2010/main" val="1179640937"/>
+        <p14:creationId xmlns:p14="http://schemas.microsoft.com/office/powerpoint/2010/main" val="801688184"/>
       </p:ext>
     </p:extLst>
   </p:cSld>
@@ -10288,139 +10177,140 @@
         </p:nvSpPr>
         <p:spPr/>
         <p:txBody>
-          <a:bodyPr>
-            <a:normAutofit/>
-          </a:bodyPr>
+          <a:bodyPr/>
           <a:lstStyle/>
           <a:p>
             <a:r>
               <a:rPr lang="en-US" dirty="0" smtClean="0"/>
-              <a:t>Advantages vs. Disadvantages of d3</a:t>
-            </a:r>
-            <a:endParaRPr lang="en-US" dirty="0"/>
-          </a:p>
-        </p:txBody>
-      </p:sp>
-      <p:sp>
-        <p:nvSpPr>
-          <p:cNvPr id="4" name="Text Placeholder 3"/>
-          <p:cNvSpPr>
-            <a:spLocks noGrp="1"/>
-          </p:cNvSpPr>
-          <p:nvPr>
-            <p:ph type="body" idx="1"/>
-          </p:nvPr>
-        </p:nvSpPr>
-        <p:spPr/>
-        <p:txBody>
-          <a:bodyPr/>
-          <a:lstStyle/>
-          <a:p>
+              <a:t>Basics: Using </a:t>
+            </a:r>
+            <a:r>
+              <a:rPr lang="en-US" dirty="0" err="1" smtClean="0"/>
+              <a:t>svg</a:t>
+            </a:r>
             <a:r>
               <a:rPr lang="en-US" dirty="0" smtClean="0"/>
-              <a:t>Advantages</a:t>
-            </a:r>
-            <a:endParaRPr lang="en-US" dirty="0"/>
-          </a:p>
-        </p:txBody>
-      </p:sp>
-      <p:sp>
-        <p:nvSpPr>
-          <p:cNvPr id="5" name="Content Placeholder 4"/>
-          <p:cNvSpPr>
-            <a:spLocks noGrp="1"/>
-          </p:cNvSpPr>
-          <p:nvPr>
-            <p:ph sz="half" idx="2"/>
-          </p:nvPr>
-        </p:nvSpPr>
-        <p:spPr/>
-        <p:txBody>
-          <a:bodyPr/>
-          <a:lstStyle/>
-          <a:p>
-            <a:endParaRPr lang="en-US" dirty="0" smtClean="0"/>
-          </a:p>
-          <a:p>
-            <a:r>
-              <a:rPr lang="en-US" dirty="0" smtClean="0"/>
-              <a:t>Lots of freedom and control</a:t>
-            </a:r>
-          </a:p>
-          <a:p>
-            <a:r>
-              <a:rPr lang="en-US" dirty="0" smtClean="0"/>
-              <a:t>Seamless integration with other frameworks</a:t>
-            </a:r>
-          </a:p>
-          <a:p>
-            <a:r>
-              <a:rPr lang="en-US" dirty="0" smtClean="0"/>
-              <a:t>Handles data lightly</a:t>
-            </a:r>
-            <a:endParaRPr lang="en-US" dirty="0"/>
-          </a:p>
-        </p:txBody>
-      </p:sp>
-      <p:sp>
-        <p:nvSpPr>
-          <p:cNvPr id="6" name="Text Placeholder 5"/>
-          <p:cNvSpPr>
-            <a:spLocks noGrp="1"/>
-          </p:cNvSpPr>
-          <p:nvPr>
-            <p:ph type="body" sz="quarter" idx="3"/>
-          </p:nvPr>
-        </p:nvSpPr>
-        <p:spPr/>
-        <p:txBody>
-          <a:bodyPr/>
-          <a:lstStyle/>
-          <a:p>
-            <a:r>
-              <a:rPr lang="en-US" dirty="0" smtClean="0"/>
-              <a:t>Disadvantages</a:t>
-            </a:r>
-            <a:endParaRPr lang="en-US" dirty="0"/>
-          </a:p>
-        </p:txBody>
-      </p:sp>
-      <p:sp>
-        <p:nvSpPr>
-          <p:cNvPr id="7" name="Content Placeholder 6"/>
-          <p:cNvSpPr>
-            <a:spLocks noGrp="1"/>
-          </p:cNvSpPr>
-          <p:nvPr>
-            <p:ph sz="quarter" idx="4"/>
-          </p:nvPr>
-        </p:nvSpPr>
-        <p:spPr/>
-        <p:txBody>
-          <a:bodyPr/>
-          <a:lstStyle/>
-          <a:p>
-            <a:endParaRPr lang="en-US" dirty="0" smtClean="0"/>
-          </a:p>
-          <a:p>
-            <a:r>
-              <a:rPr lang="en-US" dirty="0" smtClean="0"/>
-              <a:t>No built-in graphs</a:t>
-            </a:r>
-          </a:p>
-          <a:p>
-            <a:r>
-              <a:rPr lang="en-US" dirty="0" smtClean="0"/>
-              <a:t>ETL is more manual</a:t>
-            </a:r>
-            <a:endParaRPr lang="en-US" dirty="0"/>
+              <a:t> Rules to Create Shapes II. </a:t>
+            </a:r>
+            <a:endParaRPr lang="en-US" dirty="0"/>
+          </a:p>
+        </p:txBody>
+      </p:sp>
+      <p:pic>
+        <p:nvPicPr>
+          <p:cNvPr id="5" name="Picture 4"/>
+          <p:cNvPicPr>
+            <a:picLocks noChangeAspect="1"/>
+          </p:cNvPicPr>
+          <p:nvPr/>
+        </p:nvPicPr>
+        <p:blipFill>
+          <a:blip r:embed="rId2">
+            <a:extLst>
+              <a:ext uri="{28A0092B-C50C-407E-A947-70E740481C1C}">
+                <a14:useLocalDpi xmlns:a14="http://schemas.microsoft.com/office/drawing/2010/main" val="0"/>
+              </a:ext>
+            </a:extLst>
+          </a:blip>
+          <a:stretch>
+            <a:fillRect/>
+          </a:stretch>
+        </p:blipFill>
+        <p:spPr>
+          <a:xfrm>
+            <a:off x="290349" y="2366263"/>
+            <a:ext cx="6172813" cy="2016036"/>
+          </a:xfrm>
+          <a:prstGeom prst="rect">
+            <a:avLst/>
+          </a:prstGeom>
+        </p:spPr>
+      </p:pic>
+      <p:pic>
+        <p:nvPicPr>
+          <p:cNvPr id="4" name="Content Placeholder 3"/>
+          <p:cNvPicPr>
+            <a:picLocks noGrp="1" noChangeAspect="1"/>
+          </p:cNvPicPr>
+          <p:nvPr>
+            <p:ph idx="1"/>
+          </p:nvPr>
+        </p:nvPicPr>
+        <p:blipFill>
+          <a:blip r:embed="rId3">
+            <a:extLst>
+              <a:ext uri="{28A0092B-C50C-407E-A947-70E740481C1C}">
+                <a14:useLocalDpi xmlns:a14="http://schemas.microsoft.com/office/drawing/2010/main" val="0"/>
+              </a:ext>
+            </a:extLst>
+          </a:blip>
+          <a:stretch>
+            <a:fillRect/>
+          </a:stretch>
+        </p:blipFill>
+        <p:spPr>
+          <a:xfrm>
+            <a:off x="5123793" y="2161635"/>
+            <a:ext cx="7068207" cy="4696366"/>
+          </a:xfrm>
+        </p:spPr>
+      </p:pic>
+      <p:sp>
+        <p:nvSpPr>
+          <p:cNvPr id="6" name="Bent Arrow 5"/>
+          <p:cNvSpPr/>
+          <p:nvPr/>
+        </p:nvSpPr>
+        <p:spPr>
+          <a:xfrm rot="10800000" flipH="1">
+            <a:off x="3846787" y="4586926"/>
+            <a:ext cx="1277006" cy="1167487"/>
+          </a:xfrm>
+          <a:prstGeom prst="bentArrow">
+            <a:avLst>
+              <a:gd name="adj1" fmla="val 16429"/>
+              <a:gd name="adj2" fmla="val 23507"/>
+              <a:gd name="adj3" fmla="val 38433"/>
+              <a:gd name="adj4" fmla="val 43750"/>
+            </a:avLst>
+          </a:prstGeom>
+          <a:solidFill>
+            <a:schemeClr val="tx1"/>
+          </a:solidFill>
+        </p:spPr>
+        <p:style>
+          <a:lnRef idx="2">
+            <a:schemeClr val="accent1">
+              <a:shade val="50000"/>
+            </a:schemeClr>
+          </a:lnRef>
+          <a:fillRef idx="1">
+            <a:schemeClr val="accent1"/>
+          </a:fillRef>
+          <a:effectRef idx="0">
+            <a:schemeClr val="accent1"/>
+          </a:effectRef>
+          <a:fontRef idx="minor">
+            <a:schemeClr val="lt1"/>
+          </a:fontRef>
+        </p:style>
+        <p:txBody>
+          <a:bodyPr rtlCol="0" anchor="ctr"/>
+          <a:lstStyle/>
+          <a:p>
+            <a:pPr algn="ctr"/>
+            <a:endParaRPr lang="en-US">
+              <a:solidFill>
+                <a:schemeClr val="tx1"/>
+              </a:solidFill>
+            </a:endParaRPr>
           </a:p>
         </p:txBody>
       </p:sp>
     </p:spTree>
     <p:extLst>
       <p:ext uri="{BB962C8B-B14F-4D97-AF65-F5344CB8AC3E}">
-        <p14:creationId xmlns:p14="http://schemas.microsoft.com/office/powerpoint/2010/main" val="919394411"/>
+        <p14:creationId xmlns:p14="http://schemas.microsoft.com/office/powerpoint/2010/main" val="1179640937"/>
       </p:ext>
     </p:extLst>
   </p:cSld>
@@ -10466,29 +10356,50 @@
         </p:nvSpPr>
         <p:spPr/>
         <p:txBody>
+          <a:bodyPr>
+            <a:normAutofit/>
+          </a:bodyPr>
+          <a:lstStyle/>
+          <a:p>
+            <a:r>
+              <a:rPr lang="en-US" dirty="0" smtClean="0"/>
+              <a:t>Advantages vs. Disadvantages of d3</a:t>
+            </a:r>
+            <a:endParaRPr lang="en-US" dirty="0"/>
+          </a:p>
+        </p:txBody>
+      </p:sp>
+      <p:sp>
+        <p:nvSpPr>
+          <p:cNvPr id="4" name="Text Placeholder 3"/>
+          <p:cNvSpPr>
+            <a:spLocks noGrp="1"/>
+          </p:cNvSpPr>
+          <p:nvPr>
+            <p:ph type="body" idx="1"/>
+          </p:nvPr>
+        </p:nvSpPr>
+        <p:spPr/>
+        <p:txBody>
           <a:bodyPr/>
           <a:lstStyle/>
           <a:p>
             <a:r>
-              <a:rPr lang="en-US" dirty="0"/>
-              <a:t>R</a:t>
-            </a:r>
-            <a:r>
               <a:rPr lang="en-US" dirty="0" smtClean="0"/>
-              <a:t>esources</a:t>
-            </a:r>
-            <a:endParaRPr lang="en-US" dirty="0"/>
-          </a:p>
-        </p:txBody>
-      </p:sp>
-      <p:sp>
-        <p:nvSpPr>
-          <p:cNvPr id="3" name="Content Placeholder 2"/>
-          <p:cNvSpPr>
-            <a:spLocks noGrp="1"/>
-          </p:cNvSpPr>
-          <p:nvPr>
-            <p:ph idx="1"/>
+              <a:t>Advantages</a:t>
+            </a:r>
+            <a:endParaRPr lang="en-US" dirty="0"/>
+          </a:p>
+        </p:txBody>
+      </p:sp>
+      <p:sp>
+        <p:nvSpPr>
+          <p:cNvPr id="5" name="Content Placeholder 4"/>
+          <p:cNvSpPr>
+            <a:spLocks noGrp="1"/>
+          </p:cNvSpPr>
+          <p:nvPr>
+            <p:ph sz="half" idx="2"/>
           </p:nvPr>
         </p:nvSpPr>
         <p:spPr/>
@@ -10496,84 +10407,79 @@
           <a:bodyPr/>
           <a:lstStyle/>
           <a:p>
-            <a:r>
-              <a:rPr lang="en-US" dirty="0">
-                <a:hlinkClick r:id="rId2"/>
-              </a:rPr>
-              <a:t>https://d3js.org</a:t>
-            </a:r>
-            <a:r>
-              <a:rPr lang="en-US" dirty="0" smtClean="0">
-                <a:hlinkClick r:id="rId2"/>
-              </a:rPr>
-              <a:t>/</a:t>
-            </a:r>
+            <a:endParaRPr lang="en-US" dirty="0" smtClean="0"/>
+          </a:p>
+          <a:p>
             <a:r>
               <a:rPr lang="en-US" dirty="0" smtClean="0"/>
-              <a:t> </a:t>
-            </a:r>
-          </a:p>
-          <a:p>
-            <a:endParaRPr lang="en-US" dirty="0"/>
-          </a:p>
-          <a:p>
-            <a:r>
-              <a:rPr lang="en-US" dirty="0">
-                <a:hlinkClick r:id="rId3"/>
-              </a:rPr>
-              <a:t>https://square.github.io/intro-to-d3</a:t>
-            </a:r>
-            <a:r>
-              <a:rPr lang="en-US" dirty="0" smtClean="0">
-                <a:hlinkClick r:id="rId3"/>
-              </a:rPr>
-              <a:t>/</a:t>
-            </a:r>
+              <a:t>Lots of freedom and control</a:t>
+            </a:r>
+          </a:p>
+          <a:p>
             <a:r>
               <a:rPr lang="en-US" dirty="0" smtClean="0"/>
-              <a:t> </a:t>
-            </a:r>
-          </a:p>
-          <a:p>
-            <a:endParaRPr lang="en-US" dirty="0"/>
-          </a:p>
-          <a:p>
-            <a:r>
-              <a:rPr lang="en-US" dirty="0">
-                <a:hlinkClick r:id="rId4"/>
-              </a:rPr>
-              <a:t>https://</a:t>
-            </a:r>
-            <a:r>
-              <a:rPr lang="en-US" dirty="0" smtClean="0">
-                <a:hlinkClick r:id="rId4"/>
-              </a:rPr>
-              <a:t>davidwalsh.name/learning-d3</a:t>
-            </a:r>
+              <a:t>Seamless integration with other frameworks</a:t>
+            </a:r>
+          </a:p>
+          <a:p>
             <a:r>
               <a:rPr lang="en-US" dirty="0" smtClean="0"/>
-              <a:t> </a:t>
-            </a:r>
-          </a:p>
-          <a:p>
-            <a:endParaRPr lang="en-US" dirty="0"/>
-          </a:p>
-          <a:p>
-            <a:r>
-              <a:rPr lang="en-US" dirty="0">
-                <a:hlinkClick r:id="rId5"/>
-              </a:rPr>
-              <a:t>https://d3indepth.com</a:t>
-            </a:r>
-            <a:r>
-              <a:rPr lang="en-US" dirty="0" smtClean="0">
-                <a:hlinkClick r:id="rId5"/>
-              </a:rPr>
-              <a:t>/</a:t>
-            </a:r>
+              <a:t>Handles data lightly</a:t>
+            </a:r>
+            <a:endParaRPr lang="en-US" dirty="0"/>
+          </a:p>
+        </p:txBody>
+      </p:sp>
+      <p:sp>
+        <p:nvSpPr>
+          <p:cNvPr id="6" name="Text Placeholder 5"/>
+          <p:cNvSpPr>
+            <a:spLocks noGrp="1"/>
+          </p:cNvSpPr>
+          <p:nvPr>
+            <p:ph type="body" sz="quarter" idx="3"/>
+          </p:nvPr>
+        </p:nvSpPr>
+        <p:spPr/>
+        <p:txBody>
+          <a:bodyPr/>
+          <a:lstStyle/>
+          <a:p>
             <a:r>
               <a:rPr lang="en-US" dirty="0" smtClean="0"/>
-              <a:t> </a:t>
+              <a:t>Disadvantages</a:t>
+            </a:r>
+            <a:endParaRPr lang="en-US" dirty="0"/>
+          </a:p>
+        </p:txBody>
+      </p:sp>
+      <p:sp>
+        <p:nvSpPr>
+          <p:cNvPr id="7" name="Content Placeholder 6"/>
+          <p:cNvSpPr>
+            <a:spLocks noGrp="1"/>
+          </p:cNvSpPr>
+          <p:nvPr>
+            <p:ph sz="quarter" idx="4"/>
+          </p:nvPr>
+        </p:nvSpPr>
+        <p:spPr/>
+        <p:txBody>
+          <a:bodyPr/>
+          <a:lstStyle/>
+          <a:p>
+            <a:endParaRPr lang="en-US" dirty="0" smtClean="0"/>
+          </a:p>
+          <a:p>
+            <a:r>
+              <a:rPr lang="en-US" dirty="0" smtClean="0"/>
+              <a:t>No built-in graphs</a:t>
+            </a:r>
+          </a:p>
+          <a:p>
+            <a:r>
+              <a:rPr lang="en-US" dirty="0" smtClean="0"/>
+              <a:t>ETL is more manual</a:t>
             </a:r>
             <a:endParaRPr lang="en-US" dirty="0"/>
           </a:p>
@@ -10582,7 +10488,7 @@
     </p:spTree>
     <p:extLst>
       <p:ext uri="{BB962C8B-B14F-4D97-AF65-F5344CB8AC3E}">
-        <p14:creationId xmlns:p14="http://schemas.microsoft.com/office/powerpoint/2010/main" val="1199839728"/>
+        <p14:creationId xmlns:p14="http://schemas.microsoft.com/office/powerpoint/2010/main" val="919394411"/>
       </p:ext>
     </p:extLst>
   </p:cSld>
@@ -10632,8 +10538,12 @@
           <a:lstStyle/>
           <a:p>
             <a:r>
+              <a:rPr lang="en-US" dirty="0"/>
+              <a:t>R</a:t>
+            </a:r>
+            <a:r>
               <a:rPr lang="en-US" dirty="0" smtClean="0"/>
-              <a:t>Follow Me</a:t>
+              <a:t>esources</a:t>
             </a:r>
             <a:endParaRPr lang="en-US" dirty="0"/>
           </a:p>
@@ -10654,23 +10564,80 @@
           <a:bodyPr/>
           <a:lstStyle/>
           <a:p>
+            <a:r>
+              <a:rPr lang="en-US" dirty="0">
+                <a:hlinkClick r:id="rId2"/>
+              </a:rPr>
+              <a:t>https://d3js.org</a:t>
+            </a:r>
             <a:r>
               <a:rPr lang="en-US" dirty="0" smtClean="0">
                 <a:hlinkClick r:id="rId2"/>
               </a:rPr>
-              <a:t>https://www.linkedin.com/in/alexrogers823</a:t>
-            </a:r>
-            <a:endParaRPr lang="en-US" dirty="0" smtClean="0"/>
-          </a:p>
-          <a:p>
-            <a:endParaRPr lang="en-US" dirty="0" smtClean="0"/>
-          </a:p>
-          <a:p>
+              <a:t>/</a:t>
+            </a:r>
+            <a:r>
+              <a:rPr lang="en-US" dirty="0" smtClean="0"/>
+              <a:t> </a:t>
+            </a:r>
+          </a:p>
+          <a:p>
+            <a:endParaRPr lang="en-US" dirty="0"/>
+          </a:p>
+          <a:p>
+            <a:r>
+              <a:rPr lang="en-US" dirty="0">
+                <a:hlinkClick r:id="rId3"/>
+              </a:rPr>
+              <a:t>https://square.github.io/intro-to-d3</a:t>
+            </a:r>
             <a:r>
               <a:rPr lang="en-US" dirty="0" smtClean="0">
                 <a:hlinkClick r:id="rId3"/>
               </a:rPr>
-              <a:t>https://github.com/alexrogers823</a:t>
+              <a:t>/</a:t>
+            </a:r>
+            <a:r>
+              <a:rPr lang="en-US" dirty="0" smtClean="0"/>
+              <a:t> </a:t>
+            </a:r>
+          </a:p>
+          <a:p>
+            <a:endParaRPr lang="en-US" dirty="0"/>
+          </a:p>
+          <a:p>
+            <a:r>
+              <a:rPr lang="en-US" dirty="0">
+                <a:hlinkClick r:id="rId4"/>
+              </a:rPr>
+              <a:t>https://</a:t>
+            </a:r>
+            <a:r>
+              <a:rPr lang="en-US" dirty="0" smtClean="0">
+                <a:hlinkClick r:id="rId4"/>
+              </a:rPr>
+              <a:t>davidwalsh.name/learning-d3</a:t>
+            </a:r>
+            <a:r>
+              <a:rPr lang="en-US" dirty="0" smtClean="0"/>
+              <a:t> </a:t>
+            </a:r>
+          </a:p>
+          <a:p>
+            <a:endParaRPr lang="en-US" dirty="0"/>
+          </a:p>
+          <a:p>
+            <a:r>
+              <a:rPr lang="en-US" dirty="0">
+                <a:hlinkClick r:id="rId5"/>
+              </a:rPr>
+              <a:t>https://d3indepth.com</a:t>
+            </a:r>
+            <a:r>
+              <a:rPr lang="en-US" dirty="0" smtClean="0">
+                <a:hlinkClick r:id="rId5"/>
+              </a:rPr>
+              <a:t>/</a:t>
             </a:r>
             <a:r>
               <a:rPr lang="en-US" dirty="0" smtClean="0"/>
@@ -10683,7 +10650,7 @@
     </p:spTree>
     <p:extLst>
       <p:ext uri="{BB962C8B-B14F-4D97-AF65-F5344CB8AC3E}">
-        <p14:creationId xmlns:p14="http://schemas.microsoft.com/office/powerpoint/2010/main" val="178631652"/>
+        <p14:creationId xmlns:p14="http://schemas.microsoft.com/office/powerpoint/2010/main" val="1199839728"/>
       </p:ext>
     </p:extLst>
   </p:cSld>
@@ -10734,46 +10701,72 @@
           <a:p>
             <a:r>
               <a:rPr lang="en-US" dirty="0" smtClean="0"/>
-              <a:t>Let’s make a cool bar graph</a:t>
-            </a:r>
-            <a:endParaRPr lang="en-US" dirty="0"/>
-          </a:p>
-        </p:txBody>
-      </p:sp>
-      <p:pic>
-        <p:nvPicPr>
-          <p:cNvPr id="5" name="Picture 4"/>
-          <p:cNvPicPr>
-            <a:picLocks noChangeAspect="1"/>
-          </p:cNvPicPr>
-          <p:nvPr/>
-        </p:nvPicPr>
-        <p:blipFill>
-          <a:blip r:embed="rId2">
-            <a:extLst>
-              <a:ext uri="{28A0092B-C50C-407E-A947-70E740481C1C}">
-                <a14:useLocalDpi xmlns:a14="http://schemas.microsoft.com/office/drawing/2010/main" val="0"/>
-              </a:ext>
-            </a:extLst>
-          </a:blip>
-          <a:stretch>
-            <a:fillRect/>
-          </a:stretch>
-        </p:blipFill>
-        <p:spPr>
-          <a:xfrm>
-            <a:off x="680321" y="4071444"/>
-            <a:ext cx="10842968" cy="311369"/>
-          </a:xfrm>
-          <a:prstGeom prst="rect">
-            <a:avLst/>
-          </a:prstGeom>
-        </p:spPr>
-      </p:pic>
+              <a:t>Follow Me</a:t>
+            </a:r>
+            <a:endParaRPr lang="en-US" dirty="0"/>
+          </a:p>
+        </p:txBody>
+      </p:sp>
+      <p:sp>
+        <p:nvSpPr>
+          <p:cNvPr id="3" name="Content Placeholder 2"/>
+          <p:cNvSpPr>
+            <a:spLocks noGrp="1"/>
+          </p:cNvSpPr>
+          <p:nvPr>
+            <p:ph idx="1"/>
+          </p:nvPr>
+        </p:nvSpPr>
+        <p:spPr/>
+        <p:txBody>
+          <a:bodyPr/>
+          <a:lstStyle/>
+          <a:p>
+            <a:r>
+              <a:rPr lang="en-US" dirty="0" smtClean="0">
+                <a:hlinkClick r:id="rId2"/>
+              </a:rPr>
+              <a:t>https://www.linkedin.com/in/alexrogers823</a:t>
+            </a:r>
+            <a:endParaRPr lang="en-US" dirty="0" smtClean="0"/>
+          </a:p>
+          <a:p>
+            <a:endParaRPr lang="en-US" dirty="0" smtClean="0"/>
+          </a:p>
+          <a:p>
+            <a:r>
+              <a:rPr lang="en-US" dirty="0" smtClean="0">
+                <a:hlinkClick r:id="rId3"/>
+              </a:rPr>
+              <a:t>https://github.com/alexrogers823</a:t>
+            </a:r>
+            <a:r>
+              <a:rPr lang="en-US" dirty="0" smtClean="0"/>
+              <a:t> </a:t>
+            </a:r>
+          </a:p>
+          <a:p>
+            <a:endParaRPr lang="en-US" dirty="0"/>
+          </a:p>
+          <a:p>
+            <a:r>
+              <a:rPr lang="en-US" dirty="0" smtClean="0">
+                <a:hlinkClick r:id="rId4"/>
+              </a:rPr>
+              <a:t>Alex.rogers823@gmail.com</a:t>
+            </a:r>
+            <a:r>
+              <a:rPr lang="en-US" dirty="0" smtClean="0"/>
+              <a:t> </a:t>
+            </a:r>
+            <a:endParaRPr lang="en-US" dirty="0"/>
+          </a:p>
+        </p:txBody>
+      </p:sp>
     </p:spTree>
     <p:extLst>
       <p:ext uri="{BB962C8B-B14F-4D97-AF65-F5344CB8AC3E}">
-        <p14:creationId xmlns:p14="http://schemas.microsoft.com/office/powerpoint/2010/main" val="769617165"/>
+        <p14:creationId xmlns:p14="http://schemas.microsoft.com/office/powerpoint/2010/main" val="178631652"/>
       </p:ext>
     </p:extLst>
   </p:cSld>
@@ -10787,6 +10780,116 @@
       </p:par>
     </p:tnLst>
   </p:timing>
+</p:sld>
+</file>
+
+<file path=ppt/slides/slide25.xml><?xml version="1.0" encoding="utf-8"?>
+<p:sld xmlns:a="http://schemas.openxmlformats.org/drawingml/2006/main" xmlns:r="http://schemas.openxmlformats.org/officeDocument/2006/relationships" xmlns:p="http://schemas.openxmlformats.org/presentationml/2006/main">
+  <p:cSld>
+    <p:spTree>
+      <p:nvGrpSpPr>
+        <p:cNvPr id="1" name=""/>
+        <p:cNvGrpSpPr/>
+        <p:nvPr/>
+      </p:nvGrpSpPr>
+      <p:grpSpPr>
+        <a:xfrm>
+          <a:off x="0" y="0"/>
+          <a:ext cx="0" cy="0"/>
+          <a:chOff x="0" y="0"/>
+          <a:chExt cx="0" cy="0"/>
+        </a:xfrm>
+      </p:grpSpPr>
+      <p:sp>
+        <p:nvSpPr>
+          <p:cNvPr id="2" name="Title 1"/>
+          <p:cNvSpPr>
+            <a:spLocks noGrp="1"/>
+          </p:cNvSpPr>
+          <p:nvPr>
+            <p:ph type="title"/>
+          </p:nvPr>
+        </p:nvSpPr>
+        <p:spPr/>
+        <p:txBody>
+          <a:bodyPr/>
+          <a:lstStyle/>
+          <a:p>
+            <a:r>
+              <a:rPr lang="en-US" dirty="0" smtClean="0"/>
+              <a:t>Lets Make a Cooler Bar Graph</a:t>
+            </a:r>
+            <a:endParaRPr lang="en-US" dirty="0"/>
+          </a:p>
+        </p:txBody>
+      </p:sp>
+      <p:sp>
+        <p:nvSpPr>
+          <p:cNvPr id="3" name="Content Placeholder 2"/>
+          <p:cNvSpPr>
+            <a:spLocks noGrp="1"/>
+          </p:cNvSpPr>
+          <p:nvPr>
+            <p:ph idx="1"/>
+          </p:nvPr>
+        </p:nvSpPr>
+        <p:spPr/>
+        <p:txBody>
+          <a:bodyPr/>
+          <a:lstStyle/>
+          <a:p>
+            <a:r>
+              <a:rPr lang="en-US" dirty="0" smtClean="0"/>
+              <a:t>Open </a:t>
+            </a:r>
+            <a:r>
+              <a:rPr lang="en-US" dirty="0" err="1" smtClean="0"/>
+              <a:t>index.html</a:t>
+            </a:r>
+            <a:r>
+              <a:rPr lang="en-US" dirty="0" smtClean="0"/>
+              <a:t> in cloned repository</a:t>
+            </a:r>
+          </a:p>
+          <a:p>
+            <a:endParaRPr lang="en-US" dirty="0"/>
+          </a:p>
+          <a:p>
+            <a:r>
+              <a:rPr lang="en-US" dirty="0" smtClean="0"/>
+              <a:t>Work in the </a:t>
+            </a:r>
+            <a:r>
+              <a:rPr lang="en-US" dirty="0" err="1" smtClean="0"/>
+              <a:t>barGraph-START.js</a:t>
+            </a:r>
+            <a:r>
+              <a:rPr lang="en-US" dirty="0" smtClean="0"/>
+              <a:t> file</a:t>
+            </a:r>
+          </a:p>
+          <a:p>
+            <a:endParaRPr lang="en-US" dirty="0"/>
+          </a:p>
+          <a:p>
+            <a:r>
+              <a:rPr lang="en-US" dirty="0" smtClean="0"/>
+              <a:t>Reference these slides to get graph up and running</a:t>
+            </a:r>
+            <a:endParaRPr lang="en-US" dirty="0"/>
+          </a:p>
+        </p:txBody>
+      </p:sp>
+    </p:spTree>
+    <p:extLst>
+      <p:ext uri="{BB962C8B-B14F-4D97-AF65-F5344CB8AC3E}">
+        <p14:creationId xmlns:p14="http://schemas.microsoft.com/office/powerpoint/2010/main" val="1412302212"/>
+      </p:ext>
+    </p:extLst>
+  </p:cSld>
+  <p:clrMapOvr>
+    <a:masterClrMapping/>
+  </p:clrMapOvr>
 </p:sld>
 </file>
 
@@ -10824,7 +10927,7 @@
           <a:p>
             <a:r>
               <a:rPr lang="en-US" dirty="0" smtClean="0"/>
-              <a:t>D3.js Features</a:t>
+              <a:t>What is D3.js</a:t>
             </a:r>
             <a:endParaRPr lang="en-US" dirty="0"/>
           </a:p>
@@ -10842,47 +10945,152 @@
         </p:nvSpPr>
         <p:spPr/>
         <p:txBody>
-          <a:bodyPr/>
-          <a:lstStyle/>
-          <a:p>
+          <a:bodyPr>
+            <a:normAutofit/>
+          </a:bodyPr>
+          <a:lstStyle/>
+          <a:p>
+            <a:pPr lvl="1"/>
+            <a:r>
+              <a:rPr lang="en-US" b="1" dirty="0" smtClean="0"/>
+              <a:t>Wikipedia Says:  </a:t>
+            </a:r>
+          </a:p>
+          <a:p>
+            <a:pPr lvl="2"/>
             <a:r>
               <a:rPr lang="en-US" dirty="0" smtClean="0"/>
-              <a:t>Flexibility </a:t>
+              <a:t>“</a:t>
+            </a:r>
+            <a:r>
+              <a:rPr lang="en-US" b="1" i="1" dirty="0" smtClean="0"/>
+              <a:t>D3.js</a:t>
+            </a:r>
+            <a:r>
+              <a:rPr lang="en-US" i="1" dirty="0"/>
+              <a:t> (or just </a:t>
+            </a:r>
+            <a:r>
+              <a:rPr lang="en-US" b="1" i="1" dirty="0"/>
+              <a:t>D3</a:t>
+            </a:r>
+            <a:r>
+              <a:rPr lang="en-US" i="1" dirty="0"/>
+              <a:t> for </a:t>
+            </a:r>
+            <a:r>
+              <a:rPr lang="en-US" b="1" i="1" dirty="0"/>
+              <a:t>Data-Driven Documents</a:t>
+            </a:r>
+            <a:r>
+              <a:rPr lang="en-US" i="1" dirty="0"/>
+              <a:t>) is </a:t>
+            </a:r>
+            <a:r>
+              <a:rPr lang="en-US" i="1" dirty="0" smtClean="0"/>
+              <a:t>a JavaScript</a:t>
+            </a:r>
+            <a:r>
+              <a:rPr lang="en-US" i="1" dirty="0"/>
+              <a:t> </a:t>
+            </a:r>
+            <a:r>
+              <a:rPr lang="en-US" i="1" dirty="0" smtClean="0"/>
+              <a:t>library </a:t>
+            </a:r>
+            <a:r>
+              <a:rPr lang="en-US" i="1" dirty="0"/>
+              <a:t>for producing dynamic, </a:t>
+            </a:r>
+            <a:r>
+              <a:rPr lang="en-US" i="1" dirty="0" smtClean="0"/>
+              <a:t>interactive data visualizations</a:t>
+            </a:r>
+            <a:r>
+              <a:rPr lang="en-US" i="1" dirty="0"/>
+              <a:t> </a:t>
+            </a:r>
+            <a:r>
+              <a:rPr lang="en-US" i="1" dirty="0" smtClean="0"/>
+              <a:t>in web browsers. </a:t>
+            </a:r>
+            <a:r>
+              <a:rPr lang="en-US" i="1" dirty="0"/>
+              <a:t>It makes use of the widely </a:t>
+            </a:r>
+            <a:r>
+              <a:rPr lang="en-US" i="1" dirty="0" smtClean="0"/>
+              <a:t>implemented SVG, HTML5,</a:t>
+            </a:r>
+            <a:r>
+              <a:rPr lang="en-US" i="1" dirty="0"/>
+              <a:t> </a:t>
+            </a:r>
+            <a:r>
+              <a:rPr lang="en-US" i="1" dirty="0" smtClean="0"/>
+              <a:t>and CSS</a:t>
+            </a:r>
+            <a:r>
+              <a:rPr lang="en-US" i="1" dirty="0"/>
+              <a:t> </a:t>
+            </a:r>
+            <a:r>
+              <a:rPr lang="en-US" i="1" dirty="0" smtClean="0"/>
+              <a:t>standards</a:t>
+            </a:r>
+            <a:r>
+              <a:rPr lang="en-US" i="1" dirty="0"/>
+              <a:t>. It is the successor to the earlier </a:t>
+            </a:r>
+            <a:r>
+              <a:rPr lang="en-US" i="1" dirty="0" err="1"/>
+              <a:t>Protovis</a:t>
+            </a:r>
+            <a:r>
+              <a:rPr lang="en-US" i="1" dirty="0"/>
+              <a:t> framework</a:t>
+            </a:r>
+            <a:r>
+              <a:rPr lang="en-US" i="1" dirty="0" smtClean="0"/>
+              <a:t>.</a:t>
+            </a:r>
+            <a:r>
+              <a:rPr lang="en-US" i="1" dirty="0"/>
+              <a:t> In contrast to many other libraries, D3.js allows great control over the final visual result</a:t>
+            </a:r>
+            <a:r>
+              <a:rPr lang="en-US" i="1" dirty="0" smtClean="0"/>
+              <a:t>.</a:t>
+            </a:r>
+            <a:r>
+              <a:rPr lang="en-US" i="1" dirty="0"/>
+              <a:t> Its development was noted in 2011</a:t>
+            </a:r>
+            <a:r>
+              <a:rPr lang="en-US" i="1" dirty="0" smtClean="0"/>
+              <a:t>,</a:t>
+            </a:r>
+            <a:r>
+              <a:rPr lang="en-US" i="1" dirty="0"/>
+              <a:t> as version 2.0.0 was released in August </a:t>
+            </a:r>
+            <a:r>
+              <a:rPr lang="en-US" i="1" dirty="0" smtClean="0"/>
+              <a:t>2011.”</a:t>
             </a:r>
           </a:p>
           <a:p>
             <a:pPr lvl="1"/>
-            <a:r>
-              <a:rPr lang="en-US" dirty="0" smtClean="0"/>
-              <a:t>Since D3 relies on DOM manipulation instead of pre-built graphs, it allows for a lot of freedom and creation</a:t>
-            </a:r>
-          </a:p>
-          <a:p>
-            <a:r>
-              <a:rPr lang="en-US" dirty="0" smtClean="0"/>
-              <a:t>Compatibility</a:t>
-            </a:r>
+            <a:endParaRPr lang="en-US" sz="2400" i="1" dirty="0"/>
           </a:p>
           <a:p>
             <a:pPr lvl="1"/>
             <a:r>
-              <a:rPr lang="en-US" dirty="0" smtClean="0"/>
-              <a:t>It can be added to other JS Frameworks without disrupting them. It is also lightweight and runs smoothly, even with big data.</a:t>
-            </a:r>
-          </a:p>
-          <a:p>
-            <a:r>
-              <a:rPr lang="en-US" dirty="0" err="1" smtClean="0"/>
-              <a:t>Serverless</a:t>
-            </a:r>
-            <a:endParaRPr lang="en-US" dirty="0" smtClean="0"/>
-          </a:p>
-          <a:p>
-            <a:pPr lvl="1"/>
-            <a:r>
-              <a:rPr lang="en-US" dirty="0" smtClean="0"/>
-              <a:t>D3 does not depend on a front-end or back-end server</a:t>
-            </a:r>
+              <a:rPr lang="en-US" dirty="0"/>
+              <a:t>Used to manipulate documents based on data, and create visual representations of that data</a:t>
+            </a:r>
+          </a:p>
+          <a:p>
             <a:endParaRPr lang="en-US" dirty="0"/>
           </a:p>
         </p:txBody>
@@ -10896,7 +11104,7 @@
         <p:spPr>
           <a:xfrm>
             <a:off x="457200" y="5943600"/>
-            <a:ext cx="4619295" cy="246221"/>
+            <a:ext cx="4972049" cy="246888"/>
           </a:xfrm>
           <a:prstGeom prst="rect">
             <a:avLst/>
@@ -10909,62 +11117,21 @@
           </a:bodyPr>
           <a:lstStyle/>
           <a:p>
-            <a:r>
-              <a:rPr lang="en-US" sz="1000" b="1" dirty="0"/>
-              <a:t>https://</a:t>
-            </a:r>
-            <a:r>
-              <a:rPr lang="en-US" sz="1000" b="1" dirty="0" err="1"/>
-              <a:t>www.quora.com</a:t>
-            </a:r>
-            <a:r>
-              <a:rPr lang="en-US" sz="1000" b="1" dirty="0"/>
-              <a:t>/What-are-some-of-the-best-features-of-D3-js#</a:t>
-            </a:r>
-          </a:p>
-        </p:txBody>
-      </p:sp>
-      <p:sp>
-        <p:nvSpPr>
-          <p:cNvPr id="5" name="TextBox 4"/>
-          <p:cNvSpPr txBox="1"/>
-          <p:nvPr/>
-        </p:nvSpPr>
-        <p:spPr>
-          <a:xfrm>
-            <a:off x="457200" y="6172200"/>
-            <a:ext cx="5486400" cy="246221"/>
-          </a:xfrm>
-          <a:prstGeom prst="rect">
-            <a:avLst/>
-          </a:prstGeom>
-          <a:noFill/>
-        </p:spPr>
-        <p:txBody>
-          <a:bodyPr wrap="square" rtlCol="0">
-            <a:spAutoFit/>
-          </a:bodyPr>
-          <a:lstStyle/>
-          <a:p>
-            <a:r>
-              <a:rPr lang="en-US" sz="1000" b="1" dirty="0"/>
-              <a:t>https://</a:t>
-            </a:r>
-            <a:r>
-              <a:rPr lang="en-US" sz="1000" b="1" dirty="0" err="1"/>
-              <a:t>towardsdatascience.com</a:t>
-            </a:r>
-            <a:r>
-              <a:rPr lang="en-US" sz="1000" b="1" dirty="0"/>
-              <a:t>/interactive-data-visualization-with-d3-js-43fc3428a27e</a:t>
-            </a:r>
+            <a:pPr lvl="1"/>
+            <a:r>
+              <a:rPr lang="en-US" sz="1000" dirty="0">
+                <a:hlinkClick r:id="rId2"/>
+              </a:rPr>
+              <a:t>https://medium.freecodecamp.org/learn-d3-js-in-5-minutes-c5ec29fb0725</a:t>
+            </a:r>
+            <a:endParaRPr lang="en-US" sz="1000" dirty="0"/>
           </a:p>
         </p:txBody>
       </p:sp>
     </p:spTree>
     <p:extLst>
       <p:ext uri="{BB962C8B-B14F-4D97-AF65-F5344CB8AC3E}">
-        <p14:creationId xmlns:p14="http://schemas.microsoft.com/office/powerpoint/2010/main" val="539518015"/>
+        <p14:creationId xmlns:p14="http://schemas.microsoft.com/office/powerpoint/2010/main" val="974945664"/>
       </p:ext>
     </p:extLst>
   </p:cSld>
@@ -11015,7 +11182,7 @@
           <a:p>
             <a:r>
               <a:rPr lang="en-US" dirty="0" smtClean="0"/>
-              <a:t>FAQ</a:t>
+              <a:t>D3.js Features</a:t>
             </a:r>
             <a:endParaRPr lang="en-US" dirty="0"/>
           </a:p>
@@ -11033,25 +11200,38 @@
         </p:nvSpPr>
         <p:spPr/>
         <p:txBody>
-          <a:bodyPr>
-            <a:normAutofit fontScale="92500" lnSpcReduction="10000"/>
-          </a:bodyPr>
+          <a:bodyPr/>
           <a:lstStyle/>
           <a:p>
             <a:r>
               <a:rPr lang="en-US" dirty="0" smtClean="0"/>
-              <a:t>Can you drill down in D3.js?</a:t>
+              <a:t>Flexibility </a:t>
             </a:r>
           </a:p>
           <a:p>
             <a:pPr lvl="1"/>
             <a:r>
               <a:rPr lang="en-US" dirty="0" smtClean="0"/>
-              <a:t>Yes, but</a:t>
-            </a:r>
-            <a:r>
-              <a:rPr lang="mr-IN" dirty="0" smtClean="0"/>
-              <a:t>…</a:t>
+              <a:t>Since D3 relies on DOM manipulation instead of pre-built graphs, it allows for a lot of freedom and creation</a:t>
+            </a:r>
+          </a:p>
+          <a:p>
+            <a:r>
+              <a:rPr lang="en-US" dirty="0" smtClean="0"/>
+              <a:t>Compatibility</a:t>
+            </a:r>
+          </a:p>
+          <a:p>
+            <a:pPr lvl="1"/>
+            <a:r>
+              <a:rPr lang="en-US" dirty="0" smtClean="0"/>
+              <a:t>It can be added to other JS Frameworks without disrupting them. It is also lightweight and runs smoothly, even with big data.</a:t>
+            </a:r>
+          </a:p>
+          <a:p>
+            <a:r>
+              <a:rPr lang="en-US" dirty="0" err="1" smtClean="0"/>
+              <a:t>Serverless</a:t>
             </a:r>
             <a:endParaRPr lang="en-US" dirty="0" smtClean="0"/>
           </a:p>
@@ -11059,93 +11239,7 @@
             <a:pPr lvl="1"/>
             <a:r>
               <a:rPr lang="en-US" dirty="0" smtClean="0"/>
-              <a:t>Excellent example: Drill-Down </a:t>
-            </a:r>
-            <a:r>
-              <a:rPr lang="en-US" dirty="0" smtClean="0">
-                <a:hlinkClick r:id="rId2"/>
-              </a:rPr>
-              <a:t>Pie Chart </a:t>
-            </a:r>
-            <a:r>
-              <a:rPr lang="en-US" dirty="0" smtClean="0"/>
-              <a:t>using D3</a:t>
-            </a:r>
-          </a:p>
-          <a:p>
-            <a:pPr lvl="1"/>
-            <a:r>
-              <a:rPr lang="en-US" dirty="0" smtClean="0"/>
-              <a:t>D3-based libraries such as </a:t>
-            </a:r>
-            <a:r>
-              <a:rPr lang="en-US" dirty="0" err="1" smtClean="0"/>
-              <a:t>DC.js</a:t>
-            </a:r>
-            <a:r>
-              <a:rPr lang="en-US" dirty="0" smtClean="0"/>
-              <a:t> provide less work upfront with drill-down</a:t>
-            </a:r>
-          </a:p>
-          <a:p>
-            <a:pPr lvl="1"/>
-            <a:endParaRPr lang="en-US" dirty="0"/>
-          </a:p>
-          <a:p>
-            <a:r>
-              <a:rPr lang="en-US" dirty="0" smtClean="0"/>
-              <a:t>Does it integrate with other libraries and frameworks?</a:t>
-            </a:r>
-          </a:p>
-          <a:p>
-            <a:pPr lvl="1"/>
-            <a:r>
-              <a:rPr lang="en-US" dirty="0" smtClean="0"/>
-              <a:t>Of course!</a:t>
-            </a:r>
-          </a:p>
-          <a:p>
-            <a:pPr lvl="1"/>
-            <a:r>
-              <a:rPr lang="en-US" dirty="0" smtClean="0"/>
-              <a:t>React, Angular, </a:t>
-            </a:r>
-            <a:r>
-              <a:rPr lang="en-US" dirty="0" err="1" smtClean="0"/>
-              <a:t>TypeScript</a:t>
-            </a:r>
-            <a:r>
-              <a:rPr lang="mr-IN" dirty="0" smtClean="0"/>
-              <a:t>…</a:t>
-            </a:r>
-            <a:r>
-              <a:rPr lang="en-US" dirty="0" smtClean="0"/>
-              <a:t>anything JS-based</a:t>
-            </a:r>
-          </a:p>
-          <a:p>
-            <a:pPr lvl="1"/>
-            <a:endParaRPr lang="en-US" dirty="0" smtClean="0"/>
-          </a:p>
-          <a:p>
-            <a:r>
-              <a:rPr lang="en-US" dirty="0" smtClean="0"/>
-              <a:t>What type of data do you need for D3?</a:t>
-            </a:r>
-          </a:p>
-          <a:p>
-            <a:pPr lvl="1"/>
-            <a:r>
-              <a:rPr lang="en-US" dirty="0" smtClean="0"/>
-              <a:t>Works for several types. Static, JSON, CSV, XML, </a:t>
-            </a:r>
-            <a:r>
-              <a:rPr lang="en-US" dirty="0" err="1" smtClean="0"/>
-              <a:t>etc</a:t>
-            </a:r>
-            <a:r>
-              <a:rPr lang="mr-IN" dirty="0" smtClean="0"/>
-              <a:t>…</a:t>
+              <a:t>D3 does not depend on a front-end or back-end server</a:t>
             </a:r>
             <a:endParaRPr lang="en-US" dirty="0"/>
           </a:p>
@@ -11160,7 +11254,7 @@
         <p:spPr>
           <a:xfrm>
             <a:off x="457200" y="5943600"/>
-            <a:ext cx="2601311" cy="246221"/>
+            <a:ext cx="4619295" cy="246221"/>
           </a:xfrm>
           <a:prstGeom prst="rect">
             <a:avLst/>
@@ -11179,25 +11273,12 @@
             </a:r>
             <a:r>
               <a:rPr lang="en-US" sz="1000" b="1" dirty="0" err="1"/>
-              <a:t>codepen.io</a:t>
+              <a:t>www.quora.com</a:t>
             </a:r>
             <a:r>
               <a:rPr lang="en-US" sz="1000" b="1" dirty="0"/>
-              <a:t>/</a:t>
-            </a:r>
-            <a:r>
-              <a:rPr lang="en-US" sz="1000" b="1" dirty="0" err="1"/>
-              <a:t>ademps</a:t>
-            </a:r>
-            <a:r>
-              <a:rPr lang="en-US" sz="1000" b="1" dirty="0"/>
-              <a:t>/pen/</a:t>
-            </a:r>
-            <a:r>
-              <a:rPr lang="en-US" sz="1000" b="1" dirty="0" err="1"/>
-              <a:t>mlHyC</a:t>
-            </a:r>
-            <a:endParaRPr lang="en-US" sz="1000" b="1" dirty="0"/>
+              <a:t>/What-are-some-of-the-best-features-of-D3-js#</a:t>
+            </a:r>
           </a:p>
         </p:txBody>
       </p:sp>
@@ -11210,7 +11291,7 @@
         <p:spPr>
           <a:xfrm>
             <a:off x="457200" y="6172200"/>
-            <a:ext cx="1939159" cy="249075"/>
+            <a:ext cx="5486400" cy="246221"/>
           </a:xfrm>
           <a:prstGeom prst="rect">
             <a:avLst/>
@@ -11225,51 +11306,6 @@
           <a:p>
             <a:r>
               <a:rPr lang="en-US" sz="1000" b="1" dirty="0"/>
-              <a:t>https://dc-</a:t>
-            </a:r>
-            <a:r>
-              <a:rPr lang="en-US" sz="1000" b="1" dirty="0" err="1"/>
-              <a:t>js.github.io</a:t>
-            </a:r>
-            <a:r>
-              <a:rPr lang="en-US" sz="1000" b="1" dirty="0"/>
-              <a:t>/</a:t>
-            </a:r>
-            <a:r>
-              <a:rPr lang="en-US" sz="1000" b="1" dirty="0" err="1"/>
-              <a:t>dc.js</a:t>
-            </a:r>
-            <a:r>
-              <a:rPr lang="en-US" sz="1000" b="1" dirty="0"/>
-              <a:t>/</a:t>
-            </a:r>
-          </a:p>
-        </p:txBody>
-      </p:sp>
-      <p:sp>
-        <p:nvSpPr>
-          <p:cNvPr id="6" name="TextBox 5"/>
-          <p:cNvSpPr txBox="1"/>
-          <p:nvPr/>
-        </p:nvSpPr>
-        <p:spPr>
-          <a:xfrm>
-            <a:off x="457200" y="6400800"/>
-            <a:ext cx="5675587" cy="246221"/>
-          </a:xfrm>
-          <a:prstGeom prst="rect">
-            <a:avLst/>
-          </a:prstGeom>
-          <a:noFill/>
-        </p:spPr>
-        <p:txBody>
-          <a:bodyPr wrap="square" rtlCol="0">
-            <a:spAutoFit/>
-          </a:bodyPr>
-          <a:lstStyle/>
-          <a:p>
-            <a:r>
-              <a:rPr lang="en-US" sz="1000" b="1" dirty="0"/>
               <a:t>https://</a:t>
             </a:r>
             <a:r>
@@ -11286,7 +11322,7 @@
     </p:spTree>
     <p:extLst>
       <p:ext uri="{BB962C8B-B14F-4D97-AF65-F5344CB8AC3E}">
-        <p14:creationId xmlns:p14="http://schemas.microsoft.com/office/powerpoint/2010/main" val="1028498366"/>
+        <p14:creationId xmlns:p14="http://schemas.microsoft.com/office/powerpoint/2010/main" val="539518015"/>
       </p:ext>
     </p:extLst>
   </p:cSld>
@@ -11337,108 +11373,152 @@
           <a:p>
             <a:r>
               <a:rPr lang="en-US" dirty="0" smtClean="0"/>
-              <a:t>More than a chart library</a:t>
-            </a:r>
-            <a:endParaRPr lang="en-US" dirty="0"/>
-          </a:p>
-        </p:txBody>
-      </p:sp>
-      <p:sp>
-        <p:nvSpPr>
-          <p:cNvPr id="4" name="Content Placeholder 3"/>
-          <p:cNvSpPr>
-            <a:spLocks noGrp="1"/>
-          </p:cNvSpPr>
-          <p:nvPr>
-            <p:ph sz="half" idx="1"/>
+              <a:t>FAQ</a:t>
+            </a:r>
+            <a:endParaRPr lang="en-US" dirty="0"/>
+          </a:p>
+        </p:txBody>
+      </p:sp>
+      <p:sp>
+        <p:nvSpPr>
+          <p:cNvPr id="3" name="Content Placeholder 2"/>
+          <p:cNvSpPr>
+            <a:spLocks noGrp="1"/>
+          </p:cNvSpPr>
+          <p:nvPr>
+            <p:ph idx="1"/>
           </p:nvPr>
         </p:nvSpPr>
         <p:spPr/>
         <p:txBody>
-          <a:bodyPr/>
+          <a:bodyPr>
+            <a:normAutofit fontScale="92500" lnSpcReduction="10000"/>
+          </a:bodyPr>
           <a:lstStyle/>
           <a:p>
             <a:r>
               <a:rPr lang="en-US" dirty="0" smtClean="0"/>
-              <a:t>DOM Manipulation</a:t>
+              <a:t>Can you drill down in D3.js?</a:t>
             </a:r>
           </a:p>
           <a:p>
             <a:pPr lvl="1"/>
             <a:r>
-              <a:rPr lang="en-US" dirty="0"/>
-              <a:t>Using data binding and text() to manipulate </a:t>
-            </a:r>
-            <a:r>
               <a:rPr lang="en-US" dirty="0" smtClean="0"/>
-              <a:t>DOM</a:t>
-            </a:r>
+              <a:t>Yes, but</a:t>
+            </a:r>
+            <a:r>
+              <a:rPr lang="mr-IN" dirty="0" smtClean="0"/>
+              <a:t>…</a:t>
+            </a:r>
+            <a:endParaRPr lang="en-US" dirty="0" smtClean="0"/>
           </a:p>
           <a:p>
             <a:pPr lvl="1"/>
-            <a:endParaRPr lang="en-US" dirty="0"/>
+            <a:r>
+              <a:rPr lang="en-US" dirty="0" smtClean="0"/>
+              <a:t>Excellent example: Drill-Down </a:t>
+            </a:r>
+            <a:r>
+              <a:rPr lang="en-US" dirty="0" smtClean="0">
+                <a:hlinkClick r:id="rId2"/>
+              </a:rPr>
+              <a:t>Pie Chart </a:t>
+            </a:r>
+            <a:r>
+              <a:rPr lang="en-US" dirty="0" smtClean="0"/>
+              <a:t>using D3</a:t>
+            </a:r>
           </a:p>
           <a:p>
             <a:pPr lvl="1"/>
             <a:r>
-              <a:rPr lang="en-US" b="1" dirty="0"/>
-              <a:t>In d3, you select the element </a:t>
-            </a:r>
-            <a:r>
-              <a:rPr lang="en-US" b="1" i="1" dirty="0"/>
-              <a:t>before</a:t>
-            </a:r>
-            <a:r>
-              <a:rPr lang="en-US" b="1" dirty="0"/>
-              <a:t> it’s created</a:t>
-            </a:r>
-            <a:endParaRPr lang="en-US" dirty="0"/>
-          </a:p>
-          <a:p>
-            <a:endParaRPr lang="en-US" dirty="0"/>
-          </a:p>
-        </p:txBody>
-      </p:sp>
-      <p:sp>
-        <p:nvSpPr>
-          <p:cNvPr id="5" name="Content Placeholder 4"/>
-          <p:cNvSpPr>
-            <a:spLocks noGrp="1"/>
-          </p:cNvSpPr>
-          <p:nvPr>
-            <p:ph sz="half" idx="2"/>
-          </p:nvPr>
-        </p:nvSpPr>
-        <p:spPr/>
-        <p:txBody>
-          <a:bodyPr/>
-          <a:lstStyle/>
-          <a:p>
-            <a:r>
               <a:rPr lang="en-US" dirty="0" smtClean="0"/>
-              <a:t>SVG-based data visualization</a:t>
+              <a:t>D3-based libraries such as </a:t>
+            </a:r>
+            <a:r>
+              <a:rPr lang="en-US" dirty="0" err="1" smtClean="0"/>
+              <a:t>DC.js</a:t>
+            </a:r>
+            <a:r>
+              <a:rPr lang="en-US" dirty="0" smtClean="0"/>
+              <a:t> provide less work upfront with drill-down</a:t>
             </a:r>
           </a:p>
           <a:p>
             <a:pPr lvl="1"/>
+            <a:endParaRPr lang="en-US" dirty="0"/>
+          </a:p>
+          <a:p>
             <a:r>
               <a:rPr lang="en-US" dirty="0" smtClean="0"/>
-              <a:t>Using data binding, arrays, and enter() to make charts</a:t>
-            </a:r>
-            <a:endParaRPr lang="en-US" dirty="0"/>
-          </a:p>
-        </p:txBody>
-      </p:sp>
-      <p:sp>
-        <p:nvSpPr>
-          <p:cNvPr id="6" name="TextBox 5"/>
+              <a:t>Does it integrate with other libraries and frameworks?</a:t>
+            </a:r>
+          </a:p>
+          <a:p>
+            <a:pPr lvl="1"/>
+            <a:r>
+              <a:rPr lang="en-US" dirty="0" smtClean="0"/>
+              <a:t>Of course!</a:t>
+            </a:r>
+          </a:p>
+          <a:p>
+            <a:pPr lvl="1"/>
+            <a:r>
+              <a:rPr lang="en-US" dirty="0" smtClean="0"/>
+              <a:t>React, Angular, </a:t>
+            </a:r>
+            <a:r>
+              <a:rPr lang="en-US" dirty="0" err="1" smtClean="0"/>
+              <a:t>TypeScript</a:t>
+            </a:r>
+            <a:r>
+              <a:rPr lang="mr-IN" dirty="0" smtClean="0"/>
+              <a:t>…</a:t>
+            </a:r>
+            <a:r>
+              <a:rPr lang="en-US" dirty="0" smtClean="0"/>
+              <a:t>anything JS-based</a:t>
+            </a:r>
+          </a:p>
+          <a:p>
+            <a:pPr lvl="1"/>
+            <a:endParaRPr lang="en-US" dirty="0" smtClean="0"/>
+          </a:p>
+          <a:p>
+            <a:r>
+              <a:rPr lang="en-US" dirty="0" smtClean="0"/>
+              <a:t>What type of data do you need for D3?</a:t>
+            </a:r>
+          </a:p>
+          <a:p>
+            <a:pPr lvl="1"/>
+            <a:r>
+              <a:rPr lang="en-US" dirty="0" smtClean="0"/>
+              <a:t>Works for several types. Static, JSON, CSV, XML, </a:t>
+            </a:r>
+            <a:r>
+              <a:rPr lang="en-US" dirty="0" err="1" smtClean="0"/>
+              <a:t>etc</a:t>
+            </a:r>
+            <a:r>
+              <a:rPr lang="mr-IN" dirty="0" smtClean="0"/>
+              <a:t>…</a:t>
+            </a:r>
+            <a:endParaRPr lang="en-US" dirty="0"/>
+          </a:p>
+        </p:txBody>
+      </p:sp>
+      <p:sp>
+        <p:nvSpPr>
+          <p:cNvPr id="4" name="TextBox 3"/>
           <p:cNvSpPr txBox="1"/>
           <p:nvPr/>
         </p:nvSpPr>
         <p:spPr>
           <a:xfrm>
             <a:off x="457200" y="5943600"/>
-            <a:ext cx="4666593" cy="400110"/>
+            <a:ext cx="2601311" cy="246221"/>
           </a:xfrm>
           <a:prstGeom prst="rect">
             <a:avLst/>
@@ -11451,29 +11531,120 @@
           </a:bodyPr>
           <a:lstStyle/>
           <a:p>
-            <a:pPr marL="0" lvl="1"/>
-            <a:r>
-              <a:rPr lang="en-US" sz="1000" dirty="0"/>
+            <a:r>
+              <a:rPr lang="en-US" sz="1000" b="1" dirty="0"/>
               <a:t>https://</a:t>
             </a:r>
             <a:r>
               <a:rPr lang="en-US" sz="1000" b="1" dirty="0" err="1"/>
-              <a:t>medium.freecodecamp.org</a:t>
+              <a:t>codepen.io</a:t>
             </a:r>
             <a:r>
               <a:rPr lang="en-US" sz="1000" b="1" dirty="0"/>
-              <a:t>/learn-d3-js-in-5-minutes-c5ec29fb0725</a:t>
-            </a:r>
-          </a:p>
-          <a:p>
-            <a:endParaRPr lang="en-US" sz="1000" dirty="0"/>
+              <a:t>/</a:t>
+            </a:r>
+            <a:r>
+              <a:rPr lang="en-US" sz="1000" b="1" dirty="0" err="1"/>
+              <a:t>ademps</a:t>
+            </a:r>
+            <a:r>
+              <a:rPr lang="en-US" sz="1000" b="1" dirty="0"/>
+              <a:t>/pen/</a:t>
+            </a:r>
+            <a:r>
+              <a:rPr lang="en-US" sz="1000" b="1" dirty="0" err="1"/>
+              <a:t>mlHyC</a:t>
+            </a:r>
+            <a:endParaRPr lang="en-US" sz="1000" b="1" dirty="0"/>
+          </a:p>
+        </p:txBody>
+      </p:sp>
+      <p:sp>
+        <p:nvSpPr>
+          <p:cNvPr id="5" name="TextBox 4"/>
+          <p:cNvSpPr txBox="1"/>
+          <p:nvPr/>
+        </p:nvSpPr>
+        <p:spPr>
+          <a:xfrm>
+            <a:off x="457200" y="6172200"/>
+            <a:ext cx="1939159" cy="249075"/>
+          </a:xfrm>
+          <a:prstGeom prst="rect">
+            <a:avLst/>
+          </a:prstGeom>
+          <a:noFill/>
+        </p:spPr>
+        <p:txBody>
+          <a:bodyPr wrap="square" rtlCol="0">
+            <a:spAutoFit/>
+          </a:bodyPr>
+          <a:lstStyle/>
+          <a:p>
+            <a:r>
+              <a:rPr lang="en-US" sz="1000" b="1" dirty="0"/>
+              <a:t>https://dc-</a:t>
+            </a:r>
+            <a:r>
+              <a:rPr lang="en-US" sz="1000" b="1" dirty="0" err="1"/>
+              <a:t>js.github.io</a:t>
+            </a:r>
+            <a:r>
+              <a:rPr lang="en-US" sz="1000" b="1" dirty="0"/>
+              <a:t>/</a:t>
+            </a:r>
+            <a:r>
+              <a:rPr lang="en-US" sz="1000" b="1" dirty="0" err="1"/>
+              <a:t>dc.js</a:t>
+            </a:r>
+            <a:r>
+              <a:rPr lang="en-US" sz="1000" b="1" dirty="0"/>
+              <a:t>/</a:t>
+            </a:r>
+          </a:p>
+        </p:txBody>
+      </p:sp>
+      <p:sp>
+        <p:nvSpPr>
+          <p:cNvPr id="6" name="TextBox 5"/>
+          <p:cNvSpPr txBox="1"/>
+          <p:nvPr/>
+        </p:nvSpPr>
+        <p:spPr>
+          <a:xfrm>
+            <a:off x="457200" y="6400800"/>
+            <a:ext cx="5675587" cy="246221"/>
+          </a:xfrm>
+          <a:prstGeom prst="rect">
+            <a:avLst/>
+          </a:prstGeom>
+          <a:noFill/>
+        </p:spPr>
+        <p:txBody>
+          <a:bodyPr wrap="square" rtlCol="0">
+            <a:spAutoFit/>
+          </a:bodyPr>
+          <a:lstStyle/>
+          <a:p>
+            <a:r>
+              <a:rPr lang="en-US" sz="1000" b="1" dirty="0"/>
+              <a:t>https://</a:t>
+            </a:r>
+            <a:r>
+              <a:rPr lang="en-US" sz="1000" b="1" dirty="0" err="1"/>
+              <a:t>towardsdatascience.com</a:t>
+            </a:r>
+            <a:r>
+              <a:rPr lang="en-US" sz="1000" b="1" dirty="0"/>
+              <a:t>/interactive-data-visualization-with-d3-js-43fc3428a27e</a:t>
+            </a:r>
           </a:p>
         </p:txBody>
       </p:sp>
     </p:spTree>
     <p:extLst>
       <p:ext uri="{BB962C8B-B14F-4D97-AF65-F5344CB8AC3E}">
-        <p14:creationId xmlns:p14="http://schemas.microsoft.com/office/powerpoint/2010/main" val="198734369"/>
+        <p14:creationId xmlns:p14="http://schemas.microsoft.com/office/powerpoint/2010/main" val="1028498366"/>
       </p:ext>
     </p:extLst>
   </p:cSld>
@@ -11524,82 +11695,108 @@
           <a:p>
             <a:r>
               <a:rPr lang="en-US" dirty="0" smtClean="0"/>
-              <a:t>DOM Manipulation example</a:t>
-            </a:r>
-            <a:endParaRPr lang="en-US" dirty="0"/>
-          </a:p>
-        </p:txBody>
-      </p:sp>
-      <p:pic>
-        <p:nvPicPr>
-          <p:cNvPr id="9" name="Picture 8"/>
-          <p:cNvPicPr>
-            <a:picLocks noChangeAspect="1"/>
-          </p:cNvPicPr>
-          <p:nvPr/>
-        </p:nvPicPr>
-        <p:blipFill>
-          <a:blip r:embed="rId2">
-            <a:extLst>
-              <a:ext uri="{28A0092B-C50C-407E-A947-70E740481C1C}">
-                <a14:useLocalDpi xmlns:a14="http://schemas.microsoft.com/office/drawing/2010/main" val="0"/>
-              </a:ext>
-            </a:extLst>
-          </a:blip>
-          <a:stretch>
-            <a:fillRect/>
-          </a:stretch>
-        </p:blipFill>
-        <p:spPr>
-          <a:xfrm>
-            <a:off x="5969492" y="2881312"/>
-            <a:ext cx="5947870" cy="2889250"/>
-          </a:xfrm>
-          <a:prstGeom prst="rect">
-            <a:avLst/>
-          </a:prstGeom>
-        </p:spPr>
-      </p:pic>
-      <p:pic>
-        <p:nvPicPr>
-          <p:cNvPr id="10" name="Picture 9"/>
-          <p:cNvPicPr>
-            <a:picLocks noChangeAspect="1"/>
-          </p:cNvPicPr>
-          <p:nvPr/>
-        </p:nvPicPr>
-        <p:blipFill>
-          <a:blip r:embed="rId3">
-            <a:extLst>
-              <a:ext uri="{28A0092B-C50C-407E-A947-70E740481C1C}">
-                <a14:useLocalDpi xmlns:a14="http://schemas.microsoft.com/office/drawing/2010/main" val="0"/>
-              </a:ext>
-            </a:extLst>
-          </a:blip>
-          <a:stretch>
-            <a:fillRect/>
-          </a:stretch>
-        </p:blipFill>
-        <p:spPr>
-          <a:xfrm>
-            <a:off x="342899" y="2881312"/>
-            <a:ext cx="5470525" cy="874817"/>
-          </a:xfrm>
-          <a:prstGeom prst="rect">
-            <a:avLst/>
-          </a:prstGeom>
-        </p:spPr>
-      </p:pic>
-      <p:sp>
-        <p:nvSpPr>
-          <p:cNvPr id="12" name="TextBox 11"/>
+              <a:t>More than a chart library</a:t>
+            </a:r>
+            <a:endParaRPr lang="en-US" dirty="0"/>
+          </a:p>
+        </p:txBody>
+      </p:sp>
+      <p:sp>
+        <p:nvSpPr>
+          <p:cNvPr id="4" name="Content Placeholder 3"/>
+          <p:cNvSpPr>
+            <a:spLocks noGrp="1"/>
+          </p:cNvSpPr>
+          <p:nvPr>
+            <p:ph sz="half" idx="1"/>
+          </p:nvPr>
+        </p:nvSpPr>
+        <p:spPr/>
+        <p:txBody>
+          <a:bodyPr/>
+          <a:lstStyle/>
+          <a:p>
+            <a:r>
+              <a:rPr lang="en-US" dirty="0" smtClean="0"/>
+              <a:t>DOM Manipulation</a:t>
+            </a:r>
+          </a:p>
+          <a:p>
+            <a:pPr lvl="1"/>
+            <a:r>
+              <a:rPr lang="en-US" dirty="0"/>
+              <a:t>Using data binding and text() to manipulate </a:t>
+            </a:r>
+            <a:r>
+              <a:rPr lang="en-US" dirty="0" smtClean="0"/>
+              <a:t>DOM</a:t>
+            </a:r>
+          </a:p>
+          <a:p>
+            <a:pPr lvl="1"/>
+            <a:endParaRPr lang="en-US" dirty="0"/>
+          </a:p>
+          <a:p>
+            <a:pPr lvl="1"/>
+            <a:r>
+              <a:rPr lang="en-US" b="1" dirty="0"/>
+              <a:t>In d3, you select the element </a:t>
+            </a:r>
+            <a:r>
+              <a:rPr lang="en-US" b="1" i="1" dirty="0"/>
+              <a:t>before</a:t>
+            </a:r>
+            <a:r>
+              <a:rPr lang="en-US" b="1" dirty="0"/>
+              <a:t> it’s created</a:t>
+            </a:r>
+            <a:endParaRPr lang="en-US" dirty="0"/>
+          </a:p>
+          <a:p>
+            <a:endParaRPr lang="en-US" dirty="0"/>
+          </a:p>
+        </p:txBody>
+      </p:sp>
+      <p:sp>
+        <p:nvSpPr>
+          <p:cNvPr id="5" name="Content Placeholder 4"/>
+          <p:cNvSpPr>
+            <a:spLocks noGrp="1"/>
+          </p:cNvSpPr>
+          <p:nvPr>
+            <p:ph sz="half" idx="2"/>
+          </p:nvPr>
+        </p:nvSpPr>
+        <p:spPr/>
+        <p:txBody>
+          <a:bodyPr/>
+          <a:lstStyle/>
+          <a:p>
+            <a:r>
+              <a:rPr lang="en-US" dirty="0" smtClean="0"/>
+              <a:t>SVG-based data visualization</a:t>
+            </a:r>
+          </a:p>
+          <a:p>
+            <a:pPr lvl="1"/>
+            <a:r>
+              <a:rPr lang="en-US" dirty="0" smtClean="0"/>
+              <a:t>Using data binding, arrays, and enter() to make charts</a:t>
+            </a:r>
+            <a:endParaRPr lang="en-US" dirty="0"/>
+          </a:p>
+        </p:txBody>
+      </p:sp>
+      <p:sp>
+        <p:nvSpPr>
+          <p:cNvPr id="6" name="TextBox 5"/>
           <p:cNvSpPr txBox="1"/>
           <p:nvPr/>
         </p:nvSpPr>
         <p:spPr>
           <a:xfrm>
-            <a:off x="342899" y="4141271"/>
-            <a:ext cx="4814887" cy="369332"/>
+            <a:off x="457200" y="5943600"/>
+            <a:ext cx="4666593" cy="400110"/>
           </a:xfrm>
           <a:prstGeom prst="rect">
             <a:avLst/>
@@ -11612,18 +11809,29 @@
           </a:bodyPr>
           <a:lstStyle/>
           <a:p>
-            <a:r>
-              <a:rPr lang="en-US" b="1" dirty="0" smtClean="0"/>
-              <a:t>Starting out with an empty ordered list</a:t>
-            </a:r>
-            <a:endParaRPr lang="en-US" b="1" dirty="0"/>
+            <a:pPr marL="0" lvl="1"/>
+            <a:r>
+              <a:rPr lang="en-US" sz="1000" dirty="0"/>
+              <a:t>https://</a:t>
+            </a:r>
+            <a:r>
+              <a:rPr lang="en-US" sz="1000" b="1" dirty="0" err="1"/>
+              <a:t>medium.freecodecamp.org</a:t>
+            </a:r>
+            <a:r>
+              <a:rPr lang="en-US" sz="1000" b="1" dirty="0"/>
+              <a:t>/learn-d3-js-in-5-minutes-c5ec29fb0725</a:t>
+            </a:r>
+          </a:p>
+          <a:p>
+            <a:endParaRPr lang="en-US" sz="1000" dirty="0"/>
           </a:p>
         </p:txBody>
       </p:sp>
     </p:spTree>
     <p:extLst>
       <p:ext uri="{BB962C8B-B14F-4D97-AF65-F5344CB8AC3E}">
-        <p14:creationId xmlns:p14="http://schemas.microsoft.com/office/powerpoint/2010/main" val="1012930293"/>
+        <p14:creationId xmlns:p14="http://schemas.microsoft.com/office/powerpoint/2010/main" val="198734369"/>
       </p:ext>
     </p:extLst>
   </p:cSld>
@@ -11674,7 +11882,7 @@
           <a:p>
             <a:r>
               <a:rPr lang="en-US" dirty="0" smtClean="0"/>
-              <a:t>DOM Manipulation Example</a:t>
+              <a:t>DOM Manipulation example</a:t>
             </a:r>
             <a:endParaRPr lang="en-US" dirty="0"/>
           </a:p>
@@ -11682,7 +11890,7 @@
       </p:sp>
       <p:pic>
         <p:nvPicPr>
-          <p:cNvPr id="4" name="Picture 3"/>
+          <p:cNvPr id="9" name="Picture 8"/>
           <p:cNvPicPr>
             <a:picLocks noChangeAspect="1"/>
           </p:cNvPicPr>
@@ -11702,8 +11910,8 @@
         </p:blipFill>
         <p:spPr>
           <a:xfrm>
-            <a:off x="574675" y="4537075"/>
-            <a:ext cx="3808412" cy="1825443"/>
+            <a:off x="5969492" y="2881312"/>
+            <a:ext cx="5947870" cy="2889250"/>
           </a:xfrm>
           <a:prstGeom prst="rect">
             <a:avLst/>
@@ -11712,7 +11920,7 @@
       </p:pic>
       <p:pic>
         <p:nvPicPr>
-          <p:cNvPr id="5" name="Picture 4"/>
+          <p:cNvPr id="10" name="Picture 9"/>
           <p:cNvPicPr>
             <a:picLocks noChangeAspect="1"/>
           </p:cNvPicPr>
@@ -11732,54 +11940,24 @@
         </p:blipFill>
         <p:spPr>
           <a:xfrm>
-            <a:off x="574675" y="2345459"/>
-            <a:ext cx="5578475" cy="1827597"/>
+            <a:off x="342899" y="2881312"/>
+            <a:ext cx="5470525" cy="874817"/>
           </a:xfrm>
           <a:prstGeom prst="rect">
             <a:avLst/>
           </a:prstGeom>
         </p:spPr>
       </p:pic>
-      <p:pic>
-        <p:nvPicPr>
-          <p:cNvPr id="6" name="Picture 5"/>
-          <p:cNvPicPr>
-            <a:picLocks noChangeAspect="1"/>
-          </p:cNvPicPr>
-          <p:nvPr/>
-        </p:nvPicPr>
-        <p:blipFill>
-          <a:blip r:embed="rId4">
-            <a:extLst>
-              <a:ext uri="{28A0092B-C50C-407E-A947-70E740481C1C}">
-                <a14:useLocalDpi xmlns:a14="http://schemas.microsoft.com/office/drawing/2010/main" val="0"/>
-              </a:ext>
-            </a:extLst>
-          </a:blip>
-          <a:stretch>
-            <a:fillRect/>
-          </a:stretch>
-        </p:blipFill>
-        <p:spPr>
-          <a:xfrm>
-            <a:off x="6549333" y="2345459"/>
-            <a:ext cx="5156807" cy="2305603"/>
-          </a:xfrm>
-          <a:prstGeom prst="rect">
-            <a:avLst/>
-          </a:prstGeom>
-        </p:spPr>
-      </p:pic>
-      <p:sp>
-        <p:nvSpPr>
-          <p:cNvPr id="7" name="TextBox 6"/>
+      <p:sp>
+        <p:nvSpPr>
+          <p:cNvPr id="12" name="TextBox 11"/>
           <p:cNvSpPr txBox="1"/>
           <p:nvPr/>
         </p:nvSpPr>
         <p:spPr>
           <a:xfrm>
-            <a:off x="6549333" y="5265130"/>
-            <a:ext cx="4200525" cy="369332"/>
+            <a:off x="342899" y="4141271"/>
+            <a:ext cx="4814887" cy="369332"/>
           </a:xfrm>
           <a:prstGeom prst="rect">
             <a:avLst/>
@@ -11794,7 +11972,7 @@
           <a:p>
             <a:r>
               <a:rPr lang="en-US" b="1" dirty="0" smtClean="0"/>
-              <a:t>Populating list with &lt;li&gt; tags using D3</a:t>
+              <a:t>Starting out with an empty ordered list</a:t>
             </a:r>
             <a:endParaRPr lang="en-US" b="1" dirty="0"/>
           </a:p>
@@ -11803,7 +11981,7 @@
     </p:spTree>
     <p:extLst>
       <p:ext uri="{BB962C8B-B14F-4D97-AF65-F5344CB8AC3E}">
-        <p14:creationId xmlns:p14="http://schemas.microsoft.com/office/powerpoint/2010/main" val="913896429"/>
+        <p14:creationId xmlns:p14="http://schemas.microsoft.com/office/powerpoint/2010/main" val="1012930293"/>
       </p:ext>
     </p:extLst>
   </p:cSld>
@@ -11854,317 +12032,22 @@
           <a:p>
             <a:r>
               <a:rPr lang="en-US" dirty="0" smtClean="0"/>
-              <a:t>Competitors of D3</a:t>
-            </a:r>
-            <a:endParaRPr lang="en-US" dirty="0"/>
-          </a:p>
-        </p:txBody>
-      </p:sp>
-      <p:sp>
-        <p:nvSpPr>
-          <p:cNvPr id="5" name="Content Placeholder 4"/>
-          <p:cNvSpPr>
-            <a:spLocks noGrp="1"/>
-          </p:cNvSpPr>
-          <p:nvPr>
-            <p:ph idx="1"/>
-          </p:nvPr>
-        </p:nvSpPr>
-        <p:spPr/>
-        <p:txBody>
-          <a:bodyPr/>
-          <a:lstStyle/>
-          <a:p>
-            <a:pPr lvl="1"/>
-            <a:endParaRPr lang="en-US" dirty="0"/>
-          </a:p>
-          <a:p>
-            <a:pPr lvl="1"/>
-            <a:endParaRPr lang="en-US" b="1" u="sng" dirty="0" smtClean="0"/>
-          </a:p>
-          <a:p>
-            <a:pPr lvl="1"/>
-            <a:endParaRPr lang="en-US" b="1" u="sng" dirty="0"/>
-          </a:p>
-          <a:p>
-            <a:pPr lvl="1"/>
-            <a:endParaRPr lang="en-US" b="1" u="sng" dirty="0" smtClean="0"/>
-          </a:p>
-          <a:p>
-            <a:pPr lvl="1"/>
-            <a:endParaRPr lang="en-US" b="1" u="sng" dirty="0"/>
-          </a:p>
-          <a:p>
-            <a:pPr marL="457200" lvl="1" indent="0">
-              <a:buNone/>
-            </a:pPr>
-            <a:endParaRPr lang="en-US" b="1" u="sng" dirty="0" smtClean="0">
-              <a:solidFill>
-                <a:schemeClr val="bg1"/>
-              </a:solidFill>
-            </a:endParaRPr>
-          </a:p>
-          <a:p>
-            <a:pPr marL="457200" lvl="1" indent="0" algn="ctr">
-              <a:buNone/>
-            </a:pPr>
-            <a:r>
-              <a:rPr lang="en-US" b="1" u="sng" dirty="0" smtClean="0">
-                <a:solidFill>
-                  <a:schemeClr val="bg1"/>
-                </a:solidFill>
-              </a:rPr>
-              <a:t>Chart </a:t>
-            </a:r>
-            <a:r>
-              <a:rPr lang="en-US" b="1" u="sng" dirty="0">
-                <a:solidFill>
-                  <a:schemeClr val="bg1"/>
-                </a:solidFill>
-              </a:rPr>
-              <a:t>libraries built from </a:t>
-            </a:r>
-            <a:r>
-              <a:rPr lang="en-US" b="1" u="sng" dirty="0" smtClean="0">
-                <a:solidFill>
-                  <a:schemeClr val="bg1"/>
-                </a:solidFill>
-              </a:rPr>
-              <a:t>D3</a:t>
-            </a:r>
-            <a:endParaRPr lang="en-US" b="1" u="sng" dirty="0">
-              <a:solidFill>
-                <a:schemeClr val="bg1"/>
-              </a:solidFill>
-            </a:endParaRPr>
-          </a:p>
-        </p:txBody>
-      </p:sp>
-      <p:sp>
-        <p:nvSpPr>
-          <p:cNvPr id="6" name="TextBox 5"/>
-          <p:cNvSpPr txBox="1"/>
-          <p:nvPr/>
-        </p:nvSpPr>
-        <p:spPr>
-          <a:xfrm>
-            <a:off x="457200" y="5943600"/>
-            <a:ext cx="4429125" cy="246221"/>
-          </a:xfrm>
-          <a:prstGeom prst="rect">
-            <a:avLst/>
-          </a:prstGeom>
-          <a:noFill/>
-        </p:spPr>
-        <p:txBody>
-          <a:bodyPr wrap="square" rtlCol="0">
-            <a:spAutoFit/>
-          </a:bodyPr>
-          <a:lstStyle/>
-          <a:p>
-            <a:r>
-              <a:rPr lang="en-US" sz="1000" b="1" dirty="0"/>
-              <a:t>https://</a:t>
-            </a:r>
-            <a:r>
-              <a:rPr lang="en-US" sz="1000" b="1" dirty="0" err="1"/>
-              <a:t>www.slant.co</a:t>
-            </a:r>
-            <a:r>
-              <a:rPr lang="en-US" sz="1000" b="1" dirty="0"/>
-              <a:t>/options/10577/alternatives/~d3-js-alternatives</a:t>
-            </a:r>
-          </a:p>
-        </p:txBody>
-      </p:sp>
-      <p:sp>
-        <p:nvSpPr>
-          <p:cNvPr id="7" name="TextBox 6"/>
-          <p:cNvSpPr txBox="1"/>
-          <p:nvPr/>
-        </p:nvSpPr>
-        <p:spPr>
-          <a:xfrm>
-            <a:off x="457200" y="6172200"/>
-            <a:ext cx="5943600" cy="246221"/>
-          </a:xfrm>
-          <a:prstGeom prst="rect">
-            <a:avLst/>
-          </a:prstGeom>
-          <a:noFill/>
-        </p:spPr>
-        <p:txBody>
-          <a:bodyPr wrap="square" rtlCol="0">
-            <a:spAutoFit/>
-          </a:bodyPr>
-          <a:lstStyle/>
-          <a:p>
-            <a:r>
-              <a:rPr lang="en-US" sz="1000" b="1" dirty="0"/>
-              <a:t>https://</a:t>
-            </a:r>
-            <a:r>
-              <a:rPr lang="en-US" sz="1000" b="1" dirty="0" err="1"/>
-              <a:t>www.fastcompany.com</a:t>
-            </a:r>
-            <a:r>
-              <a:rPr lang="en-US" sz="1000" b="1" dirty="0"/>
-              <a:t>/3029760/the-five-best-libraries-for-building-data-</a:t>
-            </a:r>
-            <a:r>
-              <a:rPr lang="en-US" sz="1000" b="1" dirty="0" err="1"/>
-              <a:t>vizualizations</a:t>
-            </a:r>
-            <a:endParaRPr lang="en-US" sz="1000" b="1" dirty="0"/>
-          </a:p>
-        </p:txBody>
-      </p:sp>
-      <p:sp>
-        <p:nvSpPr>
-          <p:cNvPr id="8" name="TextBox 7"/>
-          <p:cNvSpPr txBox="1"/>
-          <p:nvPr/>
-        </p:nvSpPr>
-        <p:spPr>
-          <a:xfrm>
-            <a:off x="457200" y="6400800"/>
-            <a:ext cx="4698124" cy="400110"/>
-          </a:xfrm>
-          <a:prstGeom prst="rect">
-            <a:avLst/>
-          </a:prstGeom>
-          <a:noFill/>
-        </p:spPr>
-        <p:txBody>
-          <a:bodyPr wrap="square" rtlCol="0">
-            <a:spAutoFit/>
-          </a:bodyPr>
-          <a:lstStyle/>
-          <a:p>
-            <a:pPr marL="0" lvl="1"/>
-            <a:r>
-              <a:rPr lang="en-US" sz="1000" b="1" dirty="0"/>
-              <a:t>https://</a:t>
-            </a:r>
-            <a:r>
-              <a:rPr lang="en-US" sz="1000" b="1" dirty="0" err="1"/>
-              <a:t>thenextweb.com</a:t>
-            </a:r>
-            <a:r>
-              <a:rPr lang="en-US" sz="1000" b="1" dirty="0"/>
-              <a:t>/</a:t>
-            </a:r>
-            <a:r>
-              <a:rPr lang="en-US" sz="1000" b="1" dirty="0" err="1"/>
-              <a:t>dd</a:t>
-            </a:r>
-            <a:r>
-              <a:rPr lang="en-US" sz="1000" b="1" dirty="0"/>
-              <a:t>/2015/06/12/20-best-javascript-chart-libraries/</a:t>
-            </a:r>
-          </a:p>
-          <a:p>
-            <a:endParaRPr lang="en-US" sz="1000" b="1" dirty="0"/>
+              <a:t>DOM Manipulation Example</a:t>
+            </a:r>
+            <a:endParaRPr lang="en-US" dirty="0"/>
           </a:p>
         </p:txBody>
       </p:sp>
       <p:pic>
         <p:nvPicPr>
-          <p:cNvPr id="9" name="Picture 8"/>
+          <p:cNvPr id="4" name="Picture 3"/>
           <p:cNvPicPr>
             <a:picLocks noChangeAspect="1"/>
           </p:cNvPicPr>
           <p:nvPr/>
         </p:nvPicPr>
-        <p:blipFill rotWithShape="1">
+        <p:blipFill>
           <a:blip r:embed="rId2">
-            <a:extLst>
-              <a:ext uri="{28A0092B-C50C-407E-A947-70E740481C1C}">
-                <a14:useLocalDpi xmlns:a14="http://schemas.microsoft.com/office/drawing/2010/main" val="0"/>
-              </a:ext>
-            </a:extLst>
-          </a:blip>
-          <a:srcRect t="21127" b="17293"/>
-          <a:stretch/>
-        </p:blipFill>
-        <p:spPr>
-          <a:xfrm>
-            <a:off x="680321" y="2258222"/>
-            <a:ext cx="1479555" cy="630951"/>
-          </a:xfrm>
-          <a:prstGeom prst="rect">
-            <a:avLst/>
-          </a:prstGeom>
-        </p:spPr>
-      </p:pic>
-      <p:pic>
-        <p:nvPicPr>
-          <p:cNvPr id="10" name="Picture 9"/>
-          <p:cNvPicPr>
-            <a:picLocks noChangeAspect="1"/>
-          </p:cNvPicPr>
-          <p:nvPr/>
-        </p:nvPicPr>
-        <p:blipFill rotWithShape="1">
-          <a:blip r:embed="rId3">
-            <a:extLst>
-              <a:ext uri="{28A0092B-C50C-407E-A947-70E740481C1C}">
-                <a14:useLocalDpi xmlns:a14="http://schemas.microsoft.com/office/drawing/2010/main" val="0"/>
-              </a:ext>
-            </a:extLst>
-          </a:blip>
-          <a:srcRect t="28368" b="25570"/>
-          <a:stretch/>
-        </p:blipFill>
-        <p:spPr>
-          <a:xfrm>
-            <a:off x="2396358" y="2258222"/>
-            <a:ext cx="2065283" cy="630327"/>
-          </a:xfrm>
-          <a:prstGeom prst="rect">
-            <a:avLst/>
-          </a:prstGeom>
-        </p:spPr>
-      </p:pic>
-      <p:pic>
-        <p:nvPicPr>
-          <p:cNvPr id="11" name="Picture 10"/>
-          <p:cNvPicPr>
-            <a:picLocks noChangeAspect="1"/>
-          </p:cNvPicPr>
-          <p:nvPr/>
-        </p:nvPicPr>
-        <p:blipFill rotWithShape="1">
-          <a:blip r:embed="rId4">
-            <a:extLst>
-              <a:ext uri="{28A0092B-C50C-407E-A947-70E740481C1C}">
-                <a14:useLocalDpi xmlns:a14="http://schemas.microsoft.com/office/drawing/2010/main" val="0"/>
-              </a:ext>
-            </a:extLst>
-          </a:blip>
-          <a:srcRect l="17712" t="37574" r="17241" b="31060"/>
-          <a:stretch/>
-        </p:blipFill>
-        <p:spPr>
-          <a:xfrm>
-            <a:off x="4698123" y="2271513"/>
-            <a:ext cx="2158692" cy="585519"/>
-          </a:xfrm>
-          <a:prstGeom prst="rect">
-            <a:avLst/>
-          </a:prstGeom>
-        </p:spPr>
-      </p:pic>
-      <p:pic>
-        <p:nvPicPr>
-          <p:cNvPr id="12" name="Picture 11"/>
-          <p:cNvPicPr>
-            <a:picLocks noChangeAspect="1"/>
-          </p:cNvPicPr>
-          <p:nvPr/>
-        </p:nvPicPr>
-        <p:blipFill>
-          <a:blip r:embed="rId5">
             <a:extLst>
               <a:ext uri="{28A0092B-C50C-407E-A947-70E740481C1C}">
                 <a14:useLocalDpi xmlns:a14="http://schemas.microsoft.com/office/drawing/2010/main" val="0"/>
@@ -12177,8 +12060,8 @@
         </p:blipFill>
         <p:spPr>
           <a:xfrm>
-            <a:off x="7866193" y="3207264"/>
-            <a:ext cx="2805467" cy="695372"/>
+            <a:off x="574675" y="4537075"/>
+            <a:ext cx="3808412" cy="1825443"/>
           </a:xfrm>
           <a:prstGeom prst="rect">
             <a:avLst/>
@@ -12187,43 +12070,14 @@
       </p:pic>
       <p:pic>
         <p:nvPicPr>
-          <p:cNvPr id="13" name="Picture 12"/>
+          <p:cNvPr id="5" name="Picture 4"/>
           <p:cNvPicPr>
             <a:picLocks noChangeAspect="1"/>
           </p:cNvPicPr>
           <p:nvPr/>
         </p:nvPicPr>
-        <p:blipFill rotWithShape="1">
-          <a:blip r:embed="rId6">
-            <a:extLst>
-              <a:ext uri="{28A0092B-C50C-407E-A947-70E740481C1C}">
-                <a14:useLocalDpi xmlns:a14="http://schemas.microsoft.com/office/drawing/2010/main" val="0"/>
-              </a:ext>
-            </a:extLst>
-          </a:blip>
-          <a:srcRect l="27429" t="18948" r="29467" b="30618"/>
-          <a:stretch/>
-        </p:blipFill>
-        <p:spPr>
-          <a:xfrm>
-            <a:off x="6204532" y="3118461"/>
-            <a:ext cx="1032847" cy="679787"/>
-          </a:xfrm>
-          <a:prstGeom prst="rect">
-            <a:avLst/>
-          </a:prstGeom>
-        </p:spPr>
-      </p:pic>
-      <p:pic>
-        <p:nvPicPr>
-          <p:cNvPr id="14" name="Picture 13"/>
-          <p:cNvPicPr>
-            <a:picLocks noChangeAspect="1"/>
-          </p:cNvPicPr>
-          <p:nvPr/>
-        </p:nvPicPr>
         <p:blipFill>
-          <a:blip r:embed="rId7">
+          <a:blip r:embed="rId3">
             <a:extLst>
               <a:ext uri="{28A0092B-C50C-407E-A947-70E740481C1C}">
                 <a14:useLocalDpi xmlns:a14="http://schemas.microsoft.com/office/drawing/2010/main" val="0"/>
@@ -12236,8 +12090,8 @@
         </p:blipFill>
         <p:spPr>
           <a:xfrm>
-            <a:off x="3047738" y="3267797"/>
-            <a:ext cx="2563023" cy="469887"/>
+            <a:off x="574675" y="2345459"/>
+            <a:ext cx="5578475" cy="1827597"/>
           </a:xfrm>
           <a:prstGeom prst="rect">
             <a:avLst/>
@@ -12246,14 +12100,14 @@
       </p:pic>
       <p:pic>
         <p:nvPicPr>
-          <p:cNvPr id="15" name="Picture 14"/>
+          <p:cNvPr id="6" name="Picture 5"/>
           <p:cNvPicPr>
             <a:picLocks noChangeAspect="1"/>
           </p:cNvPicPr>
           <p:nvPr/>
         </p:nvPicPr>
         <p:blipFill>
-          <a:blip r:embed="rId8">
+          <a:blip r:embed="rId4">
             <a:extLst>
               <a:ext uri="{28A0092B-C50C-407E-A947-70E740481C1C}">
                 <a14:useLocalDpi xmlns:a14="http://schemas.microsoft.com/office/drawing/2010/main" val="0"/>
@@ -12266,224 +12120,48 @@
         </p:blipFill>
         <p:spPr>
           <a:xfrm>
-            <a:off x="966917" y="3156930"/>
-            <a:ext cx="1783936" cy="691619"/>
+            <a:off x="6549333" y="2345459"/>
+            <a:ext cx="5156807" cy="2305603"/>
           </a:xfrm>
           <a:prstGeom prst="rect">
             <a:avLst/>
           </a:prstGeom>
         </p:spPr>
       </p:pic>
-      <p:pic>
-        <p:nvPicPr>
-          <p:cNvPr id="16" name="Picture 15"/>
-          <p:cNvPicPr>
-            <a:picLocks noChangeAspect="1"/>
-          </p:cNvPicPr>
-          <p:nvPr/>
-        </p:nvPicPr>
-        <p:blipFill>
-          <a:blip r:embed="rId9">
-            <a:extLst>
-              <a:ext uri="{28A0092B-C50C-407E-A947-70E740481C1C}">
-                <a14:useLocalDpi xmlns:a14="http://schemas.microsoft.com/office/drawing/2010/main" val="0"/>
-              </a:ext>
-            </a:extLst>
-          </a:blip>
-          <a:stretch>
-            <a:fillRect/>
-          </a:stretch>
-        </p:blipFill>
-        <p:spPr>
-          <a:xfrm>
-            <a:off x="10671660" y="2258222"/>
-            <a:ext cx="860239" cy="860239"/>
+      <p:sp>
+        <p:nvSpPr>
+          <p:cNvPr id="7" name="TextBox 6"/>
+          <p:cNvSpPr txBox="1"/>
+          <p:nvPr/>
+        </p:nvSpPr>
+        <p:spPr>
+          <a:xfrm>
+            <a:off x="6549333" y="5265130"/>
+            <a:ext cx="4200525" cy="369332"/>
           </a:xfrm>
           <a:prstGeom prst="rect">
             <a:avLst/>
           </a:prstGeom>
-        </p:spPr>
-      </p:pic>
-      <p:pic>
-        <p:nvPicPr>
-          <p:cNvPr id="17" name="Picture 16"/>
-          <p:cNvPicPr>
-            <a:picLocks noChangeAspect="1"/>
-          </p:cNvPicPr>
-          <p:nvPr/>
-        </p:nvPicPr>
-        <p:blipFill rotWithShape="1">
-          <a:blip r:embed="rId10">
-            <a:extLst>
-              <a:ext uri="{28A0092B-C50C-407E-A947-70E740481C1C}">
-                <a14:useLocalDpi xmlns:a14="http://schemas.microsoft.com/office/drawing/2010/main" val="0"/>
-              </a:ext>
-            </a:extLst>
-          </a:blip>
-          <a:srcRect l="5363" t="8759" r="10981" b="13548"/>
-          <a:stretch/>
-        </p:blipFill>
-        <p:spPr>
-          <a:xfrm>
-            <a:off x="7108649" y="2271513"/>
-            <a:ext cx="1515089" cy="602341"/>
-          </a:xfrm>
-          <a:prstGeom prst="rect">
-            <a:avLst/>
-          </a:prstGeom>
-        </p:spPr>
-      </p:pic>
-      <p:pic>
-        <p:nvPicPr>
-          <p:cNvPr id="18" name="Picture 17"/>
-          <p:cNvPicPr>
-            <a:picLocks noChangeAspect="1"/>
-          </p:cNvPicPr>
-          <p:nvPr/>
-        </p:nvPicPr>
-        <p:blipFill rotWithShape="1">
-          <a:blip r:embed="rId11">
-            <a:extLst>
-              <a:ext uri="{28A0092B-C50C-407E-A947-70E740481C1C}">
-                <a14:useLocalDpi xmlns:a14="http://schemas.microsoft.com/office/drawing/2010/main" val="0"/>
-              </a:ext>
-            </a:extLst>
-          </a:blip>
-          <a:srcRect t="18938" b="23583"/>
-          <a:stretch/>
-        </p:blipFill>
-        <p:spPr>
-          <a:xfrm>
-            <a:off x="8904737" y="2244931"/>
-            <a:ext cx="1507686" cy="664395"/>
-          </a:xfrm>
-          <a:prstGeom prst="rect">
-            <a:avLst/>
-          </a:prstGeom>
-        </p:spPr>
-      </p:pic>
-      <p:pic>
-        <p:nvPicPr>
-          <p:cNvPr id="19" name="Picture 18"/>
-          <p:cNvPicPr>
-            <a:picLocks noChangeAspect="1"/>
-          </p:cNvPicPr>
-          <p:nvPr/>
-        </p:nvPicPr>
-        <p:blipFill rotWithShape="1">
-          <a:blip r:embed="rId12">
-            <a:extLst>
-              <a:ext uri="{28A0092B-C50C-407E-A947-70E740481C1C}">
-                <a14:useLocalDpi xmlns:a14="http://schemas.microsoft.com/office/drawing/2010/main" val="0"/>
-              </a:ext>
-            </a:extLst>
-          </a:blip>
-          <a:srcRect t="31235" b="34461"/>
-          <a:stretch/>
-        </p:blipFill>
-        <p:spPr>
-          <a:xfrm>
-            <a:off x="1130240" y="4999781"/>
-            <a:ext cx="2136274" cy="732840"/>
-          </a:xfrm>
-          <a:prstGeom prst="rect">
-            <a:avLst/>
-          </a:prstGeom>
-        </p:spPr>
-      </p:pic>
-      <p:pic>
-        <p:nvPicPr>
-          <p:cNvPr id="20" name="Picture 19"/>
-          <p:cNvPicPr>
-            <a:picLocks noChangeAspect="1"/>
-          </p:cNvPicPr>
-          <p:nvPr/>
-        </p:nvPicPr>
-        <p:blipFill rotWithShape="1">
-          <a:blip r:embed="rId13">
-            <a:extLst>
-              <a:ext uri="{28A0092B-C50C-407E-A947-70E740481C1C}">
-                <a14:useLocalDpi xmlns:a14="http://schemas.microsoft.com/office/drawing/2010/main" val="0"/>
-              </a:ext>
-            </a:extLst>
-          </a:blip>
-          <a:srcRect l="35677" r="38634" b="62226"/>
-          <a:stretch/>
-        </p:blipFill>
-        <p:spPr>
-          <a:xfrm>
-            <a:off x="3871147" y="4999781"/>
-            <a:ext cx="1906322" cy="732840"/>
-          </a:xfrm>
-          <a:prstGeom prst="rect">
-            <a:avLst/>
-          </a:prstGeom>
-        </p:spPr>
-      </p:pic>
-      <p:pic>
-        <p:nvPicPr>
-          <p:cNvPr id="21" name="Picture 20"/>
-          <p:cNvPicPr>
-            <a:picLocks noChangeAspect="1"/>
-          </p:cNvPicPr>
-          <p:nvPr/>
-        </p:nvPicPr>
-        <p:blipFill>
-          <a:blip r:embed="rId14">
-            <a:extLst>
-              <a:ext uri="{28A0092B-C50C-407E-A947-70E740481C1C}">
-                <a14:useLocalDpi xmlns:a14="http://schemas.microsoft.com/office/drawing/2010/main" val="0"/>
-              </a:ext>
-            </a:extLst>
-          </a:blip>
-          <a:stretch>
-            <a:fillRect/>
-          </a:stretch>
-        </p:blipFill>
-        <p:spPr>
-          <a:xfrm>
-            <a:off x="7789871" y="4846995"/>
-            <a:ext cx="2954230" cy="1038412"/>
-          </a:xfrm>
-          <a:prstGeom prst="rect">
-            <a:avLst/>
-          </a:prstGeom>
-        </p:spPr>
-      </p:pic>
-      <p:pic>
-        <p:nvPicPr>
-          <p:cNvPr id="22" name="Picture 21"/>
-          <p:cNvPicPr>
-            <a:picLocks noChangeAspect="1"/>
-          </p:cNvPicPr>
-          <p:nvPr/>
-        </p:nvPicPr>
-        <p:blipFill>
-          <a:blip r:embed="rId15">
-            <a:extLst>
-              <a:ext uri="{28A0092B-C50C-407E-A947-70E740481C1C}">
-                <a14:useLocalDpi xmlns:a14="http://schemas.microsoft.com/office/drawing/2010/main" val="0"/>
-              </a:ext>
-            </a:extLst>
-          </a:blip>
-          <a:stretch>
-            <a:fillRect/>
-          </a:stretch>
-        </p:blipFill>
-        <p:spPr>
-          <a:xfrm>
-            <a:off x="6525790" y="4996280"/>
-            <a:ext cx="736341" cy="736341"/>
-          </a:xfrm>
-          <a:prstGeom prst="rect">
-            <a:avLst/>
-          </a:prstGeom>
-        </p:spPr>
-      </p:pic>
+          <a:noFill/>
+        </p:spPr>
+        <p:txBody>
+          <a:bodyPr wrap="square" rtlCol="0">
+            <a:spAutoFit/>
+          </a:bodyPr>
+          <a:lstStyle/>
+          <a:p>
+            <a:r>
+              <a:rPr lang="en-US" b="1" dirty="0" smtClean="0"/>
+              <a:t>Populating list with &lt;li&gt; tags using D3</a:t>
+            </a:r>
+            <a:endParaRPr lang="en-US" b="1" dirty="0"/>
+          </a:p>
+        </p:txBody>
+      </p:sp>
     </p:spTree>
     <p:extLst>
       <p:ext uri="{BB962C8B-B14F-4D97-AF65-F5344CB8AC3E}">
-        <p14:creationId xmlns:p14="http://schemas.microsoft.com/office/powerpoint/2010/main" val="1265180324"/>
+        <p14:creationId xmlns:p14="http://schemas.microsoft.com/office/powerpoint/2010/main" val="913896429"/>
       </p:ext>
     </p:extLst>
   </p:cSld>
@@ -12534,22 +12212,102 @@
           <a:p>
             <a:r>
               <a:rPr lang="en-US" dirty="0" smtClean="0"/>
-              <a:t>Who already uses D3?</a:t>
-            </a:r>
-            <a:endParaRPr lang="en-US" dirty="0"/>
-          </a:p>
-        </p:txBody>
-      </p:sp>
-      <p:sp>
-        <p:nvSpPr>
-          <p:cNvPr id="4" name="TextBox 3"/>
+              <a:t>Competitors of D3</a:t>
+            </a:r>
+            <a:endParaRPr lang="en-US" dirty="0"/>
+          </a:p>
+        </p:txBody>
+      </p:sp>
+      <p:sp>
+        <p:nvSpPr>
+          <p:cNvPr id="5" name="Content Placeholder 4"/>
+          <p:cNvSpPr>
+            <a:spLocks noGrp="1"/>
+          </p:cNvSpPr>
+          <p:nvPr>
+            <p:ph idx="1"/>
+          </p:nvPr>
+        </p:nvSpPr>
+        <p:spPr/>
+        <p:txBody>
+          <a:bodyPr/>
+          <a:lstStyle/>
+          <a:p>
+            <a:pPr lvl="1"/>
+            <a:endParaRPr lang="en-US" dirty="0"/>
+          </a:p>
+          <a:p>
+            <a:pPr lvl="1"/>
+            <a:endParaRPr lang="en-US" b="1" u="sng" dirty="0" smtClean="0"/>
+          </a:p>
+          <a:p>
+            <a:pPr lvl="1"/>
+            <a:endParaRPr lang="en-US" b="1" u="sng" dirty="0"/>
+          </a:p>
+          <a:p>
+            <a:pPr lvl="1"/>
+            <a:endParaRPr lang="en-US" b="1" u="sng" dirty="0" smtClean="0"/>
+          </a:p>
+          <a:p>
+            <a:pPr lvl="1"/>
+            <a:endParaRPr lang="en-US" b="1" u="sng" dirty="0"/>
+          </a:p>
+          <a:p>
+            <a:pPr marL="457200" lvl="1" indent="0">
+              <a:buNone/>
+            </a:pPr>
+            <a:endParaRPr lang="en-US" b="1" u="sng" dirty="0" smtClean="0">
+              <a:solidFill>
+                <a:schemeClr val="bg1"/>
+              </a:solidFill>
+            </a:endParaRPr>
+          </a:p>
+          <a:p>
+            <a:pPr marL="457200" lvl="1" indent="0" algn="ctr">
+              <a:buNone/>
+            </a:pPr>
+            <a:r>
+              <a:rPr lang="en-US" b="1" u="sng" dirty="0" smtClean="0">
+                <a:solidFill>
+                  <a:schemeClr val="bg1"/>
+                </a:solidFill>
+              </a:rPr>
+              <a:t>Chart </a:t>
+            </a:r>
+            <a:r>
+              <a:rPr lang="en-US" b="1" u="sng" dirty="0">
+                <a:solidFill>
+                  <a:schemeClr val="bg1"/>
+                </a:solidFill>
+              </a:rPr>
+              <a:t>libraries built from </a:t>
+            </a:r>
+            <a:r>
+              <a:rPr lang="en-US" b="1" u="sng" dirty="0" smtClean="0">
+                <a:solidFill>
+                  <a:schemeClr val="bg1"/>
+                </a:solidFill>
+              </a:rPr>
+              <a:t>D3</a:t>
+            </a:r>
+            <a:endParaRPr lang="en-US" b="1" u="sng" dirty="0">
+              <a:solidFill>
+                <a:schemeClr val="bg1"/>
+              </a:solidFill>
+            </a:endParaRPr>
+          </a:p>
+        </p:txBody>
+      </p:sp>
+      <p:sp>
+        <p:nvSpPr>
+          <p:cNvPr id="6" name="TextBox 5"/>
           <p:cNvSpPr txBox="1"/>
           <p:nvPr/>
         </p:nvSpPr>
         <p:spPr>
           <a:xfrm>
             <a:off x="457200" y="5943600"/>
-            <a:ext cx="4130565" cy="400110"/>
+            <a:ext cx="4429125" cy="246221"/>
           </a:xfrm>
           <a:prstGeom prst="rect">
             <a:avLst/>
@@ -12562,18 +12320,105 @@
           </a:bodyPr>
           <a:lstStyle/>
           <a:p>
-            <a:pPr marL="0" lvl="1"/>
             <a:r>
               <a:rPr lang="en-US" sz="1000" b="1" dirty="0"/>
               <a:t>https://</a:t>
             </a:r>
             <a:r>
               <a:rPr lang="en-US" sz="1000" b="1" dirty="0" err="1"/>
-              <a:t>www.sitepoint.com</a:t>
+              <a:t>www.slant.co</a:t>
             </a:r>
             <a:r>
               <a:rPr lang="en-US" sz="1000" b="1" dirty="0"/>
-              <a:t>/15-best-javascript-charting-libraries/</a:t>
+              <a:t>/options/10577/alternatives/~d3-js-alternatives</a:t>
+            </a:r>
+          </a:p>
+        </p:txBody>
+      </p:sp>
+      <p:sp>
+        <p:nvSpPr>
+          <p:cNvPr id="7" name="TextBox 6"/>
+          <p:cNvSpPr txBox="1"/>
+          <p:nvPr/>
+        </p:nvSpPr>
+        <p:spPr>
+          <a:xfrm>
+            <a:off x="457200" y="6172200"/>
+            <a:ext cx="5943600" cy="246221"/>
+          </a:xfrm>
+          <a:prstGeom prst="rect">
+            <a:avLst/>
+          </a:prstGeom>
+          <a:noFill/>
+        </p:spPr>
+        <p:txBody>
+          <a:bodyPr wrap="square" rtlCol="0">
+            <a:spAutoFit/>
+          </a:bodyPr>
+          <a:lstStyle/>
+          <a:p>
+            <a:r>
+              <a:rPr lang="en-US" sz="1000" b="1" dirty="0"/>
+              <a:t>https://</a:t>
+            </a:r>
+            <a:r>
+              <a:rPr lang="en-US" sz="1000" b="1" dirty="0" err="1"/>
+              <a:t>www.fastcompany.com</a:t>
+            </a:r>
+            <a:r>
+              <a:rPr lang="en-US" sz="1000" b="1" dirty="0"/>
+              <a:t>/3029760/the-five-best-libraries-for-building-data-</a:t>
+            </a:r>
+            <a:r>
+              <a:rPr lang="en-US" sz="1000" b="1" dirty="0" err="1"/>
+              <a:t>vizualizations</a:t>
+            </a:r>
+            <a:endParaRPr lang="en-US" sz="1000" b="1" dirty="0"/>
+          </a:p>
+        </p:txBody>
+      </p:sp>
+      <p:sp>
+        <p:nvSpPr>
+          <p:cNvPr id="8" name="TextBox 7"/>
+          <p:cNvSpPr txBox="1"/>
+          <p:nvPr/>
+        </p:nvSpPr>
+        <p:spPr>
+          <a:xfrm>
+            <a:off x="457200" y="6400800"/>
+            <a:ext cx="4698124" cy="400110"/>
+          </a:xfrm>
+          <a:prstGeom prst="rect">
+            <a:avLst/>
+          </a:prstGeom>
+          <a:noFill/>
+        </p:spPr>
+        <p:txBody>
+          <a:bodyPr wrap="square" rtlCol="0">
+            <a:spAutoFit/>
+          </a:bodyPr>
+          <a:lstStyle/>
+          <a:p>
+            <a:pPr marL="0" lvl="1"/>
+            <a:r>
+              <a:rPr lang="en-US" sz="1000" b="1" dirty="0"/>
+              <a:t>https://</a:t>
+            </a:r>
+            <a:r>
+              <a:rPr lang="en-US" sz="1000" b="1" dirty="0" err="1"/>
+              <a:t>thenextweb.com</a:t>
+            </a:r>
+            <a:r>
+              <a:rPr lang="en-US" sz="1000" b="1" dirty="0"/>
+              <a:t>/</a:t>
+            </a:r>
+            <a:r>
+              <a:rPr lang="en-US" sz="1000" b="1" dirty="0" err="1"/>
+              <a:t>dd</a:t>
+            </a:r>
+            <a:r>
+              <a:rPr lang="en-US" sz="1000" b="1" dirty="0"/>
+              <a:t>/2015/06/12/20-best-javascript-chart-libraries/</a:t>
             </a:r>
           </a:p>
           <a:p>
@@ -12583,14 +12428,101 @@
       </p:sp>
       <p:pic>
         <p:nvPicPr>
-          <p:cNvPr id="5" name="Picture 4"/>
+          <p:cNvPr id="9" name="Picture 8"/>
           <p:cNvPicPr>
             <a:picLocks noChangeAspect="1"/>
           </p:cNvPicPr>
           <p:nvPr/>
         </p:nvPicPr>
+        <p:blipFill rotWithShape="1">
+          <a:blip r:embed="rId2">
+            <a:extLst>
+              <a:ext uri="{28A0092B-C50C-407E-A947-70E740481C1C}">
+                <a14:useLocalDpi xmlns:a14="http://schemas.microsoft.com/office/drawing/2010/main" val="0"/>
+              </a:ext>
+            </a:extLst>
+          </a:blip>
+          <a:srcRect t="21127" b="17293"/>
+          <a:stretch/>
+        </p:blipFill>
+        <p:spPr>
+          <a:xfrm>
+            <a:off x="680321" y="2258222"/>
+            <a:ext cx="1479555" cy="630951"/>
+          </a:xfrm>
+          <a:prstGeom prst="rect">
+            <a:avLst/>
+          </a:prstGeom>
+        </p:spPr>
+      </p:pic>
+      <p:pic>
+        <p:nvPicPr>
+          <p:cNvPr id="10" name="Picture 9"/>
+          <p:cNvPicPr>
+            <a:picLocks noChangeAspect="1"/>
+          </p:cNvPicPr>
+          <p:nvPr/>
+        </p:nvPicPr>
+        <p:blipFill rotWithShape="1">
+          <a:blip r:embed="rId3">
+            <a:extLst>
+              <a:ext uri="{28A0092B-C50C-407E-A947-70E740481C1C}">
+                <a14:useLocalDpi xmlns:a14="http://schemas.microsoft.com/office/drawing/2010/main" val="0"/>
+              </a:ext>
+            </a:extLst>
+          </a:blip>
+          <a:srcRect t="28368" b="25570"/>
+          <a:stretch/>
+        </p:blipFill>
+        <p:spPr>
+          <a:xfrm>
+            <a:off x="2396358" y="2258222"/>
+            <a:ext cx="2065283" cy="630327"/>
+          </a:xfrm>
+          <a:prstGeom prst="rect">
+            <a:avLst/>
+          </a:prstGeom>
+        </p:spPr>
+      </p:pic>
+      <p:pic>
+        <p:nvPicPr>
+          <p:cNvPr id="11" name="Picture 10"/>
+          <p:cNvPicPr>
+            <a:picLocks noChangeAspect="1"/>
+          </p:cNvPicPr>
+          <p:nvPr/>
+        </p:nvPicPr>
+        <p:blipFill rotWithShape="1">
+          <a:blip r:embed="rId4">
+            <a:extLst>
+              <a:ext uri="{28A0092B-C50C-407E-A947-70E740481C1C}">
+                <a14:useLocalDpi xmlns:a14="http://schemas.microsoft.com/office/drawing/2010/main" val="0"/>
+              </a:ext>
+            </a:extLst>
+          </a:blip>
+          <a:srcRect l="17712" t="37574" r="17241" b="31060"/>
+          <a:stretch/>
+        </p:blipFill>
+        <p:spPr>
+          <a:xfrm>
+            <a:off x="4698123" y="2271513"/>
+            <a:ext cx="2158692" cy="585519"/>
+          </a:xfrm>
+          <a:prstGeom prst="rect">
+            <a:avLst/>
+          </a:prstGeom>
+        </p:spPr>
+      </p:pic>
+      <p:pic>
+        <p:nvPicPr>
+          <p:cNvPr id="12" name="Picture 11"/>
+          <p:cNvPicPr>
+            <a:picLocks noChangeAspect="1"/>
+          </p:cNvPicPr>
+          <p:nvPr/>
+        </p:nvPicPr>
         <p:blipFill>
-          <a:blip r:embed="rId2">
+          <a:blip r:embed="rId5">
             <a:extLst>
               <a:ext uri="{28A0092B-C50C-407E-A947-70E740481C1C}">
                 <a14:useLocalDpi xmlns:a14="http://schemas.microsoft.com/office/drawing/2010/main" val="0"/>
@@ -12603,8 +12535,8 @@
         </p:blipFill>
         <p:spPr>
           <a:xfrm>
-            <a:off x="9428812" y="3074276"/>
-            <a:ext cx="2014888" cy="2014888"/>
+            <a:off x="7866193" y="3207264"/>
+            <a:ext cx="2805467" cy="695372"/>
           </a:xfrm>
           <a:prstGeom prst="rect">
             <a:avLst/>
@@ -12613,14 +12545,43 @@
       </p:pic>
       <p:pic>
         <p:nvPicPr>
-          <p:cNvPr id="6" name="Picture 5"/>
+          <p:cNvPr id="13" name="Picture 12"/>
           <p:cNvPicPr>
             <a:picLocks noChangeAspect="1"/>
           </p:cNvPicPr>
           <p:nvPr/>
         </p:nvPicPr>
+        <p:blipFill rotWithShape="1">
+          <a:blip r:embed="rId6">
+            <a:extLst>
+              <a:ext uri="{28A0092B-C50C-407E-A947-70E740481C1C}">
+                <a14:useLocalDpi xmlns:a14="http://schemas.microsoft.com/office/drawing/2010/main" val="0"/>
+              </a:ext>
+            </a:extLst>
+          </a:blip>
+          <a:srcRect l="27429" t="18948" r="29467" b="30618"/>
+          <a:stretch/>
+        </p:blipFill>
+        <p:spPr>
+          <a:xfrm>
+            <a:off x="6204532" y="3118461"/>
+            <a:ext cx="1032847" cy="679787"/>
+          </a:xfrm>
+          <a:prstGeom prst="rect">
+            <a:avLst/>
+          </a:prstGeom>
+        </p:spPr>
+      </p:pic>
+      <p:pic>
+        <p:nvPicPr>
+          <p:cNvPr id="14" name="Picture 13"/>
+          <p:cNvPicPr>
+            <a:picLocks noChangeAspect="1"/>
+          </p:cNvPicPr>
+          <p:nvPr/>
+        </p:nvPicPr>
         <p:blipFill>
-          <a:blip r:embed="rId3">
+          <a:blip r:embed="rId7">
             <a:extLst>
               <a:ext uri="{28A0092B-C50C-407E-A947-70E740481C1C}">
                 <a14:useLocalDpi xmlns:a14="http://schemas.microsoft.com/office/drawing/2010/main" val="0"/>
@@ -12633,8 +12594,8 @@
         </p:blipFill>
         <p:spPr>
           <a:xfrm>
-            <a:off x="680321" y="3129087"/>
-            <a:ext cx="2209042" cy="2014888"/>
+            <a:off x="3047738" y="3267797"/>
+            <a:ext cx="2563023" cy="469887"/>
           </a:xfrm>
           <a:prstGeom prst="rect">
             <a:avLst/>
@@ -12643,14 +12604,14 @@
       </p:pic>
       <p:pic>
         <p:nvPicPr>
-          <p:cNvPr id="7" name="Picture 6"/>
+          <p:cNvPr id="16" name="Picture 15"/>
           <p:cNvPicPr>
             <a:picLocks noChangeAspect="1"/>
           </p:cNvPicPr>
           <p:nvPr/>
         </p:nvPicPr>
         <p:blipFill>
-          <a:blip r:embed="rId4">
+          <a:blip r:embed="rId8">
             <a:extLst>
               <a:ext uri="{28A0092B-C50C-407E-A947-70E740481C1C}">
                 <a14:useLocalDpi xmlns:a14="http://schemas.microsoft.com/office/drawing/2010/main" val="0"/>
@@ -12663,8 +12624,184 @@
         </p:blipFill>
         <p:spPr>
           <a:xfrm>
-            <a:off x="3043260" y="3548956"/>
-            <a:ext cx="6148552" cy="1175150"/>
+            <a:off x="10671660" y="2258222"/>
+            <a:ext cx="860239" cy="860239"/>
+          </a:xfrm>
+          <a:prstGeom prst="rect">
+            <a:avLst/>
+          </a:prstGeom>
+        </p:spPr>
+      </p:pic>
+      <p:pic>
+        <p:nvPicPr>
+          <p:cNvPr id="17" name="Picture 16"/>
+          <p:cNvPicPr>
+            <a:picLocks noChangeAspect="1"/>
+          </p:cNvPicPr>
+          <p:nvPr/>
+        </p:nvPicPr>
+        <p:blipFill rotWithShape="1">
+          <a:blip r:embed="rId9">
+            <a:extLst>
+              <a:ext uri="{28A0092B-C50C-407E-A947-70E740481C1C}">
+                <a14:useLocalDpi xmlns:a14="http://schemas.microsoft.com/office/drawing/2010/main" val="0"/>
+              </a:ext>
+            </a:extLst>
+          </a:blip>
+          <a:srcRect l="5363" t="8759" r="10981" b="13548"/>
+          <a:stretch/>
+        </p:blipFill>
+        <p:spPr>
+          <a:xfrm>
+            <a:off x="7108649" y="2271513"/>
+            <a:ext cx="1515089" cy="602341"/>
+          </a:xfrm>
+          <a:prstGeom prst="rect">
+            <a:avLst/>
+          </a:prstGeom>
+        </p:spPr>
+      </p:pic>
+      <p:pic>
+        <p:nvPicPr>
+          <p:cNvPr id="18" name="Picture 17"/>
+          <p:cNvPicPr>
+            <a:picLocks noChangeAspect="1"/>
+          </p:cNvPicPr>
+          <p:nvPr/>
+        </p:nvPicPr>
+        <p:blipFill rotWithShape="1">
+          <a:blip r:embed="rId10">
+            <a:extLst>
+              <a:ext uri="{28A0092B-C50C-407E-A947-70E740481C1C}">
+                <a14:useLocalDpi xmlns:a14="http://schemas.microsoft.com/office/drawing/2010/main" val="0"/>
+              </a:ext>
+            </a:extLst>
+          </a:blip>
+          <a:srcRect t="18938" b="23583"/>
+          <a:stretch/>
+        </p:blipFill>
+        <p:spPr>
+          <a:xfrm>
+            <a:off x="8904737" y="2244931"/>
+            <a:ext cx="1507686" cy="664395"/>
+          </a:xfrm>
+          <a:prstGeom prst="rect">
+            <a:avLst/>
+          </a:prstGeom>
+        </p:spPr>
+      </p:pic>
+      <p:pic>
+        <p:nvPicPr>
+          <p:cNvPr id="19" name="Picture 18"/>
+          <p:cNvPicPr>
+            <a:picLocks noChangeAspect="1"/>
+          </p:cNvPicPr>
+          <p:nvPr/>
+        </p:nvPicPr>
+        <p:blipFill rotWithShape="1">
+          <a:blip r:embed="rId11">
+            <a:extLst>
+              <a:ext uri="{28A0092B-C50C-407E-A947-70E740481C1C}">
+                <a14:useLocalDpi xmlns:a14="http://schemas.microsoft.com/office/drawing/2010/main" val="0"/>
+              </a:ext>
+            </a:extLst>
+          </a:blip>
+          <a:srcRect t="31235" b="34461"/>
+          <a:stretch/>
+        </p:blipFill>
+        <p:spPr>
+          <a:xfrm>
+            <a:off x="1130240" y="4999781"/>
+            <a:ext cx="2136274" cy="732840"/>
+          </a:xfrm>
+          <a:prstGeom prst="rect">
+            <a:avLst/>
+          </a:prstGeom>
+        </p:spPr>
+      </p:pic>
+      <p:pic>
+        <p:nvPicPr>
+          <p:cNvPr id="20" name="Picture 19"/>
+          <p:cNvPicPr>
+            <a:picLocks noChangeAspect="1"/>
+          </p:cNvPicPr>
+          <p:nvPr/>
+        </p:nvPicPr>
+        <p:blipFill rotWithShape="1">
+          <a:blip r:embed="rId12">
+            <a:extLst>
+              <a:ext uri="{28A0092B-C50C-407E-A947-70E740481C1C}">
+                <a14:useLocalDpi xmlns:a14="http://schemas.microsoft.com/office/drawing/2010/main" val="0"/>
+              </a:ext>
+            </a:extLst>
+          </a:blip>
+          <a:srcRect l="35677" r="38634" b="62226"/>
+          <a:stretch/>
+        </p:blipFill>
+        <p:spPr>
+          <a:xfrm>
+            <a:off x="3871147" y="4999781"/>
+            <a:ext cx="1906322" cy="732840"/>
+          </a:xfrm>
+          <a:prstGeom prst="rect">
+            <a:avLst/>
+          </a:prstGeom>
+        </p:spPr>
+      </p:pic>
+      <p:pic>
+        <p:nvPicPr>
+          <p:cNvPr id="21" name="Picture 20"/>
+          <p:cNvPicPr>
+            <a:picLocks noChangeAspect="1"/>
+          </p:cNvPicPr>
+          <p:nvPr/>
+        </p:nvPicPr>
+        <p:blipFill>
+          <a:blip r:embed="rId13">
+            <a:extLst>
+              <a:ext uri="{28A0092B-C50C-407E-A947-70E740481C1C}">
+                <a14:useLocalDpi xmlns:a14="http://schemas.microsoft.com/office/drawing/2010/main" val="0"/>
+              </a:ext>
+            </a:extLst>
+          </a:blip>
+          <a:stretch>
+            <a:fillRect/>
+          </a:stretch>
+        </p:blipFill>
+        <p:spPr>
+          <a:xfrm>
+            <a:off x="7789871" y="4846995"/>
+            <a:ext cx="2954230" cy="1038412"/>
+          </a:xfrm>
+          <a:prstGeom prst="rect">
+            <a:avLst/>
+          </a:prstGeom>
+        </p:spPr>
+      </p:pic>
+      <p:pic>
+        <p:nvPicPr>
+          <p:cNvPr id="22" name="Picture 21"/>
+          <p:cNvPicPr>
+            <a:picLocks noChangeAspect="1"/>
+          </p:cNvPicPr>
+          <p:nvPr/>
+        </p:nvPicPr>
+        <p:blipFill>
+          <a:blip r:embed="rId14">
+            <a:extLst>
+              <a:ext uri="{28A0092B-C50C-407E-A947-70E740481C1C}">
+                <a14:useLocalDpi xmlns:a14="http://schemas.microsoft.com/office/drawing/2010/main" val="0"/>
+              </a:ext>
+            </a:extLst>
+          </a:blip>
+          <a:stretch>
+            <a:fillRect/>
+          </a:stretch>
+        </p:blipFill>
+        <p:spPr>
+          <a:xfrm>
+            <a:off x="6525790" y="4996280"/>
+            <a:ext cx="736341" cy="736341"/>
           </a:xfrm>
           <a:prstGeom prst="rect">
             <a:avLst/>
@@ -12674,7 +12811,7 @@
     </p:spTree>
     <p:extLst>
       <p:ext uri="{BB962C8B-B14F-4D97-AF65-F5344CB8AC3E}">
-        <p14:creationId xmlns:p14="http://schemas.microsoft.com/office/powerpoint/2010/main" val="637917273"/>
+        <p14:creationId xmlns:p14="http://schemas.microsoft.com/office/powerpoint/2010/main" val="1265180324"/>
       </p:ext>
     </p:extLst>
   </p:cSld>
